--- a/doc/Apresentação Oral/Examination Timetabling Automation using Hybrid Meta-heuristics.pptx
+++ b/doc/Apresentação Oral/Examination Timetabling Automation using Hybrid Meta-heuristics.pptx
@@ -10,6 +10,13 @@
     <p:sldId id="258" r:id="rId4"/>
     <p:sldId id="259" r:id="rId5"/>
     <p:sldId id="260" r:id="rId6"/>
+    <p:sldId id="261" r:id="rId7"/>
+    <p:sldId id="262" r:id="rId8"/>
+    <p:sldId id="263" r:id="rId9"/>
+    <p:sldId id="264" r:id="rId10"/>
+    <p:sldId id="265" r:id="rId11"/>
+    <p:sldId id="266" r:id="rId12"/>
+    <p:sldId id="267" r:id="rId13"/>
   </p:sldIdLst>
   <p:sldSz cx="12192000" cy="6858000"/>
   <p:notesSz cx="6858000" cy="9144000"/>
@@ -108,6 +115,11 @@
       </a:defRPr>
     </a:lvl9pPr>
   </p:defaultTextStyle>
+  <p:extLst>
+    <p:ext uri="{EFAFB233-063F-42B5-8137-9DF3F51BA10A}">
+      <p15:sldGuideLst xmlns:p15="http://schemas.microsoft.com/office/powerpoint/2012/main"/>
+    </p:ext>
+  </p:extLst>
 </p:presentation>
 </file>
 
@@ -337,7 +349,7 @@
           <a:p>
             <a:fld id="{96DFF08F-DC6B-4601-B491-B0F83F6DD2DA}" type="datetimeFigureOut">
               <a:rPr lang="en-US" dirty="0"/>
-              <a:t>10-Jul-15</a:t>
+              <a:t>12-Jul-15</a:t>
             </a:fld>
             <a:endParaRPr lang="en-US" dirty="0"/>
           </a:p>
@@ -540,7 +552,7 @@
           <a:p>
             <a:fld id="{96DFF08F-DC6B-4601-B491-B0F83F6DD2DA}" type="datetimeFigureOut">
               <a:rPr lang="en-US" dirty="0"/>
-              <a:t>10-Jul-15</a:t>
+              <a:t>12-Jul-15</a:t>
             </a:fld>
             <a:endParaRPr lang="en-US" dirty="0"/>
           </a:p>
@@ -791,7 +803,7 @@
           <a:p>
             <a:fld id="{96DFF08F-DC6B-4601-B491-B0F83F6DD2DA}" type="datetimeFigureOut">
               <a:rPr lang="en-US" dirty="0"/>
-              <a:t>10-Jul-15</a:t>
+              <a:t>12-Jul-15</a:t>
             </a:fld>
             <a:endParaRPr lang="en-US" dirty="0"/>
           </a:p>
@@ -956,7 +968,7 @@
           <a:p>
             <a:fld id="{D62CEF3B-A037-46D0-B02C-1428F07E9383}" type="datetimeFigureOut">
               <a:rPr lang="en-US" dirty="0"/>
-              <a:t>10-Jul-15</a:t>
+              <a:t>12-Jul-15</a:t>
             </a:fld>
             <a:endParaRPr lang="en-US" dirty="0"/>
           </a:p>
@@ -1294,7 +1306,7 @@
           <a:p>
             <a:fld id="{96DFF08F-DC6B-4601-B491-B0F83F6DD2DA}" type="datetimeFigureOut">
               <a:rPr lang="en-US" dirty="0"/>
-              <a:t>10-Jul-15</a:t>
+              <a:t>12-Jul-15</a:t>
             </a:fld>
             <a:endParaRPr lang="en-US" dirty="0"/>
           </a:p>
@@ -1564,7 +1576,7 @@
           <a:p>
             <a:fld id="{96DFF08F-DC6B-4601-B491-B0F83F6DD2DA}" type="datetimeFigureOut">
               <a:rPr lang="en-US" dirty="0"/>
-              <a:t>10-Jul-15</a:t>
+              <a:t>12-Jul-15</a:t>
             </a:fld>
             <a:endParaRPr lang="en-US" dirty="0"/>
           </a:p>
@@ -1938,7 +1950,7 @@
           <a:p>
             <a:fld id="{96DFF08F-DC6B-4601-B491-B0F83F6DD2DA}" type="datetimeFigureOut">
               <a:rPr lang="en-US" dirty="0"/>
-              <a:t>10-Jul-15</a:t>
+              <a:t>12-Jul-15</a:t>
             </a:fld>
             <a:endParaRPr lang="en-US" dirty="0"/>
           </a:p>
@@ -2051,7 +2063,7 @@
           <a:p>
             <a:fld id="{96DFF08F-DC6B-4601-B491-B0F83F6DD2DA}" type="datetimeFigureOut">
               <a:rPr lang="en-US" dirty="0"/>
-              <a:t>10-Jul-15</a:t>
+              <a:t>12-Jul-15</a:t>
             </a:fld>
             <a:endParaRPr lang="en-US" dirty="0"/>
           </a:p>
@@ -2218,7 +2230,7 @@
             <a:fld id="{96DFF08F-DC6B-4601-B491-B0F83F6DD2DA}" type="datetimeFigureOut">
               <a:rPr lang="en-US" dirty="0"/>
               <a:pPr/>
-              <a:t>10-Jul-15</a:t>
+              <a:t>12-Jul-15</a:t>
             </a:fld>
             <a:endParaRPr lang="en-US" dirty="0"/>
           </a:p>
@@ -2569,7 +2581,7 @@
             <a:fld id="{96DFF08F-DC6B-4601-B491-B0F83F6DD2DA}" type="datetimeFigureOut">
               <a:rPr lang="en-US" dirty="0"/>
               <a:pPr/>
-              <a:t>10-Jul-15</a:t>
+              <a:t>12-Jul-15</a:t>
             </a:fld>
             <a:endParaRPr lang="en-US" dirty="0"/>
           </a:p>
@@ -2942,7 +2954,7 @@
           <a:p>
             <a:fld id="{96DFF08F-DC6B-4601-B491-B0F83F6DD2DA}" type="datetimeFigureOut">
               <a:rPr lang="en-US" dirty="0"/>
-              <a:t>10-Jul-15</a:t>
+              <a:t>12-Jul-15</a:t>
             </a:fld>
             <a:endParaRPr lang="en-US" dirty="0"/>
           </a:p>
@@ -3225,7 +3237,7 @@
             <a:fld id="{96DFF08F-DC6B-4601-B491-B0F83F6DD2DA}" type="datetimeFigureOut">
               <a:rPr lang="en-US" dirty="0"/>
               <a:pPr/>
-              <a:t>10-Jul-15</a:t>
+              <a:t>12-Jul-15</a:t>
             </a:fld>
             <a:endParaRPr lang="en-US" dirty="0"/>
           </a:p>
@@ -3828,9 +3840,34 @@
           <a:lstStyle/>
           <a:p>
             <a:r>
+              <a:rPr lang="pt-PT" dirty="0" err="1" smtClean="0"/>
+              <a:t>Made</a:t>
+            </a:r>
+            <a:r>
               <a:rPr lang="pt-PT" dirty="0" smtClean="0"/>
-              <a:t>Feito por:						Orientadores:</a:t>
-            </a:r>
+              <a:t> </a:t>
+            </a:r>
+            <a:r>
+              <a:rPr lang="pt-PT" dirty="0" err="1" smtClean="0"/>
+              <a:t>by</a:t>
+            </a:r>
+            <a:r>
+              <a:rPr lang="pt-PT" dirty="0" smtClean="0"/>
+              <a:t>:</a:t>
+            </a:r>
+            <a:r>
+              <a:rPr lang="pt-PT" dirty="0" smtClean="0"/>
+              <a:t>						</a:t>
+            </a:r>
+            <a:r>
+              <a:rPr lang="pt-PT" dirty="0" err="1" smtClean="0"/>
+              <a:t>Supervisors</a:t>
+            </a:r>
+            <a:r>
+              <a:rPr lang="pt-PT" dirty="0" smtClean="0"/>
+              <a:t>:</a:t>
+            </a:r>
+            <a:endParaRPr lang="pt-PT" dirty="0" smtClean="0"/>
           </a:p>
           <a:p>
             <a:r>
@@ -3891,6 +3928,470 @@
 </p:sld>
 </file>
 
+<file path=ppt/slides/slide10.xml><?xml version="1.0" encoding="utf-8"?>
+<p:sld xmlns:a="http://schemas.openxmlformats.org/drawingml/2006/main" xmlns:r="http://schemas.openxmlformats.org/officeDocument/2006/relationships" xmlns:p="http://schemas.openxmlformats.org/presentationml/2006/main">
+  <p:cSld>
+    <p:spTree>
+      <p:nvGrpSpPr>
+        <p:cNvPr id="1" name=""/>
+        <p:cNvGrpSpPr/>
+        <p:nvPr/>
+      </p:nvGrpSpPr>
+      <p:grpSpPr>
+        <a:xfrm>
+          <a:off x="0" y="0"/>
+          <a:ext cx="0" cy="0"/>
+          <a:chOff x="0" y="0"/>
+          <a:chExt cx="0" cy="0"/>
+        </a:xfrm>
+      </p:grpSpPr>
+      <p:sp>
+        <p:nvSpPr>
+          <p:cNvPr id="2" name="Title 1"/>
+          <p:cNvSpPr>
+            <a:spLocks noGrp="1"/>
+          </p:cNvSpPr>
+          <p:nvPr>
+            <p:ph type="title"/>
+          </p:nvPr>
+        </p:nvSpPr>
+        <p:spPr/>
+        <p:txBody>
+          <a:bodyPr/>
+          <a:lstStyle/>
+          <a:p>
+            <a:r>
+              <a:rPr lang="en-US" dirty="0" smtClean="0"/>
+              <a:t>ITC 2007 Examination timetabling problem</a:t>
+            </a:r>
+            <a:endParaRPr lang="en-US" dirty="0"/>
+          </a:p>
+        </p:txBody>
+      </p:sp>
+      <p:sp>
+        <p:nvSpPr>
+          <p:cNvPr id="3" name="Content Placeholder 2"/>
+          <p:cNvSpPr>
+            <a:spLocks noGrp="1"/>
+          </p:cNvSpPr>
+          <p:nvPr>
+            <p:ph idx="1"/>
+          </p:nvPr>
+        </p:nvSpPr>
+        <p:spPr/>
+        <p:txBody>
+          <a:bodyPr/>
+          <a:lstStyle/>
+          <a:p>
+            <a:pPr>
+              <a:buFont typeface="Arial" panose="020B0604020202020204" pitchFamily="34" charset="0"/>
+              <a:buChar char="•"/>
+            </a:pPr>
+            <a:r>
+              <a:rPr lang="en-US" dirty="0" smtClean="0"/>
+              <a:t> 12 different datasets;</a:t>
+            </a:r>
+          </a:p>
+          <a:p>
+            <a:pPr>
+              <a:buFont typeface="Arial" panose="020B0604020202020204" pitchFamily="34" charset="0"/>
+              <a:buChar char="•"/>
+            </a:pPr>
+            <a:r>
+              <a:rPr lang="en-US" dirty="0"/>
+              <a:t> </a:t>
+            </a:r>
+            <a:r>
+              <a:rPr lang="en-US" dirty="0" smtClean="0"/>
+              <a:t>Raking depends on the </a:t>
+            </a:r>
+            <a:r>
+              <a:rPr lang="en-US" i="1" dirty="0" smtClean="0"/>
+              <a:t>distance to feasibility</a:t>
+            </a:r>
+            <a:r>
+              <a:rPr lang="en-US" dirty="0" smtClean="0"/>
+              <a:t> and </a:t>
+            </a:r>
+            <a:r>
+              <a:rPr lang="en-US" i="1" dirty="0" smtClean="0"/>
+              <a:t>fitness </a:t>
+            </a:r>
+            <a:r>
+              <a:rPr lang="en-US" dirty="0" smtClean="0"/>
+              <a:t>values;</a:t>
+            </a:r>
+          </a:p>
+          <a:p>
+            <a:pPr>
+              <a:buFont typeface="Arial" panose="020B0604020202020204" pitchFamily="34" charset="0"/>
+              <a:buChar char="•"/>
+            </a:pPr>
+            <a:r>
+              <a:rPr lang="en-US" dirty="0" smtClean="0"/>
+              <a:t> The hard constraints are the following:</a:t>
+            </a:r>
+          </a:p>
+          <a:p>
+            <a:pPr lvl="1">
+              <a:buFont typeface="Arial" panose="020B0604020202020204" pitchFamily="34" charset="0"/>
+              <a:buChar char="•"/>
+            </a:pPr>
+            <a:r>
+              <a:rPr lang="en-US" dirty="0" smtClean="0"/>
+              <a:t>No student must be elected to be in more than 1 exam at the same time;</a:t>
+            </a:r>
+          </a:p>
+          <a:p>
+            <a:pPr lvl="1">
+              <a:buFont typeface="Arial" panose="020B0604020202020204" pitchFamily="34" charset="0"/>
+              <a:buChar char="•"/>
+            </a:pPr>
+            <a:r>
+              <a:rPr lang="en-US" dirty="0" smtClean="0"/>
+              <a:t>The number of students attending an exam must not exceed the room’s capacity;</a:t>
+            </a:r>
+          </a:p>
+          <a:p>
+            <a:pPr lvl="1">
+              <a:buFont typeface="Arial" panose="020B0604020202020204" pitchFamily="34" charset="0"/>
+              <a:buChar char="•"/>
+            </a:pPr>
+            <a:r>
+              <a:rPr lang="en-US" dirty="0" smtClean="0"/>
+              <a:t>Exam’s </a:t>
+            </a:r>
+            <a:r>
+              <a:rPr lang="en-US" dirty="0"/>
+              <a:t>length must not surpass the length of the assigned time </a:t>
+            </a:r>
+            <a:r>
+              <a:rPr lang="en-US" dirty="0" smtClean="0"/>
+              <a:t>slot;</a:t>
+            </a:r>
+          </a:p>
+          <a:p>
+            <a:pPr lvl="1">
+              <a:buFont typeface="Arial" panose="020B0604020202020204" pitchFamily="34" charset="0"/>
+              <a:buChar char="•"/>
+            </a:pPr>
+            <a:r>
+              <a:rPr lang="en-US" dirty="0" smtClean="0"/>
+              <a:t>Exams </a:t>
+            </a:r>
+            <a:r>
+              <a:rPr lang="en-US" dirty="0"/>
+              <a:t>ordering hard constraints must be </a:t>
+            </a:r>
+            <a:r>
+              <a:rPr lang="en-US" dirty="0" smtClean="0"/>
+              <a:t>followed (e.g., 1 AFTER 2);</a:t>
+            </a:r>
+          </a:p>
+          <a:p>
+            <a:pPr lvl="1">
+              <a:buFont typeface="Arial" panose="020B0604020202020204" pitchFamily="34" charset="0"/>
+              <a:buChar char="•"/>
+            </a:pPr>
+            <a:r>
+              <a:rPr lang="en-US" dirty="0" smtClean="0"/>
+              <a:t>Room </a:t>
+            </a:r>
+            <a:r>
+              <a:rPr lang="en-US" dirty="0"/>
+              <a:t>assignments hard constraints must be </a:t>
+            </a:r>
+            <a:r>
+              <a:rPr lang="en-US" dirty="0" smtClean="0"/>
+              <a:t>followed (e.g., </a:t>
+            </a:r>
+            <a:r>
+              <a:rPr lang="en-US" dirty="0"/>
+              <a:t>1 </a:t>
+            </a:r>
+            <a:r>
+              <a:rPr lang="en-US" dirty="0" smtClean="0"/>
+              <a:t>ROOM_EXCLUSIVE).</a:t>
+            </a:r>
+          </a:p>
+        </p:txBody>
+      </p:sp>
+    </p:spTree>
+    <p:extLst>
+      <p:ext uri="{BB962C8B-B14F-4D97-AF65-F5344CB8AC3E}">
+        <p14:creationId xmlns:p14="http://schemas.microsoft.com/office/powerpoint/2010/main" val="2849834468"/>
+      </p:ext>
+    </p:extLst>
+  </p:cSld>
+  <p:clrMapOvr>
+    <a:masterClrMapping/>
+  </p:clrMapOvr>
+  <p:timing>
+    <p:tnLst>
+      <p:par>
+        <p:cTn id="1" dur="indefinite" restart="never" nodeType="tmRoot"/>
+      </p:par>
+    </p:tnLst>
+  </p:timing>
+</p:sld>
+</file>
+
+<file path=ppt/slides/slide11.xml><?xml version="1.0" encoding="utf-8"?>
+<p:sld xmlns:a="http://schemas.openxmlformats.org/drawingml/2006/main" xmlns:r="http://schemas.openxmlformats.org/officeDocument/2006/relationships" xmlns:p="http://schemas.openxmlformats.org/presentationml/2006/main">
+  <p:cSld>
+    <p:spTree>
+      <p:nvGrpSpPr>
+        <p:cNvPr id="1" name=""/>
+        <p:cNvGrpSpPr/>
+        <p:nvPr/>
+      </p:nvGrpSpPr>
+      <p:grpSpPr>
+        <a:xfrm>
+          <a:off x="0" y="0"/>
+          <a:ext cx="0" cy="0"/>
+          <a:chOff x="0" y="0"/>
+          <a:chExt cx="0" cy="0"/>
+        </a:xfrm>
+      </p:grpSpPr>
+      <p:sp>
+        <p:nvSpPr>
+          <p:cNvPr id="2" name="Title 1"/>
+          <p:cNvSpPr>
+            <a:spLocks noGrp="1"/>
+          </p:cNvSpPr>
+          <p:nvPr>
+            <p:ph type="title"/>
+          </p:nvPr>
+        </p:nvSpPr>
+        <p:spPr/>
+        <p:txBody>
+          <a:bodyPr/>
+          <a:lstStyle/>
+          <a:p>
+            <a:r>
+              <a:rPr lang="en-US" dirty="0"/>
+              <a:t>ITC 2007 Examination timetabling problem</a:t>
+            </a:r>
+            <a:endParaRPr lang="pt-PT" dirty="0"/>
+          </a:p>
+        </p:txBody>
+      </p:sp>
+      <p:sp>
+        <p:nvSpPr>
+          <p:cNvPr id="3" name="Content Placeholder 2"/>
+          <p:cNvSpPr>
+            <a:spLocks noGrp="1"/>
+          </p:cNvSpPr>
+          <p:nvPr>
+            <p:ph idx="1"/>
+          </p:nvPr>
+        </p:nvSpPr>
+        <p:spPr/>
+        <p:txBody>
+          <a:bodyPr/>
+          <a:lstStyle/>
+          <a:p>
+            <a:pPr>
+              <a:buFont typeface="Arial" panose="020B0604020202020204" pitchFamily="34" charset="0"/>
+              <a:buChar char="•"/>
+            </a:pPr>
+            <a:r>
+              <a:rPr lang="en-US" dirty="0" smtClean="0"/>
+              <a:t> The soft constraints </a:t>
+            </a:r>
+            <a:r>
+              <a:rPr lang="en-US" dirty="0"/>
+              <a:t>are the following:</a:t>
+            </a:r>
+          </a:p>
+          <a:p>
+            <a:pPr lvl="1">
+              <a:buFont typeface="Arial" panose="020B0604020202020204" pitchFamily="34" charset="0"/>
+              <a:buChar char="•"/>
+            </a:pPr>
+            <a:r>
+              <a:rPr lang="en-US" dirty="0" smtClean="0"/>
+              <a:t>Two </a:t>
+            </a:r>
+            <a:r>
+              <a:rPr lang="en-US" dirty="0"/>
+              <a:t>exams in a row</a:t>
+            </a:r>
+            <a:r>
+              <a:rPr lang="en-US" dirty="0" smtClean="0"/>
+              <a:t>;</a:t>
+            </a:r>
+            <a:endParaRPr lang="en-US" dirty="0"/>
+          </a:p>
+          <a:p>
+            <a:pPr lvl="1">
+              <a:buFont typeface="Arial" panose="020B0604020202020204" pitchFamily="34" charset="0"/>
+              <a:buChar char="•"/>
+            </a:pPr>
+            <a:r>
+              <a:rPr lang="en-US" dirty="0" smtClean="0"/>
+              <a:t>Two </a:t>
+            </a:r>
+            <a:r>
+              <a:rPr lang="en-US" dirty="0"/>
+              <a:t>exams in a day</a:t>
+            </a:r>
+            <a:r>
+              <a:rPr lang="en-US" dirty="0" smtClean="0"/>
+              <a:t>;</a:t>
+            </a:r>
+            <a:endParaRPr lang="en-US" dirty="0"/>
+          </a:p>
+          <a:p>
+            <a:pPr lvl="1">
+              <a:buFont typeface="Arial" panose="020B0604020202020204" pitchFamily="34" charset="0"/>
+              <a:buChar char="•"/>
+            </a:pPr>
+            <a:r>
+              <a:rPr lang="en-US" dirty="0" smtClean="0"/>
+              <a:t>Period spread;</a:t>
+            </a:r>
+            <a:endParaRPr lang="en-US" dirty="0"/>
+          </a:p>
+          <a:p>
+            <a:pPr lvl="1">
+              <a:buFont typeface="Arial" panose="020B0604020202020204" pitchFamily="34" charset="0"/>
+              <a:buChar char="•"/>
+            </a:pPr>
+            <a:r>
+              <a:rPr lang="en-US" dirty="0" smtClean="0"/>
+              <a:t>Mixed durations;</a:t>
+            </a:r>
+            <a:endParaRPr lang="en-US" dirty="0"/>
+          </a:p>
+          <a:p>
+            <a:pPr lvl="1">
+              <a:buFont typeface="Arial" panose="020B0604020202020204" pitchFamily="34" charset="0"/>
+              <a:buChar char="•"/>
+            </a:pPr>
+            <a:r>
+              <a:rPr lang="en-US" dirty="0" smtClean="0"/>
+              <a:t>Larger exams constraints;</a:t>
+            </a:r>
+          </a:p>
+          <a:p>
+            <a:pPr lvl="1">
+              <a:buFont typeface="Arial" panose="020B0604020202020204" pitchFamily="34" charset="0"/>
+              <a:buChar char="•"/>
+            </a:pPr>
+            <a:r>
+              <a:rPr lang="en-US" dirty="0" smtClean="0"/>
+              <a:t>Room penalty</a:t>
+            </a:r>
+            <a:r>
+              <a:rPr lang="pt-PT" dirty="0" smtClean="0"/>
+              <a:t>;</a:t>
+            </a:r>
+          </a:p>
+          <a:p>
+            <a:pPr lvl="1">
+              <a:buFont typeface="Arial" panose="020B0604020202020204" pitchFamily="34" charset="0"/>
+              <a:buChar char="•"/>
+            </a:pPr>
+            <a:r>
+              <a:rPr lang="en-US" dirty="0" smtClean="0"/>
+              <a:t>Period penalty.</a:t>
+            </a:r>
+          </a:p>
+          <a:p>
+            <a:endParaRPr lang="pt-PT" dirty="0"/>
+          </a:p>
+        </p:txBody>
+      </p:sp>
+    </p:spTree>
+    <p:extLst>
+      <p:ext uri="{BB962C8B-B14F-4D97-AF65-F5344CB8AC3E}">
+        <p14:creationId xmlns:p14="http://schemas.microsoft.com/office/powerpoint/2010/main" val="3701611136"/>
+      </p:ext>
+    </p:extLst>
+  </p:cSld>
+  <p:clrMapOvr>
+    <a:masterClrMapping/>
+  </p:clrMapOvr>
+</p:sld>
+</file>
+
+<file path=ppt/slides/slide12.xml><?xml version="1.0" encoding="utf-8"?>
+<p:sld xmlns:a="http://schemas.openxmlformats.org/drawingml/2006/main" xmlns:r="http://schemas.openxmlformats.org/officeDocument/2006/relationships" xmlns:p="http://schemas.openxmlformats.org/presentationml/2006/main">
+  <p:cSld>
+    <p:spTree>
+      <p:nvGrpSpPr>
+        <p:cNvPr id="1" name=""/>
+        <p:cNvGrpSpPr/>
+        <p:nvPr/>
+      </p:nvGrpSpPr>
+      <p:grpSpPr>
+        <a:xfrm>
+          <a:off x="0" y="0"/>
+          <a:ext cx="0" cy="0"/>
+          <a:chOff x="0" y="0"/>
+          <a:chExt cx="0" cy="0"/>
+        </a:xfrm>
+      </p:grpSpPr>
+      <p:sp>
+        <p:nvSpPr>
+          <p:cNvPr id="2" name="Title 1"/>
+          <p:cNvSpPr>
+            <a:spLocks noGrp="1"/>
+          </p:cNvSpPr>
+          <p:nvPr>
+            <p:ph type="title"/>
+          </p:nvPr>
+        </p:nvSpPr>
+        <p:spPr/>
+        <p:txBody>
+          <a:bodyPr/>
+          <a:lstStyle/>
+          <a:p>
+            <a:r>
+              <a:rPr lang="en-US" dirty="0"/>
+              <a:t>System </a:t>
+            </a:r>
+            <a:r>
+              <a:rPr lang="en-US" dirty="0" smtClean="0"/>
+              <a:t>architecture</a:t>
+            </a:r>
+            <a:endParaRPr lang="pt-PT" dirty="0"/>
+          </a:p>
+        </p:txBody>
+      </p:sp>
+      <p:sp>
+        <p:nvSpPr>
+          <p:cNvPr id="3" name="Content Placeholder 2"/>
+          <p:cNvSpPr>
+            <a:spLocks noGrp="1"/>
+          </p:cNvSpPr>
+          <p:nvPr>
+            <p:ph idx="1"/>
+          </p:nvPr>
+        </p:nvSpPr>
+        <p:spPr/>
+        <p:txBody>
+          <a:bodyPr/>
+          <a:lstStyle/>
+          <a:p>
+            <a:endParaRPr lang="pt-PT"/>
+          </a:p>
+        </p:txBody>
+      </p:sp>
+    </p:spTree>
+    <p:extLst>
+      <p:ext uri="{BB962C8B-B14F-4D97-AF65-F5344CB8AC3E}">
+        <p14:creationId xmlns:p14="http://schemas.microsoft.com/office/powerpoint/2010/main" val="1191298998"/>
+      </p:ext>
+    </p:extLst>
+  </p:cSld>
+  <p:clrMapOvr>
+    <a:masterClrMapping/>
+  </p:clrMapOvr>
+</p:sld>
+</file>
+
 <file path=ppt/slides/slide2.xml><?xml version="1.0" encoding="utf-8"?>
 <p:sld xmlns:a="http://schemas.openxmlformats.org/drawingml/2006/main" xmlns:r="http://schemas.openxmlformats.org/officeDocument/2006/relationships" xmlns:p="http://schemas.openxmlformats.org/presentationml/2006/main">
   <p:cSld>
@@ -3924,10 +4425,10 @@
           <a:lstStyle/>
           <a:p>
             <a:r>
-              <a:rPr lang="pt-PT" dirty="0" smtClean="0"/>
-              <a:t>Índice</a:t>
-            </a:r>
-            <a:endParaRPr lang="pt-PT" dirty="0"/>
+              <a:rPr lang="en-US" dirty="0" smtClean="0"/>
+              <a:t>Index</a:t>
+            </a:r>
+            <a:endParaRPr lang="en-US" dirty="0"/>
           </a:p>
         </p:txBody>
       </p:sp>
@@ -3944,7 +4445,7 @@
         <p:spPr/>
         <p:txBody>
           <a:bodyPr>
-            <a:normAutofit fontScale="92500" lnSpcReduction="20000"/>
+            <a:normAutofit fontScale="85000" lnSpcReduction="20000"/>
           </a:bodyPr>
           <a:lstStyle/>
           <a:p>
@@ -3953,12 +4454,83 @@
               <a:buChar char="•"/>
             </a:pPr>
             <a:r>
-              <a:rPr lang="pt-PT" dirty="0"/>
+              <a:rPr lang="en-US" dirty="0" smtClean="0"/>
+              <a:t> Introduction</a:t>
+            </a:r>
+          </a:p>
+          <a:p>
+            <a:pPr lvl="1">
+              <a:buFont typeface="Arial" panose="020B0604020202020204" pitchFamily="34" charset="0"/>
+              <a:buChar char="•"/>
+            </a:pPr>
+            <a:r>
+              <a:rPr lang="en-US" dirty="0" smtClean="0"/>
+              <a:t>Educational Timetabling problems</a:t>
+            </a:r>
+          </a:p>
+          <a:p>
+            <a:pPr lvl="1">
+              <a:buFont typeface="Arial" panose="020B0604020202020204" pitchFamily="34" charset="0"/>
+              <a:buChar char="•"/>
+            </a:pPr>
+            <a:r>
+              <a:rPr lang="en-US" dirty="0" smtClean="0"/>
+              <a:t>Objectives</a:t>
+            </a:r>
+          </a:p>
+          <a:p>
+            <a:pPr>
+              <a:buFont typeface="Arial" panose="020B0604020202020204" pitchFamily="34" charset="0"/>
+              <a:buChar char="•"/>
+            </a:pPr>
+            <a:r>
+              <a:rPr lang="en-US" dirty="0" smtClean="0"/>
+              <a:t> Timetabling problem</a:t>
+            </a:r>
+          </a:p>
+          <a:p>
+            <a:pPr>
+              <a:buFont typeface="Arial" panose="020B0604020202020204" pitchFamily="34" charset="0"/>
+              <a:buChar char="•"/>
+            </a:pPr>
+            <a:r>
+              <a:rPr lang="en-US" dirty="0" smtClean="0"/>
+              <a:t> Types of approaches</a:t>
+            </a:r>
+          </a:p>
+          <a:p>
+            <a:pPr>
+              <a:buFont typeface="Arial" panose="020B0604020202020204" pitchFamily="34" charset="0"/>
+              <a:buChar char="•"/>
+            </a:pPr>
+            <a:r>
+              <a:rPr lang="en-US" dirty="0"/>
               <a:t> </a:t>
             </a:r>
             <a:r>
-              <a:rPr lang="pt-PT" dirty="0" smtClean="0"/>
-              <a:t>Introdução</a:t>
+              <a:rPr lang="en-US" dirty="0" smtClean="0"/>
+              <a:t>ITC2007 Examination timetabling problem</a:t>
+            </a:r>
+            <a:endParaRPr lang="en-US" dirty="0" smtClean="0"/>
+          </a:p>
+          <a:p>
+            <a:pPr>
+              <a:buFont typeface="Arial" panose="020B0604020202020204" pitchFamily="34" charset="0"/>
+              <a:buChar char="•"/>
+            </a:pPr>
+            <a:r>
+              <a:rPr lang="en-US" dirty="0" smtClean="0"/>
+              <a:t> System architecture</a:t>
+            </a:r>
+          </a:p>
+          <a:p>
+            <a:pPr>
+              <a:buFont typeface="Arial" panose="020B0604020202020204" pitchFamily="34" charset="0"/>
+              <a:buChar char="•"/>
+            </a:pPr>
+            <a:r>
+              <a:rPr lang="en-US" dirty="0" smtClean="0"/>
+              <a:t> Loader e solution initialization</a:t>
             </a:r>
           </a:p>
           <a:p>
@@ -3967,22 +4539,19 @@
               <a:buChar char="•"/>
             </a:pPr>
             <a:r>
-              <a:rPr lang="pt-PT" dirty="0" smtClean="0"/>
-              <a:t>Tipos de problemas de </a:t>
-            </a:r>
-            <a:r>
-              <a:rPr lang="pt-PT" dirty="0" err="1" smtClean="0"/>
-              <a:t>Educational</a:t>
-            </a:r>
-            <a:r>
-              <a:rPr lang="pt-PT" dirty="0" smtClean="0"/>
-              <a:t> </a:t>
-            </a:r>
-            <a:r>
-              <a:rPr lang="pt-PT" dirty="0" err="1" smtClean="0"/>
-              <a:t>Timetabling</a:t>
-            </a:r>
-            <a:endParaRPr lang="pt-PT" dirty="0"/>
+              <a:rPr lang="en-US" dirty="0" smtClean="0"/>
+              <a:t>Graph Coloring</a:t>
+            </a:r>
+          </a:p>
+          <a:p>
+            <a:pPr>
+              <a:buFont typeface="Arial" panose="020B0604020202020204" pitchFamily="34" charset="0"/>
+              <a:buChar char="•"/>
+            </a:pPr>
+            <a:r>
+              <a:rPr lang="en-US" dirty="0" smtClean="0"/>
+              <a:t> Proposed approach: Local Search</a:t>
+            </a:r>
           </a:p>
           <a:p>
             <a:pPr lvl="1">
@@ -3990,8 +4559,18 @@
               <a:buChar char="•"/>
             </a:pPr>
             <a:r>
-              <a:rPr lang="pt-PT" dirty="0" smtClean="0"/>
-              <a:t>Objetivos</a:t>
+              <a:rPr lang="en-US" dirty="0" smtClean="0"/>
+              <a:t>Simulated Annealing</a:t>
+            </a:r>
+          </a:p>
+          <a:p>
+            <a:pPr lvl="1">
+              <a:buFont typeface="Arial" panose="020B0604020202020204" pitchFamily="34" charset="0"/>
+              <a:buChar char="•"/>
+            </a:pPr>
+            <a:r>
+              <a:rPr lang="en-US" dirty="0" smtClean="0"/>
+              <a:t>Hill Climbing</a:t>
             </a:r>
           </a:p>
           <a:p>
@@ -4000,157 +4579,23 @@
               <a:buChar char="•"/>
             </a:pPr>
             <a:r>
-              <a:rPr lang="pt-PT" dirty="0" smtClean="0"/>
-              <a:t> </a:t>
-            </a:r>
-            <a:r>
-              <a:rPr lang="pt-PT" dirty="0" err="1" smtClean="0"/>
-              <a:t>Timetabling</a:t>
-            </a:r>
-            <a:r>
-              <a:rPr lang="pt-PT" dirty="0" smtClean="0"/>
-              <a:t> </a:t>
-            </a:r>
-            <a:r>
-              <a:rPr lang="pt-PT" dirty="0" err="1" smtClean="0"/>
-              <a:t>problem</a:t>
-            </a:r>
-            <a:endParaRPr lang="pt-PT" dirty="0" smtClean="0"/>
+              <a:rPr lang="en-US" dirty="0" smtClean="0"/>
+              <a:t> Results</a:t>
+            </a:r>
           </a:p>
           <a:p>
             <a:pPr>
               <a:buFont typeface="Arial" panose="020B0604020202020204" pitchFamily="34" charset="0"/>
               <a:buChar char="•"/>
             </a:pPr>
-            <a:r>
-              <a:rPr lang="pt-PT" dirty="0" smtClean="0"/>
-              <a:t> Diferentes tipos de abordagens</a:t>
-            </a:r>
-            <a:endParaRPr lang="pt-PT" dirty="0"/>
-          </a:p>
-          <a:p>
-            <a:pPr>
-              <a:buFont typeface="Arial" panose="020B0604020202020204" pitchFamily="34" charset="0"/>
-              <a:buChar char="•"/>
-            </a:pPr>
-            <a:r>
-              <a:rPr lang="pt-PT" dirty="0" smtClean="0"/>
-              <a:t> Arquitetura do sistema</a:t>
-            </a:r>
-          </a:p>
-          <a:p>
-            <a:pPr>
-              <a:buFont typeface="Arial" panose="020B0604020202020204" pitchFamily="34" charset="0"/>
-              <a:buChar char="•"/>
-            </a:pPr>
-            <a:r>
-              <a:rPr lang="pt-PT" dirty="0" smtClean="0"/>
-              <a:t> </a:t>
-            </a:r>
-            <a:r>
-              <a:rPr lang="pt-PT" dirty="0" err="1" smtClean="0"/>
-              <a:t>Loader</a:t>
-            </a:r>
-            <a:r>
-              <a:rPr lang="pt-PT" dirty="0" smtClean="0"/>
-              <a:t> e inicialização da solução</a:t>
-            </a:r>
+            <a:endParaRPr lang="en-US" dirty="0" smtClean="0"/>
           </a:p>
           <a:p>
             <a:pPr lvl="1">
               <a:buFont typeface="Arial" panose="020B0604020202020204" pitchFamily="34" charset="0"/>
               <a:buChar char="•"/>
             </a:pPr>
-            <a:r>
-              <a:rPr lang="pt-PT" dirty="0" err="1" smtClean="0"/>
-              <a:t>Graph</a:t>
-            </a:r>
-            <a:r>
-              <a:rPr lang="pt-PT" dirty="0" smtClean="0"/>
-              <a:t> </a:t>
-            </a:r>
-            <a:r>
-              <a:rPr lang="pt-PT" dirty="0" err="1" smtClean="0"/>
-              <a:t>Coloring</a:t>
-            </a:r>
-            <a:endParaRPr lang="pt-PT" dirty="0" smtClean="0"/>
-          </a:p>
-          <a:p>
-            <a:pPr>
-              <a:buFont typeface="Arial" panose="020B0604020202020204" pitchFamily="34" charset="0"/>
-              <a:buChar char="•"/>
-            </a:pPr>
-            <a:r>
-              <a:rPr lang="pt-PT" dirty="0" smtClean="0"/>
-              <a:t> Abordagem proposta : Local </a:t>
-            </a:r>
-            <a:r>
-              <a:rPr lang="pt-PT" dirty="0" err="1" smtClean="0"/>
-              <a:t>Search</a:t>
-            </a:r>
-            <a:endParaRPr lang="pt-PT" dirty="0" smtClean="0"/>
-          </a:p>
-          <a:p>
-            <a:pPr lvl="1">
-              <a:buFont typeface="Arial" panose="020B0604020202020204" pitchFamily="34" charset="0"/>
-              <a:buChar char="•"/>
-            </a:pPr>
-            <a:r>
-              <a:rPr lang="pt-PT" dirty="0" err="1" smtClean="0"/>
-              <a:t>Simulated</a:t>
-            </a:r>
-            <a:r>
-              <a:rPr lang="pt-PT" dirty="0" smtClean="0"/>
-              <a:t> </a:t>
-            </a:r>
-            <a:r>
-              <a:rPr lang="pt-PT" dirty="0" err="1" smtClean="0"/>
-              <a:t>Annealing</a:t>
-            </a:r>
-            <a:endParaRPr lang="pt-PT" dirty="0" smtClean="0"/>
-          </a:p>
-          <a:p>
-            <a:pPr lvl="1">
-              <a:buFont typeface="Arial" panose="020B0604020202020204" pitchFamily="34" charset="0"/>
-              <a:buChar char="•"/>
-            </a:pPr>
-            <a:r>
-              <a:rPr lang="pt-PT" dirty="0" smtClean="0"/>
-              <a:t>Hill </a:t>
-            </a:r>
-            <a:r>
-              <a:rPr lang="pt-PT" dirty="0" err="1" smtClean="0"/>
-              <a:t>Climbing</a:t>
-            </a:r>
-            <a:endParaRPr lang="pt-PT" dirty="0" smtClean="0"/>
-          </a:p>
-          <a:p>
-            <a:pPr>
-              <a:buFont typeface="Arial" panose="020B0604020202020204" pitchFamily="34" charset="0"/>
-              <a:buChar char="•"/>
-            </a:pPr>
-            <a:r>
-              <a:rPr lang="pt-PT" dirty="0"/>
-              <a:t> </a:t>
-            </a:r>
-            <a:r>
-              <a:rPr lang="pt-PT" dirty="0" smtClean="0"/>
-              <a:t>Resultados</a:t>
-            </a:r>
-          </a:p>
-          <a:p>
-            <a:pPr>
-              <a:buFont typeface="Arial" panose="020B0604020202020204" pitchFamily="34" charset="0"/>
-              <a:buChar char="•"/>
-            </a:pPr>
-            <a:endParaRPr lang="pt-PT" dirty="0" smtClean="0"/>
-          </a:p>
-          <a:p>
-            <a:pPr lvl="1">
-              <a:buFont typeface="Arial" panose="020B0604020202020204" pitchFamily="34" charset="0"/>
-              <a:buChar char="•"/>
-            </a:pPr>
-            <a:endParaRPr lang="pt-PT" dirty="0" smtClean="0"/>
+            <a:endParaRPr lang="en-US" dirty="0" smtClean="0"/>
           </a:p>
         </p:txBody>
       </p:sp>
@@ -4207,10 +4652,10 @@
           <a:lstStyle/>
           <a:p>
             <a:r>
-              <a:rPr lang="pt-PT" dirty="0" smtClean="0"/>
-              <a:t>Introdução</a:t>
-            </a:r>
-            <a:endParaRPr lang="pt-PT" dirty="0"/>
+              <a:rPr lang="en-US" dirty="0" smtClean="0"/>
+              <a:t>Introduction</a:t>
+            </a:r>
+            <a:endParaRPr lang="en-US" dirty="0"/>
           </a:p>
         </p:txBody>
       </p:sp>
@@ -4241,10 +4686,6 @@
               <a:buChar char=" "/>
             </a:pPr>
             <a:r>
-              <a:rPr lang="pt-PT" dirty="0"/>
-              <a:t>Tipos de problemas de </a:t>
-            </a:r>
-            <a:r>
               <a:rPr lang="en-US" dirty="0" smtClean="0"/>
               <a:t>Educational</a:t>
             </a:r>
@@ -4254,12 +4695,13 @@
             </a:r>
             <a:r>
               <a:rPr lang="en-US" dirty="0" smtClean="0"/>
-              <a:t>Timetabling</a:t>
+              <a:t>Timetabling problems</a:t>
             </a:r>
             <a:r>
               <a:rPr lang="pt-PT" dirty="0" smtClean="0"/>
               <a:t>:</a:t>
             </a:r>
+            <a:endParaRPr lang="pt-PT" dirty="0" smtClean="0"/>
           </a:p>
           <a:p>
             <a:pPr marL="285750" lvl="1" indent="-285750">
@@ -4274,20 +4716,8 @@
               <a:buChar char="•"/>
             </a:pPr>
             <a:r>
-              <a:rPr lang="pt-PT" dirty="0" err="1" smtClean="0"/>
-              <a:t>Examination</a:t>
-            </a:r>
-            <a:r>
-              <a:rPr lang="pt-PT" dirty="0" smtClean="0"/>
-              <a:t> </a:t>
-            </a:r>
-            <a:r>
-              <a:rPr lang="pt-PT" dirty="0" err="1" smtClean="0"/>
-              <a:t>Timetabling</a:t>
-            </a:r>
-            <a:r>
-              <a:rPr lang="pt-PT" dirty="0" smtClean="0"/>
-              <a:t>;</a:t>
+              <a:rPr lang="en-US" dirty="0" smtClean="0"/>
+              <a:t>Examination Timetabling;</a:t>
             </a:r>
           </a:p>
           <a:p>
@@ -4303,20 +4733,8 @@
               <a:buChar char="•"/>
             </a:pPr>
             <a:r>
-              <a:rPr lang="pt-PT" dirty="0" err="1" smtClean="0"/>
-              <a:t>Course</a:t>
-            </a:r>
-            <a:r>
-              <a:rPr lang="pt-PT" dirty="0" smtClean="0"/>
-              <a:t> </a:t>
-            </a:r>
-            <a:r>
-              <a:rPr lang="pt-PT" dirty="0" err="1" smtClean="0"/>
-              <a:t>Timetabling</a:t>
-            </a:r>
-            <a:r>
-              <a:rPr lang="pt-PT" dirty="0" smtClean="0"/>
-              <a:t>;</a:t>
+              <a:rPr lang="en-US" dirty="0" smtClean="0"/>
+              <a:t>Course Timetabling;</a:t>
             </a:r>
           </a:p>
           <a:p>
@@ -4332,20 +4750,8 @@
               <a:buChar char="•"/>
             </a:pPr>
             <a:r>
-              <a:rPr lang="pt-PT" dirty="0" err="1" smtClean="0"/>
-              <a:t>School</a:t>
-            </a:r>
-            <a:r>
-              <a:rPr lang="pt-PT" dirty="0" smtClean="0"/>
-              <a:t> </a:t>
-            </a:r>
-            <a:r>
-              <a:rPr lang="pt-PT" dirty="0" err="1" smtClean="0"/>
-              <a:t>Timetabling</a:t>
-            </a:r>
-            <a:r>
-              <a:rPr lang="pt-PT" dirty="0" smtClean="0"/>
-              <a:t>.</a:t>
+              <a:rPr lang="en-US" dirty="0" smtClean="0"/>
+              <a:t>School Timetabling.</a:t>
             </a:r>
           </a:p>
           <a:p>
@@ -4359,7 +4765,7 @@
               <a:buSzPct val="100000"/>
               <a:buNone/>
             </a:pPr>
-            <a:endParaRPr lang="pt-PT" dirty="0"/>
+            <a:endParaRPr lang="en-US" dirty="0" smtClean="0"/>
           </a:p>
           <a:p>
             <a:pPr marL="0" lvl="1" indent="0">
@@ -4373,24 +4779,8 @@
               <a:buNone/>
             </a:pPr>
             <a:r>
-              <a:rPr lang="pt-PT" dirty="0" smtClean="0"/>
-              <a:t> Cada tipo de problema terá de seguir certas </a:t>
-            </a:r>
-            <a:r>
-              <a:rPr lang="pt-PT" dirty="0" err="1" smtClean="0"/>
-              <a:t>regreas</a:t>
-            </a:r>
-            <a:r>
-              <a:rPr lang="pt-PT" dirty="0" smtClean="0"/>
-              <a:t> (</a:t>
-            </a:r>
-            <a:r>
-              <a:rPr lang="pt-PT" i="1" dirty="0" err="1" smtClean="0"/>
-              <a:t>constraints</a:t>
-            </a:r>
-            <a:r>
-              <a:rPr lang="pt-PT" dirty="0" smtClean="0"/>
-              <a:t>):</a:t>
+              <a:rPr lang="en-US" dirty="0" smtClean="0"/>
+              <a:t> Each type of problem must follow different types of constraints:</a:t>
             </a:r>
           </a:p>
           <a:p>
@@ -4406,16 +4796,8 @@
               <a:buChar char="•"/>
             </a:pPr>
             <a:r>
-              <a:rPr lang="pt-PT" dirty="0" smtClean="0"/>
-              <a:t>Hard </a:t>
-            </a:r>
-            <a:r>
-              <a:rPr lang="pt-PT" dirty="0" err="1" smtClean="0"/>
-              <a:t>constraints</a:t>
-            </a:r>
-            <a:r>
-              <a:rPr lang="pt-PT" dirty="0" smtClean="0"/>
-              <a:t>;</a:t>
+              <a:rPr lang="en-US" dirty="0" smtClean="0"/>
+              <a:t>Hard constraints;</a:t>
             </a:r>
           </a:p>
           <a:p>
@@ -4431,18 +4813,10 @@
               <a:buChar char="•"/>
             </a:pPr>
             <a:r>
-              <a:rPr lang="pt-PT" dirty="0" smtClean="0"/>
-              <a:t>Soft </a:t>
-            </a:r>
-            <a:r>
-              <a:rPr lang="pt-PT" dirty="0" err="1" smtClean="0"/>
-              <a:t>constraints</a:t>
-            </a:r>
-            <a:r>
-              <a:rPr lang="pt-PT" dirty="0" smtClean="0"/>
-              <a:t>.</a:t>
-            </a:r>
-            <a:endParaRPr lang="pt-PT" dirty="0"/>
+              <a:rPr lang="en-US" dirty="0" smtClean="0"/>
+              <a:t>Soft constraints.</a:t>
+            </a:r>
+            <a:endParaRPr lang="en-US" dirty="0"/>
           </a:p>
         </p:txBody>
       </p:sp>
@@ -4499,10 +4873,10 @@
           <a:lstStyle/>
           <a:p>
             <a:r>
-              <a:rPr lang="pt-PT" dirty="0" smtClean="0"/>
-              <a:t>Introdução</a:t>
-            </a:r>
-            <a:endParaRPr lang="pt-PT" dirty="0"/>
+              <a:rPr lang="en-US" dirty="0" smtClean="0"/>
+              <a:t>Introduction</a:t>
+            </a:r>
+            <a:endParaRPr lang="en-US" dirty="0"/>
           </a:p>
         </p:txBody>
       </p:sp>
@@ -4522,8 +4896,8 @@
           <a:lstStyle/>
           <a:p>
             <a:r>
-              <a:rPr lang="pt-PT" dirty="0" smtClean="0"/>
-              <a:t>Objetivos deste projeto:</a:t>
+              <a:rPr lang="en-US" dirty="0" smtClean="0"/>
+              <a:t>The main objectives of this project are:</a:t>
             </a:r>
           </a:p>
           <a:p>
@@ -4532,32 +4906,46 @@
               <a:buChar char="•"/>
             </a:pPr>
             <a:r>
-              <a:rPr lang="pt-PT" dirty="0" smtClean="0"/>
-              <a:t> Desenvolver um gerador automático de horários de exames, considerando as especificações do </a:t>
-            </a:r>
-            <a:r>
-              <a:rPr lang="pt-PT" dirty="0" err="1" smtClean="0"/>
-              <a:t>International</a:t>
-            </a:r>
-            <a:r>
-              <a:rPr lang="pt-PT" dirty="0" smtClean="0"/>
+              <a:rPr lang="en-US" dirty="0" smtClean="0"/>
               <a:t> </a:t>
             </a:r>
             <a:r>
-              <a:rPr lang="pt-PT" dirty="0" err="1" smtClean="0"/>
-              <a:t>Timetable</a:t>
-            </a:r>
-            <a:r>
-              <a:rPr lang="pt-PT" dirty="0" smtClean="0"/>
+              <a:rPr lang="en-US" dirty="0"/>
+              <a:t>Automated generation of examination timetables, considering the </a:t>
+            </a:r>
+            <a:r>
+              <a:rPr lang="en-US" dirty="0" smtClean="0"/>
+              <a:t>International Timetabling Competition 2007 specifications</a:t>
+            </a:r>
+            <a:r>
+              <a:rPr lang="en-US" dirty="0" smtClean="0"/>
+              <a:t>;</a:t>
+            </a:r>
+          </a:p>
+          <a:p>
+            <a:pPr>
+              <a:buFont typeface="Arial" panose="020B0604020202020204" pitchFamily="34" charset="0"/>
+              <a:buChar char="•"/>
+            </a:pPr>
+            <a:r>
+              <a:rPr lang="en-US" dirty="0" smtClean="0"/>
               <a:t> </a:t>
             </a:r>
             <a:r>
-              <a:rPr lang="pt-PT" dirty="0" err="1" smtClean="0"/>
-              <a:t>Competition</a:t>
-            </a:r>
-            <a:r>
-              <a:rPr lang="pt-PT" dirty="0" smtClean="0"/>
-              <a:t> 2007;</a:t>
+              <a:rPr lang="en-US" dirty="0"/>
+              <a:t>Validation </a:t>
+            </a:r>
+            <a:r>
+              <a:rPr lang="en-US" dirty="0" smtClean="0"/>
+              <a:t>of </a:t>
+            </a:r>
+            <a:r>
+              <a:rPr lang="en-US" dirty="0"/>
+              <a:t>a timetable provided by the </a:t>
+            </a:r>
+            <a:r>
+              <a:rPr lang="en-US" dirty="0" smtClean="0"/>
+              <a:t>user;</a:t>
             </a:r>
           </a:p>
           <a:p>
@@ -4566,28 +4954,22 @@
               <a:buChar char="•"/>
             </a:pPr>
             <a:r>
-              <a:rPr lang="pt-PT" dirty="0"/>
+              <a:rPr lang="en-US" dirty="0" smtClean="0"/>
               <a:t> </a:t>
             </a:r>
             <a:r>
-              <a:rPr lang="pt-PT" dirty="0" smtClean="0"/>
-              <a:t>Desenvolver um validador de soluções;</a:t>
-            </a:r>
-          </a:p>
-          <a:p>
-            <a:pPr>
-              <a:buFont typeface="Arial" panose="020B0604020202020204" pitchFamily="34" charset="0"/>
-              <a:buChar char="•"/>
-            </a:pPr>
-            <a:r>
-              <a:rPr lang="pt-PT" dirty="0"/>
-              <a:t> </a:t>
-            </a:r>
-            <a:r>
-              <a:rPr lang="pt-PT" dirty="0" smtClean="0"/>
-              <a:t>Desenvolver um GUI para visualizar as soluções finais (opcional).</a:t>
-            </a:r>
-            <a:endParaRPr lang="pt-PT" dirty="0"/>
+              <a:rPr lang="en-US" dirty="0" smtClean="0"/>
+              <a:t>Graphical </a:t>
+            </a:r>
+            <a:r>
+              <a:rPr lang="en-US" dirty="0"/>
+              <a:t>User Interface to allow the user to </a:t>
+            </a:r>
+            <a:r>
+              <a:rPr lang="en-US" dirty="0" smtClean="0"/>
+              <a:t>check the final generated solution.</a:t>
+            </a:r>
+            <a:endParaRPr lang="en-US" dirty="0"/>
           </a:p>
         </p:txBody>
       </p:sp>
@@ -4644,57 +5026,84 @@
           <a:lstStyle/>
           <a:p>
             <a:r>
-              <a:rPr lang="pt-PT" dirty="0" err="1" smtClean="0"/>
-              <a:t>Timetabling</a:t>
-            </a:r>
-            <a:r>
-              <a:rPr lang="pt-PT" dirty="0" smtClean="0"/>
+              <a:rPr lang="en-US" dirty="0" smtClean="0"/>
+              <a:t>Timetabling problem</a:t>
+            </a:r>
+            <a:endParaRPr lang="en-US" dirty="0"/>
+          </a:p>
+        </p:txBody>
+      </p:sp>
+      <p:sp>
+        <p:nvSpPr>
+          <p:cNvPr id="3" name="Content Placeholder 2"/>
+          <p:cNvSpPr>
+            <a:spLocks noGrp="1"/>
+          </p:cNvSpPr>
+          <p:nvPr>
+            <p:ph idx="1"/>
+          </p:nvPr>
+        </p:nvSpPr>
+        <p:spPr/>
+        <p:txBody>
+          <a:bodyPr>
+            <a:normAutofit/>
+          </a:bodyPr>
+          <a:lstStyle/>
+          <a:p>
+            <a:r>
+              <a:rPr lang="en-US" dirty="0"/>
+              <a:t>The timetabling problem may be formulated as </a:t>
+            </a:r>
+            <a:r>
+              <a:rPr lang="en-US" dirty="0" smtClean="0"/>
+              <a:t>multiple types of problems</a:t>
+            </a:r>
+            <a:r>
+              <a:rPr lang="en-US" dirty="0" smtClean="0"/>
+              <a:t>:</a:t>
+            </a:r>
+          </a:p>
+          <a:p>
+            <a:pPr>
+              <a:buFont typeface="Arial" panose="020B0604020202020204" pitchFamily="34" charset="0"/>
+              <a:buChar char="•"/>
+            </a:pPr>
+            <a:r>
+              <a:rPr lang="en-US" dirty="0" smtClean="0"/>
+              <a:t> Search problem;</a:t>
+            </a:r>
+          </a:p>
+          <a:p>
+            <a:pPr>
+              <a:buFont typeface="Arial" panose="020B0604020202020204" pitchFamily="34" charset="0"/>
+              <a:buChar char="•"/>
+            </a:pPr>
+            <a:r>
+              <a:rPr lang="en-US" dirty="0" smtClean="0"/>
+              <a:t> Optimization problem.</a:t>
+            </a:r>
+          </a:p>
+          <a:p>
+            <a:pPr marL="0" indent="0">
+              <a:buNone/>
+            </a:pPr>
+            <a:endParaRPr lang="en-US" dirty="0" smtClean="0"/>
+          </a:p>
+          <a:p>
+            <a:pPr marL="0" indent="0">
+              <a:buNone/>
+            </a:pPr>
+            <a:r>
+              <a:rPr lang="en-US" dirty="0" smtClean="0"/>
               <a:t> </a:t>
             </a:r>
             <a:r>
-              <a:rPr lang="pt-PT" dirty="0" err="1" smtClean="0"/>
-              <a:t>problem</a:t>
-            </a:r>
-            <a:endParaRPr lang="pt-PT" dirty="0"/>
-          </a:p>
-        </p:txBody>
-      </p:sp>
-      <p:sp>
-        <p:nvSpPr>
-          <p:cNvPr id="3" name="Content Placeholder 2"/>
-          <p:cNvSpPr>
-            <a:spLocks noGrp="1"/>
-          </p:cNvSpPr>
-          <p:nvPr>
-            <p:ph idx="1"/>
-          </p:nvPr>
-        </p:nvSpPr>
-        <p:spPr/>
-        <p:txBody>
-          <a:bodyPr>
-            <a:normAutofit fontScale="92500" lnSpcReduction="20000"/>
-          </a:bodyPr>
-          <a:lstStyle/>
-          <a:p>
-            <a:r>
-              <a:rPr lang="pt-PT" dirty="0" smtClean="0"/>
-              <a:t>Um </a:t>
-            </a:r>
-            <a:r>
-              <a:rPr lang="pt-PT" i="1" dirty="0" err="1" smtClean="0"/>
-              <a:t>timetabling</a:t>
-            </a:r>
-            <a:r>
-              <a:rPr lang="pt-PT" i="1" dirty="0" smtClean="0"/>
-              <a:t> </a:t>
-            </a:r>
-            <a:r>
-              <a:rPr lang="pt-PT" i="1" dirty="0" err="1" smtClean="0"/>
-              <a:t>problem</a:t>
-            </a:r>
-            <a:r>
-              <a:rPr lang="pt-PT" dirty="0" smtClean="0"/>
-              <a:t> pode ser abordado como:</a:t>
+              <a:rPr lang="en-US" dirty="0"/>
+              <a:t>When solving timetabling problems, it is possible to generate one of multiple types of solutions</a:t>
+            </a:r>
+            <a:r>
+              <a:rPr lang="en-US" dirty="0" smtClean="0"/>
+              <a:t>:</a:t>
             </a:r>
           </a:p>
           <a:p>
@@ -4703,8 +5112,8 @@
               <a:buChar char="•"/>
             </a:pPr>
             <a:r>
-              <a:rPr lang="pt-PT" dirty="0" smtClean="0"/>
-              <a:t> Problema de procura;</a:t>
+              <a:rPr lang="en-US" dirty="0" smtClean="0"/>
+              <a:t> Feasible;</a:t>
             </a:r>
           </a:p>
           <a:p>
@@ -4713,12 +5122,8 @@
               <a:buChar char="•"/>
             </a:pPr>
             <a:r>
-              <a:rPr lang="pt-PT" dirty="0"/>
-              <a:t> </a:t>
-            </a:r>
-            <a:r>
-              <a:rPr lang="pt-PT" dirty="0" smtClean="0"/>
-              <a:t>Problema de otimização;</a:t>
+              <a:rPr lang="en-US" dirty="0" smtClean="0"/>
+              <a:t> Non feasible;</a:t>
             </a:r>
           </a:p>
           <a:p>
@@ -4727,12 +5132,8 @@
               <a:buChar char="•"/>
             </a:pPr>
             <a:r>
-              <a:rPr lang="pt-PT" dirty="0"/>
-              <a:t> </a:t>
-            </a:r>
-            <a:r>
-              <a:rPr lang="pt-PT" dirty="0" smtClean="0"/>
-              <a:t>Problema hibrido.</a:t>
+              <a:rPr lang="en-US" dirty="0" smtClean="0"/>
+              <a:t> Optimal;</a:t>
             </a:r>
           </a:p>
           <a:p>
@@ -4740,75 +5141,9 @@
               <a:buFont typeface="Arial" panose="020B0604020202020204" pitchFamily="34" charset="0"/>
               <a:buChar char="•"/>
             </a:pPr>
-            <a:endParaRPr lang="pt-PT" dirty="0"/>
-          </a:p>
-          <a:p>
-            <a:pPr marL="0" indent="0">
-              <a:buNone/>
-            </a:pPr>
-            <a:r>
-              <a:rPr lang="pt-PT" dirty="0"/>
-              <a:t> </a:t>
-            </a:r>
-            <a:r>
-              <a:rPr lang="pt-PT" dirty="0" smtClean="0"/>
-              <a:t>As soluções para este problema podem ser de vários tipos:</a:t>
-            </a:r>
-          </a:p>
-          <a:p>
-            <a:pPr>
-              <a:buFont typeface="Arial" panose="020B0604020202020204" pitchFamily="34" charset="0"/>
-              <a:buChar char="•"/>
-            </a:pPr>
-            <a:r>
-              <a:rPr lang="pt-PT" dirty="0" smtClean="0"/>
-              <a:t> Fazível;</a:t>
-            </a:r>
-          </a:p>
-          <a:p>
-            <a:pPr>
-              <a:buFont typeface="Arial" panose="020B0604020202020204" pitchFamily="34" charset="0"/>
-              <a:buChar char="•"/>
-            </a:pPr>
-            <a:r>
-              <a:rPr lang="pt-PT" dirty="0"/>
-              <a:t> </a:t>
-            </a:r>
-            <a:r>
-              <a:rPr lang="pt-PT" dirty="0" smtClean="0"/>
-              <a:t>Não fazível;</a:t>
-            </a:r>
-          </a:p>
-          <a:p>
-            <a:pPr>
-              <a:buFont typeface="Arial" panose="020B0604020202020204" pitchFamily="34" charset="0"/>
-              <a:buChar char="•"/>
-            </a:pPr>
-            <a:r>
-              <a:rPr lang="pt-PT" dirty="0"/>
-              <a:t> </a:t>
-            </a:r>
-            <a:r>
-              <a:rPr lang="pt-PT" dirty="0" smtClean="0"/>
-              <a:t>Ótima;</a:t>
-            </a:r>
-          </a:p>
-          <a:p>
-            <a:pPr>
-              <a:buFont typeface="Arial" panose="020B0604020202020204" pitchFamily="34" charset="0"/>
-              <a:buChar char="•"/>
-            </a:pPr>
-            <a:r>
-              <a:rPr lang="pt-PT" dirty="0"/>
-              <a:t> </a:t>
-            </a:r>
-            <a:r>
-              <a:rPr lang="pt-PT" dirty="0" err="1" smtClean="0"/>
-              <a:t>Sub-ótima</a:t>
-            </a:r>
-            <a:r>
-              <a:rPr lang="pt-PT" dirty="0" smtClean="0"/>
-              <a:t>.</a:t>
+            <a:r>
+              <a:rPr lang="en-US" dirty="0" smtClean="0"/>
+              <a:t> Sub-optimal.</a:t>
             </a:r>
           </a:p>
           <a:p>
@@ -4820,6 +5155,656 @@
     <p:extLst>
       <p:ext uri="{BB962C8B-B14F-4D97-AF65-F5344CB8AC3E}">
         <p14:creationId xmlns:p14="http://schemas.microsoft.com/office/powerpoint/2010/main" val="914583279"/>
+      </p:ext>
+    </p:extLst>
+  </p:cSld>
+  <p:clrMapOvr>
+    <a:masterClrMapping/>
+  </p:clrMapOvr>
+  <p:timing>
+    <p:tnLst>
+      <p:par>
+        <p:cTn id="1" dur="indefinite" restart="never" nodeType="tmRoot"/>
+      </p:par>
+    </p:tnLst>
+  </p:timing>
+</p:sld>
+</file>
+
+<file path=ppt/slides/slide6.xml><?xml version="1.0" encoding="utf-8"?>
+<p:sld xmlns:a="http://schemas.openxmlformats.org/drawingml/2006/main" xmlns:r="http://schemas.openxmlformats.org/officeDocument/2006/relationships" xmlns:p="http://schemas.openxmlformats.org/presentationml/2006/main">
+  <p:cSld>
+    <p:spTree>
+      <p:nvGrpSpPr>
+        <p:cNvPr id="1" name=""/>
+        <p:cNvGrpSpPr/>
+        <p:nvPr/>
+      </p:nvGrpSpPr>
+      <p:grpSpPr>
+        <a:xfrm>
+          <a:off x="0" y="0"/>
+          <a:ext cx="0" cy="0"/>
+          <a:chOff x="0" y="0"/>
+          <a:chExt cx="0" cy="0"/>
+        </a:xfrm>
+      </p:grpSpPr>
+      <p:sp>
+        <p:nvSpPr>
+          <p:cNvPr id="2" name="Title 1"/>
+          <p:cNvSpPr>
+            <a:spLocks noGrp="1"/>
+          </p:cNvSpPr>
+          <p:nvPr>
+            <p:ph type="title"/>
+          </p:nvPr>
+        </p:nvSpPr>
+        <p:spPr/>
+        <p:txBody>
+          <a:bodyPr/>
+          <a:lstStyle/>
+          <a:p>
+            <a:r>
+              <a:rPr lang="en-US" dirty="0"/>
+              <a:t>Types of </a:t>
+            </a:r>
+            <a:r>
+              <a:rPr lang="en-US" dirty="0" smtClean="0"/>
+              <a:t>approaches</a:t>
+            </a:r>
+            <a:endParaRPr lang="pt-PT" dirty="0"/>
+          </a:p>
+        </p:txBody>
+      </p:sp>
+      <p:sp>
+        <p:nvSpPr>
+          <p:cNvPr id="3" name="Content Placeholder 2"/>
+          <p:cNvSpPr>
+            <a:spLocks noGrp="1"/>
+          </p:cNvSpPr>
+          <p:nvPr>
+            <p:ph idx="1"/>
+          </p:nvPr>
+        </p:nvSpPr>
+        <p:spPr/>
+        <p:txBody>
+          <a:bodyPr/>
+          <a:lstStyle/>
+          <a:p>
+            <a:r>
+              <a:rPr lang="en-US" dirty="0" smtClean="0"/>
+              <a:t>There are plenty of types of approaches to use in order to try to solve a timetabling problem:</a:t>
+            </a:r>
+          </a:p>
+          <a:p>
+            <a:pPr>
+              <a:buFont typeface="Arial" panose="020B0604020202020204" pitchFamily="34" charset="0"/>
+              <a:buChar char="•"/>
+            </a:pPr>
+            <a:r>
+              <a:rPr lang="en-US" dirty="0" smtClean="0"/>
+              <a:t> Exact algorithms;</a:t>
+            </a:r>
+          </a:p>
+          <a:p>
+            <a:pPr>
+              <a:buFont typeface="Arial" panose="020B0604020202020204" pitchFamily="34" charset="0"/>
+              <a:buChar char="•"/>
+            </a:pPr>
+            <a:r>
+              <a:rPr lang="en-US" dirty="0"/>
+              <a:t> </a:t>
+            </a:r>
+            <a:r>
+              <a:rPr lang="en-US" dirty="0" smtClean="0"/>
+              <a:t>Graph Coloring Based techniques;</a:t>
+            </a:r>
+          </a:p>
+          <a:p>
+            <a:pPr>
+              <a:buFont typeface="Arial" panose="020B0604020202020204" pitchFamily="34" charset="0"/>
+              <a:buChar char="•"/>
+            </a:pPr>
+            <a:r>
+              <a:rPr lang="en-US" dirty="0"/>
+              <a:t> </a:t>
+            </a:r>
+            <a:r>
+              <a:rPr lang="en-US" dirty="0" smtClean="0"/>
+              <a:t>Single-solution based meta-heuristics;</a:t>
+            </a:r>
+          </a:p>
+          <a:p>
+            <a:pPr>
+              <a:buFont typeface="Arial" panose="020B0604020202020204" pitchFamily="34" charset="0"/>
+              <a:buChar char="•"/>
+            </a:pPr>
+            <a:r>
+              <a:rPr lang="en-US" dirty="0" smtClean="0"/>
+              <a:t> Population based </a:t>
+            </a:r>
+            <a:r>
+              <a:rPr lang="en-US" dirty="0"/>
+              <a:t>meta-heuristics</a:t>
+            </a:r>
+            <a:r>
+              <a:rPr lang="en-US" dirty="0" smtClean="0"/>
+              <a:t>;</a:t>
+            </a:r>
+          </a:p>
+          <a:p>
+            <a:pPr>
+              <a:buFont typeface="Arial" panose="020B0604020202020204" pitchFamily="34" charset="0"/>
+              <a:buChar char="•"/>
+            </a:pPr>
+            <a:r>
+              <a:rPr lang="en-US" dirty="0"/>
+              <a:t> </a:t>
+            </a:r>
+            <a:r>
+              <a:rPr lang="en-US" dirty="0" smtClean="0"/>
+              <a:t>Multi-criteria techniques</a:t>
+            </a:r>
+            <a:r>
+              <a:rPr lang="pt-PT" dirty="0" smtClean="0"/>
+              <a:t>;</a:t>
+            </a:r>
+          </a:p>
+          <a:p>
+            <a:pPr>
+              <a:buFont typeface="Arial" panose="020B0604020202020204" pitchFamily="34" charset="0"/>
+              <a:buChar char="•"/>
+            </a:pPr>
+            <a:r>
+              <a:rPr lang="en-US" dirty="0"/>
+              <a:t> </a:t>
+            </a:r>
+            <a:r>
+              <a:rPr lang="en-US" dirty="0" smtClean="0"/>
+              <a:t>Hyper-heuristics</a:t>
+            </a:r>
+            <a:r>
+              <a:rPr lang="pt-PT" dirty="0" smtClean="0"/>
+              <a:t>;</a:t>
+            </a:r>
+          </a:p>
+          <a:p>
+            <a:pPr>
+              <a:buFont typeface="Arial" panose="020B0604020202020204" pitchFamily="34" charset="0"/>
+              <a:buChar char="•"/>
+            </a:pPr>
+            <a:r>
+              <a:rPr lang="pt-PT" dirty="0" smtClean="0"/>
+              <a:t> </a:t>
+            </a:r>
+            <a:r>
+              <a:rPr lang="en-US" dirty="0" smtClean="0"/>
+              <a:t>Decomposition/clustering techniques</a:t>
+            </a:r>
+            <a:r>
+              <a:rPr lang="pt-PT" dirty="0" smtClean="0"/>
+              <a:t>.</a:t>
+            </a:r>
+            <a:endParaRPr lang="en-US" dirty="0"/>
+          </a:p>
+        </p:txBody>
+      </p:sp>
+    </p:spTree>
+    <p:extLst>
+      <p:ext uri="{BB962C8B-B14F-4D97-AF65-F5344CB8AC3E}">
+        <p14:creationId xmlns:p14="http://schemas.microsoft.com/office/powerpoint/2010/main" val="2619747277"/>
+      </p:ext>
+    </p:extLst>
+  </p:cSld>
+  <p:clrMapOvr>
+    <a:masterClrMapping/>
+  </p:clrMapOvr>
+  <p:timing>
+    <p:tnLst>
+      <p:par>
+        <p:cTn id="1" dur="indefinite" restart="never" nodeType="tmRoot"/>
+      </p:par>
+    </p:tnLst>
+  </p:timing>
+</p:sld>
+</file>
+
+<file path=ppt/slides/slide7.xml><?xml version="1.0" encoding="utf-8"?>
+<p:sld xmlns:a="http://schemas.openxmlformats.org/drawingml/2006/main" xmlns:r="http://schemas.openxmlformats.org/officeDocument/2006/relationships" xmlns:p="http://schemas.openxmlformats.org/presentationml/2006/main">
+  <p:cSld>
+    <p:spTree>
+      <p:nvGrpSpPr>
+        <p:cNvPr id="1" name=""/>
+        <p:cNvGrpSpPr/>
+        <p:nvPr/>
+      </p:nvGrpSpPr>
+      <p:grpSpPr>
+        <a:xfrm>
+          <a:off x="0" y="0"/>
+          <a:ext cx="0" cy="0"/>
+          <a:chOff x="0" y="0"/>
+          <a:chExt cx="0" cy="0"/>
+        </a:xfrm>
+      </p:grpSpPr>
+      <p:sp>
+        <p:nvSpPr>
+          <p:cNvPr id="2" name="Title 1"/>
+          <p:cNvSpPr>
+            <a:spLocks noGrp="1"/>
+          </p:cNvSpPr>
+          <p:nvPr>
+            <p:ph type="title"/>
+          </p:nvPr>
+        </p:nvSpPr>
+        <p:spPr/>
+        <p:txBody>
+          <a:bodyPr/>
+          <a:lstStyle/>
+          <a:p>
+            <a:r>
+              <a:rPr lang="en-US" dirty="0"/>
+              <a:t>Exact algorithms</a:t>
+            </a:r>
+            <a:endParaRPr lang="pt-PT" dirty="0"/>
+          </a:p>
+        </p:txBody>
+      </p:sp>
+      <p:sp>
+        <p:nvSpPr>
+          <p:cNvPr id="3" name="Content Placeholder 2"/>
+          <p:cNvSpPr>
+            <a:spLocks noGrp="1"/>
+          </p:cNvSpPr>
+          <p:nvPr>
+            <p:ph idx="1"/>
+          </p:nvPr>
+        </p:nvSpPr>
+        <p:spPr/>
+        <p:txBody>
+          <a:bodyPr/>
+          <a:lstStyle/>
+          <a:p>
+            <a:pPr>
+              <a:buFont typeface="Arial" panose="020B0604020202020204" pitchFamily="34" charset="0"/>
+              <a:buChar char="•"/>
+            </a:pPr>
+            <a:r>
+              <a:rPr lang="en-US" dirty="0" smtClean="0"/>
+              <a:t> Search the whole space of solutions;</a:t>
+            </a:r>
+          </a:p>
+          <a:p>
+            <a:pPr>
+              <a:buFont typeface="Arial" panose="020B0604020202020204" pitchFamily="34" charset="0"/>
+              <a:buChar char="•"/>
+            </a:pPr>
+            <a:r>
+              <a:rPr lang="en-US" dirty="0"/>
+              <a:t> </a:t>
+            </a:r>
+            <a:r>
+              <a:rPr lang="en-US" dirty="0" smtClean="0"/>
+              <a:t>It is guaranteed that an optimal solution is found;</a:t>
+            </a:r>
+          </a:p>
+          <a:p>
+            <a:pPr>
+              <a:buFont typeface="Arial" panose="020B0604020202020204" pitchFamily="34" charset="0"/>
+              <a:buChar char="•"/>
+            </a:pPr>
+            <a:r>
+              <a:rPr lang="en-US" dirty="0"/>
+              <a:t> </a:t>
+            </a:r>
+            <a:r>
+              <a:rPr lang="en-US" dirty="0" smtClean="0"/>
+              <a:t>Inappropriate for large sized problem instances;</a:t>
+            </a:r>
+          </a:p>
+          <a:p>
+            <a:pPr>
+              <a:buFont typeface="Arial" panose="020B0604020202020204" pitchFamily="34" charset="0"/>
+              <a:buChar char="•"/>
+            </a:pPr>
+            <a:r>
+              <a:rPr lang="en-US" dirty="0"/>
+              <a:t> </a:t>
+            </a:r>
+            <a:r>
+              <a:rPr lang="en-US" dirty="0" smtClean="0"/>
+              <a:t>Examples of this type of algorithm:</a:t>
+            </a:r>
+          </a:p>
+          <a:p>
+            <a:pPr lvl="1">
+              <a:buFont typeface="Arial" panose="020B0604020202020204" pitchFamily="34" charset="0"/>
+              <a:buChar char="•"/>
+            </a:pPr>
+            <a:r>
+              <a:rPr lang="en-US" dirty="0" smtClean="0"/>
+              <a:t>Branch-and-Bound</a:t>
+            </a:r>
+          </a:p>
+          <a:p>
+            <a:pPr lvl="1">
+              <a:buFont typeface="Arial" panose="020B0604020202020204" pitchFamily="34" charset="0"/>
+              <a:buChar char="•"/>
+            </a:pPr>
+            <a:r>
+              <a:rPr lang="en-US" dirty="0" smtClean="0"/>
+              <a:t>Constraint-Programming</a:t>
+            </a:r>
+          </a:p>
+          <a:p>
+            <a:pPr lvl="1">
+              <a:buFont typeface="Arial" panose="020B0604020202020204" pitchFamily="34" charset="0"/>
+              <a:buChar char="•"/>
+            </a:pPr>
+            <a:r>
+              <a:rPr lang="en-US" dirty="0" smtClean="0"/>
+              <a:t>Integer Programming</a:t>
+            </a:r>
+            <a:endParaRPr lang="en-US" dirty="0"/>
+          </a:p>
+        </p:txBody>
+      </p:sp>
+    </p:spTree>
+    <p:extLst>
+      <p:ext uri="{BB962C8B-B14F-4D97-AF65-F5344CB8AC3E}">
+        <p14:creationId xmlns:p14="http://schemas.microsoft.com/office/powerpoint/2010/main" val="1249698590"/>
+      </p:ext>
+    </p:extLst>
+  </p:cSld>
+  <p:clrMapOvr>
+    <a:masterClrMapping/>
+  </p:clrMapOvr>
+  <p:timing>
+    <p:tnLst>
+      <p:par>
+        <p:cTn id="1" dur="indefinite" restart="never" nodeType="tmRoot"/>
+      </p:par>
+    </p:tnLst>
+  </p:timing>
+</p:sld>
+</file>
+
+<file path=ppt/slides/slide8.xml><?xml version="1.0" encoding="utf-8"?>
+<p:sld xmlns:a="http://schemas.openxmlformats.org/drawingml/2006/main" xmlns:r="http://schemas.openxmlformats.org/officeDocument/2006/relationships" xmlns:p="http://schemas.openxmlformats.org/presentationml/2006/main">
+  <p:cSld>
+    <p:spTree>
+      <p:nvGrpSpPr>
+        <p:cNvPr id="1" name=""/>
+        <p:cNvGrpSpPr/>
+        <p:nvPr/>
+      </p:nvGrpSpPr>
+      <p:grpSpPr>
+        <a:xfrm>
+          <a:off x="0" y="0"/>
+          <a:ext cx="0" cy="0"/>
+          <a:chOff x="0" y="0"/>
+          <a:chExt cx="0" cy="0"/>
+        </a:xfrm>
+      </p:grpSpPr>
+      <p:sp>
+        <p:nvSpPr>
+          <p:cNvPr id="2" name="Title 1"/>
+          <p:cNvSpPr>
+            <a:spLocks noGrp="1"/>
+          </p:cNvSpPr>
+          <p:nvPr>
+            <p:ph type="title"/>
+          </p:nvPr>
+        </p:nvSpPr>
+        <p:spPr/>
+        <p:txBody>
+          <a:bodyPr/>
+          <a:lstStyle/>
+          <a:p>
+            <a:r>
+              <a:rPr lang="en-US" dirty="0"/>
+              <a:t>Graph Coloring Based techniques</a:t>
+            </a:r>
+            <a:endParaRPr lang="pt-PT" dirty="0"/>
+          </a:p>
+        </p:txBody>
+      </p:sp>
+      <p:sp>
+        <p:nvSpPr>
+          <p:cNvPr id="3" name="Content Placeholder 2"/>
+          <p:cNvSpPr>
+            <a:spLocks noGrp="1"/>
+          </p:cNvSpPr>
+          <p:nvPr>
+            <p:ph idx="1"/>
+          </p:nvPr>
+        </p:nvSpPr>
+        <p:spPr/>
+        <p:txBody>
+          <a:bodyPr/>
+          <a:lstStyle/>
+          <a:p>
+            <a:pPr>
+              <a:buFont typeface="Arial" panose="020B0604020202020204" pitchFamily="34" charset="0"/>
+              <a:buChar char="•"/>
+            </a:pPr>
+            <a:r>
+              <a:rPr lang="en-US" dirty="0" smtClean="0"/>
+              <a:t> Assign </a:t>
+            </a:r>
+            <a:r>
+              <a:rPr lang="en-US" dirty="0"/>
+              <a:t>colors to an element type of a graph </a:t>
+            </a:r>
+            <a:r>
+              <a:rPr lang="en-US" dirty="0" smtClean="0"/>
+              <a:t>following certain constraints;</a:t>
+            </a:r>
+          </a:p>
+          <a:p>
+            <a:pPr>
+              <a:buFont typeface="Arial" panose="020B0604020202020204" pitchFamily="34" charset="0"/>
+              <a:buChar char="•"/>
+            </a:pPr>
+            <a:r>
+              <a:rPr lang="en-US" dirty="0"/>
+              <a:t> </a:t>
+            </a:r>
+            <a:r>
+              <a:rPr lang="en-US" dirty="0" smtClean="0"/>
+              <a:t>The quality of the solution is normally measured by the number of colors used to color all the solution;</a:t>
+            </a:r>
+          </a:p>
+          <a:p>
+            <a:pPr>
+              <a:buFont typeface="Arial" panose="020B0604020202020204" pitchFamily="34" charset="0"/>
+              <a:buChar char="•"/>
+            </a:pPr>
+            <a:r>
+              <a:rPr lang="en-US" dirty="0" smtClean="0"/>
+              <a:t> Examples of Graph Coloring problems:</a:t>
+            </a:r>
+          </a:p>
+          <a:p>
+            <a:pPr lvl="1">
+              <a:buFont typeface="Arial" panose="020B0604020202020204" pitchFamily="34" charset="0"/>
+              <a:buChar char="•"/>
+            </a:pPr>
+            <a:r>
+              <a:rPr lang="en-US" dirty="0" smtClean="0"/>
+              <a:t>Vertex Coloring;</a:t>
+            </a:r>
+          </a:p>
+          <a:p>
+            <a:pPr lvl="1">
+              <a:buFont typeface="Arial" panose="020B0604020202020204" pitchFamily="34" charset="0"/>
+              <a:buChar char="•"/>
+            </a:pPr>
+            <a:r>
+              <a:rPr lang="en-US" dirty="0" smtClean="0"/>
+              <a:t>Edge Coloring;</a:t>
+            </a:r>
+            <a:endParaRPr lang="en-US" dirty="0"/>
+          </a:p>
+          <a:p>
+            <a:pPr>
+              <a:buFont typeface="Arial" panose="020B0604020202020204" pitchFamily="34" charset="0"/>
+              <a:buChar char="•"/>
+            </a:pPr>
+            <a:r>
+              <a:rPr lang="en-US" dirty="0"/>
+              <a:t> Timetabling problems can be reduced to a graph coloring problem</a:t>
+            </a:r>
+            <a:r>
+              <a:rPr lang="en-US" dirty="0" smtClean="0"/>
+              <a:t>;</a:t>
+            </a:r>
+            <a:endParaRPr lang="en-US" dirty="0"/>
+          </a:p>
+        </p:txBody>
+      </p:sp>
+    </p:spTree>
+    <p:extLst>
+      <p:ext uri="{BB962C8B-B14F-4D97-AF65-F5344CB8AC3E}">
+        <p14:creationId xmlns:p14="http://schemas.microsoft.com/office/powerpoint/2010/main" val="3183956949"/>
+      </p:ext>
+    </p:extLst>
+  </p:cSld>
+  <p:clrMapOvr>
+    <a:masterClrMapping/>
+  </p:clrMapOvr>
+  <p:timing>
+    <p:tnLst>
+      <p:par>
+        <p:cTn id="1" dur="indefinite" restart="never" nodeType="tmRoot"/>
+      </p:par>
+    </p:tnLst>
+  </p:timing>
+</p:sld>
+</file>
+
+<file path=ppt/slides/slide9.xml><?xml version="1.0" encoding="utf-8"?>
+<p:sld xmlns:a="http://schemas.openxmlformats.org/drawingml/2006/main" xmlns:r="http://schemas.openxmlformats.org/officeDocument/2006/relationships" xmlns:p="http://schemas.openxmlformats.org/presentationml/2006/main">
+  <p:cSld>
+    <p:spTree>
+      <p:nvGrpSpPr>
+        <p:cNvPr id="1" name=""/>
+        <p:cNvGrpSpPr/>
+        <p:nvPr/>
+      </p:nvGrpSpPr>
+      <p:grpSpPr>
+        <a:xfrm>
+          <a:off x="0" y="0"/>
+          <a:ext cx="0" cy="0"/>
+          <a:chOff x="0" y="0"/>
+          <a:chExt cx="0" cy="0"/>
+        </a:xfrm>
+      </p:grpSpPr>
+      <p:sp>
+        <p:nvSpPr>
+          <p:cNvPr id="2" name="Title 1"/>
+          <p:cNvSpPr>
+            <a:spLocks noGrp="1"/>
+          </p:cNvSpPr>
+          <p:nvPr>
+            <p:ph type="title"/>
+          </p:nvPr>
+        </p:nvSpPr>
+        <p:spPr/>
+        <p:txBody>
+          <a:bodyPr/>
+          <a:lstStyle/>
+          <a:p>
+            <a:r>
+              <a:rPr lang="en-US" dirty="0" smtClean="0"/>
+              <a:t>Meta-heuristics</a:t>
+            </a:r>
+            <a:endParaRPr lang="pt-PT" dirty="0"/>
+          </a:p>
+        </p:txBody>
+      </p:sp>
+      <p:sp>
+        <p:nvSpPr>
+          <p:cNvPr id="3" name="Content Placeholder 2"/>
+          <p:cNvSpPr>
+            <a:spLocks noGrp="1"/>
+          </p:cNvSpPr>
+          <p:nvPr>
+            <p:ph idx="1"/>
+          </p:nvPr>
+        </p:nvSpPr>
+        <p:spPr>
+          <a:xfrm>
+            <a:off x="1097280" y="1845734"/>
+            <a:ext cx="10058400" cy="4023360"/>
+          </a:xfrm>
+        </p:spPr>
+        <p:txBody>
+          <a:bodyPr/>
+          <a:lstStyle/>
+          <a:p>
+            <a:pPr>
+              <a:buFont typeface="Arial" panose="020B0604020202020204" pitchFamily="34" charset="0"/>
+              <a:buChar char="•"/>
+            </a:pPr>
+            <a:r>
+              <a:rPr lang="en-US" dirty="0" smtClean="0"/>
+              <a:t> Provide solutions for optimization problems;</a:t>
+            </a:r>
+          </a:p>
+          <a:p>
+            <a:pPr>
+              <a:buFont typeface="Arial" panose="020B0604020202020204" pitchFamily="34" charset="0"/>
+              <a:buChar char="•"/>
+            </a:pPr>
+            <a:r>
+              <a:rPr lang="en-US" dirty="0"/>
+              <a:t> </a:t>
+            </a:r>
+            <a:r>
+              <a:rPr lang="en-US" dirty="0" smtClean="0"/>
+              <a:t>In timetabling problems, meta-heuristics are used to optimize feasible solutions provided by heuristics;</a:t>
+            </a:r>
+          </a:p>
+          <a:p>
+            <a:pPr>
+              <a:buFont typeface="Arial" panose="020B0604020202020204" pitchFamily="34" charset="0"/>
+              <a:buChar char="•"/>
+            </a:pPr>
+            <a:r>
+              <a:rPr lang="en-US" dirty="0"/>
+              <a:t> </a:t>
+            </a:r>
+            <a:r>
+              <a:rPr lang="en-US" dirty="0" smtClean="0"/>
+              <a:t>It is divided into two main sub-types:</a:t>
+            </a:r>
+          </a:p>
+          <a:p>
+            <a:pPr lvl="1">
+              <a:buFont typeface="Arial" panose="020B0604020202020204" pitchFamily="34" charset="0"/>
+              <a:buChar char="•"/>
+            </a:pPr>
+            <a:r>
+              <a:rPr lang="en-US" dirty="0" smtClean="0"/>
+              <a:t>Single-solution meta-heuristics;</a:t>
+            </a:r>
+          </a:p>
+          <a:p>
+            <a:pPr lvl="1">
+              <a:buFont typeface="Arial" panose="020B0604020202020204" pitchFamily="34" charset="0"/>
+              <a:buChar char="•"/>
+            </a:pPr>
+            <a:r>
+              <a:rPr lang="en-US" dirty="0" smtClean="0"/>
+              <a:t>Population-based meta-heuristics.</a:t>
+            </a:r>
+            <a:endParaRPr lang="en-US" dirty="0"/>
+          </a:p>
+        </p:txBody>
+      </p:sp>
+    </p:spTree>
+    <p:extLst>
+      <p:ext uri="{BB962C8B-B14F-4D97-AF65-F5344CB8AC3E}">
+        <p14:creationId xmlns:p14="http://schemas.microsoft.com/office/powerpoint/2010/main" val="3986188383"/>
       </p:ext>
     </p:extLst>
   </p:cSld>

--- a/doc/Apresentação Oral/Examination Timetabling Automation using Hybrid Meta-heuristics.pptx
+++ b/doc/Apresentação Oral/Examination Timetabling Automation using Hybrid Meta-heuristics.pptx
@@ -17,6 +17,16 @@
     <p:sldId id="265" r:id="rId11"/>
     <p:sldId id="266" r:id="rId12"/>
     <p:sldId id="267" r:id="rId13"/>
+    <p:sldId id="268" r:id="rId14"/>
+    <p:sldId id="269" r:id="rId15"/>
+    <p:sldId id="270" r:id="rId16"/>
+    <p:sldId id="271" r:id="rId17"/>
+    <p:sldId id="272" r:id="rId18"/>
+    <p:sldId id="273" r:id="rId19"/>
+    <p:sldId id="274" r:id="rId20"/>
+    <p:sldId id="275" r:id="rId21"/>
+    <p:sldId id="276" r:id="rId22"/>
+    <p:sldId id="277" r:id="rId23"/>
   </p:sldIdLst>
   <p:sldSz cx="12192000" cy="6858000"/>
   <p:notesSz cx="6858000" cy="9144000"/>
@@ -349,7 +359,7 @@
           <a:p>
             <a:fld id="{96DFF08F-DC6B-4601-B491-B0F83F6DD2DA}" type="datetimeFigureOut">
               <a:rPr lang="en-US" dirty="0"/>
-              <a:t>12-Jul-15</a:t>
+              <a:t>13-Jul-15</a:t>
             </a:fld>
             <a:endParaRPr lang="en-US" dirty="0"/>
           </a:p>
@@ -552,7 +562,7 @@
           <a:p>
             <a:fld id="{96DFF08F-DC6B-4601-B491-B0F83F6DD2DA}" type="datetimeFigureOut">
               <a:rPr lang="en-US" dirty="0"/>
-              <a:t>12-Jul-15</a:t>
+              <a:t>13-Jul-15</a:t>
             </a:fld>
             <a:endParaRPr lang="en-US" dirty="0"/>
           </a:p>
@@ -803,7 +813,7 @@
           <a:p>
             <a:fld id="{96DFF08F-DC6B-4601-B491-B0F83F6DD2DA}" type="datetimeFigureOut">
               <a:rPr lang="en-US" dirty="0"/>
-              <a:t>12-Jul-15</a:t>
+              <a:t>13-Jul-15</a:t>
             </a:fld>
             <a:endParaRPr lang="en-US" dirty="0"/>
           </a:p>
@@ -968,7 +978,7 @@
           <a:p>
             <a:fld id="{D62CEF3B-A037-46D0-B02C-1428F07E9383}" type="datetimeFigureOut">
               <a:rPr lang="en-US" dirty="0"/>
-              <a:t>12-Jul-15</a:t>
+              <a:t>13-Jul-15</a:t>
             </a:fld>
             <a:endParaRPr lang="en-US" dirty="0"/>
           </a:p>
@@ -1306,7 +1316,7 @@
           <a:p>
             <a:fld id="{96DFF08F-DC6B-4601-B491-B0F83F6DD2DA}" type="datetimeFigureOut">
               <a:rPr lang="en-US" dirty="0"/>
-              <a:t>12-Jul-15</a:t>
+              <a:t>13-Jul-15</a:t>
             </a:fld>
             <a:endParaRPr lang="en-US" dirty="0"/>
           </a:p>
@@ -1576,7 +1586,7 @@
           <a:p>
             <a:fld id="{96DFF08F-DC6B-4601-B491-B0F83F6DD2DA}" type="datetimeFigureOut">
               <a:rPr lang="en-US" dirty="0"/>
-              <a:t>12-Jul-15</a:t>
+              <a:t>13-Jul-15</a:t>
             </a:fld>
             <a:endParaRPr lang="en-US" dirty="0"/>
           </a:p>
@@ -1950,7 +1960,7 @@
           <a:p>
             <a:fld id="{96DFF08F-DC6B-4601-B491-B0F83F6DD2DA}" type="datetimeFigureOut">
               <a:rPr lang="en-US" dirty="0"/>
-              <a:t>12-Jul-15</a:t>
+              <a:t>13-Jul-15</a:t>
             </a:fld>
             <a:endParaRPr lang="en-US" dirty="0"/>
           </a:p>
@@ -2063,7 +2073,7 @@
           <a:p>
             <a:fld id="{96DFF08F-DC6B-4601-B491-B0F83F6DD2DA}" type="datetimeFigureOut">
               <a:rPr lang="en-US" dirty="0"/>
-              <a:t>12-Jul-15</a:t>
+              <a:t>13-Jul-15</a:t>
             </a:fld>
             <a:endParaRPr lang="en-US" dirty="0"/>
           </a:p>
@@ -2230,7 +2240,7 @@
             <a:fld id="{96DFF08F-DC6B-4601-B491-B0F83F6DD2DA}" type="datetimeFigureOut">
               <a:rPr lang="en-US" dirty="0"/>
               <a:pPr/>
-              <a:t>12-Jul-15</a:t>
+              <a:t>13-Jul-15</a:t>
             </a:fld>
             <a:endParaRPr lang="en-US" dirty="0"/>
           </a:p>
@@ -2581,7 +2591,7 @@
             <a:fld id="{96DFF08F-DC6B-4601-B491-B0F83F6DD2DA}" type="datetimeFigureOut">
               <a:rPr lang="en-US" dirty="0"/>
               <a:pPr/>
-              <a:t>12-Jul-15</a:t>
+              <a:t>13-Jul-15</a:t>
             </a:fld>
             <a:endParaRPr lang="en-US" dirty="0"/>
           </a:p>
@@ -2954,7 +2964,7 @@
           <a:p>
             <a:fld id="{96DFF08F-DC6B-4601-B491-B0F83F6DD2DA}" type="datetimeFigureOut">
               <a:rPr lang="en-US" dirty="0"/>
-              <a:t>12-Jul-15</a:t>
+              <a:t>13-Jul-15</a:t>
             </a:fld>
             <a:endParaRPr lang="en-US" dirty="0"/>
           </a:p>
@@ -3237,7 +3247,7 @@
             <a:fld id="{96DFF08F-DC6B-4601-B491-B0F83F6DD2DA}" type="datetimeFigureOut">
               <a:rPr lang="en-US" dirty="0"/>
               <a:pPr/>
-              <a:t>12-Jul-15</a:t>
+              <a:t>13-Jul-15</a:t>
             </a:fld>
             <a:endParaRPr lang="en-US" dirty="0"/>
           </a:p>
@@ -3853,11 +3863,7 @@
             </a:r>
             <a:r>
               <a:rPr lang="pt-PT" dirty="0" smtClean="0"/>
-              <a:t>:</a:t>
-            </a:r>
-            <a:r>
-              <a:rPr lang="pt-PT" dirty="0" smtClean="0"/>
-              <a:t>						</a:t>
+              <a:t>:						</a:t>
             </a:r>
             <a:r>
               <a:rPr lang="pt-PT" dirty="0" err="1" smtClean="0"/>
@@ -3867,7 +3873,6 @@
               <a:rPr lang="pt-PT" dirty="0" smtClean="0"/>
               <a:t>:</a:t>
             </a:r>
-            <a:endParaRPr lang="pt-PT" dirty="0" smtClean="0"/>
           </a:p>
           <a:p>
             <a:r>
@@ -4375,7 +4380,51 @@
           <a:bodyPr/>
           <a:lstStyle/>
           <a:p>
-            <a:endParaRPr lang="pt-PT"/>
+            <a:r>
+              <a:rPr lang="en-US" dirty="0" smtClean="0"/>
+              <a:t>The architecture of this project is divided in multiple layers:</a:t>
+            </a:r>
+            <a:endParaRPr lang="en-US" dirty="0"/>
+          </a:p>
+          <a:p>
+            <a:pPr lvl="1">
+              <a:buFont typeface="Arial" panose="020B0604020202020204" pitchFamily="34" charset="0"/>
+              <a:buChar char="•"/>
+            </a:pPr>
+            <a:r>
+              <a:rPr lang="en-US" dirty="0" smtClean="0"/>
+              <a:t>Data Layer</a:t>
+            </a:r>
+          </a:p>
+          <a:p>
+            <a:pPr lvl="1">
+              <a:buFont typeface="Arial" panose="020B0604020202020204" pitchFamily="34" charset="0"/>
+              <a:buChar char="•"/>
+            </a:pPr>
+            <a:r>
+              <a:rPr lang="en-US" dirty="0" smtClean="0"/>
+              <a:t>Data Access Layer</a:t>
+            </a:r>
+          </a:p>
+          <a:p>
+            <a:pPr lvl="1">
+              <a:buFont typeface="Arial" panose="020B0604020202020204" pitchFamily="34" charset="0"/>
+              <a:buChar char="•"/>
+            </a:pPr>
+            <a:r>
+              <a:rPr lang="en-US" dirty="0" smtClean="0"/>
+              <a:t>Business Layer &amp; Tools Layer</a:t>
+            </a:r>
+          </a:p>
+          <a:p>
+            <a:pPr lvl="1">
+              <a:buFont typeface="Arial" panose="020B0604020202020204" pitchFamily="34" charset="0"/>
+              <a:buChar char="•"/>
+            </a:pPr>
+            <a:r>
+              <a:rPr lang="en-US" dirty="0" smtClean="0"/>
+              <a:t>Presentation Layer</a:t>
+            </a:r>
           </a:p>
         </p:txBody>
       </p:sp>
@@ -4389,6 +4438,968 @@
   <p:clrMapOvr>
     <a:masterClrMapping/>
   </p:clrMapOvr>
+  <p:timing>
+    <p:tnLst>
+      <p:par>
+        <p:cTn id="1" dur="indefinite" restart="never" nodeType="tmRoot"/>
+      </p:par>
+    </p:tnLst>
+  </p:timing>
+</p:sld>
+</file>
+
+<file path=ppt/slides/slide13.xml><?xml version="1.0" encoding="utf-8"?>
+<p:sld xmlns:a="http://schemas.openxmlformats.org/drawingml/2006/main" xmlns:r="http://schemas.openxmlformats.org/officeDocument/2006/relationships" xmlns:p="http://schemas.openxmlformats.org/presentationml/2006/main">
+  <p:cSld>
+    <p:spTree>
+      <p:nvGrpSpPr>
+        <p:cNvPr id="1" name=""/>
+        <p:cNvGrpSpPr/>
+        <p:nvPr/>
+      </p:nvGrpSpPr>
+      <p:grpSpPr>
+        <a:xfrm>
+          <a:off x="0" y="0"/>
+          <a:ext cx="0" cy="0"/>
+          <a:chOff x="0" y="0"/>
+          <a:chExt cx="0" cy="0"/>
+        </a:xfrm>
+      </p:grpSpPr>
+      <p:sp>
+        <p:nvSpPr>
+          <p:cNvPr id="2" name="Title 1"/>
+          <p:cNvSpPr>
+            <a:spLocks noGrp="1"/>
+          </p:cNvSpPr>
+          <p:nvPr>
+            <p:ph type="title"/>
+          </p:nvPr>
+        </p:nvSpPr>
+        <p:spPr/>
+        <p:txBody>
+          <a:bodyPr/>
+          <a:lstStyle/>
+          <a:p>
+            <a:r>
+              <a:rPr lang="en-US" dirty="0" smtClean="0"/>
+              <a:t>Data Layer</a:t>
+            </a:r>
+            <a:endParaRPr lang="en-US" dirty="0"/>
+          </a:p>
+        </p:txBody>
+      </p:sp>
+      <p:sp>
+        <p:nvSpPr>
+          <p:cNvPr id="3" name="Content Placeholder 2"/>
+          <p:cNvSpPr>
+            <a:spLocks noGrp="1"/>
+          </p:cNvSpPr>
+          <p:nvPr>
+            <p:ph idx="1"/>
+          </p:nvPr>
+        </p:nvSpPr>
+        <p:spPr/>
+        <p:txBody>
+          <a:bodyPr/>
+          <a:lstStyle/>
+          <a:p>
+            <a:pPr>
+              <a:buFont typeface="Arial" panose="020B0604020202020204" pitchFamily="34" charset="0"/>
+              <a:buChar char="•"/>
+            </a:pPr>
+            <a:r>
+              <a:rPr lang="en-US" dirty="0" smtClean="0"/>
+              <a:t> Stores all entities;</a:t>
+            </a:r>
+          </a:p>
+          <a:p>
+            <a:pPr>
+              <a:buFont typeface="Arial" panose="020B0604020202020204" pitchFamily="34" charset="0"/>
+              <a:buChar char="•"/>
+            </a:pPr>
+            <a:r>
+              <a:rPr lang="en-US" dirty="0"/>
+              <a:t> </a:t>
+            </a:r>
+            <a:r>
+              <a:rPr lang="en-US" dirty="0" smtClean="0"/>
+              <a:t>The entities represent elements of the timetable;</a:t>
+            </a:r>
+          </a:p>
+          <a:p>
+            <a:pPr>
+              <a:buFont typeface="Arial" panose="020B0604020202020204" pitchFamily="34" charset="0"/>
+              <a:buChar char="•"/>
+            </a:pPr>
+            <a:r>
+              <a:rPr lang="en-US" dirty="0"/>
+              <a:t> </a:t>
+            </a:r>
+            <a:r>
+              <a:rPr lang="en-US" dirty="0" smtClean="0"/>
+              <a:t>The entities are maintained in memory and discarded after the program is finished.</a:t>
+            </a:r>
+            <a:endParaRPr lang="en-US" dirty="0"/>
+          </a:p>
+        </p:txBody>
+      </p:sp>
+    </p:spTree>
+    <p:extLst>
+      <p:ext uri="{BB962C8B-B14F-4D97-AF65-F5344CB8AC3E}">
+        <p14:creationId xmlns:p14="http://schemas.microsoft.com/office/powerpoint/2010/main" val="801671358"/>
+      </p:ext>
+    </p:extLst>
+  </p:cSld>
+  <p:clrMapOvr>
+    <a:masterClrMapping/>
+  </p:clrMapOvr>
+  <p:timing>
+    <p:tnLst>
+      <p:par>
+        <p:cTn id="1" dur="indefinite" restart="never" nodeType="tmRoot"/>
+      </p:par>
+    </p:tnLst>
+  </p:timing>
+</p:sld>
+</file>
+
+<file path=ppt/slides/slide14.xml><?xml version="1.0" encoding="utf-8"?>
+<p:sld xmlns:a="http://schemas.openxmlformats.org/drawingml/2006/main" xmlns:r="http://schemas.openxmlformats.org/officeDocument/2006/relationships" xmlns:p="http://schemas.openxmlformats.org/presentationml/2006/main">
+  <p:cSld>
+    <p:spTree>
+      <p:nvGrpSpPr>
+        <p:cNvPr id="1" name=""/>
+        <p:cNvGrpSpPr/>
+        <p:nvPr/>
+      </p:nvGrpSpPr>
+      <p:grpSpPr>
+        <a:xfrm>
+          <a:off x="0" y="0"/>
+          <a:ext cx="0" cy="0"/>
+          <a:chOff x="0" y="0"/>
+          <a:chExt cx="0" cy="0"/>
+        </a:xfrm>
+      </p:grpSpPr>
+      <p:sp>
+        <p:nvSpPr>
+          <p:cNvPr id="2" name="Title 1"/>
+          <p:cNvSpPr>
+            <a:spLocks noGrp="1"/>
+          </p:cNvSpPr>
+          <p:nvPr>
+            <p:ph type="title"/>
+          </p:nvPr>
+        </p:nvSpPr>
+        <p:spPr/>
+        <p:txBody>
+          <a:bodyPr/>
+          <a:lstStyle/>
+          <a:p>
+            <a:r>
+              <a:rPr lang="en-US" dirty="0" smtClean="0"/>
+              <a:t>Data Access Layer</a:t>
+            </a:r>
+            <a:endParaRPr lang="en-US" dirty="0"/>
+          </a:p>
+        </p:txBody>
+      </p:sp>
+      <p:sp>
+        <p:nvSpPr>
+          <p:cNvPr id="3" name="Content Placeholder 2"/>
+          <p:cNvSpPr>
+            <a:spLocks noGrp="1"/>
+          </p:cNvSpPr>
+          <p:nvPr>
+            <p:ph idx="1"/>
+          </p:nvPr>
+        </p:nvSpPr>
+        <p:spPr/>
+        <p:txBody>
+          <a:bodyPr/>
+          <a:lstStyle/>
+          <a:p>
+            <a:pPr>
+              <a:buFont typeface="Arial" panose="020B0604020202020204" pitchFamily="34" charset="0"/>
+              <a:buChar char="•"/>
+            </a:pPr>
+            <a:r>
+              <a:rPr lang="pt-PT" dirty="0" smtClean="0"/>
+              <a:t> </a:t>
+            </a:r>
+            <a:r>
+              <a:rPr lang="en-US" dirty="0" smtClean="0"/>
+              <a:t>Allows </a:t>
+            </a:r>
+            <a:r>
+              <a:rPr lang="en-US" dirty="0"/>
+              <a:t>access to the data stored in the </a:t>
+            </a:r>
+            <a:r>
+              <a:rPr lang="en-US" dirty="0" smtClean="0"/>
+              <a:t>Data Layer;</a:t>
+            </a:r>
+          </a:p>
+          <a:p>
+            <a:pPr>
+              <a:buFont typeface="Arial" panose="020B0604020202020204" pitchFamily="34" charset="0"/>
+              <a:buChar char="•"/>
+            </a:pPr>
+            <a:r>
+              <a:rPr lang="en-US" dirty="0" smtClean="0"/>
+              <a:t> Provides </a:t>
+            </a:r>
+            <a:r>
+              <a:rPr lang="en-US" dirty="0"/>
+              <a:t>repositories of </a:t>
+            </a:r>
+            <a:r>
+              <a:rPr lang="en-US" dirty="0" smtClean="0"/>
+              <a:t>each type of entity;</a:t>
+            </a:r>
+          </a:p>
+          <a:p>
+            <a:pPr lvl="1">
+              <a:buFont typeface="Arial" panose="020B0604020202020204" pitchFamily="34" charset="0"/>
+              <a:buChar char="•"/>
+            </a:pPr>
+            <a:r>
+              <a:rPr lang="en-US" dirty="0" smtClean="0"/>
+              <a:t>The implementation is generic;</a:t>
+            </a:r>
+          </a:p>
+          <a:p>
+            <a:pPr lvl="1">
+              <a:buFont typeface="Arial" panose="020B0604020202020204" pitchFamily="34" charset="0"/>
+              <a:buChar char="•"/>
+            </a:pPr>
+            <a:r>
+              <a:rPr lang="en-US" dirty="0" smtClean="0"/>
+              <a:t>Provides CRUD functions;</a:t>
+            </a:r>
+          </a:p>
+          <a:p>
+            <a:pPr lvl="1">
+              <a:buFont typeface="Arial" panose="020B0604020202020204" pitchFamily="34" charset="0"/>
+              <a:buChar char="•"/>
+            </a:pPr>
+            <a:r>
+              <a:rPr lang="en-US" dirty="0" smtClean="0"/>
+              <a:t>Stores entities in a list.</a:t>
+            </a:r>
+          </a:p>
+        </p:txBody>
+      </p:sp>
+    </p:spTree>
+    <p:extLst>
+      <p:ext uri="{BB962C8B-B14F-4D97-AF65-F5344CB8AC3E}">
+        <p14:creationId xmlns:p14="http://schemas.microsoft.com/office/powerpoint/2010/main" val="2313586417"/>
+      </p:ext>
+    </p:extLst>
+  </p:cSld>
+  <p:clrMapOvr>
+    <a:masterClrMapping/>
+  </p:clrMapOvr>
+</p:sld>
+</file>
+
+<file path=ppt/slides/slide15.xml><?xml version="1.0" encoding="utf-8"?>
+<p:sld xmlns:a="http://schemas.openxmlformats.org/drawingml/2006/main" xmlns:r="http://schemas.openxmlformats.org/officeDocument/2006/relationships" xmlns:p="http://schemas.openxmlformats.org/presentationml/2006/main">
+  <p:cSld>
+    <p:spTree>
+      <p:nvGrpSpPr>
+        <p:cNvPr id="1" name=""/>
+        <p:cNvGrpSpPr/>
+        <p:nvPr/>
+      </p:nvGrpSpPr>
+      <p:grpSpPr>
+        <a:xfrm>
+          <a:off x="0" y="0"/>
+          <a:ext cx="0" cy="0"/>
+          <a:chOff x="0" y="0"/>
+          <a:chExt cx="0" cy="0"/>
+        </a:xfrm>
+      </p:grpSpPr>
+      <p:sp>
+        <p:nvSpPr>
+          <p:cNvPr id="2" name="Title 1"/>
+          <p:cNvSpPr>
+            <a:spLocks noGrp="1"/>
+          </p:cNvSpPr>
+          <p:nvPr>
+            <p:ph type="title"/>
+          </p:nvPr>
+        </p:nvSpPr>
+        <p:spPr/>
+        <p:txBody>
+          <a:bodyPr/>
+          <a:lstStyle/>
+          <a:p>
+            <a:r>
+              <a:rPr lang="en-US" dirty="0" smtClean="0"/>
+              <a:t>Business Layer</a:t>
+            </a:r>
+            <a:endParaRPr lang="en-US" dirty="0"/>
+          </a:p>
+        </p:txBody>
+      </p:sp>
+      <p:sp>
+        <p:nvSpPr>
+          <p:cNvPr id="3" name="Content Placeholder 2"/>
+          <p:cNvSpPr>
+            <a:spLocks noGrp="1"/>
+          </p:cNvSpPr>
+          <p:nvPr>
+            <p:ph idx="1"/>
+          </p:nvPr>
+        </p:nvSpPr>
+        <p:spPr/>
+        <p:txBody>
+          <a:bodyPr/>
+          <a:lstStyle/>
+          <a:p>
+            <a:pPr>
+              <a:buFont typeface="Arial" panose="020B0604020202020204" pitchFamily="34" charset="0"/>
+              <a:buChar char="•"/>
+            </a:pPr>
+            <a:r>
+              <a:rPr lang="pt-PT" dirty="0" smtClean="0"/>
+              <a:t> </a:t>
+            </a:r>
+            <a:r>
+              <a:rPr lang="en-US" dirty="0" smtClean="0"/>
+              <a:t>Provides </a:t>
+            </a:r>
+            <a:r>
+              <a:rPr lang="en-US" dirty="0"/>
+              <a:t>access to the </a:t>
+            </a:r>
+            <a:r>
+              <a:rPr lang="en-US" dirty="0" smtClean="0"/>
+              <a:t>repositories;</a:t>
+            </a:r>
+          </a:p>
+          <a:p>
+            <a:pPr>
+              <a:buFont typeface="Arial" panose="020B0604020202020204" pitchFamily="34" charset="0"/>
+              <a:buChar char="•"/>
+            </a:pPr>
+            <a:r>
+              <a:rPr lang="en-US" dirty="0" smtClean="0"/>
+              <a:t> Provides CRUD functions and specific functions depending on the repository type;</a:t>
+            </a:r>
+          </a:p>
+          <a:p>
+            <a:pPr>
+              <a:buFont typeface="Arial" panose="020B0604020202020204" pitchFamily="34" charset="0"/>
+              <a:buChar char="•"/>
+            </a:pPr>
+            <a:r>
+              <a:rPr lang="en-US" dirty="0"/>
+              <a:t> </a:t>
+            </a:r>
+            <a:r>
+              <a:rPr lang="en-US" dirty="0" smtClean="0"/>
+              <a:t>Business classes do </a:t>
+            </a:r>
+            <a:r>
+              <a:rPr lang="en-US" dirty="0"/>
+              <a:t>not </a:t>
+            </a:r>
+            <a:r>
+              <a:rPr lang="en-US" dirty="0" smtClean="0"/>
+              <a:t>mandatorily need to have a Repository class;</a:t>
+            </a:r>
+          </a:p>
+          <a:p>
+            <a:pPr>
+              <a:buFont typeface="Arial" panose="020B0604020202020204" pitchFamily="34" charset="0"/>
+              <a:buChar char="•"/>
+            </a:pPr>
+            <a:r>
+              <a:rPr lang="en-US" dirty="0"/>
+              <a:t> </a:t>
+            </a:r>
+            <a:r>
+              <a:rPr lang="en-US" dirty="0" smtClean="0"/>
+              <a:t>Provides access to the conflict matrix;</a:t>
+            </a:r>
+          </a:p>
+          <a:p>
+            <a:pPr>
+              <a:buFont typeface="Arial" panose="020B0604020202020204" pitchFamily="34" charset="0"/>
+              <a:buChar char="•"/>
+            </a:pPr>
+            <a:r>
+              <a:rPr lang="en-US" dirty="0"/>
+              <a:t> </a:t>
+            </a:r>
+            <a:r>
+              <a:rPr lang="en-US" dirty="0" smtClean="0"/>
+              <a:t>All business classes implement the </a:t>
+            </a:r>
+            <a:r>
+              <a:rPr lang="en-US" i="1" dirty="0" smtClean="0"/>
+              <a:t>Singleton</a:t>
+            </a:r>
+            <a:r>
+              <a:rPr lang="en-US" dirty="0" smtClean="0"/>
+              <a:t> pattern.</a:t>
+            </a:r>
+            <a:endParaRPr lang="en-US" dirty="0"/>
+          </a:p>
+        </p:txBody>
+      </p:sp>
+    </p:spTree>
+    <p:extLst>
+      <p:ext uri="{BB962C8B-B14F-4D97-AF65-F5344CB8AC3E}">
+        <p14:creationId xmlns:p14="http://schemas.microsoft.com/office/powerpoint/2010/main" val="2604752268"/>
+      </p:ext>
+    </p:extLst>
+  </p:cSld>
+  <p:clrMapOvr>
+    <a:masterClrMapping/>
+  </p:clrMapOvr>
+  <p:timing>
+    <p:tnLst>
+      <p:par>
+        <p:cTn id="1" dur="indefinite" restart="never" nodeType="tmRoot"/>
+      </p:par>
+    </p:tnLst>
+  </p:timing>
+</p:sld>
+</file>
+
+<file path=ppt/slides/slide16.xml><?xml version="1.0" encoding="utf-8"?>
+<p:sld xmlns:a="http://schemas.openxmlformats.org/drawingml/2006/main" xmlns:r="http://schemas.openxmlformats.org/officeDocument/2006/relationships" xmlns:p="http://schemas.openxmlformats.org/presentationml/2006/main">
+  <p:cSld>
+    <p:spTree>
+      <p:nvGrpSpPr>
+        <p:cNvPr id="1" name=""/>
+        <p:cNvGrpSpPr/>
+        <p:nvPr/>
+      </p:nvGrpSpPr>
+      <p:grpSpPr>
+        <a:xfrm>
+          <a:off x="0" y="0"/>
+          <a:ext cx="0" cy="0"/>
+          <a:chOff x="0" y="0"/>
+          <a:chExt cx="0" cy="0"/>
+        </a:xfrm>
+      </p:grpSpPr>
+      <p:sp>
+        <p:nvSpPr>
+          <p:cNvPr id="2" name="Title 1"/>
+          <p:cNvSpPr>
+            <a:spLocks noGrp="1"/>
+          </p:cNvSpPr>
+          <p:nvPr>
+            <p:ph type="title"/>
+          </p:nvPr>
+        </p:nvSpPr>
+        <p:spPr/>
+        <p:txBody>
+          <a:bodyPr/>
+          <a:lstStyle/>
+          <a:p>
+            <a:r>
+              <a:rPr lang="en-US" dirty="0" smtClean="0"/>
+              <a:t>Tools Layer</a:t>
+            </a:r>
+            <a:endParaRPr lang="pt-PT" dirty="0"/>
+          </a:p>
+        </p:txBody>
+      </p:sp>
+      <p:sp>
+        <p:nvSpPr>
+          <p:cNvPr id="3" name="Content Placeholder 2"/>
+          <p:cNvSpPr>
+            <a:spLocks noGrp="1"/>
+          </p:cNvSpPr>
+          <p:nvPr>
+            <p:ph idx="1"/>
+          </p:nvPr>
+        </p:nvSpPr>
+        <p:spPr/>
+        <p:txBody>
+          <a:bodyPr/>
+          <a:lstStyle/>
+          <a:p>
+            <a:pPr>
+              <a:buFont typeface="Arial" panose="020B0604020202020204" pitchFamily="34" charset="0"/>
+              <a:buChar char="•"/>
+            </a:pPr>
+            <a:r>
+              <a:rPr lang="en-US" dirty="0"/>
+              <a:t> </a:t>
+            </a:r>
+            <a:r>
+              <a:rPr lang="en-US" dirty="0" smtClean="0"/>
+              <a:t>Contains all the tools used by the Heuristics Layer and lower layers:</a:t>
+            </a:r>
+          </a:p>
+          <a:p>
+            <a:pPr lvl="1">
+              <a:buFont typeface="Arial" panose="020B0604020202020204" pitchFamily="34" charset="0"/>
+              <a:buChar char="•"/>
+            </a:pPr>
+            <a:r>
+              <a:rPr lang="en-US" dirty="0" err="1" smtClean="0"/>
+              <a:t>EvaluationFunction</a:t>
+            </a:r>
+            <a:r>
+              <a:rPr lang="en-US" dirty="0" smtClean="0"/>
+              <a:t>;</a:t>
+            </a:r>
+          </a:p>
+          <a:p>
+            <a:pPr lvl="1">
+              <a:buFont typeface="Arial" panose="020B0604020202020204" pitchFamily="34" charset="0"/>
+              <a:buChar char="•"/>
+            </a:pPr>
+            <a:r>
+              <a:rPr lang="en-US" dirty="0" smtClean="0"/>
+              <a:t>Loader;</a:t>
+            </a:r>
+          </a:p>
+          <a:p>
+            <a:pPr lvl="1">
+              <a:buFont typeface="Arial" panose="020B0604020202020204" pitchFamily="34" charset="0"/>
+              <a:buChar char="•"/>
+            </a:pPr>
+            <a:r>
+              <a:rPr lang="en-US" dirty="0" err="1" smtClean="0"/>
+              <a:t>NeighborSelection</a:t>
+            </a:r>
+            <a:r>
+              <a:rPr lang="en-US" dirty="0" smtClean="0"/>
+              <a:t>;</a:t>
+            </a:r>
+          </a:p>
+          <a:p>
+            <a:pPr lvl="1">
+              <a:buFont typeface="Arial" panose="020B0604020202020204" pitchFamily="34" charset="0"/>
+              <a:buChar char="•"/>
+            </a:pPr>
+            <a:r>
+              <a:rPr lang="en-US" dirty="0" err="1" smtClean="0"/>
+              <a:t>FeasibilityTester</a:t>
+            </a:r>
+            <a:r>
+              <a:rPr lang="en-US" dirty="0" smtClean="0"/>
+              <a:t>;</a:t>
+            </a:r>
+          </a:p>
+          <a:p>
+            <a:pPr lvl="1">
+              <a:buFont typeface="Arial" panose="020B0604020202020204" pitchFamily="34" charset="0"/>
+              <a:buChar char="•"/>
+            </a:pPr>
+            <a:r>
+              <a:rPr lang="en-US" dirty="0" err="1" smtClean="0"/>
+              <a:t>OutputFormatting</a:t>
+            </a:r>
+            <a:r>
+              <a:rPr lang="en-US" dirty="0" smtClean="0"/>
+              <a:t>.</a:t>
+            </a:r>
+            <a:endParaRPr lang="pt-PT" dirty="0"/>
+          </a:p>
+        </p:txBody>
+      </p:sp>
+    </p:spTree>
+    <p:extLst>
+      <p:ext uri="{BB962C8B-B14F-4D97-AF65-F5344CB8AC3E}">
+        <p14:creationId xmlns:p14="http://schemas.microsoft.com/office/powerpoint/2010/main" val="2797025743"/>
+      </p:ext>
+    </p:extLst>
+  </p:cSld>
+  <p:clrMapOvr>
+    <a:masterClrMapping/>
+  </p:clrMapOvr>
+  <p:timing>
+    <p:tnLst>
+      <p:par>
+        <p:cTn id="1" dur="indefinite" restart="never" nodeType="tmRoot"/>
+      </p:par>
+    </p:tnLst>
+  </p:timing>
+</p:sld>
+</file>
+
+<file path=ppt/slides/slide17.xml><?xml version="1.0" encoding="utf-8"?>
+<p:sld xmlns:a="http://schemas.openxmlformats.org/drawingml/2006/main" xmlns:r="http://schemas.openxmlformats.org/officeDocument/2006/relationships" xmlns:p="http://schemas.openxmlformats.org/presentationml/2006/main">
+  <p:cSld>
+    <p:spTree>
+      <p:nvGrpSpPr>
+        <p:cNvPr id="1" name=""/>
+        <p:cNvGrpSpPr/>
+        <p:nvPr/>
+      </p:nvGrpSpPr>
+      <p:grpSpPr>
+        <a:xfrm>
+          <a:off x="0" y="0"/>
+          <a:ext cx="0" cy="0"/>
+          <a:chOff x="0" y="0"/>
+          <a:chExt cx="0" cy="0"/>
+        </a:xfrm>
+      </p:grpSpPr>
+      <p:sp>
+        <p:nvSpPr>
+          <p:cNvPr id="2" name="Title 1"/>
+          <p:cNvSpPr>
+            <a:spLocks noGrp="1"/>
+          </p:cNvSpPr>
+          <p:nvPr>
+            <p:ph type="title"/>
+          </p:nvPr>
+        </p:nvSpPr>
+        <p:spPr/>
+        <p:txBody>
+          <a:bodyPr/>
+          <a:lstStyle/>
+          <a:p>
+            <a:r>
+              <a:rPr lang="en-US" dirty="0" smtClean="0"/>
+              <a:t>Heuristics Layer</a:t>
+            </a:r>
+            <a:endParaRPr lang="pt-PT" dirty="0"/>
+          </a:p>
+        </p:txBody>
+      </p:sp>
+      <p:sp>
+        <p:nvSpPr>
+          <p:cNvPr id="3" name="Content Placeholder 2"/>
+          <p:cNvSpPr>
+            <a:spLocks noGrp="1"/>
+          </p:cNvSpPr>
+          <p:nvPr>
+            <p:ph idx="1"/>
+          </p:nvPr>
+        </p:nvSpPr>
+        <p:spPr/>
+        <p:txBody>
+          <a:bodyPr/>
+          <a:lstStyle/>
+          <a:p>
+            <a:pPr>
+              <a:buFont typeface="Arial" panose="020B0604020202020204" pitchFamily="34" charset="0"/>
+              <a:buChar char="•"/>
+            </a:pPr>
+            <a:r>
+              <a:rPr lang="en-US" dirty="0" smtClean="0"/>
+              <a:t> Offers </a:t>
+            </a:r>
+            <a:r>
+              <a:rPr lang="en-US" dirty="0"/>
+              <a:t>access to all the implemented </a:t>
+            </a:r>
+            <a:r>
+              <a:rPr lang="en-US" dirty="0" smtClean="0"/>
+              <a:t>heuristics:</a:t>
+            </a:r>
+          </a:p>
+          <a:p>
+            <a:pPr lvl="1">
+              <a:buFont typeface="Arial" panose="020B0604020202020204" pitchFamily="34" charset="0"/>
+              <a:buChar char="•"/>
+            </a:pPr>
+            <a:r>
+              <a:rPr lang="en-US" dirty="0" smtClean="0"/>
+              <a:t>Graph Coloring;</a:t>
+            </a:r>
+          </a:p>
+          <a:p>
+            <a:pPr lvl="1">
+              <a:buFont typeface="Arial" panose="020B0604020202020204" pitchFamily="34" charset="0"/>
+              <a:buChar char="•"/>
+            </a:pPr>
+            <a:r>
+              <a:rPr lang="en-US" dirty="0" smtClean="0"/>
+              <a:t>Simulated Annealing;</a:t>
+            </a:r>
+          </a:p>
+          <a:p>
+            <a:pPr lvl="1">
+              <a:buFont typeface="Arial" panose="020B0604020202020204" pitchFamily="34" charset="0"/>
+              <a:buChar char="•"/>
+            </a:pPr>
+            <a:r>
+              <a:rPr lang="en-US" dirty="0" smtClean="0"/>
+              <a:t>Hill Climbing.</a:t>
+            </a:r>
+            <a:endParaRPr lang="pt-PT" dirty="0"/>
+          </a:p>
+        </p:txBody>
+      </p:sp>
+    </p:spTree>
+    <p:extLst>
+      <p:ext uri="{BB962C8B-B14F-4D97-AF65-F5344CB8AC3E}">
+        <p14:creationId xmlns:p14="http://schemas.microsoft.com/office/powerpoint/2010/main" val="902164932"/>
+      </p:ext>
+    </p:extLst>
+  </p:cSld>
+  <p:clrMapOvr>
+    <a:masterClrMapping/>
+  </p:clrMapOvr>
+</p:sld>
+</file>
+
+<file path=ppt/slides/slide18.xml><?xml version="1.0" encoding="utf-8"?>
+<p:sld xmlns:a="http://schemas.openxmlformats.org/drawingml/2006/main" xmlns:r="http://schemas.openxmlformats.org/officeDocument/2006/relationships" xmlns:p="http://schemas.openxmlformats.org/presentationml/2006/main">
+  <p:cSld>
+    <p:spTree>
+      <p:nvGrpSpPr>
+        <p:cNvPr id="1" name=""/>
+        <p:cNvGrpSpPr/>
+        <p:nvPr/>
+      </p:nvGrpSpPr>
+      <p:grpSpPr>
+        <a:xfrm>
+          <a:off x="0" y="0"/>
+          <a:ext cx="0" cy="0"/>
+          <a:chOff x="0" y="0"/>
+          <a:chExt cx="0" cy="0"/>
+        </a:xfrm>
+      </p:grpSpPr>
+      <p:sp>
+        <p:nvSpPr>
+          <p:cNvPr id="2" name="Title 1"/>
+          <p:cNvSpPr>
+            <a:spLocks noGrp="1"/>
+          </p:cNvSpPr>
+          <p:nvPr>
+            <p:ph type="title"/>
+          </p:nvPr>
+        </p:nvSpPr>
+        <p:spPr/>
+        <p:txBody>
+          <a:bodyPr/>
+          <a:lstStyle/>
+          <a:p>
+            <a:r>
+              <a:rPr lang="en-US" dirty="0" smtClean="0"/>
+              <a:t>Presentation Layer</a:t>
+            </a:r>
+            <a:endParaRPr lang="pt-PT" dirty="0"/>
+          </a:p>
+        </p:txBody>
+      </p:sp>
+      <p:sp>
+        <p:nvSpPr>
+          <p:cNvPr id="3" name="Content Placeholder 2"/>
+          <p:cNvSpPr>
+            <a:spLocks noGrp="1"/>
+          </p:cNvSpPr>
+          <p:nvPr>
+            <p:ph idx="1"/>
+          </p:nvPr>
+        </p:nvSpPr>
+        <p:spPr/>
+        <p:txBody>
+          <a:bodyPr/>
+          <a:lstStyle/>
+          <a:p>
+            <a:pPr>
+              <a:buFont typeface="Arial" panose="020B0604020202020204" pitchFamily="34" charset="0"/>
+              <a:buChar char="•"/>
+            </a:pPr>
+            <a:r>
+              <a:rPr lang="en-US" dirty="0" smtClean="0"/>
+              <a:t> Works as </a:t>
+            </a:r>
+            <a:r>
+              <a:rPr lang="en-US" dirty="0"/>
+              <a:t>a </a:t>
+            </a:r>
+            <a:r>
+              <a:rPr lang="en-US" dirty="0" smtClean="0"/>
+              <a:t>debugger </a:t>
+            </a:r>
+            <a:r>
+              <a:rPr lang="en-US" dirty="0"/>
+              <a:t>to run the project functionalities</a:t>
+            </a:r>
+            <a:r>
+              <a:rPr lang="en-US" dirty="0" smtClean="0"/>
+              <a:t>;</a:t>
+            </a:r>
+          </a:p>
+          <a:p>
+            <a:pPr>
+              <a:buFont typeface="Arial" panose="020B0604020202020204" pitchFamily="34" charset="0"/>
+              <a:buChar char="•"/>
+            </a:pPr>
+            <a:r>
+              <a:rPr lang="en-US" dirty="0"/>
+              <a:t> </a:t>
+            </a:r>
+            <a:r>
+              <a:rPr lang="en-US" dirty="0" smtClean="0"/>
+              <a:t>All </a:t>
+            </a:r>
+            <a:r>
+              <a:rPr lang="en-US" dirty="0"/>
+              <a:t>the tests are </a:t>
+            </a:r>
+            <a:r>
+              <a:rPr lang="en-US" dirty="0" smtClean="0"/>
+              <a:t>made in this layer:</a:t>
+            </a:r>
+          </a:p>
+          <a:p>
+            <a:pPr lvl="1">
+              <a:buFont typeface="Arial" panose="020B0604020202020204" pitchFamily="34" charset="0"/>
+              <a:buChar char="•"/>
+            </a:pPr>
+            <a:r>
+              <a:rPr lang="en-US" dirty="0" smtClean="0"/>
+              <a:t>Results checking;</a:t>
+            </a:r>
+          </a:p>
+          <a:p>
+            <a:pPr lvl="1">
+              <a:buFont typeface="Arial" panose="020B0604020202020204" pitchFamily="34" charset="0"/>
+              <a:buChar char="•"/>
+            </a:pPr>
+            <a:r>
+              <a:rPr lang="en-US" dirty="0" smtClean="0"/>
+              <a:t>Input parameters changing.</a:t>
+            </a:r>
+            <a:endParaRPr lang="pt-PT" dirty="0"/>
+          </a:p>
+        </p:txBody>
+      </p:sp>
+    </p:spTree>
+    <p:extLst>
+      <p:ext uri="{BB962C8B-B14F-4D97-AF65-F5344CB8AC3E}">
+        <p14:creationId xmlns:p14="http://schemas.microsoft.com/office/powerpoint/2010/main" val="3157626357"/>
+      </p:ext>
+    </p:extLst>
+  </p:cSld>
+  <p:clrMapOvr>
+    <a:masterClrMapping/>
+  </p:clrMapOvr>
+  <p:timing>
+    <p:tnLst>
+      <p:par>
+        <p:cTn id="1" dur="indefinite" restart="never" nodeType="tmRoot"/>
+      </p:par>
+    </p:tnLst>
+  </p:timing>
+</p:sld>
+</file>
+
+<file path=ppt/slides/slide19.xml><?xml version="1.0" encoding="utf-8"?>
+<p:sld xmlns:a="http://schemas.openxmlformats.org/drawingml/2006/main" xmlns:r="http://schemas.openxmlformats.org/officeDocument/2006/relationships" xmlns:p="http://schemas.openxmlformats.org/presentationml/2006/main">
+  <p:cSld>
+    <p:spTree>
+      <p:nvGrpSpPr>
+        <p:cNvPr id="1" name=""/>
+        <p:cNvGrpSpPr/>
+        <p:nvPr/>
+      </p:nvGrpSpPr>
+      <p:grpSpPr>
+        <a:xfrm>
+          <a:off x="0" y="0"/>
+          <a:ext cx="0" cy="0"/>
+          <a:chOff x="0" y="0"/>
+          <a:chExt cx="0" cy="0"/>
+        </a:xfrm>
+      </p:grpSpPr>
+      <p:sp>
+        <p:nvSpPr>
+          <p:cNvPr id="2" name="Title 1"/>
+          <p:cNvSpPr>
+            <a:spLocks noGrp="1"/>
+          </p:cNvSpPr>
+          <p:nvPr>
+            <p:ph type="title"/>
+          </p:nvPr>
+        </p:nvSpPr>
+        <p:spPr/>
+        <p:txBody>
+          <a:bodyPr/>
+          <a:lstStyle/>
+          <a:p>
+            <a:r>
+              <a:rPr lang="en-US" dirty="0" smtClean="0"/>
+              <a:t>Loader and solution initialization</a:t>
+            </a:r>
+            <a:endParaRPr lang="pt-PT" dirty="0"/>
+          </a:p>
+        </p:txBody>
+      </p:sp>
+      <p:sp>
+        <p:nvSpPr>
+          <p:cNvPr id="3" name="Content Placeholder 2"/>
+          <p:cNvSpPr>
+            <a:spLocks noGrp="1"/>
+          </p:cNvSpPr>
+          <p:nvPr>
+            <p:ph idx="1"/>
+          </p:nvPr>
+        </p:nvSpPr>
+        <p:spPr/>
+        <p:txBody>
+          <a:bodyPr/>
+          <a:lstStyle/>
+          <a:p>
+            <a:pPr>
+              <a:buFont typeface="Arial" panose="020B0604020202020204" pitchFamily="34" charset="0"/>
+              <a:buChar char="•"/>
+            </a:pPr>
+            <a:r>
+              <a:rPr lang="en-US" dirty="0" smtClean="0"/>
+              <a:t> First phase on the project execution;</a:t>
+            </a:r>
+          </a:p>
+          <a:p>
+            <a:pPr>
+              <a:buFont typeface="Arial" panose="020B0604020202020204" pitchFamily="34" charset="0"/>
+              <a:buChar char="•"/>
+            </a:pPr>
+            <a:r>
+              <a:rPr lang="en-US" dirty="0"/>
+              <a:t> </a:t>
+            </a:r>
+            <a:r>
+              <a:rPr lang="en-US" dirty="0" smtClean="0"/>
+              <a:t>The Loader and Graph Coloring heuristic will only be executed once, for each dataset;</a:t>
+            </a:r>
+          </a:p>
+          <a:p>
+            <a:pPr>
+              <a:buFont typeface="Arial" panose="020B0604020202020204" pitchFamily="34" charset="0"/>
+              <a:buChar char="•"/>
+            </a:pPr>
+            <a:r>
+              <a:rPr lang="en-US" dirty="0"/>
+              <a:t> </a:t>
+            </a:r>
+            <a:r>
+              <a:rPr lang="en-US" dirty="0" smtClean="0"/>
+              <a:t>It is recommended that this phase takes the shortest time possible;</a:t>
+            </a:r>
+          </a:p>
+        </p:txBody>
+      </p:sp>
+    </p:spTree>
+    <p:extLst>
+      <p:ext uri="{BB962C8B-B14F-4D97-AF65-F5344CB8AC3E}">
+        <p14:creationId xmlns:p14="http://schemas.microsoft.com/office/powerpoint/2010/main" val="515233628"/>
+      </p:ext>
+    </p:extLst>
+  </p:cSld>
+  <p:clrMapOvr>
+    <a:masterClrMapping/>
+  </p:clrMapOvr>
+  <p:timing>
+    <p:tnLst>
+      <p:par>
+        <p:cTn id="1" dur="indefinite" restart="never" nodeType="tmRoot"/>
+      </p:par>
+    </p:tnLst>
+  </p:timing>
 </p:sld>
 </file>
 
@@ -4445,7 +5456,7 @@
         <p:spPr/>
         <p:txBody>
           <a:bodyPr>
-            <a:normAutofit fontScale="85000" lnSpcReduction="20000"/>
+            <a:normAutofit fontScale="70000" lnSpcReduction="20000"/>
           </a:bodyPr>
           <a:lstStyle/>
           <a:p>
@@ -4511,27 +5522,41 @@
               <a:rPr lang="en-US" dirty="0" smtClean="0"/>
               <a:t>ITC2007 Examination timetabling problem</a:t>
             </a:r>
+          </a:p>
+          <a:p>
+            <a:pPr>
+              <a:buFont typeface="Arial" panose="020B0604020202020204" pitchFamily="34" charset="0"/>
+              <a:buChar char="•"/>
+            </a:pPr>
+            <a:r>
+              <a:rPr lang="en-US" dirty="0" smtClean="0"/>
+              <a:t> System architecture</a:t>
+            </a:r>
+          </a:p>
+          <a:p>
+            <a:pPr>
+              <a:buFont typeface="Arial" panose="020B0604020202020204" pitchFamily="34" charset="0"/>
+              <a:buChar char="•"/>
+            </a:pPr>
+            <a:r>
+              <a:rPr lang="en-US" dirty="0" smtClean="0"/>
+              <a:t> Loader e solution </a:t>
+            </a:r>
+            <a:r>
+              <a:rPr lang="en-US" dirty="0" smtClean="0"/>
+              <a:t>initialization</a:t>
+            </a:r>
+          </a:p>
+          <a:p>
+            <a:pPr lvl="1">
+              <a:buFont typeface="Arial" panose="020B0604020202020204" pitchFamily="34" charset="0"/>
+              <a:buChar char="•"/>
+            </a:pPr>
+            <a:r>
+              <a:rPr lang="en-US" dirty="0" smtClean="0"/>
+              <a:t>Loader</a:t>
+            </a:r>
             <a:endParaRPr lang="en-US" dirty="0" smtClean="0"/>
-          </a:p>
-          <a:p>
-            <a:pPr>
-              <a:buFont typeface="Arial" panose="020B0604020202020204" pitchFamily="34" charset="0"/>
-              <a:buChar char="•"/>
-            </a:pPr>
-            <a:r>
-              <a:rPr lang="en-US" dirty="0" smtClean="0"/>
-              <a:t> System architecture</a:t>
-            </a:r>
-          </a:p>
-          <a:p>
-            <a:pPr>
-              <a:buFont typeface="Arial" panose="020B0604020202020204" pitchFamily="34" charset="0"/>
-              <a:buChar char="•"/>
-            </a:pPr>
-            <a:r>
-              <a:rPr lang="en-US" dirty="0" smtClean="0"/>
-              <a:t> Loader e solution initialization</a:t>
-            </a:r>
           </a:p>
           <a:p>
             <a:pPr lvl="1">
@@ -4603,6 +5628,598 @@
     <p:extLst>
       <p:ext uri="{BB962C8B-B14F-4D97-AF65-F5344CB8AC3E}">
         <p14:creationId xmlns:p14="http://schemas.microsoft.com/office/powerpoint/2010/main" val="3594463024"/>
+      </p:ext>
+    </p:extLst>
+  </p:cSld>
+  <p:clrMapOvr>
+    <a:masterClrMapping/>
+  </p:clrMapOvr>
+  <p:timing>
+    <p:tnLst>
+      <p:par>
+        <p:cTn id="1" dur="indefinite" restart="never" nodeType="tmRoot"/>
+      </p:par>
+    </p:tnLst>
+  </p:timing>
+</p:sld>
+</file>
+
+<file path=ppt/slides/slide20.xml><?xml version="1.0" encoding="utf-8"?>
+<p:sld xmlns:a="http://schemas.openxmlformats.org/drawingml/2006/main" xmlns:r="http://schemas.openxmlformats.org/officeDocument/2006/relationships" xmlns:p="http://schemas.openxmlformats.org/presentationml/2006/main">
+  <p:cSld>
+    <p:spTree>
+      <p:nvGrpSpPr>
+        <p:cNvPr id="1" name=""/>
+        <p:cNvGrpSpPr/>
+        <p:nvPr/>
+      </p:nvGrpSpPr>
+      <p:grpSpPr>
+        <a:xfrm>
+          <a:off x="0" y="0"/>
+          <a:ext cx="0" cy="0"/>
+          <a:chOff x="0" y="0"/>
+          <a:chExt cx="0" cy="0"/>
+        </a:xfrm>
+      </p:grpSpPr>
+      <p:sp>
+        <p:nvSpPr>
+          <p:cNvPr id="2" name="Title 1"/>
+          <p:cNvSpPr>
+            <a:spLocks noGrp="1"/>
+          </p:cNvSpPr>
+          <p:nvPr>
+            <p:ph type="title"/>
+          </p:nvPr>
+        </p:nvSpPr>
+        <p:spPr/>
+        <p:txBody>
+          <a:bodyPr/>
+          <a:lstStyle/>
+          <a:p>
+            <a:r>
+              <a:rPr lang="en-US" dirty="0" smtClean="0"/>
+              <a:t>Loader</a:t>
+            </a:r>
+            <a:endParaRPr lang="pt-PT" dirty="0"/>
+          </a:p>
+        </p:txBody>
+      </p:sp>
+      <p:sp>
+        <p:nvSpPr>
+          <p:cNvPr id="3" name="Content Placeholder 2"/>
+          <p:cNvSpPr>
+            <a:spLocks noGrp="1"/>
+          </p:cNvSpPr>
+          <p:nvPr>
+            <p:ph idx="1"/>
+          </p:nvPr>
+        </p:nvSpPr>
+        <p:spPr/>
+        <p:txBody>
+          <a:bodyPr/>
+          <a:lstStyle/>
+          <a:p>
+            <a:pPr>
+              <a:buFont typeface="Arial" panose="020B0604020202020204" pitchFamily="34" charset="0"/>
+              <a:buChar char="•"/>
+            </a:pPr>
+            <a:r>
+              <a:rPr lang="en-US" dirty="0" smtClean="0"/>
+              <a:t> Loads all the information from the dataset;</a:t>
+            </a:r>
+          </a:p>
+          <a:p>
+            <a:pPr>
+              <a:buFont typeface="Arial" panose="020B0604020202020204" pitchFamily="34" charset="0"/>
+              <a:buChar char="•"/>
+            </a:pPr>
+            <a:r>
+              <a:rPr lang="en-US" dirty="0"/>
+              <a:t> </a:t>
+            </a:r>
+            <a:r>
+              <a:rPr lang="en-US" dirty="0" smtClean="0"/>
+              <a:t>Creates and populates the conflict matrix;</a:t>
+            </a:r>
+          </a:p>
+          <a:p>
+            <a:pPr>
+              <a:buFont typeface="Arial" panose="020B0604020202020204" pitchFamily="34" charset="0"/>
+              <a:buChar char="•"/>
+            </a:pPr>
+            <a:r>
+              <a:rPr lang="en-US" dirty="0"/>
+              <a:t> </a:t>
+            </a:r>
+            <a:r>
+              <a:rPr lang="en-US" dirty="0" smtClean="0"/>
+              <a:t>Each dataset contains all the information required to create a solution:</a:t>
+            </a:r>
+          </a:p>
+          <a:p>
+            <a:pPr lvl="1">
+              <a:buFont typeface="Arial" panose="020B0604020202020204" pitchFamily="34" charset="0"/>
+              <a:buChar char="•"/>
+            </a:pPr>
+            <a:r>
+              <a:rPr lang="en-US" dirty="0" smtClean="0"/>
+              <a:t>Examinations and students</a:t>
+            </a:r>
+            <a:r>
+              <a:rPr lang="en-US" dirty="0"/>
+              <a:t>’ </a:t>
+            </a:r>
+            <a:r>
+              <a:rPr lang="en-US" dirty="0" err="1"/>
+              <a:t>attendings</a:t>
+            </a:r>
+            <a:r>
+              <a:rPr lang="en-US" dirty="0" smtClean="0"/>
+              <a:t>;</a:t>
+            </a:r>
+          </a:p>
+          <a:p>
+            <a:pPr lvl="1">
+              <a:buFont typeface="Arial" panose="020B0604020202020204" pitchFamily="34" charset="0"/>
+              <a:buChar char="•"/>
+            </a:pPr>
+            <a:r>
+              <a:rPr lang="en-US" dirty="0" smtClean="0"/>
+              <a:t>Rooms, their capacities and penalties;</a:t>
+            </a:r>
+          </a:p>
+          <a:p>
+            <a:pPr lvl="1">
+              <a:buFont typeface="Arial" panose="020B0604020202020204" pitchFamily="34" charset="0"/>
+              <a:buChar char="•"/>
+            </a:pPr>
+            <a:r>
+              <a:rPr lang="en-US" dirty="0" smtClean="0"/>
+              <a:t>Periods and their penalties;</a:t>
+            </a:r>
+          </a:p>
+          <a:p>
+            <a:pPr lvl="1">
+              <a:buFont typeface="Arial" panose="020B0604020202020204" pitchFamily="34" charset="0"/>
+              <a:buChar char="•"/>
+            </a:pPr>
+            <a:r>
+              <a:rPr lang="en-US" dirty="0" smtClean="0"/>
+              <a:t>Period and room hard constraints (optional);</a:t>
+            </a:r>
+          </a:p>
+          <a:p>
+            <a:pPr lvl="1">
+              <a:buFont typeface="Arial" panose="020B0604020202020204" pitchFamily="34" charset="0"/>
+              <a:buChar char="•"/>
+            </a:pPr>
+            <a:r>
+              <a:rPr lang="en-US" dirty="0" smtClean="0"/>
+              <a:t>Soft constraints;</a:t>
+            </a:r>
+          </a:p>
+        </p:txBody>
+      </p:sp>
+    </p:spTree>
+    <p:extLst>
+      <p:ext uri="{BB962C8B-B14F-4D97-AF65-F5344CB8AC3E}">
+        <p14:creationId xmlns:p14="http://schemas.microsoft.com/office/powerpoint/2010/main" val="1797563132"/>
+      </p:ext>
+    </p:extLst>
+  </p:cSld>
+  <p:clrMapOvr>
+    <a:masterClrMapping/>
+  </p:clrMapOvr>
+  <p:timing>
+    <p:tnLst>
+      <p:par>
+        <p:cTn id="1" dur="indefinite" restart="never" nodeType="tmRoot"/>
+      </p:par>
+    </p:tnLst>
+  </p:timing>
+</p:sld>
+</file>
+
+<file path=ppt/slides/slide21.xml><?xml version="1.0" encoding="utf-8"?>
+<p:sld xmlns:a="http://schemas.openxmlformats.org/drawingml/2006/main" xmlns:r="http://schemas.openxmlformats.org/officeDocument/2006/relationships" xmlns:p="http://schemas.openxmlformats.org/presentationml/2006/main">
+  <p:cSld>
+    <p:spTree>
+      <p:nvGrpSpPr>
+        <p:cNvPr id="1" name=""/>
+        <p:cNvGrpSpPr/>
+        <p:nvPr/>
+      </p:nvGrpSpPr>
+      <p:grpSpPr>
+        <a:xfrm>
+          <a:off x="0" y="0"/>
+          <a:ext cx="0" cy="0"/>
+          <a:chOff x="0" y="0"/>
+          <a:chExt cx="0" cy="0"/>
+        </a:xfrm>
+      </p:grpSpPr>
+      <p:sp>
+        <p:nvSpPr>
+          <p:cNvPr id="2" name="Title 1"/>
+          <p:cNvSpPr>
+            <a:spLocks noGrp="1"/>
+          </p:cNvSpPr>
+          <p:nvPr>
+            <p:ph type="title"/>
+          </p:nvPr>
+        </p:nvSpPr>
+        <p:spPr/>
+        <p:txBody>
+          <a:bodyPr/>
+          <a:lstStyle/>
+          <a:p>
+            <a:r>
+              <a:rPr lang="en-US" dirty="0"/>
+              <a:t>Loader</a:t>
+            </a:r>
+            <a:endParaRPr lang="pt-PT" dirty="0"/>
+          </a:p>
+        </p:txBody>
+      </p:sp>
+      <p:pic>
+        <p:nvPicPr>
+          <p:cNvPr id="4" name="Content Placeholder 3"/>
+          <p:cNvPicPr>
+            <a:picLocks noGrp="1" noChangeAspect="1"/>
+          </p:cNvPicPr>
+          <p:nvPr>
+            <p:ph idx="1"/>
+          </p:nvPr>
+        </p:nvPicPr>
+        <p:blipFill>
+          <a:blip r:embed="rId2">
+            <a:extLst>
+              <a:ext uri="{28A0092B-C50C-407E-A947-70E740481C1C}">
+                <a14:useLocalDpi xmlns:a14="http://schemas.microsoft.com/office/drawing/2010/main" val="0"/>
+              </a:ext>
+            </a:extLst>
+          </a:blip>
+          <a:stretch>
+            <a:fillRect/>
+          </a:stretch>
+        </p:blipFill>
+        <p:spPr>
+          <a:xfrm>
+            <a:off x="3538445" y="1846263"/>
+            <a:ext cx="5175435" cy="4022725"/>
+          </a:xfrm>
+        </p:spPr>
+      </p:pic>
+    </p:spTree>
+    <p:extLst>
+      <p:ext uri="{BB962C8B-B14F-4D97-AF65-F5344CB8AC3E}">
+        <p14:creationId xmlns:p14="http://schemas.microsoft.com/office/powerpoint/2010/main" val="1008034945"/>
+      </p:ext>
+    </p:extLst>
+  </p:cSld>
+  <p:clrMapOvr>
+    <a:masterClrMapping/>
+  </p:clrMapOvr>
+  <p:timing>
+    <p:tnLst>
+      <p:par>
+        <p:cTn id="1" dur="indefinite" restart="never" nodeType="tmRoot"/>
+      </p:par>
+    </p:tnLst>
+  </p:timing>
+</p:sld>
+</file>
+
+<file path=ppt/slides/slide22.xml><?xml version="1.0" encoding="utf-8"?>
+<p:sld xmlns:a="http://schemas.openxmlformats.org/drawingml/2006/main" xmlns:r="http://schemas.openxmlformats.org/officeDocument/2006/relationships" xmlns:p="http://schemas.openxmlformats.org/presentationml/2006/main">
+  <p:cSld>
+    <p:spTree>
+      <p:nvGrpSpPr>
+        <p:cNvPr id="1" name=""/>
+        <p:cNvGrpSpPr/>
+        <p:nvPr/>
+      </p:nvGrpSpPr>
+      <p:grpSpPr>
+        <a:xfrm>
+          <a:off x="0" y="0"/>
+          <a:ext cx="0" cy="0"/>
+          <a:chOff x="0" y="0"/>
+          <a:chExt cx="0" cy="0"/>
+        </a:xfrm>
+      </p:grpSpPr>
+      <p:sp>
+        <p:nvSpPr>
+          <p:cNvPr id="2" name="Title 1"/>
+          <p:cNvSpPr>
+            <a:spLocks noGrp="1"/>
+          </p:cNvSpPr>
+          <p:nvPr>
+            <p:ph type="title"/>
+          </p:nvPr>
+        </p:nvSpPr>
+        <p:spPr/>
+        <p:txBody>
+          <a:bodyPr/>
+          <a:lstStyle/>
+          <a:p>
+            <a:r>
+              <a:rPr lang="en-US" dirty="0" smtClean="0"/>
+              <a:t>Graph Coloring</a:t>
+            </a:r>
+            <a:endParaRPr lang="pt-PT" dirty="0"/>
+          </a:p>
+        </p:txBody>
+      </p:sp>
+      <p:sp>
+        <p:nvSpPr>
+          <p:cNvPr id="3" name="Content Placeholder 2"/>
+          <p:cNvSpPr>
+            <a:spLocks noGrp="1"/>
+          </p:cNvSpPr>
+          <p:nvPr>
+            <p:ph idx="1"/>
+          </p:nvPr>
+        </p:nvSpPr>
+        <p:spPr/>
+        <p:txBody>
+          <a:bodyPr>
+            <a:normAutofit lnSpcReduction="10000"/>
+          </a:bodyPr>
+          <a:lstStyle/>
+          <a:p>
+            <a:pPr>
+              <a:buFont typeface="Arial" panose="020B0604020202020204" pitchFamily="34" charset="0"/>
+              <a:buChar char="•"/>
+            </a:pPr>
+            <a:r>
+              <a:rPr lang="en-US" dirty="0" smtClean="0"/>
+              <a:t> </a:t>
+            </a:r>
+            <a:r>
+              <a:rPr lang="en-US" dirty="0"/>
+              <a:t> The </a:t>
+            </a:r>
+            <a:r>
+              <a:rPr lang="en-US" dirty="0" smtClean="0"/>
+              <a:t>method used is the </a:t>
+            </a:r>
+            <a:r>
+              <a:rPr lang="en-US" dirty="0"/>
+              <a:t>Largest Degree </a:t>
+            </a:r>
+            <a:r>
+              <a:rPr lang="en-US" dirty="0" smtClean="0"/>
+              <a:t>Ordering method;</a:t>
+            </a:r>
+          </a:p>
+          <a:p>
+            <a:pPr>
+              <a:buFont typeface="Arial" panose="020B0604020202020204" pitchFamily="34" charset="0"/>
+              <a:buChar char="•"/>
+            </a:pPr>
+            <a:r>
+              <a:rPr lang="en-US" dirty="0" smtClean="0"/>
+              <a:t> The </a:t>
+            </a:r>
+            <a:r>
+              <a:rPr lang="en-US" dirty="0"/>
+              <a:t>heuristic used to generate a feasible </a:t>
+            </a:r>
+            <a:r>
+              <a:rPr lang="en-US" dirty="0" smtClean="0"/>
+              <a:t>solution;</a:t>
+            </a:r>
+          </a:p>
+          <a:p>
+            <a:pPr>
+              <a:buFont typeface="Arial" panose="020B0604020202020204" pitchFamily="34" charset="0"/>
+              <a:buChar char="•"/>
+            </a:pPr>
+            <a:r>
+              <a:rPr lang="en-US" dirty="0" smtClean="0"/>
+              <a:t>The implementation was divided in </a:t>
+            </a:r>
+            <a:r>
+              <a:rPr lang="en-US" smtClean="0"/>
+              <a:t>four phases:</a:t>
+            </a:r>
+            <a:endParaRPr lang="en-US" dirty="0" smtClean="0"/>
+          </a:p>
+          <a:p>
+            <a:pPr lvl="1">
+              <a:buFont typeface="Arial" panose="020B0604020202020204" pitchFamily="34" charset="0"/>
+              <a:buChar char="•"/>
+            </a:pPr>
+            <a:r>
+              <a:rPr lang="en-US" dirty="0" smtClean="0"/>
+              <a:t>Adds </a:t>
+            </a:r>
+            <a:r>
+              <a:rPr lang="en-US" dirty="0"/>
+              <a:t>the </a:t>
+            </a:r>
+            <a:r>
+              <a:rPr lang="en-US" i="1" dirty="0"/>
+              <a:t>exclusion</a:t>
+            </a:r>
+            <a:r>
+              <a:rPr lang="en-US" dirty="0"/>
+              <a:t> hard constraints to </a:t>
+            </a:r>
+            <a:r>
+              <a:rPr lang="en-US" dirty="0" smtClean="0"/>
+              <a:t>the conflict matrix;</a:t>
+            </a:r>
+          </a:p>
+          <a:p>
+            <a:pPr lvl="1">
+              <a:buFont typeface="Arial" panose="020B0604020202020204" pitchFamily="34" charset="0"/>
+              <a:buChar char="•"/>
+            </a:pPr>
+            <a:r>
+              <a:rPr lang="en-US" dirty="0" smtClean="0"/>
+              <a:t>Erases all examination </a:t>
+            </a:r>
+            <a:r>
+              <a:rPr lang="en-US" i="1" dirty="0" smtClean="0"/>
+              <a:t>coincidence</a:t>
+            </a:r>
+            <a:r>
+              <a:rPr lang="en-US" dirty="0" smtClean="0"/>
+              <a:t> hard constraints’ occurrences that have student conflicts;</a:t>
+            </a:r>
+          </a:p>
+          <a:p>
+            <a:pPr lvl="1">
+              <a:buFont typeface="Arial" panose="020B0604020202020204" pitchFamily="34" charset="0"/>
+              <a:buChar char="•"/>
+            </a:pPr>
+            <a:r>
+              <a:rPr lang="en-US" dirty="0" smtClean="0"/>
+              <a:t>Populates </a:t>
+            </a:r>
+            <a:r>
+              <a:rPr lang="en-US" dirty="0"/>
+              <a:t>and </a:t>
+            </a:r>
+            <a:r>
+              <a:rPr lang="en-US" dirty="0" smtClean="0"/>
+              <a:t>sort </a:t>
+            </a:r>
+            <a:r>
+              <a:rPr lang="en-US" dirty="0"/>
+              <a:t>the assignment </a:t>
+            </a:r>
+            <a:r>
+              <a:rPr lang="en-US" dirty="0" smtClean="0"/>
+              <a:t>lists:</a:t>
+            </a:r>
+          </a:p>
+          <a:p>
+            <a:pPr marL="726948" lvl="2" indent="-342900">
+              <a:buFont typeface="+mj-lt"/>
+              <a:buAutoNum type="arabicPeriod"/>
+            </a:pPr>
+            <a:r>
+              <a:rPr lang="en-US" dirty="0"/>
+              <a:t>Unassigned examinations with </a:t>
+            </a:r>
+            <a:r>
+              <a:rPr lang="en-US" i="1" dirty="0" smtClean="0"/>
+              <a:t>room exclusivity </a:t>
+            </a:r>
+            <a:r>
+              <a:rPr lang="en-US" dirty="0"/>
+              <a:t>hard </a:t>
+            </a:r>
+            <a:r>
+              <a:rPr lang="en-US" dirty="0" smtClean="0"/>
+              <a:t>constraint;</a:t>
+            </a:r>
+          </a:p>
+          <a:p>
+            <a:pPr marL="726948" lvl="2" indent="-342900">
+              <a:buFont typeface="+mj-lt"/>
+              <a:buAutoNum type="arabicPeriod"/>
+            </a:pPr>
+            <a:r>
+              <a:rPr lang="en-US" dirty="0"/>
+              <a:t>Unassigned examinations with </a:t>
+            </a:r>
+            <a:r>
+              <a:rPr lang="en-US" i="1" dirty="0" smtClean="0"/>
+              <a:t>after</a:t>
+            </a:r>
+            <a:r>
+              <a:rPr lang="en-US" dirty="0" smtClean="0"/>
+              <a:t> hard constraint;</a:t>
+            </a:r>
+          </a:p>
+          <a:p>
+            <a:pPr marL="726948" lvl="2" indent="-342900">
+              <a:buFont typeface="+mj-lt"/>
+              <a:buAutoNum type="arabicPeriod"/>
+            </a:pPr>
+            <a:r>
+              <a:rPr lang="en-US" dirty="0"/>
+              <a:t>Unassigned examinations with </a:t>
+            </a:r>
+            <a:r>
+              <a:rPr lang="en-US" i="1" dirty="0" smtClean="0"/>
+              <a:t>examination coincidence </a:t>
+            </a:r>
+            <a:r>
+              <a:rPr lang="en-US" dirty="0" smtClean="0"/>
+              <a:t>hard constraint;</a:t>
+            </a:r>
+          </a:p>
+          <a:p>
+            <a:pPr marL="726948" lvl="2" indent="-342900">
+              <a:buFont typeface="+mj-lt"/>
+              <a:buAutoNum type="arabicPeriod"/>
+            </a:pPr>
+            <a:r>
+              <a:rPr lang="en-US" dirty="0" smtClean="0"/>
+              <a:t>All other unassigned examinations</a:t>
+            </a:r>
+            <a:r>
+              <a:rPr lang="pt-PT" dirty="0" smtClean="0"/>
+              <a:t>.</a:t>
+            </a:r>
+            <a:endParaRPr lang="en-US" dirty="0" smtClean="0"/>
+          </a:p>
+          <a:p>
+            <a:pPr lvl="1">
+              <a:buFont typeface="Arial" panose="020B0604020202020204" pitchFamily="34" charset="0"/>
+              <a:buChar char="•"/>
+            </a:pPr>
+            <a:r>
+              <a:rPr lang="en-US" dirty="0" smtClean="0"/>
+              <a:t>Examination assignment.</a:t>
+            </a:r>
+          </a:p>
+          <a:p>
+            <a:pPr lvl="2">
+              <a:buFont typeface="Arial" panose="020B0604020202020204" pitchFamily="34" charset="0"/>
+              <a:buChar char="•"/>
+            </a:pPr>
+            <a:r>
+              <a:rPr lang="pt-PT" dirty="0"/>
+              <a:t>Normal </a:t>
+            </a:r>
+            <a:r>
+              <a:rPr lang="pt-PT" dirty="0" err="1" smtClean="0"/>
+              <a:t>assignment</a:t>
+            </a:r>
+            <a:r>
+              <a:rPr lang="pt-PT" dirty="0" smtClean="0"/>
+              <a:t>;</a:t>
+            </a:r>
+          </a:p>
+          <a:p>
+            <a:pPr lvl="2">
+              <a:buFont typeface="Arial" panose="020B0604020202020204" pitchFamily="34" charset="0"/>
+              <a:buChar char="•"/>
+            </a:pPr>
+            <a:r>
+              <a:rPr lang="pt-PT" dirty="0"/>
+              <a:t>Forcing </a:t>
+            </a:r>
+            <a:r>
+              <a:rPr lang="pt-PT" dirty="0" err="1" smtClean="0"/>
+              <a:t>assignment</a:t>
+            </a:r>
+            <a:r>
+              <a:rPr lang="pt-PT" dirty="0" smtClean="0"/>
+              <a:t>.</a:t>
+            </a:r>
+            <a:endParaRPr lang="en-US" dirty="0"/>
+          </a:p>
+        </p:txBody>
+      </p:sp>
+    </p:spTree>
+    <p:extLst>
+      <p:ext uri="{BB962C8B-B14F-4D97-AF65-F5344CB8AC3E}">
+        <p14:creationId xmlns:p14="http://schemas.microsoft.com/office/powerpoint/2010/main" val="1055129222"/>
       </p:ext>
     </p:extLst>
   </p:cSld>
@@ -4701,7 +6318,6 @@
               <a:rPr lang="pt-PT" dirty="0" smtClean="0"/>
               <a:t>:</a:t>
             </a:r>
-            <a:endParaRPr lang="pt-PT" dirty="0" smtClean="0"/>
           </a:p>
           <a:p>
             <a:pPr marL="285750" lvl="1" indent="-285750">
@@ -4915,11 +6531,7 @@
             </a:r>
             <a:r>
               <a:rPr lang="en-US" dirty="0" smtClean="0"/>
-              <a:t>International Timetabling Competition 2007 specifications</a:t>
-            </a:r>
-            <a:r>
-              <a:rPr lang="en-US" dirty="0" smtClean="0"/>
-              <a:t>;</a:t>
+              <a:t>International Timetabling Competition 2007 specifications;</a:t>
             </a:r>
           </a:p>
           <a:p>
@@ -4955,11 +6567,7 @@
             </a:pPr>
             <a:r>
               <a:rPr lang="en-US" dirty="0" smtClean="0"/>
-              <a:t> </a:t>
-            </a:r>
-            <a:r>
-              <a:rPr lang="en-US" dirty="0" smtClean="0"/>
-              <a:t>Graphical </a:t>
+              <a:t> Graphical </a:t>
             </a:r>
             <a:r>
               <a:rPr lang="en-US" dirty="0"/>
@@ -5056,11 +6664,7 @@
             </a:r>
             <a:r>
               <a:rPr lang="en-US" dirty="0" smtClean="0"/>
-              <a:t>multiple types of problems</a:t>
-            </a:r>
-            <a:r>
-              <a:rPr lang="en-US" dirty="0" smtClean="0"/>
-              <a:t>:</a:t>
+              <a:t>multiple types of problems:</a:t>
             </a:r>
           </a:p>
           <a:p>

--- a/doc/Apresentação Oral/Examination Timetabling Automation using Hybrid Meta-heuristics.pptx
+++ b/doc/Apresentação Oral/Examination Timetabling Automation using Hybrid Meta-heuristics.pptx
@@ -27,6 +27,14 @@
     <p:sldId id="275" r:id="rId21"/>
     <p:sldId id="276" r:id="rId22"/>
     <p:sldId id="277" r:id="rId23"/>
+    <p:sldId id="278" r:id="rId24"/>
+    <p:sldId id="279" r:id="rId25"/>
+    <p:sldId id="282" r:id="rId26"/>
+    <p:sldId id="280" r:id="rId27"/>
+    <p:sldId id="281" r:id="rId28"/>
+    <p:sldId id="283" r:id="rId29"/>
+    <p:sldId id="284" r:id="rId30"/>
+    <p:sldId id="285" r:id="rId31"/>
   </p:sldIdLst>
   <p:sldSz cx="12192000" cy="6858000"/>
   <p:notesSz cx="6858000" cy="9144000"/>
@@ -359,7 +367,7 @@
           <a:p>
             <a:fld id="{96DFF08F-DC6B-4601-B491-B0F83F6DD2DA}" type="datetimeFigureOut">
               <a:rPr lang="en-US" dirty="0"/>
-              <a:t>13-Jul-15</a:t>
+              <a:t>14-Jul-15</a:t>
             </a:fld>
             <a:endParaRPr lang="en-US" dirty="0"/>
           </a:p>
@@ -562,7 +570,7 @@
           <a:p>
             <a:fld id="{96DFF08F-DC6B-4601-B491-B0F83F6DD2DA}" type="datetimeFigureOut">
               <a:rPr lang="en-US" dirty="0"/>
-              <a:t>13-Jul-15</a:t>
+              <a:t>14-Jul-15</a:t>
             </a:fld>
             <a:endParaRPr lang="en-US" dirty="0"/>
           </a:p>
@@ -813,7 +821,7 @@
           <a:p>
             <a:fld id="{96DFF08F-DC6B-4601-B491-B0F83F6DD2DA}" type="datetimeFigureOut">
               <a:rPr lang="en-US" dirty="0"/>
-              <a:t>13-Jul-15</a:t>
+              <a:t>14-Jul-15</a:t>
             </a:fld>
             <a:endParaRPr lang="en-US" dirty="0"/>
           </a:p>
@@ -978,7 +986,7 @@
           <a:p>
             <a:fld id="{D62CEF3B-A037-46D0-B02C-1428F07E9383}" type="datetimeFigureOut">
               <a:rPr lang="en-US" dirty="0"/>
-              <a:t>13-Jul-15</a:t>
+              <a:t>14-Jul-15</a:t>
             </a:fld>
             <a:endParaRPr lang="en-US" dirty="0"/>
           </a:p>
@@ -1316,7 +1324,7 @@
           <a:p>
             <a:fld id="{96DFF08F-DC6B-4601-B491-B0F83F6DD2DA}" type="datetimeFigureOut">
               <a:rPr lang="en-US" dirty="0"/>
-              <a:t>13-Jul-15</a:t>
+              <a:t>14-Jul-15</a:t>
             </a:fld>
             <a:endParaRPr lang="en-US" dirty="0"/>
           </a:p>
@@ -1586,7 +1594,7 @@
           <a:p>
             <a:fld id="{96DFF08F-DC6B-4601-B491-B0F83F6DD2DA}" type="datetimeFigureOut">
               <a:rPr lang="en-US" dirty="0"/>
-              <a:t>13-Jul-15</a:t>
+              <a:t>14-Jul-15</a:t>
             </a:fld>
             <a:endParaRPr lang="en-US" dirty="0"/>
           </a:p>
@@ -1960,7 +1968,7 @@
           <a:p>
             <a:fld id="{96DFF08F-DC6B-4601-B491-B0F83F6DD2DA}" type="datetimeFigureOut">
               <a:rPr lang="en-US" dirty="0"/>
-              <a:t>13-Jul-15</a:t>
+              <a:t>14-Jul-15</a:t>
             </a:fld>
             <a:endParaRPr lang="en-US" dirty="0"/>
           </a:p>
@@ -2073,7 +2081,7 @@
           <a:p>
             <a:fld id="{96DFF08F-DC6B-4601-B491-B0F83F6DD2DA}" type="datetimeFigureOut">
               <a:rPr lang="en-US" dirty="0"/>
-              <a:t>13-Jul-15</a:t>
+              <a:t>14-Jul-15</a:t>
             </a:fld>
             <a:endParaRPr lang="en-US" dirty="0"/>
           </a:p>
@@ -2240,7 +2248,7 @@
             <a:fld id="{96DFF08F-DC6B-4601-B491-B0F83F6DD2DA}" type="datetimeFigureOut">
               <a:rPr lang="en-US" dirty="0"/>
               <a:pPr/>
-              <a:t>13-Jul-15</a:t>
+              <a:t>14-Jul-15</a:t>
             </a:fld>
             <a:endParaRPr lang="en-US" dirty="0"/>
           </a:p>
@@ -2591,7 +2599,7 @@
             <a:fld id="{96DFF08F-DC6B-4601-B491-B0F83F6DD2DA}" type="datetimeFigureOut">
               <a:rPr lang="en-US" dirty="0"/>
               <a:pPr/>
-              <a:t>13-Jul-15</a:t>
+              <a:t>14-Jul-15</a:t>
             </a:fld>
             <a:endParaRPr lang="en-US" dirty="0"/>
           </a:p>
@@ -2964,7 +2972,7 @@
           <a:p>
             <a:fld id="{96DFF08F-DC6B-4601-B491-B0F83F6DD2DA}" type="datetimeFigureOut">
               <a:rPr lang="en-US" dirty="0"/>
-              <a:t>13-Jul-15</a:t>
+              <a:t>14-Jul-15</a:t>
             </a:fld>
             <a:endParaRPr lang="en-US" dirty="0"/>
           </a:p>
@@ -3247,7 +3255,7 @@
             <a:fld id="{96DFF08F-DC6B-4601-B491-B0F83F6DD2DA}" type="datetimeFigureOut">
               <a:rPr lang="en-US" dirty="0"/>
               <a:pPr/>
-              <a:t>13-Jul-15</a:t>
+              <a:t>14-Jul-15</a:t>
             </a:fld>
             <a:endParaRPr lang="en-US" dirty="0"/>
           </a:p>
@@ -4318,6 +4326,13 @@
   <p:clrMapOvr>
     <a:masterClrMapping/>
   </p:clrMapOvr>
+  <p:timing>
+    <p:tnLst>
+      <p:par>
+        <p:cTn id="1" dur="indefinite" restart="never" nodeType="tmRoot"/>
+      </p:par>
+    </p:tnLst>
+  </p:timing>
 </p:sld>
 </file>
 
@@ -4699,6 +4714,13 @@
   <p:clrMapOvr>
     <a:masterClrMapping/>
   </p:clrMapOvr>
+  <p:timing>
+    <p:tnLst>
+      <p:par>
+        <p:cTn id="1" dur="indefinite" restart="never" nodeType="tmRoot"/>
+      </p:par>
+    </p:tnLst>
+  </p:timing>
 </p:sld>
 </file>
 
@@ -5141,6 +5163,13 @@
   <p:clrMapOvr>
     <a:masterClrMapping/>
   </p:clrMapOvr>
+  <p:timing>
+    <p:tnLst>
+      <p:par>
+        <p:cTn id="1" dur="indefinite" restart="never" nodeType="tmRoot"/>
+      </p:par>
+    </p:tnLst>
+  </p:timing>
 </p:sld>
 </file>
 
@@ -5456,7 +5485,7 @@
         <p:spPr/>
         <p:txBody>
           <a:bodyPr>
-            <a:normAutofit fontScale="70000" lnSpcReduction="20000"/>
+            <a:normAutofit fontScale="62500" lnSpcReduction="20000"/>
           </a:bodyPr>
           <a:lstStyle/>
           <a:p>
@@ -5540,11 +5569,7 @@
             </a:pPr>
             <a:r>
               <a:rPr lang="en-US" dirty="0" smtClean="0"/>
-              <a:t> Loader e solution </a:t>
-            </a:r>
-            <a:r>
-              <a:rPr lang="en-US" dirty="0" smtClean="0"/>
-              <a:t>initialization</a:t>
+              <a:t> Loader e solution initialization</a:t>
             </a:r>
           </a:p>
           <a:p>
@@ -5556,47 +5581,61 @@
               <a:rPr lang="en-US" dirty="0" smtClean="0"/>
               <a:t>Loader</a:t>
             </a:r>
+          </a:p>
+          <a:p>
+            <a:pPr lvl="1">
+              <a:buFont typeface="Arial" panose="020B0604020202020204" pitchFamily="34" charset="0"/>
+              <a:buChar char="•"/>
+            </a:pPr>
+            <a:r>
+              <a:rPr lang="en-US" dirty="0" smtClean="0"/>
+              <a:t>Graph Coloring</a:t>
+            </a:r>
+          </a:p>
+          <a:p>
+            <a:pPr>
+              <a:buFont typeface="Arial" panose="020B0604020202020204" pitchFamily="34" charset="0"/>
+              <a:buChar char="•"/>
+            </a:pPr>
+            <a:r>
+              <a:rPr lang="en-US" dirty="0" smtClean="0"/>
+              <a:t> Proposed approach: Local Search</a:t>
+            </a:r>
+          </a:p>
+          <a:p>
+            <a:pPr lvl="1">
+              <a:buFont typeface="Arial" panose="020B0604020202020204" pitchFamily="34" charset="0"/>
+              <a:buChar char="•"/>
+            </a:pPr>
+            <a:r>
+              <a:rPr lang="en-US" dirty="0" smtClean="0"/>
+              <a:t>Simulated Annealing</a:t>
+            </a:r>
+          </a:p>
+          <a:p>
+            <a:pPr lvl="1">
+              <a:buFont typeface="Arial" panose="020B0604020202020204" pitchFamily="34" charset="0"/>
+              <a:buChar char="•"/>
+            </a:pPr>
+            <a:r>
+              <a:rPr lang="en-US" dirty="0" smtClean="0"/>
+              <a:t>Hill </a:t>
+            </a:r>
+            <a:r>
+              <a:rPr lang="en-US" dirty="0" smtClean="0"/>
+              <a:t>Climbing</a:t>
+            </a:r>
+          </a:p>
+          <a:p>
+            <a:pPr lvl="1">
+              <a:buFont typeface="Arial" panose="020B0604020202020204" pitchFamily="34" charset="0"/>
+              <a:buChar char="•"/>
+            </a:pPr>
+            <a:r>
+              <a:rPr lang="en-US" dirty="0" smtClean="0"/>
+              <a:t>Neighborhood Operators</a:t>
+            </a:r>
             <a:endParaRPr lang="en-US" dirty="0" smtClean="0"/>
-          </a:p>
-          <a:p>
-            <a:pPr lvl="1">
-              <a:buFont typeface="Arial" panose="020B0604020202020204" pitchFamily="34" charset="0"/>
-              <a:buChar char="•"/>
-            </a:pPr>
-            <a:r>
-              <a:rPr lang="en-US" dirty="0" smtClean="0"/>
-              <a:t>Graph Coloring</a:t>
-            </a:r>
-          </a:p>
-          <a:p>
-            <a:pPr>
-              <a:buFont typeface="Arial" panose="020B0604020202020204" pitchFamily="34" charset="0"/>
-              <a:buChar char="•"/>
-            </a:pPr>
-            <a:r>
-              <a:rPr lang="en-US" dirty="0" smtClean="0"/>
-              <a:t> Proposed approach: Local Search</a:t>
-            </a:r>
-          </a:p>
-          <a:p>
-            <a:pPr lvl="1">
-              <a:buFont typeface="Arial" panose="020B0604020202020204" pitchFamily="34" charset="0"/>
-              <a:buChar char="•"/>
-            </a:pPr>
-            <a:r>
-              <a:rPr lang="en-US" dirty="0" smtClean="0"/>
-              <a:t>Simulated Annealing</a:t>
-            </a:r>
-          </a:p>
-          <a:p>
-            <a:pPr lvl="1">
-              <a:buFont typeface="Arial" panose="020B0604020202020204" pitchFamily="34" charset="0"/>
-              <a:buChar char="•"/>
-            </a:pPr>
-            <a:r>
-              <a:rPr lang="en-US" dirty="0" smtClean="0"/>
-              <a:t>Hill Climbing</a:t>
-            </a:r>
           </a:p>
           <a:p>
             <a:pPr>
@@ -6016,13 +6055,8 @@
             </a:pPr>
             <a:r>
               <a:rPr lang="en-US" dirty="0" smtClean="0"/>
-              <a:t>The implementation was divided in </a:t>
-            </a:r>
-            <a:r>
-              <a:rPr lang="en-US" smtClean="0"/>
-              <a:t>four phases:</a:t>
-            </a:r>
-            <a:endParaRPr lang="en-US" dirty="0" smtClean="0"/>
+              <a:t>The implementation was divided in four phases:</a:t>
+            </a:r>
           </a:p>
           <a:p>
             <a:pPr lvl="1">
@@ -6183,16 +6217,8 @@
               <a:buChar char="•"/>
             </a:pPr>
             <a:r>
-              <a:rPr lang="pt-PT" dirty="0"/>
-              <a:t>Normal </a:t>
-            </a:r>
-            <a:r>
-              <a:rPr lang="pt-PT" dirty="0" err="1" smtClean="0"/>
-              <a:t>assignment</a:t>
-            </a:r>
-            <a:r>
-              <a:rPr lang="pt-PT" dirty="0" smtClean="0"/>
-              <a:t>;</a:t>
+              <a:rPr lang="en-US" dirty="0" smtClean="0"/>
+              <a:t>Normal assignment;</a:t>
             </a:r>
           </a:p>
           <a:p>
@@ -6201,16 +6227,8 @@
               <a:buChar char="•"/>
             </a:pPr>
             <a:r>
-              <a:rPr lang="pt-PT" dirty="0"/>
-              <a:t>Forcing </a:t>
-            </a:r>
-            <a:r>
-              <a:rPr lang="pt-PT" dirty="0" err="1" smtClean="0"/>
-              <a:t>assignment</a:t>
-            </a:r>
-            <a:r>
-              <a:rPr lang="pt-PT" dirty="0" smtClean="0"/>
-              <a:t>.</a:t>
+              <a:rPr lang="en-US" dirty="0" smtClean="0"/>
+              <a:t>Forcing assignment.</a:t>
             </a:r>
             <a:endParaRPr lang="en-US" dirty="0"/>
           </a:p>
@@ -6220,6 +6238,1112 @@
     <p:extLst>
       <p:ext uri="{BB962C8B-B14F-4D97-AF65-F5344CB8AC3E}">
         <p14:creationId xmlns:p14="http://schemas.microsoft.com/office/powerpoint/2010/main" val="1055129222"/>
+      </p:ext>
+    </p:extLst>
+  </p:cSld>
+  <p:clrMapOvr>
+    <a:masterClrMapping/>
+  </p:clrMapOvr>
+  <p:timing>
+    <p:tnLst>
+      <p:par>
+        <p:cTn id="1" dur="indefinite" restart="never" nodeType="tmRoot"/>
+      </p:par>
+    </p:tnLst>
+  </p:timing>
+</p:sld>
+</file>
+
+<file path=ppt/slides/slide23.xml><?xml version="1.0" encoding="utf-8"?>
+<p:sld xmlns:a="http://schemas.openxmlformats.org/drawingml/2006/main" xmlns:r="http://schemas.openxmlformats.org/officeDocument/2006/relationships" xmlns:p="http://schemas.openxmlformats.org/presentationml/2006/main">
+  <p:cSld>
+    <p:spTree>
+      <p:nvGrpSpPr>
+        <p:cNvPr id="1" name=""/>
+        <p:cNvGrpSpPr/>
+        <p:nvPr/>
+      </p:nvGrpSpPr>
+      <p:grpSpPr>
+        <a:xfrm>
+          <a:off x="0" y="0"/>
+          <a:ext cx="0" cy="0"/>
+          <a:chOff x="0" y="0"/>
+          <a:chExt cx="0" cy="0"/>
+        </a:xfrm>
+      </p:grpSpPr>
+      <p:sp>
+        <p:nvSpPr>
+          <p:cNvPr id="2" name="Title 1"/>
+          <p:cNvSpPr>
+            <a:spLocks noGrp="1"/>
+          </p:cNvSpPr>
+          <p:nvPr>
+            <p:ph type="title"/>
+          </p:nvPr>
+        </p:nvSpPr>
+        <p:spPr/>
+        <p:txBody>
+          <a:bodyPr/>
+          <a:lstStyle/>
+          <a:p>
+            <a:r>
+              <a:rPr lang="en-US" dirty="0" smtClean="0"/>
+              <a:t>Proposed Approach: Local Search</a:t>
+            </a:r>
+            <a:endParaRPr lang="en-US" dirty="0"/>
+          </a:p>
+        </p:txBody>
+      </p:sp>
+      <p:sp>
+        <p:nvSpPr>
+          <p:cNvPr id="3" name="Content Placeholder 2"/>
+          <p:cNvSpPr>
+            <a:spLocks noGrp="1"/>
+          </p:cNvSpPr>
+          <p:nvPr>
+            <p:ph idx="1"/>
+          </p:nvPr>
+        </p:nvSpPr>
+        <p:spPr/>
+        <p:txBody>
+          <a:bodyPr/>
+          <a:lstStyle/>
+          <a:p>
+            <a:pPr>
+              <a:buFont typeface="Arial" panose="020B0604020202020204" pitchFamily="34" charset="0"/>
+              <a:buChar char="•"/>
+            </a:pPr>
+            <a:r>
+              <a:rPr lang="pt-PT" dirty="0" smtClean="0"/>
+              <a:t> </a:t>
+            </a:r>
+            <a:r>
+              <a:rPr lang="en-US" dirty="0" smtClean="0"/>
+              <a:t>Used to improve the solution obtained using the GC heuristic</a:t>
+            </a:r>
+            <a:r>
+              <a:rPr lang="pt-PT" dirty="0" smtClean="0"/>
+              <a:t>;</a:t>
+            </a:r>
+          </a:p>
+          <a:p>
+            <a:pPr>
+              <a:buFont typeface="Arial" panose="020B0604020202020204" pitchFamily="34" charset="0"/>
+              <a:buChar char="•"/>
+            </a:pPr>
+            <a:r>
+              <a:rPr lang="pt-PT" dirty="0"/>
+              <a:t> </a:t>
+            </a:r>
+            <a:r>
+              <a:rPr lang="en-US" dirty="0" smtClean="0"/>
+              <a:t>Used local search meta-heuristics:</a:t>
+            </a:r>
+          </a:p>
+          <a:p>
+            <a:pPr lvl="1">
+              <a:buFont typeface="Arial" panose="020B0604020202020204" pitchFamily="34" charset="0"/>
+              <a:buChar char="•"/>
+            </a:pPr>
+            <a:r>
+              <a:rPr lang="en-US" dirty="0" smtClean="0"/>
+              <a:t>Simulated Annealing;</a:t>
+            </a:r>
+          </a:p>
+          <a:p>
+            <a:pPr lvl="1">
+              <a:buFont typeface="Arial" panose="020B0604020202020204" pitchFamily="34" charset="0"/>
+              <a:buChar char="•"/>
+            </a:pPr>
+            <a:r>
+              <a:rPr lang="en-US" dirty="0" smtClean="0"/>
+              <a:t>Hill Climbing.</a:t>
+            </a:r>
+            <a:endParaRPr lang="en-US" dirty="0"/>
+          </a:p>
+        </p:txBody>
+      </p:sp>
+    </p:spTree>
+    <p:extLst>
+      <p:ext uri="{BB962C8B-B14F-4D97-AF65-F5344CB8AC3E}">
+        <p14:creationId xmlns:p14="http://schemas.microsoft.com/office/powerpoint/2010/main" val="1436934256"/>
+      </p:ext>
+    </p:extLst>
+  </p:cSld>
+  <p:clrMapOvr>
+    <a:masterClrMapping/>
+  </p:clrMapOvr>
+  <p:timing>
+    <p:tnLst>
+      <p:par>
+        <p:cTn id="1" dur="indefinite" restart="never" nodeType="tmRoot"/>
+      </p:par>
+    </p:tnLst>
+  </p:timing>
+</p:sld>
+</file>
+
+<file path=ppt/slides/slide24.xml><?xml version="1.0" encoding="utf-8"?>
+<p:sld xmlns:a="http://schemas.openxmlformats.org/drawingml/2006/main" xmlns:r="http://schemas.openxmlformats.org/officeDocument/2006/relationships" xmlns:p="http://schemas.openxmlformats.org/presentationml/2006/main">
+  <p:cSld>
+    <p:spTree>
+      <p:nvGrpSpPr>
+        <p:cNvPr id="1" name=""/>
+        <p:cNvGrpSpPr/>
+        <p:nvPr/>
+      </p:nvGrpSpPr>
+      <p:grpSpPr>
+        <a:xfrm>
+          <a:off x="0" y="0"/>
+          <a:ext cx="0" cy="0"/>
+          <a:chOff x="0" y="0"/>
+          <a:chExt cx="0" cy="0"/>
+        </a:xfrm>
+      </p:grpSpPr>
+      <p:sp>
+        <p:nvSpPr>
+          <p:cNvPr id="2" name="Title 1"/>
+          <p:cNvSpPr>
+            <a:spLocks noGrp="1"/>
+          </p:cNvSpPr>
+          <p:nvPr>
+            <p:ph type="title"/>
+          </p:nvPr>
+        </p:nvSpPr>
+        <p:spPr/>
+        <p:txBody>
+          <a:bodyPr/>
+          <a:lstStyle/>
+          <a:p>
+            <a:r>
+              <a:rPr lang="en-US" dirty="0" smtClean="0"/>
+              <a:t>Simulated Annealing</a:t>
+            </a:r>
+            <a:endParaRPr lang="en-US" dirty="0"/>
+          </a:p>
+        </p:txBody>
+      </p:sp>
+      <p:sp>
+        <p:nvSpPr>
+          <p:cNvPr id="3" name="Content Placeholder 2"/>
+          <p:cNvSpPr>
+            <a:spLocks noGrp="1"/>
+          </p:cNvSpPr>
+          <p:nvPr>
+            <p:ph idx="1"/>
+          </p:nvPr>
+        </p:nvSpPr>
+        <p:spPr/>
+        <p:txBody>
+          <a:bodyPr/>
+          <a:lstStyle/>
+          <a:p>
+            <a:pPr>
+              <a:buFont typeface="Arial" panose="020B0604020202020204" pitchFamily="34" charset="0"/>
+              <a:buChar char="•"/>
+            </a:pPr>
+            <a:r>
+              <a:rPr lang="en-US" dirty="0" smtClean="0"/>
+              <a:t> Meta-heuristic used to optimize the solution given by the GC heuristic;</a:t>
+            </a:r>
+          </a:p>
+          <a:p>
+            <a:pPr>
+              <a:buFont typeface="Arial" panose="020B0604020202020204" pitchFamily="34" charset="0"/>
+              <a:buChar char="•"/>
+            </a:pPr>
+            <a:r>
+              <a:rPr lang="pt-PT" dirty="0" smtClean="0"/>
+              <a:t> </a:t>
+            </a:r>
+            <a:r>
+              <a:rPr lang="en-US" dirty="0" smtClean="0"/>
+              <a:t>Generates neighbor solutions by applying neighbor operators;</a:t>
+            </a:r>
+          </a:p>
+          <a:p>
+            <a:pPr>
+              <a:buFont typeface="Arial" panose="020B0604020202020204" pitchFamily="34" charset="0"/>
+              <a:buChar char="•"/>
+            </a:pPr>
+            <a:r>
+              <a:rPr lang="en-US" dirty="0"/>
+              <a:t> </a:t>
+            </a:r>
+            <a:r>
+              <a:rPr lang="en-US" dirty="0" smtClean="0"/>
+              <a:t>Neighbor solutions are accepted using an acceptance criterion:</a:t>
+            </a:r>
+          </a:p>
+          <a:p>
+            <a:pPr>
+              <a:buFont typeface="Arial" panose="020B0604020202020204" pitchFamily="34" charset="0"/>
+              <a:buChar char="•"/>
+            </a:pPr>
+            <a:r>
+              <a:rPr lang="en-US" dirty="0"/>
+              <a:t> </a:t>
+            </a:r>
+            <a:r>
+              <a:rPr lang="en-US" dirty="0" smtClean="0"/>
+              <a:t>The current solution uses an exponential </a:t>
+            </a:r>
+            <a:r>
+              <a:rPr lang="en-US" dirty="0"/>
+              <a:t>(decreasing) </a:t>
+            </a:r>
+            <a:r>
+              <a:rPr lang="en-US" dirty="0" smtClean="0"/>
+              <a:t>cooling schedule:</a:t>
+            </a:r>
+          </a:p>
+          <a:p>
+            <a:pPr>
+              <a:buFont typeface="Arial" panose="020B0604020202020204" pitchFamily="34" charset="0"/>
+              <a:buChar char="•"/>
+            </a:pPr>
+            <a:r>
+              <a:rPr lang="en-US" dirty="0"/>
+              <a:t> </a:t>
+            </a:r>
+            <a:r>
+              <a:rPr lang="en-US" dirty="0" smtClean="0"/>
+              <a:t>Parameters used in this meta-heuristic:</a:t>
+            </a:r>
+          </a:p>
+          <a:p>
+            <a:pPr lvl="1">
+              <a:buFont typeface="Arial" panose="020B0604020202020204" pitchFamily="34" charset="0"/>
+              <a:buChar char="•"/>
+            </a:pPr>
+            <a:r>
+              <a:rPr lang="en-US" dirty="0" smtClean="0"/>
+              <a:t>Maximum temperature;</a:t>
+            </a:r>
+          </a:p>
+          <a:p>
+            <a:pPr lvl="1">
+              <a:buFont typeface="Arial" panose="020B0604020202020204" pitchFamily="34" charset="0"/>
+              <a:buChar char="•"/>
+            </a:pPr>
+            <a:r>
+              <a:rPr lang="en-US" dirty="0" smtClean="0"/>
+              <a:t>Minimum temperature;</a:t>
+            </a:r>
+          </a:p>
+          <a:p>
+            <a:pPr lvl="1">
+              <a:buFont typeface="Arial" panose="020B0604020202020204" pitchFamily="34" charset="0"/>
+              <a:buChar char="•"/>
+            </a:pPr>
+            <a:r>
+              <a:rPr lang="en-US" dirty="0" smtClean="0"/>
+              <a:t>Number of iterations per temperature value;</a:t>
+            </a:r>
+          </a:p>
+          <a:p>
+            <a:pPr lvl="1">
+              <a:buFont typeface="Arial" panose="020B0604020202020204" pitchFamily="34" charset="0"/>
+              <a:buChar char="•"/>
+            </a:pPr>
+            <a:r>
+              <a:rPr lang="en-US" dirty="0" smtClean="0"/>
+              <a:t>Temperature decreasing rate;</a:t>
+            </a:r>
+            <a:endParaRPr lang="pt-PT" dirty="0"/>
+          </a:p>
+        </p:txBody>
+      </p:sp>
+      <p:pic>
+        <p:nvPicPr>
+          <p:cNvPr id="5" name="Picture 4"/>
+          <p:cNvPicPr>
+            <a:picLocks noChangeAspect="1"/>
+          </p:cNvPicPr>
+          <p:nvPr/>
+        </p:nvPicPr>
+        <p:blipFill>
+          <a:blip r:embed="rId2">
+            <a:extLst>
+              <a:ext uri="{28A0092B-C50C-407E-A947-70E740481C1C}">
+                <a14:useLocalDpi xmlns:a14="http://schemas.microsoft.com/office/drawing/2010/main" val="0"/>
+              </a:ext>
+            </a:extLst>
+          </a:blip>
+          <a:stretch>
+            <a:fillRect/>
+          </a:stretch>
+        </p:blipFill>
+        <p:spPr>
+          <a:xfrm>
+            <a:off x="7824158" y="2651943"/>
+            <a:ext cx="2853671" cy="443798"/>
+          </a:xfrm>
+          <a:prstGeom prst="rect">
+            <a:avLst/>
+          </a:prstGeom>
+        </p:spPr>
+      </p:pic>
+      <p:pic>
+        <p:nvPicPr>
+          <p:cNvPr id="6" name="Picture 5"/>
+          <p:cNvPicPr>
+            <a:picLocks noChangeAspect="1"/>
+          </p:cNvPicPr>
+          <p:nvPr/>
+        </p:nvPicPr>
+        <p:blipFill>
+          <a:blip r:embed="rId3">
+            <a:extLst>
+              <a:ext uri="{28A0092B-C50C-407E-A947-70E740481C1C}">
+                <a14:useLocalDpi xmlns:a14="http://schemas.microsoft.com/office/drawing/2010/main" val="0"/>
+              </a:ext>
+            </a:extLst>
+          </a:blip>
+          <a:stretch>
+            <a:fillRect/>
+          </a:stretch>
+        </p:blipFill>
+        <p:spPr>
+          <a:xfrm>
+            <a:off x="8668910" y="3186863"/>
+            <a:ext cx="1734547" cy="362526"/>
+          </a:xfrm>
+          <a:prstGeom prst="rect">
+            <a:avLst/>
+          </a:prstGeom>
+        </p:spPr>
+      </p:pic>
+    </p:spTree>
+    <p:extLst>
+      <p:ext uri="{BB962C8B-B14F-4D97-AF65-F5344CB8AC3E}">
+        <p14:creationId xmlns:p14="http://schemas.microsoft.com/office/powerpoint/2010/main" val="3287894058"/>
+      </p:ext>
+    </p:extLst>
+  </p:cSld>
+  <p:clrMapOvr>
+    <a:masterClrMapping/>
+  </p:clrMapOvr>
+  <p:timing>
+    <p:tnLst>
+      <p:par>
+        <p:cTn id="1" dur="indefinite" restart="never" nodeType="tmRoot"/>
+      </p:par>
+    </p:tnLst>
+  </p:timing>
+</p:sld>
+</file>
+
+<file path=ppt/slides/slide25.xml><?xml version="1.0" encoding="utf-8"?>
+<p:sld xmlns:a="http://schemas.openxmlformats.org/drawingml/2006/main" xmlns:r="http://schemas.openxmlformats.org/officeDocument/2006/relationships" xmlns:p="http://schemas.openxmlformats.org/presentationml/2006/main">
+  <p:cSld>
+    <p:spTree>
+      <p:nvGrpSpPr>
+        <p:cNvPr id="1" name=""/>
+        <p:cNvGrpSpPr/>
+        <p:nvPr/>
+      </p:nvGrpSpPr>
+      <p:grpSpPr>
+        <a:xfrm>
+          <a:off x="0" y="0"/>
+          <a:ext cx="0" cy="0"/>
+          <a:chOff x="0" y="0"/>
+          <a:chExt cx="0" cy="0"/>
+        </a:xfrm>
+      </p:grpSpPr>
+      <p:sp>
+        <p:nvSpPr>
+          <p:cNvPr id="2" name="Title 1"/>
+          <p:cNvSpPr>
+            <a:spLocks noGrp="1"/>
+          </p:cNvSpPr>
+          <p:nvPr>
+            <p:ph type="title"/>
+          </p:nvPr>
+        </p:nvSpPr>
+        <p:spPr/>
+        <p:txBody>
+          <a:bodyPr/>
+          <a:lstStyle/>
+          <a:p>
+            <a:r>
+              <a:rPr lang="en-US" dirty="0"/>
+              <a:t>Simulated Annealing</a:t>
+            </a:r>
+          </a:p>
+        </p:txBody>
+      </p:sp>
+      <p:sp>
+        <p:nvSpPr>
+          <p:cNvPr id="3" name="Content Placeholder 2"/>
+          <p:cNvSpPr>
+            <a:spLocks noGrp="1"/>
+          </p:cNvSpPr>
+          <p:nvPr>
+            <p:ph idx="1"/>
+          </p:nvPr>
+        </p:nvSpPr>
+        <p:spPr/>
+        <p:txBody>
+          <a:bodyPr/>
+          <a:lstStyle/>
+          <a:p>
+            <a:r>
+              <a:rPr lang="en-US" dirty="0" smtClean="0"/>
+              <a:t>Parameters : </a:t>
+            </a:r>
+            <a:r>
+              <a:rPr lang="en-US" dirty="0" err="1" smtClean="0"/>
+              <a:t>TMax</a:t>
+            </a:r>
+            <a:r>
+              <a:rPr lang="en-US" dirty="0" smtClean="0"/>
+              <a:t> </a:t>
+            </a:r>
+            <a:r>
+              <a:rPr lang="en-US" dirty="0"/>
+              <a:t>= 45, </a:t>
+            </a:r>
+            <a:r>
+              <a:rPr lang="en-US" dirty="0" err="1"/>
+              <a:t>TMin</a:t>
+            </a:r>
+            <a:r>
+              <a:rPr lang="en-US" dirty="0"/>
+              <a:t> = </a:t>
+            </a:r>
+            <a:r>
+              <a:rPr lang="en-US" i="1" dirty="0" smtClean="0"/>
+              <a:t>e</a:t>
+            </a:r>
+            <a:r>
+              <a:rPr lang="en-US" baseline="30000" dirty="0" smtClean="0"/>
+              <a:t>−18</a:t>
+            </a:r>
+            <a:r>
+              <a:rPr lang="en-US" dirty="0" smtClean="0"/>
+              <a:t>, loops </a:t>
+            </a:r>
+            <a:r>
+              <a:rPr lang="en-US" dirty="0"/>
+              <a:t>= 5 and rate = </a:t>
+            </a:r>
+            <a:r>
+              <a:rPr lang="en-US" dirty="0" smtClean="0"/>
+              <a:t>0.01</a:t>
+            </a:r>
+          </a:p>
+          <a:p>
+            <a:r>
+              <a:rPr lang="en-US" dirty="0" smtClean="0"/>
+              <a:t>Results:</a:t>
+            </a:r>
+          </a:p>
+          <a:p>
+            <a:endParaRPr lang="en-US" dirty="0"/>
+          </a:p>
+        </p:txBody>
+      </p:sp>
+      <p:pic>
+        <p:nvPicPr>
+          <p:cNvPr id="4" name="Picture 3"/>
+          <p:cNvPicPr>
+            <a:picLocks noChangeAspect="1"/>
+          </p:cNvPicPr>
+          <p:nvPr/>
+        </p:nvPicPr>
+        <p:blipFill>
+          <a:blip r:embed="rId2">
+            <a:extLst>
+              <a:ext uri="{28A0092B-C50C-407E-A947-70E740481C1C}">
+                <a14:useLocalDpi xmlns:a14="http://schemas.microsoft.com/office/drawing/2010/main" val="0"/>
+              </a:ext>
+            </a:extLst>
+          </a:blip>
+          <a:stretch>
+            <a:fillRect/>
+          </a:stretch>
+        </p:blipFill>
+        <p:spPr>
+          <a:xfrm>
+            <a:off x="3705224" y="2336926"/>
+            <a:ext cx="4117217" cy="3532168"/>
+          </a:xfrm>
+          <a:prstGeom prst="rect">
+            <a:avLst/>
+          </a:prstGeom>
+        </p:spPr>
+      </p:pic>
+    </p:spTree>
+    <p:extLst>
+      <p:ext uri="{BB962C8B-B14F-4D97-AF65-F5344CB8AC3E}">
+        <p14:creationId xmlns:p14="http://schemas.microsoft.com/office/powerpoint/2010/main" val="2719957991"/>
+      </p:ext>
+    </p:extLst>
+  </p:cSld>
+  <p:clrMapOvr>
+    <a:masterClrMapping/>
+  </p:clrMapOvr>
+  <p:timing>
+    <p:tnLst>
+      <p:par>
+        <p:cTn id="1" dur="indefinite" restart="never" nodeType="tmRoot"/>
+      </p:par>
+    </p:tnLst>
+  </p:timing>
+</p:sld>
+</file>
+
+<file path=ppt/slides/slide26.xml><?xml version="1.0" encoding="utf-8"?>
+<p:sld xmlns:a="http://schemas.openxmlformats.org/drawingml/2006/main" xmlns:r="http://schemas.openxmlformats.org/officeDocument/2006/relationships" xmlns:p="http://schemas.openxmlformats.org/presentationml/2006/main">
+  <p:cSld>
+    <p:spTree>
+      <p:nvGrpSpPr>
+        <p:cNvPr id="1" name=""/>
+        <p:cNvGrpSpPr/>
+        <p:nvPr/>
+      </p:nvGrpSpPr>
+      <p:grpSpPr>
+        <a:xfrm>
+          <a:off x="0" y="0"/>
+          <a:ext cx="0" cy="0"/>
+          <a:chOff x="0" y="0"/>
+          <a:chExt cx="0" cy="0"/>
+        </a:xfrm>
+      </p:grpSpPr>
+      <p:sp>
+        <p:nvSpPr>
+          <p:cNvPr id="2" name="Title 1"/>
+          <p:cNvSpPr>
+            <a:spLocks noGrp="1"/>
+          </p:cNvSpPr>
+          <p:nvPr>
+            <p:ph type="title"/>
+          </p:nvPr>
+        </p:nvSpPr>
+        <p:spPr/>
+        <p:txBody>
+          <a:bodyPr/>
+          <a:lstStyle/>
+          <a:p>
+            <a:r>
+              <a:rPr lang="en-US" dirty="0" smtClean="0"/>
+              <a:t>Hill Climbing</a:t>
+            </a:r>
+            <a:endParaRPr lang="en-US" dirty="0"/>
+          </a:p>
+        </p:txBody>
+      </p:sp>
+      <p:sp>
+        <p:nvSpPr>
+          <p:cNvPr id="3" name="Content Placeholder 2"/>
+          <p:cNvSpPr>
+            <a:spLocks noGrp="1"/>
+          </p:cNvSpPr>
+          <p:nvPr>
+            <p:ph idx="1"/>
+          </p:nvPr>
+        </p:nvSpPr>
+        <p:spPr/>
+        <p:txBody>
+          <a:bodyPr/>
+          <a:lstStyle/>
+          <a:p>
+            <a:pPr>
+              <a:buFont typeface="Arial" panose="020B0604020202020204" pitchFamily="34" charset="0"/>
+              <a:buChar char="•"/>
+            </a:pPr>
+            <a:r>
+              <a:rPr lang="en-US" dirty="0" smtClean="0"/>
+              <a:t> Last meta-heuristic used in the project, after SA;</a:t>
+            </a:r>
+          </a:p>
+          <a:p>
+            <a:pPr>
+              <a:buFont typeface="Arial" panose="020B0604020202020204" pitchFamily="34" charset="0"/>
+              <a:buChar char="•"/>
+            </a:pPr>
+            <a:r>
+              <a:rPr lang="en-US" dirty="0" smtClean="0"/>
+              <a:t> Uses the same neighbor operators as the SA;</a:t>
+            </a:r>
+          </a:p>
+          <a:p>
+            <a:pPr>
+              <a:buFont typeface="Arial" panose="020B0604020202020204" pitchFamily="34" charset="0"/>
+              <a:buChar char="•"/>
+            </a:pPr>
+            <a:r>
+              <a:rPr lang="en-US" dirty="0"/>
+              <a:t> </a:t>
+            </a:r>
+            <a:r>
+              <a:rPr lang="en-US" dirty="0" smtClean="0"/>
+              <a:t>Only accepts better solutions;</a:t>
+            </a:r>
+          </a:p>
+          <a:p>
+            <a:pPr>
+              <a:buFont typeface="Arial" panose="020B0604020202020204" pitchFamily="34" charset="0"/>
+              <a:buChar char="•"/>
+            </a:pPr>
+            <a:r>
+              <a:rPr lang="en-US" dirty="0"/>
+              <a:t> </a:t>
+            </a:r>
+            <a:r>
+              <a:rPr lang="en-US" dirty="0" smtClean="0"/>
+              <a:t>It is time-monitored;</a:t>
+            </a:r>
+          </a:p>
+          <a:p>
+            <a:pPr>
+              <a:buFont typeface="Arial" panose="020B0604020202020204" pitchFamily="34" charset="0"/>
+              <a:buChar char="•"/>
+            </a:pPr>
+            <a:r>
+              <a:rPr lang="en-US" dirty="0"/>
+              <a:t> </a:t>
+            </a:r>
+            <a:r>
+              <a:rPr lang="en-US" dirty="0" smtClean="0"/>
+              <a:t>Used to guarantee that the project is finished within the given time limit (total of 225 seconds);</a:t>
+            </a:r>
+          </a:p>
+        </p:txBody>
+      </p:sp>
+    </p:spTree>
+    <p:extLst>
+      <p:ext uri="{BB962C8B-B14F-4D97-AF65-F5344CB8AC3E}">
+        <p14:creationId xmlns:p14="http://schemas.microsoft.com/office/powerpoint/2010/main" val="347719205"/>
+      </p:ext>
+    </p:extLst>
+  </p:cSld>
+  <p:clrMapOvr>
+    <a:masterClrMapping/>
+  </p:clrMapOvr>
+  <p:timing>
+    <p:tnLst>
+      <p:par>
+        <p:cTn id="1" dur="indefinite" restart="never" nodeType="tmRoot"/>
+      </p:par>
+    </p:tnLst>
+  </p:timing>
+</p:sld>
+</file>
+
+<file path=ppt/slides/slide27.xml><?xml version="1.0" encoding="utf-8"?>
+<p:sld xmlns:a="http://schemas.openxmlformats.org/drawingml/2006/main" xmlns:r="http://schemas.openxmlformats.org/officeDocument/2006/relationships" xmlns:p="http://schemas.openxmlformats.org/presentationml/2006/main">
+  <p:cSld>
+    <p:spTree>
+      <p:nvGrpSpPr>
+        <p:cNvPr id="1" name=""/>
+        <p:cNvGrpSpPr/>
+        <p:nvPr/>
+      </p:nvGrpSpPr>
+      <p:grpSpPr>
+        <a:xfrm>
+          <a:off x="0" y="0"/>
+          <a:ext cx="0" cy="0"/>
+          <a:chOff x="0" y="0"/>
+          <a:chExt cx="0" cy="0"/>
+        </a:xfrm>
+      </p:grpSpPr>
+      <p:sp>
+        <p:nvSpPr>
+          <p:cNvPr id="2" name="Title 1"/>
+          <p:cNvSpPr>
+            <a:spLocks noGrp="1"/>
+          </p:cNvSpPr>
+          <p:nvPr>
+            <p:ph type="title"/>
+          </p:nvPr>
+        </p:nvSpPr>
+        <p:spPr/>
+        <p:txBody>
+          <a:bodyPr/>
+          <a:lstStyle/>
+          <a:p>
+            <a:r>
+              <a:rPr lang="en-US" dirty="0" smtClean="0"/>
+              <a:t>Neighborhood Operators</a:t>
+            </a:r>
+            <a:endParaRPr lang="en-US" dirty="0"/>
+          </a:p>
+        </p:txBody>
+      </p:sp>
+      <p:sp>
+        <p:nvSpPr>
+          <p:cNvPr id="3" name="Content Placeholder 2"/>
+          <p:cNvSpPr>
+            <a:spLocks noGrp="1"/>
+          </p:cNvSpPr>
+          <p:nvPr>
+            <p:ph idx="1"/>
+          </p:nvPr>
+        </p:nvSpPr>
+        <p:spPr/>
+        <p:txBody>
+          <a:bodyPr/>
+          <a:lstStyle/>
+          <a:p>
+            <a:pPr>
+              <a:buFont typeface="Arial" panose="020B0604020202020204" pitchFamily="34" charset="0"/>
+              <a:buChar char="•"/>
+            </a:pPr>
+            <a:r>
+              <a:rPr lang="en-US" dirty="0" smtClean="0"/>
+              <a:t> The neighborhood operators are randomly chosen to be used:</a:t>
+            </a:r>
+          </a:p>
+          <a:p>
+            <a:pPr lvl="1">
+              <a:buFont typeface="Arial" panose="020B0604020202020204" pitchFamily="34" charset="0"/>
+              <a:buChar char="•"/>
+            </a:pPr>
+            <a:r>
+              <a:rPr lang="en-US" dirty="0" smtClean="0"/>
+              <a:t>Room Change;</a:t>
+            </a:r>
+          </a:p>
+          <a:p>
+            <a:pPr lvl="1">
+              <a:buFont typeface="Arial" panose="020B0604020202020204" pitchFamily="34" charset="0"/>
+              <a:buChar char="•"/>
+            </a:pPr>
+            <a:r>
+              <a:rPr lang="en-US" dirty="0" smtClean="0"/>
+              <a:t>Period Change;</a:t>
+            </a:r>
+          </a:p>
+          <a:p>
+            <a:pPr lvl="1">
+              <a:buFont typeface="Arial" panose="020B0604020202020204" pitchFamily="34" charset="0"/>
+              <a:buChar char="•"/>
+            </a:pPr>
+            <a:r>
+              <a:rPr lang="en-US" dirty="0" smtClean="0"/>
+              <a:t>Period &amp; Room Change;</a:t>
+            </a:r>
+          </a:p>
+          <a:p>
+            <a:pPr lvl="1">
+              <a:buFont typeface="Arial" panose="020B0604020202020204" pitchFamily="34" charset="0"/>
+              <a:buChar char="•"/>
+            </a:pPr>
+            <a:r>
+              <a:rPr lang="en-US" dirty="0" smtClean="0"/>
+              <a:t>Room Swap;</a:t>
+            </a:r>
+          </a:p>
+          <a:p>
+            <a:pPr lvl="1">
+              <a:buFont typeface="Arial" panose="020B0604020202020204" pitchFamily="34" charset="0"/>
+              <a:buChar char="•"/>
+            </a:pPr>
+            <a:r>
+              <a:rPr lang="en-US" dirty="0" smtClean="0"/>
+              <a:t>Period Swap;</a:t>
+            </a:r>
+          </a:p>
+          <a:p>
+            <a:pPr lvl="1">
+              <a:buFont typeface="Arial" panose="020B0604020202020204" pitchFamily="34" charset="0"/>
+              <a:buChar char="•"/>
+            </a:pPr>
+            <a:r>
+              <a:rPr lang="en-US" dirty="0" smtClean="0"/>
+              <a:t>Period &amp; Room Swap.</a:t>
+            </a:r>
+            <a:endParaRPr lang="en-US" dirty="0"/>
+          </a:p>
+        </p:txBody>
+      </p:sp>
+    </p:spTree>
+    <p:extLst>
+      <p:ext uri="{BB962C8B-B14F-4D97-AF65-F5344CB8AC3E}">
+        <p14:creationId xmlns:p14="http://schemas.microsoft.com/office/powerpoint/2010/main" val="381101581"/>
+      </p:ext>
+    </p:extLst>
+  </p:cSld>
+  <p:clrMapOvr>
+    <a:masterClrMapping/>
+  </p:clrMapOvr>
+  <p:timing>
+    <p:tnLst>
+      <p:par>
+        <p:cTn id="1" dur="indefinite" restart="never" nodeType="tmRoot"/>
+      </p:par>
+    </p:tnLst>
+  </p:timing>
+</p:sld>
+</file>
+
+<file path=ppt/slides/slide28.xml><?xml version="1.0" encoding="utf-8"?>
+<p:sld xmlns:a="http://schemas.openxmlformats.org/drawingml/2006/main" xmlns:r="http://schemas.openxmlformats.org/officeDocument/2006/relationships" xmlns:p="http://schemas.openxmlformats.org/presentationml/2006/main">
+  <p:cSld>
+    <p:spTree>
+      <p:nvGrpSpPr>
+        <p:cNvPr id="1" name=""/>
+        <p:cNvGrpSpPr/>
+        <p:nvPr/>
+      </p:nvGrpSpPr>
+      <p:grpSpPr>
+        <a:xfrm>
+          <a:off x="0" y="0"/>
+          <a:ext cx="0" cy="0"/>
+          <a:chOff x="0" y="0"/>
+          <a:chExt cx="0" cy="0"/>
+        </a:xfrm>
+      </p:grpSpPr>
+      <p:sp>
+        <p:nvSpPr>
+          <p:cNvPr id="2" name="Title 1"/>
+          <p:cNvSpPr>
+            <a:spLocks noGrp="1"/>
+          </p:cNvSpPr>
+          <p:nvPr>
+            <p:ph type="title"/>
+          </p:nvPr>
+        </p:nvSpPr>
+        <p:spPr/>
+        <p:txBody>
+          <a:bodyPr/>
+          <a:lstStyle/>
+          <a:p>
+            <a:r>
+              <a:rPr lang="en-US" dirty="0" smtClean="0"/>
+              <a:t>Experimental Results</a:t>
+            </a:r>
+            <a:endParaRPr lang="en-US" dirty="0"/>
+          </a:p>
+        </p:txBody>
+      </p:sp>
+      <p:sp>
+        <p:nvSpPr>
+          <p:cNvPr id="3" name="Content Placeholder 2"/>
+          <p:cNvSpPr>
+            <a:spLocks noGrp="1"/>
+          </p:cNvSpPr>
+          <p:nvPr>
+            <p:ph idx="1"/>
+          </p:nvPr>
+        </p:nvSpPr>
+        <p:spPr/>
+        <p:txBody>
+          <a:bodyPr/>
+          <a:lstStyle/>
+          <a:p>
+            <a:pPr>
+              <a:buFont typeface="Arial" panose="020B0604020202020204" pitchFamily="34" charset="0"/>
+              <a:buChar char="•"/>
+            </a:pPr>
+            <a:r>
+              <a:rPr lang="en-US" dirty="0" smtClean="0"/>
+              <a:t> The results were obtained by averaging the 10 runs for each dataset;</a:t>
+            </a:r>
+          </a:p>
+          <a:p>
+            <a:pPr>
+              <a:buFont typeface="Arial" panose="020B0604020202020204" pitchFamily="34" charset="0"/>
+              <a:buChar char="•"/>
+            </a:pPr>
+            <a:r>
+              <a:rPr lang="en-US" dirty="0"/>
+              <a:t> </a:t>
+            </a:r>
+            <a:r>
+              <a:rPr lang="en-US" dirty="0"/>
+              <a:t>The parameters used to run the SA </a:t>
+            </a:r>
+            <a:r>
+              <a:rPr lang="en-US" dirty="0" smtClean="0"/>
+              <a:t>were:</a:t>
+            </a:r>
+          </a:p>
+          <a:p>
+            <a:pPr lvl="1">
+              <a:buFont typeface="Arial" panose="020B0604020202020204" pitchFamily="34" charset="0"/>
+              <a:buChar char="•"/>
+            </a:pPr>
+            <a:r>
+              <a:rPr lang="en-US" dirty="0" err="1" smtClean="0"/>
+              <a:t>TMax</a:t>
+            </a:r>
+            <a:r>
+              <a:rPr lang="en-US" dirty="0" smtClean="0"/>
+              <a:t> </a:t>
+            </a:r>
+            <a:r>
+              <a:rPr lang="en-US" dirty="0"/>
+              <a:t>= </a:t>
+            </a:r>
+            <a:r>
+              <a:rPr lang="en-US" dirty="0" smtClean="0"/>
+              <a:t>0.01</a:t>
+            </a:r>
+          </a:p>
+          <a:p>
+            <a:pPr lvl="1">
+              <a:buFont typeface="Arial" panose="020B0604020202020204" pitchFamily="34" charset="0"/>
+              <a:buChar char="•"/>
+            </a:pPr>
+            <a:r>
+              <a:rPr lang="en-US" dirty="0" err="1" smtClean="0"/>
+              <a:t>TMin</a:t>
+            </a:r>
+            <a:r>
+              <a:rPr lang="en-US" dirty="0" smtClean="0"/>
+              <a:t> </a:t>
+            </a:r>
+            <a:r>
+              <a:rPr lang="en-US" dirty="0"/>
+              <a:t>= </a:t>
+            </a:r>
+            <a:r>
+              <a:rPr lang="en-US" dirty="0" smtClean="0"/>
+              <a:t>1</a:t>
+            </a:r>
+            <a:r>
+              <a:rPr lang="en-US" i="1" dirty="0" smtClean="0"/>
+              <a:t>e</a:t>
+            </a:r>
+            <a:r>
+              <a:rPr lang="en-US" baseline="30000" dirty="0" smtClean="0"/>
+              <a:t>-18</a:t>
+            </a:r>
+          </a:p>
+          <a:p>
+            <a:pPr lvl="1">
+              <a:buFont typeface="Arial" panose="020B0604020202020204" pitchFamily="34" charset="0"/>
+              <a:buChar char="•"/>
+            </a:pPr>
+            <a:r>
+              <a:rPr lang="en-US" dirty="0" smtClean="0"/>
+              <a:t>reps </a:t>
+            </a:r>
+            <a:r>
+              <a:rPr lang="en-US" dirty="0"/>
+              <a:t>= </a:t>
+            </a:r>
+            <a:r>
+              <a:rPr lang="en-US" dirty="0" smtClean="0"/>
+              <a:t>5</a:t>
+            </a:r>
+          </a:p>
+          <a:p>
+            <a:pPr lvl="1">
+              <a:buFont typeface="Arial" panose="020B0604020202020204" pitchFamily="34" charset="0"/>
+              <a:buChar char="•"/>
+            </a:pPr>
+            <a:r>
+              <a:rPr lang="en-US" dirty="0" smtClean="0"/>
+              <a:t>rate </a:t>
+            </a:r>
+            <a:r>
+              <a:rPr lang="en-US" dirty="0"/>
+              <a:t>= </a:t>
+            </a:r>
+            <a:r>
+              <a:rPr lang="en-US" dirty="0" smtClean="0"/>
+              <a:t>0.001</a:t>
+            </a:r>
+            <a:endParaRPr lang="en-US" dirty="0"/>
+          </a:p>
+        </p:txBody>
+      </p:sp>
+    </p:spTree>
+    <p:extLst>
+      <p:ext uri="{BB962C8B-B14F-4D97-AF65-F5344CB8AC3E}">
+        <p14:creationId xmlns:p14="http://schemas.microsoft.com/office/powerpoint/2010/main" val="638605249"/>
+      </p:ext>
+    </p:extLst>
+  </p:cSld>
+  <p:clrMapOvr>
+    <a:masterClrMapping/>
+  </p:clrMapOvr>
+  <p:timing>
+    <p:tnLst>
+      <p:par>
+        <p:cTn id="1" dur="indefinite" restart="never" nodeType="tmRoot"/>
+      </p:par>
+    </p:tnLst>
+  </p:timing>
+</p:sld>
+</file>
+
+<file path=ppt/slides/slide29.xml><?xml version="1.0" encoding="utf-8"?>
+<p:sld xmlns:a="http://schemas.openxmlformats.org/drawingml/2006/main" xmlns:r="http://schemas.openxmlformats.org/officeDocument/2006/relationships" xmlns:p="http://schemas.openxmlformats.org/presentationml/2006/main">
+  <p:cSld>
+    <p:spTree>
+      <p:nvGrpSpPr>
+        <p:cNvPr id="1" name=""/>
+        <p:cNvGrpSpPr/>
+        <p:nvPr/>
+      </p:nvGrpSpPr>
+      <p:grpSpPr>
+        <a:xfrm>
+          <a:off x="0" y="0"/>
+          <a:ext cx="0" cy="0"/>
+          <a:chOff x="0" y="0"/>
+          <a:chExt cx="0" cy="0"/>
+        </a:xfrm>
+      </p:grpSpPr>
+      <p:sp>
+        <p:nvSpPr>
+          <p:cNvPr id="2" name="Title 1"/>
+          <p:cNvSpPr>
+            <a:spLocks noGrp="1"/>
+          </p:cNvSpPr>
+          <p:nvPr>
+            <p:ph type="title"/>
+          </p:nvPr>
+        </p:nvSpPr>
+        <p:spPr/>
+        <p:txBody>
+          <a:bodyPr/>
+          <a:lstStyle/>
+          <a:p>
+            <a:r>
+              <a:rPr lang="en-US" dirty="0"/>
+              <a:t>Experimental Results</a:t>
+            </a:r>
+          </a:p>
+        </p:txBody>
+      </p:sp>
+      <p:pic>
+        <p:nvPicPr>
+          <p:cNvPr id="4" name="Content Placeholder 3"/>
+          <p:cNvPicPr>
+            <a:picLocks noGrp="1" noChangeAspect="1"/>
+          </p:cNvPicPr>
+          <p:nvPr>
+            <p:ph idx="1"/>
+          </p:nvPr>
+        </p:nvPicPr>
+        <p:blipFill>
+          <a:blip r:embed="rId2">
+            <a:extLst>
+              <a:ext uri="{28A0092B-C50C-407E-A947-70E740481C1C}">
+                <a14:useLocalDpi xmlns:a14="http://schemas.microsoft.com/office/drawing/2010/main" val="0"/>
+              </a:ext>
+            </a:extLst>
+          </a:blip>
+          <a:stretch>
+            <a:fillRect/>
+          </a:stretch>
+        </p:blipFill>
+        <p:spPr>
+          <a:xfrm>
+            <a:off x="2283197" y="1846263"/>
+            <a:ext cx="7685931" cy="4022725"/>
+          </a:xfrm>
+        </p:spPr>
+      </p:pic>
+    </p:spTree>
+    <p:extLst>
+      <p:ext uri="{BB962C8B-B14F-4D97-AF65-F5344CB8AC3E}">
+        <p14:creationId xmlns:p14="http://schemas.microsoft.com/office/powerpoint/2010/main" val="1011109935"/>
       </p:ext>
     </p:extLst>
   </p:cSld>
@@ -6292,12 +7416,6 @@
           <a:lstStyle/>
           <a:p>
             <a:pPr marL="91440" lvl="1" indent="-91440">
-              <a:spcBef>
-                <a:spcPts val="1200"/>
-              </a:spcBef>
-              <a:spcAft>
-                <a:spcPts val="200"/>
-              </a:spcAft>
               <a:buSzPct val="100000"/>
               <a:buFont typeface="Calibri" panose="020F0502020204030204" pitchFamily="34" charset="0"/>
               <a:buChar char=" "/>
@@ -6320,53 +7438,35 @@
             </a:r>
           </a:p>
           <a:p>
-            <a:pPr marL="285750" lvl="1" indent="-285750">
-              <a:spcBef>
-                <a:spcPts val="1200"/>
-              </a:spcBef>
-              <a:spcAft>
-                <a:spcPts val="200"/>
-              </a:spcAft>
+            <a:pPr marL="468630" lvl="2" indent="-285750">
               <a:buSzPct val="100000"/>
               <a:buFont typeface="Arial" panose="020B0604020202020204" pitchFamily="34" charset="0"/>
               <a:buChar char="•"/>
             </a:pPr>
             <a:r>
-              <a:rPr lang="en-US" dirty="0" smtClean="0"/>
+              <a:rPr lang="en-US" sz="1800" dirty="0" smtClean="0"/>
               <a:t>Examination Timetabling;</a:t>
             </a:r>
           </a:p>
           <a:p>
-            <a:pPr marL="285750" lvl="1" indent="-285750">
-              <a:spcBef>
-                <a:spcPts val="1200"/>
-              </a:spcBef>
-              <a:spcAft>
-                <a:spcPts val="200"/>
-              </a:spcAft>
+            <a:pPr marL="468630" lvl="2" indent="-285750">
               <a:buSzPct val="100000"/>
               <a:buFont typeface="Arial" panose="020B0604020202020204" pitchFamily="34" charset="0"/>
               <a:buChar char="•"/>
             </a:pPr>
             <a:r>
-              <a:rPr lang="en-US" dirty="0" smtClean="0"/>
+              <a:rPr lang="en-US" sz="1800" dirty="0" smtClean="0"/>
               <a:t>Course Timetabling;</a:t>
             </a:r>
           </a:p>
           <a:p>
-            <a:pPr marL="285750" lvl="1" indent="-285750">
-              <a:spcBef>
-                <a:spcPts val="1200"/>
-              </a:spcBef>
-              <a:spcAft>
-                <a:spcPts val="200"/>
-              </a:spcAft>
+            <a:pPr marL="468630" lvl="2" indent="-285750">
               <a:buSzPct val="100000"/>
               <a:buFont typeface="Arial" panose="020B0604020202020204" pitchFamily="34" charset="0"/>
               <a:buChar char="•"/>
             </a:pPr>
             <a:r>
-              <a:rPr lang="en-US" dirty="0" smtClean="0"/>
+              <a:rPr lang="en-US" sz="1800" dirty="0" smtClean="0"/>
               <a:t>School Timetabling.</a:t>
             </a:r>
           </a:p>
@@ -6385,12 +7485,6 @@
           </a:p>
           <a:p>
             <a:pPr marL="0" lvl="1" indent="0">
-              <a:spcBef>
-                <a:spcPts val="1200"/>
-              </a:spcBef>
-              <a:spcAft>
-                <a:spcPts val="200"/>
-              </a:spcAft>
               <a:buSzPct val="100000"/>
               <a:buNone/>
             </a:pPr>
@@ -6400,39 +7494,27 @@
             </a:r>
           </a:p>
           <a:p>
-            <a:pPr marL="285750" lvl="1" indent="-285750">
-              <a:spcBef>
-                <a:spcPts val="1200"/>
-              </a:spcBef>
-              <a:spcAft>
-                <a:spcPts val="200"/>
-              </a:spcAft>
+            <a:pPr marL="468630" lvl="2" indent="-285750">
               <a:buSzPct val="100000"/>
               <a:buFont typeface="Arial" panose="020B0604020202020204" pitchFamily="34" charset="0"/>
               <a:buChar char="•"/>
             </a:pPr>
             <a:r>
-              <a:rPr lang="en-US" dirty="0" smtClean="0"/>
+              <a:rPr lang="en-US" sz="1800" dirty="0" smtClean="0"/>
               <a:t>Hard constraints;</a:t>
             </a:r>
           </a:p>
           <a:p>
-            <a:pPr marL="285750" lvl="1" indent="-285750">
-              <a:spcBef>
-                <a:spcPts val="1200"/>
-              </a:spcBef>
-              <a:spcAft>
-                <a:spcPts val="200"/>
-              </a:spcAft>
+            <a:pPr marL="468630" lvl="2" indent="-285750">
               <a:buSzPct val="100000"/>
               <a:buFont typeface="Arial" panose="020B0604020202020204" pitchFamily="34" charset="0"/>
               <a:buChar char="•"/>
             </a:pPr>
             <a:r>
-              <a:rPr lang="en-US" dirty="0" smtClean="0"/>
+              <a:rPr lang="en-US" sz="1800" dirty="0" smtClean="0"/>
               <a:t>Soft constraints.</a:t>
             </a:r>
-            <a:endParaRPr lang="en-US" dirty="0"/>
+            <a:endParaRPr lang="en-US" sz="1800" dirty="0"/>
           </a:p>
         </p:txBody>
       </p:sp>
@@ -6440,6 +7522,99 @@
     <p:extLst>
       <p:ext uri="{BB962C8B-B14F-4D97-AF65-F5344CB8AC3E}">
         <p14:creationId xmlns:p14="http://schemas.microsoft.com/office/powerpoint/2010/main" val="1585950118"/>
+      </p:ext>
+    </p:extLst>
+  </p:cSld>
+  <p:clrMapOvr>
+    <a:masterClrMapping/>
+  </p:clrMapOvr>
+  <p:timing>
+    <p:tnLst>
+      <p:par>
+        <p:cTn id="1" dur="indefinite" restart="never" nodeType="tmRoot"/>
+      </p:par>
+    </p:tnLst>
+  </p:timing>
+</p:sld>
+</file>
+
+<file path=ppt/slides/slide30.xml><?xml version="1.0" encoding="utf-8"?>
+<p:sld xmlns:a="http://schemas.openxmlformats.org/drawingml/2006/main" xmlns:r="http://schemas.openxmlformats.org/officeDocument/2006/relationships" xmlns:p="http://schemas.openxmlformats.org/presentationml/2006/main">
+  <p:cSld>
+    <p:spTree>
+      <p:nvGrpSpPr>
+        <p:cNvPr id="1" name=""/>
+        <p:cNvGrpSpPr/>
+        <p:nvPr/>
+      </p:nvGrpSpPr>
+      <p:grpSpPr>
+        <a:xfrm>
+          <a:off x="0" y="0"/>
+          <a:ext cx="0" cy="0"/>
+          <a:chOff x="0" y="0"/>
+          <a:chExt cx="0" cy="0"/>
+        </a:xfrm>
+      </p:grpSpPr>
+      <p:sp>
+        <p:nvSpPr>
+          <p:cNvPr id="2" name="Title 1"/>
+          <p:cNvSpPr>
+            <a:spLocks noGrp="1"/>
+          </p:cNvSpPr>
+          <p:nvPr>
+            <p:ph type="title"/>
+          </p:nvPr>
+        </p:nvSpPr>
+        <p:spPr/>
+        <p:txBody>
+          <a:bodyPr/>
+          <a:lstStyle/>
+          <a:p>
+            <a:pPr algn="ctr"/>
+            <a:r>
+              <a:rPr lang="en-US" dirty="0" smtClean="0"/>
+              <a:t>The End</a:t>
+            </a:r>
+            <a:endParaRPr lang="en-US" dirty="0"/>
+          </a:p>
+        </p:txBody>
+      </p:sp>
+      <p:sp>
+        <p:nvSpPr>
+          <p:cNvPr id="3" name="Content Placeholder 2"/>
+          <p:cNvSpPr>
+            <a:spLocks noGrp="1"/>
+          </p:cNvSpPr>
+          <p:nvPr>
+            <p:ph idx="1"/>
+          </p:nvPr>
+        </p:nvSpPr>
+        <p:spPr/>
+        <p:txBody>
+          <a:bodyPr/>
+          <a:lstStyle/>
+          <a:p>
+            <a:pPr algn="ctr"/>
+            <a:endParaRPr lang="en-US" dirty="0" smtClean="0"/>
+          </a:p>
+          <a:p>
+            <a:pPr algn="ctr"/>
+            <a:endParaRPr lang="en-US" dirty="0"/>
+          </a:p>
+          <a:p>
+            <a:pPr algn="ctr"/>
+            <a:r>
+              <a:rPr lang="en-US" dirty="0" smtClean="0"/>
+              <a:t>I hope you enjoyed it!</a:t>
+            </a:r>
+            <a:endParaRPr lang="en-US" dirty="0"/>
+          </a:p>
+        </p:txBody>
+      </p:sp>
+    </p:spTree>
+    <p:extLst>
+      <p:ext uri="{BB962C8B-B14F-4D97-AF65-F5344CB8AC3E}">
+        <p14:creationId xmlns:p14="http://schemas.microsoft.com/office/powerpoint/2010/main" val="4245037988"/>
       </p:ext>
     </p:extLst>
   </p:cSld>
@@ -6511,13 +7686,21 @@
           <a:bodyPr/>
           <a:lstStyle/>
           <a:p>
+            <a:pPr>
+              <a:spcBef>
+                <a:spcPts val="200"/>
+              </a:spcBef>
+              <a:spcAft>
+                <a:spcPts val="400"/>
+              </a:spcAft>
+            </a:pPr>
             <a:r>
               <a:rPr lang="en-US" dirty="0" smtClean="0"/>
               <a:t>The main objectives of this project are:</a:t>
             </a:r>
           </a:p>
           <a:p>
-            <a:pPr>
+            <a:pPr lvl="1">
               <a:buFont typeface="Arial" panose="020B0604020202020204" pitchFamily="34" charset="0"/>
               <a:buChar char="•"/>
             </a:pPr>
@@ -6531,11 +7714,16 @@
             </a:r>
             <a:r>
               <a:rPr lang="en-US" dirty="0" smtClean="0"/>
-              <a:t>International Timetabling Competition 2007 specifications;</a:t>
-            </a:r>
-          </a:p>
-          <a:p>
-            <a:pPr>
+              <a:t>International Timetabling Competition 2007 specifications</a:t>
+            </a:r>
+            <a:r>
+              <a:rPr lang="en-US" dirty="0" smtClean="0"/>
+              <a:t>;</a:t>
+            </a:r>
+            <a:endParaRPr lang="en-US" dirty="0" smtClean="0"/>
+          </a:p>
+          <a:p>
+            <a:pPr lvl="1">
               <a:buFont typeface="Arial" panose="020B0604020202020204" pitchFamily="34" charset="0"/>
               <a:buChar char="•"/>
             </a:pPr>
@@ -6561,7 +7749,7 @@
             </a:r>
           </a:p>
           <a:p>
-            <a:pPr>
+            <a:pPr lvl="1">
               <a:buFont typeface="Arial" panose="020B0604020202020204" pitchFamily="34" charset="0"/>
               <a:buChar char="•"/>
             </a:pPr>
@@ -6668,7 +7856,7 @@
             </a:r>
           </a:p>
           <a:p>
-            <a:pPr>
+            <a:pPr lvl="1">
               <a:buFont typeface="Arial" panose="020B0604020202020204" pitchFamily="34" charset="0"/>
               <a:buChar char="•"/>
             </a:pPr>
@@ -6678,7 +7866,7 @@
             </a:r>
           </a:p>
           <a:p>
-            <a:pPr>
+            <a:pPr lvl="1">
               <a:buFont typeface="Arial" panose="020B0604020202020204" pitchFamily="34" charset="0"/>
               <a:buChar char="•"/>
             </a:pPr>
@@ -6711,7 +7899,7 @@
             </a:r>
           </a:p>
           <a:p>
-            <a:pPr>
+            <a:pPr lvl="1">
               <a:buFont typeface="Arial" panose="020B0604020202020204" pitchFamily="34" charset="0"/>
               <a:buChar char="•"/>
             </a:pPr>
@@ -6721,7 +7909,7 @@
             </a:r>
           </a:p>
           <a:p>
-            <a:pPr>
+            <a:pPr lvl="1">
               <a:buFont typeface="Arial" panose="020B0604020202020204" pitchFamily="34" charset="0"/>
               <a:buChar char="•"/>
             </a:pPr>
@@ -6731,7 +7919,7 @@
             </a:r>
           </a:p>
           <a:p>
-            <a:pPr>
+            <a:pPr lvl="1">
               <a:buFont typeface="Arial" panose="020B0604020202020204" pitchFamily="34" charset="0"/>
               <a:buChar char="•"/>
             </a:pPr>
@@ -6741,7 +7929,7 @@
             </a:r>
           </a:p>
           <a:p>
-            <a:pPr>
+            <a:pPr lvl="1">
               <a:buFont typeface="Arial" panose="020B0604020202020204" pitchFamily="34" charset="0"/>
               <a:buChar char="•"/>
             </a:pPr>
@@ -6840,7 +8028,7 @@
             </a:r>
           </a:p>
           <a:p>
-            <a:pPr>
+            <a:pPr lvl="1">
               <a:buFont typeface="Arial" panose="020B0604020202020204" pitchFamily="34" charset="0"/>
               <a:buChar char="•"/>
             </a:pPr>
@@ -6850,7 +8038,7 @@
             </a:r>
           </a:p>
           <a:p>
-            <a:pPr>
+            <a:pPr lvl="1">
               <a:buFont typeface="Arial" panose="020B0604020202020204" pitchFamily="34" charset="0"/>
               <a:buChar char="•"/>
             </a:pPr>
@@ -6864,7 +8052,7 @@
             </a:r>
           </a:p>
           <a:p>
-            <a:pPr>
+            <a:pPr lvl="1">
               <a:buFont typeface="Arial" panose="020B0604020202020204" pitchFamily="34" charset="0"/>
               <a:buChar char="•"/>
             </a:pPr>
@@ -6878,7 +8066,7 @@
             </a:r>
           </a:p>
           <a:p>
-            <a:pPr>
+            <a:pPr lvl="1">
               <a:buFont typeface="Arial" panose="020B0604020202020204" pitchFamily="34" charset="0"/>
               <a:buChar char="•"/>
             </a:pPr>
@@ -6896,7 +8084,7 @@
             </a:r>
           </a:p>
           <a:p>
-            <a:pPr>
+            <a:pPr lvl="1">
               <a:buFont typeface="Arial" panose="020B0604020202020204" pitchFamily="34" charset="0"/>
               <a:buChar char="•"/>
             </a:pPr>
@@ -6914,7 +8102,7 @@
             </a:r>
           </a:p>
           <a:p>
-            <a:pPr>
+            <a:pPr lvl="1">
               <a:buFont typeface="Arial" panose="020B0604020202020204" pitchFamily="34" charset="0"/>
               <a:buChar char="•"/>
             </a:pPr>
@@ -6932,7 +8120,7 @@
             </a:r>
           </a:p>
           <a:p>
-            <a:pPr>
+            <a:pPr lvl="1">
               <a:buFont typeface="Arial" panose="020B0604020202020204" pitchFamily="34" charset="0"/>
               <a:buChar char="•"/>
             </a:pPr>

--- a/doc/Apresentação Oral/Examination Timetabling Automation using Hybrid Meta-heuristics.pptx
+++ b/doc/Apresentação Oral/Examination Timetabling Automation using Hybrid Meta-heuristics.pptx
@@ -5,13 +5,13 @@
     <p:sldMasterId id="2147483648" r:id="rId1"/>
   </p:sldMasterIdLst>
   <p:notesMasterIdLst>
-    <p:notesMasterId r:id="rId25"/>
+    <p:notesMasterId r:id="rId28"/>
   </p:notesMasterIdLst>
   <p:sldIdLst>
     <p:sldId id="256" r:id="rId2"/>
     <p:sldId id="257" r:id="rId3"/>
-    <p:sldId id="258" r:id="rId4"/>
-    <p:sldId id="259" r:id="rId5"/>
+    <p:sldId id="259" r:id="rId4"/>
+    <p:sldId id="258" r:id="rId5"/>
     <p:sldId id="260" r:id="rId6"/>
     <p:sldId id="261" r:id="rId7"/>
     <p:sldId id="262" r:id="rId8"/>
@@ -20,8 +20,8 @@
     <p:sldId id="265" r:id="rId11"/>
     <p:sldId id="276" r:id="rId12"/>
     <p:sldId id="266" r:id="rId13"/>
-    <p:sldId id="267" r:id="rId14"/>
-    <p:sldId id="286" r:id="rId15"/>
+    <p:sldId id="286" r:id="rId14"/>
+    <p:sldId id="267" r:id="rId15"/>
     <p:sldId id="275" r:id="rId16"/>
     <p:sldId id="277" r:id="rId17"/>
     <p:sldId id="279" r:id="rId18"/>
@@ -30,7 +30,10 @@
     <p:sldId id="281" r:id="rId21"/>
     <p:sldId id="283" r:id="rId22"/>
     <p:sldId id="284" r:id="rId23"/>
-    <p:sldId id="285" r:id="rId24"/>
+    <p:sldId id="287" r:id="rId24"/>
+    <p:sldId id="289" r:id="rId25"/>
+    <p:sldId id="288" r:id="rId26"/>
+    <p:sldId id="285" r:id="rId27"/>
   </p:sldIdLst>
   <p:sldSz cx="12192000" cy="6858000"/>
   <p:notesSz cx="6858000" cy="9144000"/>
@@ -151,29 +154,26 @@
 <file path=ppt/commentAuthors.xml><?xml version="1.0" encoding="utf-8"?>
 <p:cmAuthorLst xmlns:a="http://schemas.openxmlformats.org/drawingml/2006/main" xmlns:r="http://schemas.openxmlformats.org/officeDocument/2006/relationships" xmlns:p="http://schemas.openxmlformats.org/presentationml/2006/main">
   <p:cmAuthor id="0" name="Nuno" initials="N" lastIdx="37" clrIdx="0"/>
-  <p:cmAuthor id="1" name="Mike" initials="M" lastIdx="6" clrIdx="1">
-    <p:extLst>
-      <p:ext uri="{19B8F6BF-5375-455C-9EA6-DF929625EA0E}">
-        <p15:presenceInfo xmlns:p15="http://schemas.microsoft.com/office/powerpoint/2012/main" userId="Mike" providerId="None"/>
-      </p:ext>
-    </p:extLst>
+  <p:cmAuthor id="1" name="Mike" initials="M" lastIdx="7" clrIdx="1">
+    <p:extLst/>
   </p:cmAuthor>
+  <p:cmAuthor id="2" name="Artur" initials="A" lastIdx="3" clrIdx="2"/>
 </p:cmAuthorLst>
 </file>
 
 <file path=ppt/comments/comment1.xml><?xml version="1.0" encoding="utf-8"?>
 <p:cmLst xmlns:a="http://schemas.openxmlformats.org/drawingml/2006/main" xmlns:r="http://schemas.openxmlformats.org/officeDocument/2006/relationships" xmlns:p="http://schemas.openxmlformats.org/presentationml/2006/main">
-  <p:cm authorId="0" dt="2015-07-15T10:02:26.361" idx="6">
-    <p:pos x="4666" y="406"/>
-    <p:text>Usar fonte de texto maior</p:text>
+  <p:cm authorId="2" dt="2015-07-20T17:57:14.167" idx="3">
+    <p:pos x="5553" y="1183"/>
+    <p:text>Colocar aqui mais alguma informação sobre o ITC2007</p:text>
   </p:cm>
-  <p:cm authorId="1" dt="2015-07-15T23:20:00.317" idx="3">
-    <p:pos x="4666" y="502"/>
-    <p:text>O titulo, por exemplo, tem uma fonte grande já por si. É necessário ser maior ainda?</p:text>
+  <p:cm authorId="1" dt="2015-07-21T21:21:28.848" idx="7">
+    <p:pos x="5553" y="1279"/>
+    <p:text>Este tipo de informação é explicado por fala</p:text>
     <p:extLst>
       <p:ext uri="{C676402C-5697-4E1C-873F-D02D1690AC5C}">
         <p15:threadingInfo xmlns:p15="http://schemas.microsoft.com/office/powerpoint/2012/main" timeZoneBias="-60">
-          <p15:parentCm authorId="0" idx="6"/>
+          <p15:parentCm authorId="2" idx="3"/>
         </p15:threadingInfo>
       </p:ext>
     </p:extLst>
@@ -182,27 +182,6 @@
 </file>
 
 <file path=ppt/comments/comment2.xml><?xml version="1.0" encoding="utf-8"?>
-<p:cmLst xmlns:a="http://schemas.openxmlformats.org/drawingml/2006/main" xmlns:r="http://schemas.openxmlformats.org/officeDocument/2006/relationships" xmlns:p="http://schemas.openxmlformats.org/presentationml/2006/main">
-  <p:cm authorId="0" dt="2015-07-15T10:23:59.570" idx="11">
-    <p:pos x="10" y="10"/>
-    <p:text>resumir
-os três últimos itens não falas... falas oralmente?</p:text>
-  </p:cm>
-  <p:cm authorId="1" dt="2015-07-15T23:19:06.855" idx="2">
-    <p:pos x="10" y="106"/>
-    <p:text>Removi e coloquei "some" no titulo. Até porque só vou explicar aqueles 4.</p:text>
-    <p:extLst mod="1">
-      <p:ext uri="{C676402C-5697-4E1C-873F-D02D1690AC5C}">
-        <p15:threadingInfo xmlns:p15="http://schemas.microsoft.com/office/powerpoint/2012/main" timeZoneBias="-60">
-          <p15:parentCm authorId="0" idx="11"/>
-        </p15:threadingInfo>
-      </p:ext>
-    </p:extLst>
-  </p:cm>
-</p:cmLst>
-</file>
-
-<file path=ppt/comments/comment3.xml><?xml version="1.0" encoding="utf-8"?>
 <p:cmLst xmlns:a="http://schemas.openxmlformats.org/drawingml/2006/main" xmlns:r="http://schemas.openxmlformats.org/officeDocument/2006/relationships" xmlns:p="http://schemas.openxmlformats.org/presentationml/2006/main">
   <p:cm authorId="0" dt="2015-07-15T10:31:47.313" idx="16">
     <p:pos x="6970" y="1204"/>
@@ -237,37 +216,7 @@
 </p:cmLst>
 </file>
 
-<file path=ppt/comments/comment4.xml><?xml version="1.0" encoding="utf-8"?>
-<p:cmLst xmlns:a="http://schemas.openxmlformats.org/drawingml/2006/main" xmlns:r="http://schemas.openxmlformats.org/officeDocument/2006/relationships" xmlns:p="http://schemas.openxmlformats.org/presentationml/2006/main">
-  <p:cm authorId="0" dt="2015-07-15T10:44:30.296" idx="23">
-    <p:pos x="2260" y="1486"/>
-    <p:text>agrupar os dois primeiros</p:text>
-  </p:cm>
-  <p:cm authorId="1" dt="2015-07-15T23:59:56.504" idx="5">
-    <p:pos x="2260" y="1582"/>
-    <p:text>Assim?</p:text>
-    <p:extLst>
-      <p:ext uri="{C676402C-5697-4E1C-873F-D02D1690AC5C}">
-        <p15:threadingInfo xmlns:p15="http://schemas.microsoft.com/office/powerpoint/2012/main" timeZoneBias="-60">
-          <p15:parentCm authorId="0" idx="23"/>
-        </p15:threadingInfo>
-      </p:ext>
-    </p:extLst>
-  </p:cm>
-</p:cmLst>
-</file>
-
-<file path=ppt/comments/comment5.xml><?xml version="1.0" encoding="utf-8"?>
-<p:cmLst xmlns:a="http://schemas.openxmlformats.org/drawingml/2006/main" xmlns:r="http://schemas.openxmlformats.org/officeDocument/2006/relationships" xmlns:p="http://schemas.openxmlformats.org/presentationml/2006/main">
-  <p:cm authorId="0" dt="2015-07-15T10:47:36.663" idx="24">
-    <p:pos x="10" y="10"/>
-    <p:text>para os slides 12-18, usar uma figura (caixas com título e principais funcionalidades para cada componente)  e pouco texto só a salientar o que é realmente importante
-o resto pode ser dito oralmente</p:text>
-  </p:cm>
-</p:cmLst>
-</file>
-
-<file path=ppt/comments/comment6.xml><?xml version="1.0" encoding="utf-8"?>
+<file path=ppt/comments/comment3.xml><?xml version="1.0" encoding="utf-8"?>
 <p:cmLst xmlns:a="http://schemas.openxmlformats.org/drawingml/2006/main" xmlns:r="http://schemas.openxmlformats.org/officeDocument/2006/relationships" xmlns:p="http://schemas.openxmlformats.org/presentationml/2006/main">
   <p:cm authorId="0" dt="2015-07-15T11:02:44.921" idx="33">
     <p:pos x="4600" y="2224"/>
@@ -1957,14 +1906,35 @@
         </dgm:presLayoutVars>
       </dgm:prSet>
       <dgm:spPr/>
+      <dgm:t>
+        <a:bodyPr/>
+        <a:lstStyle/>
+        <a:p>
+          <a:endParaRPr lang="pt-PT"/>
+        </a:p>
+      </dgm:t>
     </dgm:pt>
     <dgm:pt modelId="{84B384BA-4992-4177-9E54-19EAA20BCC7A}" type="pres">
       <dgm:prSet presAssocID="{502ADAB4-0FBC-4569-99CE-21E1D5F6BC66}" presName="sibTrans" presStyleLbl="sibTrans2D1" presStyleIdx="0" presStyleCnt="3"/>
       <dgm:spPr/>
+      <dgm:t>
+        <a:bodyPr/>
+        <a:lstStyle/>
+        <a:p>
+          <a:endParaRPr lang="pt-PT"/>
+        </a:p>
+      </dgm:t>
     </dgm:pt>
     <dgm:pt modelId="{45E28F72-793C-4B73-B565-78D783AB4F0D}" type="pres">
       <dgm:prSet presAssocID="{502ADAB4-0FBC-4569-99CE-21E1D5F6BC66}" presName="connectorText" presStyleLbl="sibTrans2D1" presStyleIdx="0" presStyleCnt="3"/>
       <dgm:spPr/>
+      <dgm:t>
+        <a:bodyPr/>
+        <a:lstStyle/>
+        <a:p>
+          <a:endParaRPr lang="pt-PT"/>
+        </a:p>
+      </dgm:t>
     </dgm:pt>
     <dgm:pt modelId="{A9B93654-13EA-4C3C-8C58-01B6F39C7E93}" type="pres">
       <dgm:prSet presAssocID="{424BD534-A5CD-4DA1-970B-96BC2B36FFFA}" presName="node" presStyleLbl="node1" presStyleIdx="1" presStyleCnt="4">
@@ -1984,10 +1954,24 @@
     <dgm:pt modelId="{42370FF3-AFA1-404E-A02D-36439289E42F}" type="pres">
       <dgm:prSet presAssocID="{2F6FD728-9EA6-4228-BAD0-00E42898BAEE}" presName="sibTrans" presStyleLbl="sibTrans2D1" presStyleIdx="1" presStyleCnt="3"/>
       <dgm:spPr/>
+      <dgm:t>
+        <a:bodyPr/>
+        <a:lstStyle/>
+        <a:p>
+          <a:endParaRPr lang="pt-PT"/>
+        </a:p>
+      </dgm:t>
     </dgm:pt>
     <dgm:pt modelId="{09FB49E3-3A32-426F-90D7-C2DEEECBAE8A}" type="pres">
       <dgm:prSet presAssocID="{2F6FD728-9EA6-4228-BAD0-00E42898BAEE}" presName="connectorText" presStyleLbl="sibTrans2D1" presStyleIdx="1" presStyleCnt="3"/>
       <dgm:spPr/>
+      <dgm:t>
+        <a:bodyPr/>
+        <a:lstStyle/>
+        <a:p>
+          <a:endParaRPr lang="pt-PT"/>
+        </a:p>
+      </dgm:t>
     </dgm:pt>
     <dgm:pt modelId="{B6D3413A-C5B6-47F8-B1A9-65F1039F4D3B}" type="pres">
       <dgm:prSet presAssocID="{98B9D415-3575-41DA-8A1E-7D3F389EAAB4}" presName="node" presStyleLbl="node1" presStyleIdx="2" presStyleCnt="4">
@@ -1996,14 +1980,35 @@
         </dgm:presLayoutVars>
       </dgm:prSet>
       <dgm:spPr/>
+      <dgm:t>
+        <a:bodyPr/>
+        <a:lstStyle/>
+        <a:p>
+          <a:endParaRPr lang="pt-PT"/>
+        </a:p>
+      </dgm:t>
     </dgm:pt>
     <dgm:pt modelId="{F0252C6C-08EF-48C6-89C0-0C3E67BADC55}" type="pres">
       <dgm:prSet presAssocID="{903E13AB-7FF9-4EF1-9CC8-42D43D9E5AF2}" presName="sibTrans" presStyleLbl="sibTrans2D1" presStyleIdx="2" presStyleCnt="3"/>
       <dgm:spPr/>
+      <dgm:t>
+        <a:bodyPr/>
+        <a:lstStyle/>
+        <a:p>
+          <a:endParaRPr lang="pt-PT"/>
+        </a:p>
+      </dgm:t>
     </dgm:pt>
     <dgm:pt modelId="{005977C5-7746-4332-AB63-5565C2615FED}" type="pres">
       <dgm:prSet presAssocID="{903E13AB-7FF9-4EF1-9CC8-42D43D9E5AF2}" presName="connectorText" presStyleLbl="sibTrans2D1" presStyleIdx="2" presStyleCnt="3"/>
       <dgm:spPr/>
+      <dgm:t>
+        <a:bodyPr/>
+        <a:lstStyle/>
+        <a:p>
+          <a:endParaRPr lang="pt-PT"/>
+        </a:p>
+      </dgm:t>
     </dgm:pt>
     <dgm:pt modelId="{81668A18-A5C4-481F-924E-91CBE598CF90}" type="pres">
       <dgm:prSet presAssocID="{6E46E610-6AA3-4C4E-8A85-6DC6A62E248B}" presName="node" presStyleLbl="node1" presStyleIdx="3" presStyleCnt="4">
@@ -2012,6 +2017,13 @@
         </dgm:presLayoutVars>
       </dgm:prSet>
       <dgm:spPr/>
+      <dgm:t>
+        <a:bodyPr/>
+        <a:lstStyle/>
+        <a:p>
+          <a:endParaRPr lang="pt-PT"/>
+        </a:p>
+      </dgm:t>
     </dgm:pt>
   </dgm:ptLst>
   <dgm:cxnLst>
@@ -2024,11 +2036,11 @@
     <dgm:cxn modelId="{00F76F21-1BB6-441A-9A4C-96D7CFDF66A5}" type="presOf" srcId="{424BD534-A5CD-4DA1-970B-96BC2B36FFFA}" destId="{A9B93654-13EA-4C3C-8C58-01B6F39C7E93}" srcOrd="0" destOrd="0" presId="urn:microsoft.com/office/officeart/2005/8/layout/process1"/>
     <dgm:cxn modelId="{7CE9BA74-E81D-4825-9A76-DC360EF86D98}" type="presOf" srcId="{502ADAB4-0FBC-4569-99CE-21E1D5F6BC66}" destId="{45E28F72-793C-4B73-B565-78D783AB4F0D}" srcOrd="1" destOrd="0" presId="urn:microsoft.com/office/officeart/2005/8/layout/process1"/>
     <dgm:cxn modelId="{7453717B-ED60-4C31-9DDE-E1D9BE26A6F7}" type="presOf" srcId="{2F6FD728-9EA6-4228-BAD0-00E42898BAEE}" destId="{42370FF3-AFA1-404E-A02D-36439289E42F}" srcOrd="0" destOrd="0" presId="urn:microsoft.com/office/officeart/2005/8/layout/process1"/>
+    <dgm:cxn modelId="{F1DC2A5A-DC5A-417A-B6A0-A85C2DF10750}" srcId="{BA80B3D6-D686-4335-B8FE-A5B174A91D1F}" destId="{D4EC1965-5E66-4F6A-B14C-48B89CF88F34}" srcOrd="0" destOrd="0" parTransId="{FCD1FA7D-D905-468E-99B9-C7BD076FAC31}" sibTransId="{502ADAB4-0FBC-4569-99CE-21E1D5F6BC66}"/>
     <dgm:cxn modelId="{5D908D8B-B700-4D78-B51E-986905D3CBF2}" type="presOf" srcId="{502ADAB4-0FBC-4569-99CE-21E1D5F6BC66}" destId="{84B384BA-4992-4177-9E54-19EAA20BCC7A}" srcOrd="0" destOrd="0" presId="urn:microsoft.com/office/officeart/2005/8/layout/process1"/>
-    <dgm:cxn modelId="{F1DC2A5A-DC5A-417A-B6A0-A85C2DF10750}" srcId="{BA80B3D6-D686-4335-B8FE-A5B174A91D1F}" destId="{D4EC1965-5E66-4F6A-B14C-48B89CF88F34}" srcOrd="0" destOrd="0" parTransId="{FCD1FA7D-D905-468E-99B9-C7BD076FAC31}" sibTransId="{502ADAB4-0FBC-4569-99CE-21E1D5F6BC66}"/>
     <dgm:cxn modelId="{4F443778-1E82-4F0D-9FF1-3BE92935AE9E}" type="presOf" srcId="{903E13AB-7FF9-4EF1-9CC8-42D43D9E5AF2}" destId="{005977C5-7746-4332-AB63-5565C2615FED}" srcOrd="1" destOrd="0" presId="urn:microsoft.com/office/officeart/2005/8/layout/process1"/>
+    <dgm:cxn modelId="{E8D939EE-BE19-4749-A012-A8BD5CBA70A3}" srcId="{BA80B3D6-D686-4335-B8FE-A5B174A91D1F}" destId="{6E46E610-6AA3-4C4E-8A85-6DC6A62E248B}" srcOrd="3" destOrd="0" parTransId="{823508B4-53E0-436F-8C0C-01AAB20F1F8B}" sibTransId="{58A25139-4C19-4DEF-BB4A-2C7D0C560D1E}"/>
     <dgm:cxn modelId="{C7DF86BE-B58A-49FE-862D-5188C1FA3E7E}" type="presOf" srcId="{2F6FD728-9EA6-4228-BAD0-00E42898BAEE}" destId="{09FB49E3-3A32-426F-90D7-C2DEEECBAE8A}" srcOrd="1" destOrd="0" presId="urn:microsoft.com/office/officeart/2005/8/layout/process1"/>
-    <dgm:cxn modelId="{E8D939EE-BE19-4749-A012-A8BD5CBA70A3}" srcId="{BA80B3D6-D686-4335-B8FE-A5B174A91D1F}" destId="{6E46E610-6AA3-4C4E-8A85-6DC6A62E248B}" srcOrd="3" destOrd="0" parTransId="{823508B4-53E0-436F-8C0C-01AAB20F1F8B}" sibTransId="{58A25139-4C19-4DEF-BB4A-2C7D0C560D1E}"/>
     <dgm:cxn modelId="{3A624728-957B-485C-814A-C77AECCCFB85}" type="presOf" srcId="{98B9D415-3575-41DA-8A1E-7D3F389EAAB4}" destId="{B6D3413A-C5B6-47F8-B1A9-65F1039F4D3B}" srcOrd="0" destOrd="0" presId="urn:microsoft.com/office/officeart/2005/8/layout/process1"/>
     <dgm:cxn modelId="{C2AEF85E-E848-4B0A-9978-D41998F2BED0}" type="presParOf" srcId="{52A5986A-80EF-452F-B163-4F651F6E920E}" destId="{1042CD11-4028-40C7-A3E4-3853786713BD}" srcOrd="0" destOrd="0" presId="urn:microsoft.com/office/officeart/2005/8/layout/process1"/>
     <dgm:cxn modelId="{137D71B9-D08A-4937-A3F2-15F870A10F9E}" type="presParOf" srcId="{52A5986A-80EF-452F-B163-4F651F6E920E}" destId="{84B384BA-4992-4177-9E54-19EAA20BCC7A}" srcOrd="1" destOrd="0" presId="urn:microsoft.com/office/officeart/2005/8/layout/process1"/>
@@ -2370,6 +2382,13 @@
         </dgm:presLayoutVars>
       </dgm:prSet>
       <dgm:spPr/>
+      <dgm:t>
+        <a:bodyPr/>
+        <a:lstStyle/>
+        <a:p>
+          <a:endParaRPr lang="pt-PT"/>
+        </a:p>
+      </dgm:t>
     </dgm:pt>
     <dgm:pt modelId="{48FA580F-C2AF-44DC-B138-E4C54AF4EC7D}" type="pres">
       <dgm:prSet presAssocID="{4FCECD55-57B3-4B79-B73C-C2902CA9B079}" presName="composite" presStyleCnt="0"/>
@@ -2399,6 +2418,13 @@
         </dgm:presLayoutVars>
       </dgm:prSet>
       <dgm:spPr/>
+      <dgm:t>
+        <a:bodyPr/>
+        <a:lstStyle/>
+        <a:p>
+          <a:endParaRPr lang="pt-PT"/>
+        </a:p>
+      </dgm:t>
     </dgm:pt>
     <dgm:pt modelId="{A1985502-30A1-498D-8768-8634B9982A2B}" type="pres">
       <dgm:prSet presAssocID="{56ADA2DE-E153-46B1-8E16-ED33048021B5}" presName="space" presStyleCnt="0"/>
@@ -2486,8 +2512,8 @@
     <dgm:cxn modelId="{BF01C0C0-2EDB-4F90-8B52-AE19F9F9BA38}" srcId="{F093EB72-5957-4A99-A52D-7CECA05E271F}" destId="{75278659-B33A-45EB-AE48-82A6D0B8CB81}" srcOrd="2" destOrd="0" parTransId="{975BA6D8-0BD7-404D-9EAD-608E5A7D1980}" sibTransId="{DD6434F1-7B09-470C-80B9-17EF609396D7}"/>
     <dgm:cxn modelId="{A2CEF4C1-8DD8-40D6-9FB2-CFEFB9A09F7F}" type="presOf" srcId="{80BC2265-EAF2-4782-9CC2-714A34DC915E}" destId="{3D13FB4D-500D-459B-858B-B3F5F17C82D1}" srcOrd="0" destOrd="1" presId="urn:microsoft.com/office/officeart/2005/8/layout/hList1"/>
     <dgm:cxn modelId="{064E3AA1-59E7-4090-AD6B-D7B30A9CADEA}" type="presOf" srcId="{F093EB72-5957-4A99-A52D-7CECA05E271F}" destId="{6AAAFD51-0D09-40FE-9260-15C32B0DAE20}" srcOrd="0" destOrd="0" presId="urn:microsoft.com/office/officeart/2005/8/layout/hList1"/>
+    <dgm:cxn modelId="{025AAC8C-778D-43EF-B984-E9962DB8DC41}" type="presOf" srcId="{75278659-B33A-45EB-AE48-82A6D0B8CB81}" destId="{ED0C6729-1393-4353-B252-FF075B28E681}" srcOrd="0" destOrd="0" presId="urn:microsoft.com/office/officeart/2005/8/layout/hList1"/>
     <dgm:cxn modelId="{9E295C5B-80E8-4B86-A234-F2A86D2E3059}" srcId="{4FCECD55-57B3-4B79-B73C-C2902CA9B079}" destId="{80BC2265-EAF2-4782-9CC2-714A34DC915E}" srcOrd="1" destOrd="0" parTransId="{3A0B580E-932A-4457-A101-40BE7FA11104}" sibTransId="{60466F59-0B42-4C88-9D40-7B62A8D0F43D}"/>
-    <dgm:cxn modelId="{025AAC8C-778D-43EF-B984-E9962DB8DC41}" type="presOf" srcId="{75278659-B33A-45EB-AE48-82A6D0B8CB81}" destId="{ED0C6729-1393-4353-B252-FF075B28E681}" srcOrd="0" destOrd="0" presId="urn:microsoft.com/office/officeart/2005/8/layout/hList1"/>
     <dgm:cxn modelId="{A0B93FFC-0BB3-47DE-B9E1-7D080708CC0B}" srcId="{75278659-B33A-45EB-AE48-82A6D0B8CB81}" destId="{7E567480-BB19-4546-A7E4-7D7F27AE84F4}" srcOrd="0" destOrd="0" parTransId="{3710EF05-F41F-4E83-A8DF-529F48AE4E5E}" sibTransId="{CEAD62C2-A7A8-40B0-8058-FA9B6758647C}"/>
     <dgm:cxn modelId="{3F0B2A5A-1B53-4723-AD60-959F3F74F53D}" type="presOf" srcId="{6F193B4F-EADB-4E90-A84B-4FC900E7BF8E}" destId="{6EB323F8-069A-4F16-B0D7-3F62ED9C1774}" srcOrd="0" destOrd="0" presId="urn:microsoft.com/office/officeart/2005/8/layout/hList1"/>
     <dgm:cxn modelId="{B43BED96-1F66-48D8-B9D5-D23E9C24FB23}" type="presOf" srcId="{998F2C35-CF79-4255-B261-198899FD385B}" destId="{E6C2ED4F-3122-4690-8C3D-E9FBEA807E7C}" srcOrd="0" destOrd="0" presId="urn:microsoft.com/office/officeart/2005/8/layout/hList1"/>
@@ -2515,7 +2541,7 @@
   <dgm:whole/>
   <dgm:extLst>
     <a:ext uri="http://schemas.microsoft.com/office/drawing/2008/diagram">
-      <dsp:dataModelExt xmlns:dsp="http://schemas.microsoft.com/office/drawing/2008/diagram" relId="rId6" minVer="http://schemas.openxmlformats.org/drawingml/2006/diagram"/>
+      <dsp:dataModelExt xmlns:dsp="http://schemas.microsoft.com/office/drawing/2008/diagram" relId="rId7" minVer="http://schemas.openxmlformats.org/drawingml/2006/diagram"/>
     </a:ext>
   </dgm:extLst>
 </dgm:dataModel>
@@ -6258,7 +6284,7 @@
           <a:p>
             <a:fld id="{D6647FDC-F259-4A4D-B5F5-E5558F96794B}" type="datetimeFigureOut">
               <a:rPr lang="en-US" smtClean="0"/>
-              <a:t>17-Jul-15</a:t>
+              <a:t>21-Jul-15</a:t>
             </a:fld>
             <a:endParaRPr lang="en-US"/>
           </a:p>
@@ -6610,6 +6636,1542 @@
 </p:notes>
 </file>
 
+<file path=ppt/notesSlides/notesSlide10.xml><?xml version="1.0" encoding="utf-8"?>
+<p:notes xmlns:a="http://schemas.openxmlformats.org/drawingml/2006/main" xmlns:r="http://schemas.openxmlformats.org/officeDocument/2006/relationships" xmlns:p="http://schemas.openxmlformats.org/presentationml/2006/main">
+  <p:cSld>
+    <p:spTree>
+      <p:nvGrpSpPr>
+        <p:cNvPr id="1" name=""/>
+        <p:cNvGrpSpPr/>
+        <p:nvPr/>
+      </p:nvGrpSpPr>
+      <p:grpSpPr>
+        <a:xfrm>
+          <a:off x="0" y="0"/>
+          <a:ext cx="0" cy="0"/>
+          <a:chOff x="0" y="0"/>
+          <a:chExt cx="0" cy="0"/>
+        </a:xfrm>
+      </p:grpSpPr>
+      <p:sp>
+        <p:nvSpPr>
+          <p:cNvPr id="2" name="Slide Image Placeholder 1"/>
+          <p:cNvSpPr>
+            <a:spLocks noGrp="1" noRot="1" noChangeAspect="1"/>
+          </p:cNvSpPr>
+          <p:nvPr>
+            <p:ph type="sldImg"/>
+          </p:nvPr>
+        </p:nvSpPr>
+        <p:spPr/>
+      </p:sp>
+      <p:sp>
+        <p:nvSpPr>
+          <p:cNvPr id="3" name="Notes Placeholder 2"/>
+          <p:cNvSpPr>
+            <a:spLocks noGrp="1"/>
+          </p:cNvSpPr>
+          <p:nvPr>
+            <p:ph type="body" idx="1"/>
+          </p:nvPr>
+        </p:nvSpPr>
+        <p:spPr/>
+        <p:txBody>
+          <a:bodyPr/>
+          <a:lstStyle/>
+          <a:p>
+            <a:r>
+              <a:rPr lang="en-US" dirty="0" err="1" smtClean="0"/>
+              <a:t>Explicar</a:t>
+            </a:r>
+            <a:r>
+              <a:rPr lang="en-US" dirty="0" smtClean="0"/>
+              <a:t>:</a:t>
+            </a:r>
+          </a:p>
+          <a:p>
+            <a:pPr marL="171450" indent="-171450">
+              <a:buFontTx/>
+              <a:buChar char="-"/>
+            </a:pPr>
+            <a:r>
+              <a:rPr lang="en-US" baseline="0" dirty="0" smtClean="0"/>
+              <a:t>Este </a:t>
+            </a:r>
+            <a:r>
+              <a:rPr lang="en-US" baseline="0" dirty="0" err="1" smtClean="0"/>
+              <a:t>problema</a:t>
+            </a:r>
+            <a:r>
+              <a:rPr lang="en-US" baseline="0" dirty="0" smtClean="0"/>
+              <a:t> no </a:t>
+            </a:r>
+            <a:r>
+              <a:rPr lang="en-US" baseline="0" dirty="0" err="1" smtClean="0"/>
+              <a:t>geral</a:t>
+            </a:r>
+            <a:endParaRPr lang="en-US" baseline="0" dirty="0" smtClean="0"/>
+          </a:p>
+          <a:p>
+            <a:pPr marL="171450" indent="-171450">
+              <a:buFontTx/>
+              <a:buChar char="-"/>
+            </a:pPr>
+            <a:r>
+              <a:rPr lang="en-US" baseline="0" dirty="0" smtClean="0"/>
+              <a:t>Que </a:t>
+            </a:r>
+            <a:r>
+              <a:rPr lang="en-US" baseline="0" dirty="0" err="1" smtClean="0"/>
+              <a:t>cada</a:t>
+            </a:r>
+            <a:r>
+              <a:rPr lang="en-US" baseline="0" dirty="0" smtClean="0"/>
+              <a:t> dataset tem </a:t>
+            </a:r>
+            <a:r>
+              <a:rPr lang="en-US" baseline="0" dirty="0" err="1" smtClean="0"/>
+              <a:t>diferentes</a:t>
+            </a:r>
+            <a:r>
+              <a:rPr lang="en-US" baseline="0" dirty="0" smtClean="0"/>
+              <a:t> </a:t>
+            </a:r>
+            <a:r>
+              <a:rPr lang="en-US" baseline="0" dirty="0" err="1" smtClean="0"/>
+              <a:t>dificuldades</a:t>
+            </a:r>
+            <a:r>
+              <a:rPr lang="en-US" baseline="0" dirty="0" smtClean="0"/>
+              <a:t> (</a:t>
+            </a:r>
+            <a:r>
+              <a:rPr lang="en-US" baseline="0" dirty="0" err="1" smtClean="0"/>
+              <a:t>detalhes</a:t>
+            </a:r>
+            <a:r>
+              <a:rPr lang="en-US" baseline="0" dirty="0" smtClean="0"/>
+              <a:t> </a:t>
+            </a:r>
+            <a:r>
+              <a:rPr lang="en-US" baseline="0" dirty="0" err="1" smtClean="0"/>
+              <a:t>sobre</a:t>
+            </a:r>
+            <a:r>
+              <a:rPr lang="en-US" baseline="0" dirty="0" smtClean="0"/>
+              <a:t> </a:t>
+            </a:r>
+            <a:r>
+              <a:rPr lang="en-US" baseline="0" dirty="0" err="1" smtClean="0"/>
+              <a:t>estes</a:t>
+            </a:r>
+            <a:r>
+              <a:rPr lang="en-US" baseline="0" dirty="0" smtClean="0"/>
+              <a:t> </a:t>
+            </a:r>
+            <a:r>
+              <a:rPr lang="en-US" baseline="0" dirty="0" err="1" smtClean="0"/>
+              <a:t>são</a:t>
+            </a:r>
+            <a:r>
+              <a:rPr lang="en-US" baseline="0" dirty="0" smtClean="0"/>
+              <a:t> dados no slide a </a:t>
+            </a:r>
+            <a:r>
+              <a:rPr lang="en-US" baseline="0" dirty="0" err="1" smtClean="0"/>
+              <a:t>seguir</a:t>
+            </a:r>
+            <a:r>
+              <a:rPr lang="en-US" baseline="0" dirty="0" smtClean="0"/>
+              <a:t>)</a:t>
+            </a:r>
+          </a:p>
+          <a:p>
+            <a:pPr marL="171450" indent="-171450">
+              <a:buFontTx/>
+              <a:buChar char="-"/>
+            </a:pPr>
+            <a:r>
+              <a:rPr lang="en-US" baseline="0" dirty="0" err="1" smtClean="0"/>
+              <a:t>Explicar</a:t>
+            </a:r>
+            <a:r>
+              <a:rPr lang="en-US" baseline="0" dirty="0" smtClean="0"/>
+              <a:t> o benchmarking program</a:t>
+            </a:r>
+          </a:p>
+          <a:p>
+            <a:pPr marL="171450" indent="-171450">
+              <a:buFontTx/>
+              <a:buChar char="-"/>
+            </a:pPr>
+            <a:r>
+              <a:rPr lang="en-US" baseline="0" dirty="0" smtClean="0"/>
+              <a:t>Hard constraints</a:t>
+            </a:r>
+            <a:endParaRPr lang="en-US" dirty="0"/>
+          </a:p>
+        </p:txBody>
+      </p:sp>
+      <p:sp>
+        <p:nvSpPr>
+          <p:cNvPr id="4" name="Slide Number Placeholder 3"/>
+          <p:cNvSpPr>
+            <a:spLocks noGrp="1"/>
+          </p:cNvSpPr>
+          <p:nvPr>
+            <p:ph type="sldNum" sz="quarter" idx="10"/>
+          </p:nvPr>
+        </p:nvSpPr>
+        <p:spPr/>
+        <p:txBody>
+          <a:bodyPr/>
+          <a:lstStyle/>
+          <a:p>
+            <a:fld id="{CA0BDD92-BDD1-41DE-BD7E-1F5A3B95E66B}" type="slidenum">
+              <a:rPr lang="en-US" smtClean="0"/>
+              <a:t>10</a:t>
+            </a:fld>
+            <a:endParaRPr lang="en-US"/>
+          </a:p>
+        </p:txBody>
+      </p:sp>
+    </p:spTree>
+    <p:extLst>
+      <p:ext uri="{BB962C8B-B14F-4D97-AF65-F5344CB8AC3E}">
+        <p14:creationId xmlns:p14="http://schemas.microsoft.com/office/powerpoint/2010/main" val="1942946821"/>
+      </p:ext>
+    </p:extLst>
+  </p:cSld>
+  <p:clrMapOvr>
+    <a:masterClrMapping/>
+  </p:clrMapOvr>
+</p:notes>
+</file>
+
+<file path=ppt/notesSlides/notesSlide11.xml><?xml version="1.0" encoding="utf-8"?>
+<p:notes xmlns:a="http://schemas.openxmlformats.org/drawingml/2006/main" xmlns:r="http://schemas.openxmlformats.org/officeDocument/2006/relationships" xmlns:p="http://schemas.openxmlformats.org/presentationml/2006/main">
+  <p:cSld>
+    <p:spTree>
+      <p:nvGrpSpPr>
+        <p:cNvPr id="1" name=""/>
+        <p:cNvGrpSpPr/>
+        <p:nvPr/>
+      </p:nvGrpSpPr>
+      <p:grpSpPr>
+        <a:xfrm>
+          <a:off x="0" y="0"/>
+          <a:ext cx="0" cy="0"/>
+          <a:chOff x="0" y="0"/>
+          <a:chExt cx="0" cy="0"/>
+        </a:xfrm>
+      </p:grpSpPr>
+      <p:sp>
+        <p:nvSpPr>
+          <p:cNvPr id="2" name="Slide Image Placeholder 1"/>
+          <p:cNvSpPr>
+            <a:spLocks noGrp="1" noRot="1" noChangeAspect="1"/>
+          </p:cNvSpPr>
+          <p:nvPr>
+            <p:ph type="sldImg"/>
+          </p:nvPr>
+        </p:nvSpPr>
+        <p:spPr/>
+      </p:sp>
+      <p:sp>
+        <p:nvSpPr>
+          <p:cNvPr id="3" name="Notes Placeholder 2"/>
+          <p:cNvSpPr>
+            <a:spLocks noGrp="1"/>
+          </p:cNvSpPr>
+          <p:nvPr>
+            <p:ph type="body" idx="1"/>
+          </p:nvPr>
+        </p:nvSpPr>
+        <p:spPr/>
+        <p:txBody>
+          <a:bodyPr/>
+          <a:lstStyle/>
+          <a:p>
+            <a:r>
+              <a:rPr lang="en-US" dirty="0" err="1" smtClean="0"/>
+              <a:t>Explicar</a:t>
+            </a:r>
+            <a:r>
+              <a:rPr lang="en-US" baseline="0" dirty="0" smtClean="0"/>
+              <a:t> o </a:t>
+            </a:r>
+            <a:r>
+              <a:rPr lang="en-US" baseline="0" dirty="0" err="1" smtClean="0"/>
+              <a:t>porquê</a:t>
+            </a:r>
+            <a:r>
+              <a:rPr lang="en-US" baseline="0" dirty="0" smtClean="0"/>
+              <a:t> de </a:t>
+            </a:r>
+            <a:r>
+              <a:rPr lang="en-US" baseline="0" dirty="0" err="1" smtClean="0"/>
+              <a:t>cada</a:t>
+            </a:r>
+            <a:r>
+              <a:rPr lang="en-US" baseline="0" dirty="0" smtClean="0"/>
+              <a:t> dataset </a:t>
+            </a:r>
+            <a:r>
+              <a:rPr lang="en-US" baseline="0" dirty="0" err="1" smtClean="0"/>
+              <a:t>ter</a:t>
+            </a:r>
+            <a:r>
+              <a:rPr lang="en-US" baseline="0" dirty="0" smtClean="0"/>
+              <a:t> a </a:t>
+            </a:r>
+            <a:r>
+              <a:rPr lang="en-US" baseline="0" dirty="0" err="1" smtClean="0"/>
+              <a:t>sua</a:t>
+            </a:r>
+            <a:r>
+              <a:rPr lang="en-US" baseline="0" dirty="0" smtClean="0"/>
+              <a:t> </a:t>
+            </a:r>
+            <a:r>
+              <a:rPr lang="en-US" baseline="0" dirty="0" err="1" smtClean="0"/>
+              <a:t>dificuldade</a:t>
+            </a:r>
+            <a:r>
+              <a:rPr lang="en-US" baseline="0" dirty="0" smtClean="0"/>
+              <a:t> e </a:t>
+            </a:r>
+            <a:r>
+              <a:rPr lang="en-US" baseline="0" dirty="0" err="1" smtClean="0"/>
+              <a:t>demonstrar</a:t>
+            </a:r>
+            <a:r>
+              <a:rPr lang="en-US" baseline="0" dirty="0" smtClean="0"/>
+              <a:t> </a:t>
+            </a:r>
+            <a:r>
+              <a:rPr lang="en-US" baseline="0" dirty="0" err="1" smtClean="0"/>
+              <a:t>exemplos</a:t>
+            </a:r>
+            <a:endParaRPr lang="en-US" dirty="0"/>
+          </a:p>
+        </p:txBody>
+      </p:sp>
+      <p:sp>
+        <p:nvSpPr>
+          <p:cNvPr id="4" name="Slide Number Placeholder 3"/>
+          <p:cNvSpPr>
+            <a:spLocks noGrp="1"/>
+          </p:cNvSpPr>
+          <p:nvPr>
+            <p:ph type="sldNum" sz="quarter" idx="10"/>
+          </p:nvPr>
+        </p:nvSpPr>
+        <p:spPr/>
+        <p:txBody>
+          <a:bodyPr/>
+          <a:lstStyle/>
+          <a:p>
+            <a:fld id="{CA0BDD92-BDD1-41DE-BD7E-1F5A3B95E66B}" type="slidenum">
+              <a:rPr lang="en-US" smtClean="0"/>
+              <a:t>11</a:t>
+            </a:fld>
+            <a:endParaRPr lang="en-US"/>
+          </a:p>
+        </p:txBody>
+      </p:sp>
+    </p:spTree>
+    <p:extLst>
+      <p:ext uri="{BB962C8B-B14F-4D97-AF65-F5344CB8AC3E}">
+        <p14:creationId xmlns:p14="http://schemas.microsoft.com/office/powerpoint/2010/main" val="1090500933"/>
+      </p:ext>
+    </p:extLst>
+  </p:cSld>
+  <p:clrMapOvr>
+    <a:masterClrMapping/>
+  </p:clrMapOvr>
+</p:notes>
+</file>
+
+<file path=ppt/notesSlides/notesSlide12.xml><?xml version="1.0" encoding="utf-8"?>
+<p:notes xmlns:a="http://schemas.openxmlformats.org/drawingml/2006/main" xmlns:r="http://schemas.openxmlformats.org/officeDocument/2006/relationships" xmlns:p="http://schemas.openxmlformats.org/presentationml/2006/main">
+  <p:cSld>
+    <p:spTree>
+      <p:nvGrpSpPr>
+        <p:cNvPr id="1" name=""/>
+        <p:cNvGrpSpPr/>
+        <p:nvPr/>
+      </p:nvGrpSpPr>
+      <p:grpSpPr>
+        <a:xfrm>
+          <a:off x="0" y="0"/>
+          <a:ext cx="0" cy="0"/>
+          <a:chOff x="0" y="0"/>
+          <a:chExt cx="0" cy="0"/>
+        </a:xfrm>
+      </p:grpSpPr>
+      <p:sp>
+        <p:nvSpPr>
+          <p:cNvPr id="2" name="Slide Image Placeholder 1"/>
+          <p:cNvSpPr>
+            <a:spLocks noGrp="1" noRot="1" noChangeAspect="1"/>
+          </p:cNvSpPr>
+          <p:nvPr>
+            <p:ph type="sldImg"/>
+          </p:nvPr>
+        </p:nvSpPr>
+        <p:spPr/>
+      </p:sp>
+      <p:sp>
+        <p:nvSpPr>
+          <p:cNvPr id="3" name="Notes Placeholder 2"/>
+          <p:cNvSpPr>
+            <a:spLocks noGrp="1"/>
+          </p:cNvSpPr>
+          <p:nvPr>
+            <p:ph type="body" idx="1"/>
+          </p:nvPr>
+        </p:nvSpPr>
+        <p:spPr/>
+        <p:txBody>
+          <a:bodyPr/>
+          <a:lstStyle/>
+          <a:p>
+            <a:r>
+              <a:rPr lang="en-US" dirty="0" err="1" smtClean="0"/>
+              <a:t>Explicar</a:t>
+            </a:r>
+            <a:r>
+              <a:rPr lang="en-US" dirty="0" smtClean="0"/>
+              <a:t> </a:t>
+            </a:r>
+            <a:r>
+              <a:rPr lang="en-US" dirty="0" err="1" smtClean="0"/>
+              <a:t>cada</a:t>
+            </a:r>
+            <a:r>
+              <a:rPr lang="en-US" dirty="0" smtClean="0"/>
+              <a:t> um dos soft constraints</a:t>
+            </a:r>
+            <a:endParaRPr lang="en-US" dirty="0"/>
+          </a:p>
+        </p:txBody>
+      </p:sp>
+      <p:sp>
+        <p:nvSpPr>
+          <p:cNvPr id="4" name="Slide Number Placeholder 3"/>
+          <p:cNvSpPr>
+            <a:spLocks noGrp="1"/>
+          </p:cNvSpPr>
+          <p:nvPr>
+            <p:ph type="sldNum" sz="quarter" idx="10"/>
+          </p:nvPr>
+        </p:nvSpPr>
+        <p:spPr/>
+        <p:txBody>
+          <a:bodyPr/>
+          <a:lstStyle/>
+          <a:p>
+            <a:fld id="{CA0BDD92-BDD1-41DE-BD7E-1F5A3B95E66B}" type="slidenum">
+              <a:rPr lang="en-US" smtClean="0"/>
+              <a:t>12</a:t>
+            </a:fld>
+            <a:endParaRPr lang="en-US"/>
+          </a:p>
+        </p:txBody>
+      </p:sp>
+    </p:spTree>
+    <p:extLst>
+      <p:ext uri="{BB962C8B-B14F-4D97-AF65-F5344CB8AC3E}">
+        <p14:creationId xmlns:p14="http://schemas.microsoft.com/office/powerpoint/2010/main" val="3349236699"/>
+      </p:ext>
+    </p:extLst>
+  </p:cSld>
+  <p:clrMapOvr>
+    <a:masterClrMapping/>
+  </p:clrMapOvr>
+</p:notes>
+</file>
+
+<file path=ppt/notesSlides/notesSlide13.xml><?xml version="1.0" encoding="utf-8"?>
+<p:notes xmlns:a="http://schemas.openxmlformats.org/drawingml/2006/main" xmlns:r="http://schemas.openxmlformats.org/officeDocument/2006/relationships" xmlns:p="http://schemas.openxmlformats.org/presentationml/2006/main">
+  <p:cSld>
+    <p:spTree>
+      <p:nvGrpSpPr>
+        <p:cNvPr id="1" name=""/>
+        <p:cNvGrpSpPr/>
+        <p:nvPr/>
+      </p:nvGrpSpPr>
+      <p:grpSpPr>
+        <a:xfrm>
+          <a:off x="0" y="0"/>
+          <a:ext cx="0" cy="0"/>
+          <a:chOff x="0" y="0"/>
+          <a:chExt cx="0" cy="0"/>
+        </a:xfrm>
+      </p:grpSpPr>
+      <p:sp>
+        <p:nvSpPr>
+          <p:cNvPr id="2" name="Slide Image Placeholder 1"/>
+          <p:cNvSpPr>
+            <a:spLocks noGrp="1" noRot="1" noChangeAspect="1"/>
+          </p:cNvSpPr>
+          <p:nvPr>
+            <p:ph type="sldImg"/>
+          </p:nvPr>
+        </p:nvSpPr>
+        <p:spPr/>
+      </p:sp>
+      <p:sp>
+        <p:nvSpPr>
+          <p:cNvPr id="3" name="Notes Placeholder 2"/>
+          <p:cNvSpPr>
+            <a:spLocks noGrp="1"/>
+          </p:cNvSpPr>
+          <p:nvPr>
+            <p:ph type="body" idx="1"/>
+          </p:nvPr>
+        </p:nvSpPr>
+        <p:spPr/>
+        <p:txBody>
+          <a:bodyPr/>
+          <a:lstStyle/>
+          <a:p>
+            <a:r>
+              <a:rPr lang="en-US" dirty="0" err="1" smtClean="0"/>
+              <a:t>Explicar</a:t>
+            </a:r>
+            <a:r>
+              <a:rPr lang="en-US" baseline="0" dirty="0" smtClean="0"/>
+              <a:t> </a:t>
+            </a:r>
+            <a:r>
+              <a:rPr lang="en-US" baseline="0" dirty="0" err="1" smtClean="0"/>
+              <a:t>cada</a:t>
+            </a:r>
+            <a:r>
+              <a:rPr lang="en-US" baseline="0" dirty="0" smtClean="0"/>
+              <a:t> </a:t>
+            </a:r>
+            <a:r>
+              <a:rPr lang="en-US" baseline="0" dirty="0" err="1" smtClean="0"/>
+              <a:t>camada</a:t>
+            </a:r>
+            <a:r>
+              <a:rPr lang="en-US" baseline="0" dirty="0" smtClean="0"/>
+              <a:t> </a:t>
+            </a:r>
+            <a:r>
+              <a:rPr lang="en-US" baseline="0" dirty="0" err="1" smtClean="0"/>
+              <a:t>separadamente</a:t>
+            </a:r>
+            <a:r>
+              <a:rPr lang="en-US" baseline="0" dirty="0" smtClean="0"/>
+              <a:t> e as </a:t>
+            </a:r>
+            <a:r>
+              <a:rPr lang="en-US" baseline="0" dirty="0" err="1" smtClean="0"/>
+              <a:t>suas</a:t>
+            </a:r>
+            <a:r>
+              <a:rPr lang="en-US" baseline="0" dirty="0" smtClean="0"/>
+              <a:t> </a:t>
+            </a:r>
+            <a:r>
+              <a:rPr lang="en-US" baseline="0" dirty="0" err="1" smtClean="0"/>
+              <a:t>ligações</a:t>
+            </a:r>
+            <a:endParaRPr lang="en-US" dirty="0"/>
+          </a:p>
+        </p:txBody>
+      </p:sp>
+      <p:sp>
+        <p:nvSpPr>
+          <p:cNvPr id="4" name="Slide Number Placeholder 3"/>
+          <p:cNvSpPr>
+            <a:spLocks noGrp="1"/>
+          </p:cNvSpPr>
+          <p:nvPr>
+            <p:ph type="sldNum" sz="quarter" idx="10"/>
+          </p:nvPr>
+        </p:nvSpPr>
+        <p:spPr/>
+        <p:txBody>
+          <a:bodyPr/>
+          <a:lstStyle/>
+          <a:p>
+            <a:fld id="{CA0BDD92-BDD1-41DE-BD7E-1F5A3B95E66B}" type="slidenum">
+              <a:rPr lang="en-US" smtClean="0"/>
+              <a:t>14</a:t>
+            </a:fld>
+            <a:endParaRPr lang="en-US"/>
+          </a:p>
+        </p:txBody>
+      </p:sp>
+    </p:spTree>
+    <p:extLst>
+      <p:ext uri="{BB962C8B-B14F-4D97-AF65-F5344CB8AC3E}">
+        <p14:creationId xmlns:p14="http://schemas.microsoft.com/office/powerpoint/2010/main" val="637877049"/>
+      </p:ext>
+    </p:extLst>
+  </p:cSld>
+  <p:clrMapOvr>
+    <a:masterClrMapping/>
+  </p:clrMapOvr>
+</p:notes>
+</file>
+
+<file path=ppt/notesSlides/notesSlide14.xml><?xml version="1.0" encoding="utf-8"?>
+<p:notes xmlns:a="http://schemas.openxmlformats.org/drawingml/2006/main" xmlns:r="http://schemas.openxmlformats.org/officeDocument/2006/relationships" xmlns:p="http://schemas.openxmlformats.org/presentationml/2006/main">
+  <p:cSld>
+    <p:spTree>
+      <p:nvGrpSpPr>
+        <p:cNvPr id="1" name=""/>
+        <p:cNvGrpSpPr/>
+        <p:nvPr/>
+      </p:nvGrpSpPr>
+      <p:grpSpPr>
+        <a:xfrm>
+          <a:off x="0" y="0"/>
+          <a:ext cx="0" cy="0"/>
+          <a:chOff x="0" y="0"/>
+          <a:chExt cx="0" cy="0"/>
+        </a:xfrm>
+      </p:grpSpPr>
+      <p:sp>
+        <p:nvSpPr>
+          <p:cNvPr id="2" name="Slide Image Placeholder 1"/>
+          <p:cNvSpPr>
+            <a:spLocks noGrp="1" noRot="1" noChangeAspect="1"/>
+          </p:cNvSpPr>
+          <p:nvPr>
+            <p:ph type="sldImg"/>
+          </p:nvPr>
+        </p:nvSpPr>
+        <p:spPr/>
+      </p:sp>
+      <p:sp>
+        <p:nvSpPr>
+          <p:cNvPr id="3" name="Notes Placeholder 2"/>
+          <p:cNvSpPr>
+            <a:spLocks noGrp="1"/>
+          </p:cNvSpPr>
+          <p:nvPr>
+            <p:ph type="body" idx="1"/>
+          </p:nvPr>
+        </p:nvSpPr>
+        <p:spPr/>
+        <p:txBody>
+          <a:bodyPr/>
+          <a:lstStyle/>
+          <a:p>
+            <a:r>
+              <a:rPr lang="en-US" dirty="0" err="1" smtClean="0"/>
+              <a:t>Explicar</a:t>
+            </a:r>
+            <a:r>
+              <a:rPr lang="en-US" dirty="0" smtClean="0"/>
+              <a:t>:</a:t>
+            </a:r>
+          </a:p>
+          <a:p>
+            <a:pPr marL="171450" indent="-171450">
+              <a:buFontTx/>
+              <a:buChar char="-"/>
+            </a:pPr>
+            <a:r>
+              <a:rPr lang="en-US" baseline="0" dirty="0" err="1" smtClean="0"/>
+              <a:t>Esta</a:t>
+            </a:r>
+            <a:r>
+              <a:rPr lang="en-US" baseline="0" dirty="0" smtClean="0"/>
+              <a:t> tool</a:t>
+            </a:r>
+          </a:p>
+          <a:p>
+            <a:pPr marL="171450" indent="-171450">
+              <a:buFontTx/>
+              <a:buChar char="-"/>
+            </a:pPr>
+            <a:r>
+              <a:rPr lang="en-US" baseline="0" dirty="0" smtClean="0"/>
+              <a:t>O que </a:t>
+            </a:r>
+            <a:r>
+              <a:rPr lang="en-US" baseline="0" dirty="0" err="1" smtClean="0"/>
+              <a:t>está</a:t>
+            </a:r>
+            <a:r>
+              <a:rPr lang="en-US" baseline="0" dirty="0" smtClean="0"/>
+              <a:t> </a:t>
+            </a:r>
+            <a:r>
+              <a:rPr lang="en-US" baseline="0" dirty="0" err="1" smtClean="0"/>
+              <a:t>presente</a:t>
+            </a:r>
+            <a:r>
+              <a:rPr lang="en-US" baseline="0" dirty="0" smtClean="0"/>
+              <a:t> </a:t>
+            </a:r>
+            <a:r>
+              <a:rPr lang="en-US" baseline="0" dirty="0" err="1" smtClean="0"/>
+              <a:t>nos</a:t>
+            </a:r>
+            <a:r>
+              <a:rPr lang="en-US" baseline="0" dirty="0" smtClean="0"/>
+              <a:t> </a:t>
+            </a:r>
+            <a:r>
+              <a:rPr lang="en-US" baseline="0" dirty="0" err="1" smtClean="0"/>
+              <a:t>ficheiros</a:t>
+            </a:r>
+            <a:r>
+              <a:rPr lang="en-US" baseline="0" dirty="0" smtClean="0"/>
+              <a:t> dos datasets</a:t>
+            </a:r>
+          </a:p>
+          <a:p>
+            <a:pPr marL="171450" indent="-171450">
+              <a:buFontTx/>
+              <a:buChar char="-"/>
+            </a:pPr>
+            <a:r>
+              <a:rPr lang="en-US" baseline="0" dirty="0" smtClean="0"/>
+              <a:t>Conflict Matrix</a:t>
+            </a:r>
+            <a:endParaRPr lang="en-US" dirty="0"/>
+          </a:p>
+        </p:txBody>
+      </p:sp>
+      <p:sp>
+        <p:nvSpPr>
+          <p:cNvPr id="4" name="Slide Number Placeholder 3"/>
+          <p:cNvSpPr>
+            <a:spLocks noGrp="1"/>
+          </p:cNvSpPr>
+          <p:nvPr>
+            <p:ph type="sldNum" sz="quarter" idx="10"/>
+          </p:nvPr>
+        </p:nvSpPr>
+        <p:spPr/>
+        <p:txBody>
+          <a:bodyPr/>
+          <a:lstStyle/>
+          <a:p>
+            <a:fld id="{CA0BDD92-BDD1-41DE-BD7E-1F5A3B95E66B}" type="slidenum">
+              <a:rPr lang="en-US" smtClean="0"/>
+              <a:t>15</a:t>
+            </a:fld>
+            <a:endParaRPr lang="en-US"/>
+          </a:p>
+        </p:txBody>
+      </p:sp>
+    </p:spTree>
+    <p:extLst>
+      <p:ext uri="{BB962C8B-B14F-4D97-AF65-F5344CB8AC3E}">
+        <p14:creationId xmlns:p14="http://schemas.microsoft.com/office/powerpoint/2010/main" val="3246366699"/>
+      </p:ext>
+    </p:extLst>
+  </p:cSld>
+  <p:clrMapOvr>
+    <a:masterClrMapping/>
+  </p:clrMapOvr>
+</p:notes>
+</file>
+
+<file path=ppt/notesSlides/notesSlide15.xml><?xml version="1.0" encoding="utf-8"?>
+<p:notes xmlns:a="http://schemas.openxmlformats.org/drawingml/2006/main" xmlns:r="http://schemas.openxmlformats.org/officeDocument/2006/relationships" xmlns:p="http://schemas.openxmlformats.org/presentationml/2006/main">
+  <p:cSld>
+    <p:spTree>
+      <p:nvGrpSpPr>
+        <p:cNvPr id="1" name=""/>
+        <p:cNvGrpSpPr/>
+        <p:nvPr/>
+      </p:nvGrpSpPr>
+      <p:grpSpPr>
+        <a:xfrm>
+          <a:off x="0" y="0"/>
+          <a:ext cx="0" cy="0"/>
+          <a:chOff x="0" y="0"/>
+          <a:chExt cx="0" cy="0"/>
+        </a:xfrm>
+      </p:grpSpPr>
+      <p:sp>
+        <p:nvSpPr>
+          <p:cNvPr id="2" name="Slide Image Placeholder 1"/>
+          <p:cNvSpPr>
+            <a:spLocks noGrp="1" noRot="1" noChangeAspect="1"/>
+          </p:cNvSpPr>
+          <p:nvPr>
+            <p:ph type="sldImg"/>
+          </p:nvPr>
+        </p:nvSpPr>
+        <p:spPr/>
+      </p:sp>
+      <p:sp>
+        <p:nvSpPr>
+          <p:cNvPr id="3" name="Notes Placeholder 2"/>
+          <p:cNvSpPr>
+            <a:spLocks noGrp="1"/>
+          </p:cNvSpPr>
+          <p:nvPr>
+            <p:ph type="body" idx="1"/>
+          </p:nvPr>
+        </p:nvSpPr>
+        <p:spPr/>
+        <p:txBody>
+          <a:bodyPr/>
+          <a:lstStyle/>
+          <a:p>
+            <a:r>
+              <a:rPr lang="en-US" dirty="0" err="1" smtClean="0"/>
+              <a:t>Explicar</a:t>
+            </a:r>
+            <a:r>
+              <a:rPr lang="en-US" dirty="0" smtClean="0"/>
+              <a:t>:</a:t>
+            </a:r>
+          </a:p>
+          <a:p>
+            <a:pPr marL="171450" indent="-171450">
+              <a:buFontTx/>
+              <a:buChar char="-"/>
+            </a:pPr>
+            <a:r>
+              <a:rPr lang="en-US" dirty="0" err="1" smtClean="0"/>
+              <a:t>Primeira</a:t>
+            </a:r>
+            <a:r>
+              <a:rPr lang="en-US" baseline="0" dirty="0" smtClean="0"/>
+              <a:t> </a:t>
+            </a:r>
+            <a:r>
+              <a:rPr lang="en-US" baseline="0" dirty="0" err="1" smtClean="0"/>
+              <a:t>heuristica</a:t>
+            </a:r>
+            <a:r>
+              <a:rPr lang="en-US" baseline="0" dirty="0" smtClean="0"/>
+              <a:t> a </a:t>
+            </a:r>
+            <a:r>
+              <a:rPr lang="en-US" baseline="0" dirty="0" err="1" smtClean="0"/>
+              <a:t>ser</a:t>
+            </a:r>
+            <a:r>
+              <a:rPr lang="en-US" baseline="0" dirty="0" smtClean="0"/>
+              <a:t> </a:t>
+            </a:r>
+            <a:r>
+              <a:rPr lang="en-US" baseline="0" dirty="0" err="1" smtClean="0"/>
+              <a:t>executada</a:t>
+            </a:r>
+            <a:endParaRPr lang="en-US" baseline="0" dirty="0" smtClean="0"/>
+          </a:p>
+          <a:p>
+            <a:pPr marL="171450" indent="-171450">
+              <a:buFontTx/>
+              <a:buChar char="-"/>
+            </a:pPr>
+            <a:r>
+              <a:rPr lang="en-US" baseline="0" dirty="0" err="1" smtClean="0"/>
+              <a:t>Explicar</a:t>
+            </a:r>
+            <a:r>
+              <a:rPr lang="en-US" baseline="0" dirty="0" smtClean="0"/>
+              <a:t> LDO</a:t>
+            </a:r>
+          </a:p>
+          <a:p>
+            <a:pPr marL="171450" indent="-171450">
+              <a:buFontTx/>
+              <a:buChar char="-"/>
+            </a:pPr>
+            <a:r>
+              <a:rPr lang="en-US" baseline="0" dirty="0" err="1" smtClean="0"/>
+              <a:t>Cada</a:t>
+            </a:r>
+            <a:r>
+              <a:rPr lang="en-US" baseline="0" dirty="0" smtClean="0"/>
+              <a:t> </a:t>
+            </a:r>
+            <a:r>
+              <a:rPr lang="en-US" baseline="0" dirty="0" err="1" smtClean="0"/>
+              <a:t>fase</a:t>
+            </a:r>
+            <a:r>
+              <a:rPr lang="en-US" baseline="0" dirty="0" smtClean="0"/>
+              <a:t> (com a </a:t>
+            </a:r>
+            <a:r>
+              <a:rPr lang="en-US" baseline="0" dirty="0" err="1" smtClean="0"/>
+              <a:t>ajuda</a:t>
+            </a:r>
+            <a:r>
+              <a:rPr lang="en-US" baseline="0" dirty="0" smtClean="0"/>
+              <a:t> da </a:t>
+            </a:r>
+            <a:r>
+              <a:rPr lang="en-US" baseline="0" dirty="0" err="1" smtClean="0"/>
+              <a:t>imagem</a:t>
+            </a:r>
+            <a:r>
+              <a:rPr lang="en-US" baseline="0" dirty="0" smtClean="0"/>
+              <a:t>)</a:t>
+            </a:r>
+            <a:endParaRPr lang="en-US" dirty="0"/>
+          </a:p>
+        </p:txBody>
+      </p:sp>
+      <p:sp>
+        <p:nvSpPr>
+          <p:cNvPr id="4" name="Slide Number Placeholder 3"/>
+          <p:cNvSpPr>
+            <a:spLocks noGrp="1"/>
+          </p:cNvSpPr>
+          <p:nvPr>
+            <p:ph type="sldNum" sz="quarter" idx="10"/>
+          </p:nvPr>
+        </p:nvSpPr>
+        <p:spPr/>
+        <p:txBody>
+          <a:bodyPr/>
+          <a:lstStyle/>
+          <a:p>
+            <a:fld id="{CA0BDD92-BDD1-41DE-BD7E-1F5A3B95E66B}" type="slidenum">
+              <a:rPr lang="en-US" smtClean="0"/>
+              <a:t>16</a:t>
+            </a:fld>
+            <a:endParaRPr lang="en-US"/>
+          </a:p>
+        </p:txBody>
+      </p:sp>
+    </p:spTree>
+    <p:extLst>
+      <p:ext uri="{BB962C8B-B14F-4D97-AF65-F5344CB8AC3E}">
+        <p14:creationId xmlns:p14="http://schemas.microsoft.com/office/powerpoint/2010/main" val="3358679215"/>
+      </p:ext>
+    </p:extLst>
+  </p:cSld>
+  <p:clrMapOvr>
+    <a:masterClrMapping/>
+  </p:clrMapOvr>
+</p:notes>
+</file>
+
+<file path=ppt/notesSlides/notesSlide16.xml><?xml version="1.0" encoding="utf-8"?>
+<p:notes xmlns:a="http://schemas.openxmlformats.org/drawingml/2006/main" xmlns:r="http://schemas.openxmlformats.org/officeDocument/2006/relationships" xmlns:p="http://schemas.openxmlformats.org/presentationml/2006/main">
+  <p:cSld>
+    <p:spTree>
+      <p:nvGrpSpPr>
+        <p:cNvPr id="1" name=""/>
+        <p:cNvGrpSpPr/>
+        <p:nvPr/>
+      </p:nvGrpSpPr>
+      <p:grpSpPr>
+        <a:xfrm>
+          <a:off x="0" y="0"/>
+          <a:ext cx="0" cy="0"/>
+          <a:chOff x="0" y="0"/>
+          <a:chExt cx="0" cy="0"/>
+        </a:xfrm>
+      </p:grpSpPr>
+      <p:sp>
+        <p:nvSpPr>
+          <p:cNvPr id="2" name="Slide Image Placeholder 1"/>
+          <p:cNvSpPr>
+            <a:spLocks noGrp="1" noRot="1" noChangeAspect="1"/>
+          </p:cNvSpPr>
+          <p:nvPr>
+            <p:ph type="sldImg"/>
+          </p:nvPr>
+        </p:nvSpPr>
+        <p:spPr/>
+      </p:sp>
+      <p:sp>
+        <p:nvSpPr>
+          <p:cNvPr id="3" name="Notes Placeholder 2"/>
+          <p:cNvSpPr>
+            <a:spLocks noGrp="1"/>
+          </p:cNvSpPr>
+          <p:nvPr>
+            <p:ph type="body" idx="1"/>
+          </p:nvPr>
+        </p:nvSpPr>
+        <p:spPr/>
+        <p:txBody>
+          <a:bodyPr/>
+          <a:lstStyle/>
+          <a:p>
+            <a:r>
+              <a:rPr lang="en-US" dirty="0" err="1" smtClean="0"/>
+              <a:t>Explicar</a:t>
+            </a:r>
+            <a:r>
+              <a:rPr lang="en-US" dirty="0" smtClean="0"/>
+              <a:t>:</a:t>
+            </a:r>
+          </a:p>
+          <a:p>
+            <a:pPr marL="171450" indent="-171450">
+              <a:buFontTx/>
+              <a:buChar char="-"/>
+            </a:pPr>
+            <a:r>
+              <a:rPr lang="en-US" dirty="0" err="1" smtClean="0"/>
+              <a:t>Esta</a:t>
+            </a:r>
+            <a:r>
+              <a:rPr lang="en-US" dirty="0" smtClean="0"/>
+              <a:t> heuristic</a:t>
+            </a:r>
+          </a:p>
+          <a:p>
+            <a:pPr marL="171450" indent="-171450">
+              <a:buFontTx/>
+              <a:buChar char="-"/>
+            </a:pPr>
+            <a:r>
+              <a:rPr lang="en-US" baseline="0" dirty="0" smtClean="0"/>
+              <a:t>O que é acceptance criterion</a:t>
+            </a:r>
+          </a:p>
+          <a:p>
+            <a:pPr marL="171450" indent="-171450">
+              <a:buFontTx/>
+              <a:buChar char="-"/>
+            </a:pPr>
+            <a:r>
+              <a:rPr lang="en-US" baseline="0" dirty="0" smtClean="0"/>
+              <a:t>Cooling schedule</a:t>
+            </a:r>
+          </a:p>
+          <a:p>
+            <a:pPr marL="171450" marR="0" indent="-171450" algn="l" defTabSz="914400" rtl="0" eaLnBrk="1" fontAlgn="auto" latinLnBrk="0" hangingPunct="1">
+              <a:lnSpc>
+                <a:spcPct val="100000"/>
+              </a:lnSpc>
+              <a:spcBef>
+                <a:spcPts val="0"/>
+              </a:spcBef>
+              <a:spcAft>
+                <a:spcPts val="0"/>
+              </a:spcAft>
+              <a:buClrTx/>
+              <a:buSzTx/>
+              <a:buFontTx/>
+              <a:buChar char="-"/>
+              <a:tabLst/>
+              <a:defRPr/>
+            </a:pPr>
+            <a:r>
+              <a:rPr lang="en-US" dirty="0" err="1" smtClean="0"/>
+              <a:t>Todos</a:t>
+            </a:r>
+            <a:r>
+              <a:rPr lang="en-US" baseline="0" dirty="0" smtClean="0"/>
+              <a:t> </a:t>
+            </a:r>
+            <a:r>
+              <a:rPr lang="en-US" baseline="0" dirty="0" err="1" smtClean="0"/>
+              <a:t>os</a:t>
+            </a:r>
+            <a:r>
+              <a:rPr lang="en-US" baseline="0" dirty="0" smtClean="0"/>
+              <a:t> </a:t>
+            </a:r>
+            <a:r>
+              <a:rPr lang="en-US" baseline="0" dirty="0" err="1" smtClean="0"/>
+              <a:t>parametros</a:t>
+            </a:r>
+            <a:r>
+              <a:rPr lang="en-US" baseline="0" dirty="0" smtClean="0"/>
+              <a:t> (com </a:t>
+            </a:r>
+            <a:r>
+              <a:rPr lang="en-US" baseline="0" dirty="0" err="1" smtClean="0"/>
+              <a:t>ajuda</a:t>
+            </a:r>
+            <a:r>
+              <a:rPr lang="en-US" baseline="0" dirty="0" smtClean="0"/>
+              <a:t> da </a:t>
+            </a:r>
+            <a:r>
+              <a:rPr lang="en-US" baseline="0" dirty="0" err="1" smtClean="0"/>
+              <a:t>imagem</a:t>
+            </a:r>
+            <a:r>
+              <a:rPr lang="en-US" baseline="0" dirty="0" smtClean="0"/>
+              <a:t>)</a:t>
+            </a:r>
+          </a:p>
+        </p:txBody>
+      </p:sp>
+      <p:sp>
+        <p:nvSpPr>
+          <p:cNvPr id="4" name="Slide Number Placeholder 3"/>
+          <p:cNvSpPr>
+            <a:spLocks noGrp="1"/>
+          </p:cNvSpPr>
+          <p:nvPr>
+            <p:ph type="sldNum" sz="quarter" idx="10"/>
+          </p:nvPr>
+        </p:nvSpPr>
+        <p:spPr/>
+        <p:txBody>
+          <a:bodyPr/>
+          <a:lstStyle/>
+          <a:p>
+            <a:fld id="{CA0BDD92-BDD1-41DE-BD7E-1F5A3B95E66B}" type="slidenum">
+              <a:rPr lang="en-US" smtClean="0"/>
+              <a:t>17</a:t>
+            </a:fld>
+            <a:endParaRPr lang="en-US"/>
+          </a:p>
+        </p:txBody>
+      </p:sp>
+    </p:spTree>
+    <p:extLst>
+      <p:ext uri="{BB962C8B-B14F-4D97-AF65-F5344CB8AC3E}">
+        <p14:creationId xmlns:p14="http://schemas.microsoft.com/office/powerpoint/2010/main" val="4035644361"/>
+      </p:ext>
+    </p:extLst>
+  </p:cSld>
+  <p:clrMapOvr>
+    <a:masterClrMapping/>
+  </p:clrMapOvr>
+</p:notes>
+</file>
+
+<file path=ppt/notesSlides/notesSlide17.xml><?xml version="1.0" encoding="utf-8"?>
+<p:notes xmlns:a="http://schemas.openxmlformats.org/drawingml/2006/main" xmlns:r="http://schemas.openxmlformats.org/officeDocument/2006/relationships" xmlns:p="http://schemas.openxmlformats.org/presentationml/2006/main">
+  <p:cSld>
+    <p:spTree>
+      <p:nvGrpSpPr>
+        <p:cNvPr id="1" name=""/>
+        <p:cNvGrpSpPr/>
+        <p:nvPr/>
+      </p:nvGrpSpPr>
+      <p:grpSpPr>
+        <a:xfrm>
+          <a:off x="0" y="0"/>
+          <a:ext cx="0" cy="0"/>
+          <a:chOff x="0" y="0"/>
+          <a:chExt cx="0" cy="0"/>
+        </a:xfrm>
+      </p:grpSpPr>
+      <p:sp>
+        <p:nvSpPr>
+          <p:cNvPr id="2" name="Slide Image Placeholder 1"/>
+          <p:cNvSpPr>
+            <a:spLocks noGrp="1" noRot="1" noChangeAspect="1"/>
+          </p:cNvSpPr>
+          <p:nvPr>
+            <p:ph type="sldImg"/>
+          </p:nvPr>
+        </p:nvSpPr>
+        <p:spPr/>
+      </p:sp>
+      <p:sp>
+        <p:nvSpPr>
+          <p:cNvPr id="3" name="Notes Placeholder 2"/>
+          <p:cNvSpPr>
+            <a:spLocks noGrp="1"/>
+          </p:cNvSpPr>
+          <p:nvPr>
+            <p:ph type="body" idx="1"/>
+          </p:nvPr>
+        </p:nvSpPr>
+        <p:spPr/>
+        <p:txBody>
+          <a:bodyPr/>
+          <a:lstStyle/>
+          <a:p>
+            <a:r>
+              <a:rPr lang="en-US" dirty="0" err="1" smtClean="0"/>
+              <a:t>Explicar</a:t>
+            </a:r>
+            <a:r>
+              <a:rPr lang="en-US" baseline="0" dirty="0" smtClean="0"/>
+              <a:t> o </a:t>
+            </a:r>
+            <a:r>
+              <a:rPr lang="en-US" baseline="0" dirty="0" err="1" smtClean="0"/>
+              <a:t>porquê</a:t>
+            </a:r>
+            <a:r>
+              <a:rPr lang="en-US" baseline="0" dirty="0" smtClean="0"/>
+              <a:t> </a:t>
+            </a:r>
+            <a:r>
+              <a:rPr lang="en-US" baseline="0" dirty="0" err="1" smtClean="0"/>
+              <a:t>deste</a:t>
+            </a:r>
+            <a:r>
+              <a:rPr lang="en-US" baseline="0" dirty="0" smtClean="0"/>
+              <a:t> </a:t>
+            </a:r>
+            <a:r>
+              <a:rPr lang="en-US" baseline="0" dirty="0" err="1" smtClean="0"/>
+              <a:t>resultado</a:t>
+            </a:r>
+            <a:endParaRPr lang="en-US" dirty="0"/>
+          </a:p>
+        </p:txBody>
+      </p:sp>
+      <p:sp>
+        <p:nvSpPr>
+          <p:cNvPr id="4" name="Slide Number Placeholder 3"/>
+          <p:cNvSpPr>
+            <a:spLocks noGrp="1"/>
+          </p:cNvSpPr>
+          <p:nvPr>
+            <p:ph type="sldNum" sz="quarter" idx="10"/>
+          </p:nvPr>
+        </p:nvSpPr>
+        <p:spPr/>
+        <p:txBody>
+          <a:bodyPr/>
+          <a:lstStyle/>
+          <a:p>
+            <a:fld id="{CA0BDD92-BDD1-41DE-BD7E-1F5A3B95E66B}" type="slidenum">
+              <a:rPr lang="en-US" smtClean="0"/>
+              <a:t>18</a:t>
+            </a:fld>
+            <a:endParaRPr lang="en-US"/>
+          </a:p>
+        </p:txBody>
+      </p:sp>
+    </p:spTree>
+    <p:extLst>
+      <p:ext uri="{BB962C8B-B14F-4D97-AF65-F5344CB8AC3E}">
+        <p14:creationId xmlns:p14="http://schemas.microsoft.com/office/powerpoint/2010/main" val="123939435"/>
+      </p:ext>
+    </p:extLst>
+  </p:cSld>
+  <p:clrMapOvr>
+    <a:masterClrMapping/>
+  </p:clrMapOvr>
+</p:notes>
+</file>
+
+<file path=ppt/notesSlides/notesSlide18.xml><?xml version="1.0" encoding="utf-8"?>
+<p:notes xmlns:a="http://schemas.openxmlformats.org/drawingml/2006/main" xmlns:r="http://schemas.openxmlformats.org/officeDocument/2006/relationships" xmlns:p="http://schemas.openxmlformats.org/presentationml/2006/main">
+  <p:cSld>
+    <p:spTree>
+      <p:nvGrpSpPr>
+        <p:cNvPr id="1" name=""/>
+        <p:cNvGrpSpPr/>
+        <p:nvPr/>
+      </p:nvGrpSpPr>
+      <p:grpSpPr>
+        <a:xfrm>
+          <a:off x="0" y="0"/>
+          <a:ext cx="0" cy="0"/>
+          <a:chOff x="0" y="0"/>
+          <a:chExt cx="0" cy="0"/>
+        </a:xfrm>
+      </p:grpSpPr>
+      <p:sp>
+        <p:nvSpPr>
+          <p:cNvPr id="2" name="Slide Image Placeholder 1"/>
+          <p:cNvSpPr>
+            <a:spLocks noGrp="1" noRot="1" noChangeAspect="1"/>
+          </p:cNvSpPr>
+          <p:nvPr>
+            <p:ph type="sldImg"/>
+          </p:nvPr>
+        </p:nvSpPr>
+        <p:spPr/>
+      </p:sp>
+      <p:sp>
+        <p:nvSpPr>
+          <p:cNvPr id="3" name="Notes Placeholder 2"/>
+          <p:cNvSpPr>
+            <a:spLocks noGrp="1"/>
+          </p:cNvSpPr>
+          <p:nvPr>
+            <p:ph type="body" idx="1"/>
+          </p:nvPr>
+        </p:nvSpPr>
+        <p:spPr/>
+        <p:txBody>
+          <a:bodyPr/>
+          <a:lstStyle/>
+          <a:p>
+            <a:r>
+              <a:rPr lang="en-US" dirty="0" err="1" smtClean="0"/>
+              <a:t>Explicar</a:t>
+            </a:r>
+            <a:r>
+              <a:rPr lang="en-US" dirty="0" smtClean="0"/>
+              <a:t>:</a:t>
+            </a:r>
+          </a:p>
+          <a:p>
+            <a:pPr marL="171450" indent="-171450">
+              <a:buFontTx/>
+              <a:buChar char="-"/>
+            </a:pPr>
+            <a:r>
+              <a:rPr lang="en-US" dirty="0" smtClean="0"/>
+              <a:t>A </a:t>
+            </a:r>
+            <a:r>
+              <a:rPr lang="en-US" dirty="0" err="1" smtClean="0"/>
+              <a:t>heuristica</a:t>
+            </a:r>
+            <a:endParaRPr lang="en-US" dirty="0" smtClean="0"/>
+          </a:p>
+          <a:p>
+            <a:pPr marL="171450" indent="-171450">
+              <a:buFontTx/>
+              <a:buChar char="-"/>
+            </a:pPr>
+            <a:r>
+              <a:rPr lang="en-US" dirty="0" smtClean="0"/>
+              <a:t>O </a:t>
+            </a:r>
+            <a:r>
+              <a:rPr lang="en-US" dirty="0" err="1" smtClean="0"/>
+              <a:t>porquê</a:t>
+            </a:r>
+            <a:r>
+              <a:rPr lang="en-US" dirty="0" smtClean="0"/>
+              <a:t> da </a:t>
+            </a:r>
+            <a:r>
+              <a:rPr lang="en-US" dirty="0" err="1" smtClean="0"/>
+              <a:t>utilização</a:t>
+            </a:r>
+            <a:r>
+              <a:rPr lang="en-US" baseline="0" dirty="0" smtClean="0"/>
+              <a:t> </a:t>
+            </a:r>
+            <a:r>
+              <a:rPr lang="en-US" baseline="0" dirty="0" err="1" smtClean="0"/>
+              <a:t>desta</a:t>
+            </a:r>
+            <a:r>
+              <a:rPr lang="en-US" baseline="0" dirty="0" smtClean="0"/>
+              <a:t> </a:t>
+            </a:r>
+            <a:r>
+              <a:rPr lang="en-US" baseline="0" dirty="0" err="1" smtClean="0"/>
+              <a:t>heuristica</a:t>
+            </a:r>
+            <a:endParaRPr lang="en-US" dirty="0"/>
+          </a:p>
+        </p:txBody>
+      </p:sp>
+      <p:sp>
+        <p:nvSpPr>
+          <p:cNvPr id="4" name="Slide Number Placeholder 3"/>
+          <p:cNvSpPr>
+            <a:spLocks noGrp="1"/>
+          </p:cNvSpPr>
+          <p:nvPr>
+            <p:ph type="sldNum" sz="quarter" idx="10"/>
+          </p:nvPr>
+        </p:nvSpPr>
+        <p:spPr/>
+        <p:txBody>
+          <a:bodyPr/>
+          <a:lstStyle/>
+          <a:p>
+            <a:fld id="{CA0BDD92-BDD1-41DE-BD7E-1F5A3B95E66B}" type="slidenum">
+              <a:rPr lang="en-US" smtClean="0"/>
+              <a:t>19</a:t>
+            </a:fld>
+            <a:endParaRPr lang="en-US"/>
+          </a:p>
+        </p:txBody>
+      </p:sp>
+    </p:spTree>
+    <p:extLst>
+      <p:ext uri="{BB962C8B-B14F-4D97-AF65-F5344CB8AC3E}">
+        <p14:creationId xmlns:p14="http://schemas.microsoft.com/office/powerpoint/2010/main" val="1916401922"/>
+      </p:ext>
+    </p:extLst>
+  </p:cSld>
+  <p:clrMapOvr>
+    <a:masterClrMapping/>
+  </p:clrMapOvr>
+</p:notes>
+</file>
+
+<file path=ppt/notesSlides/notesSlide19.xml><?xml version="1.0" encoding="utf-8"?>
+<p:notes xmlns:a="http://schemas.openxmlformats.org/drawingml/2006/main" xmlns:r="http://schemas.openxmlformats.org/officeDocument/2006/relationships" xmlns:p="http://schemas.openxmlformats.org/presentationml/2006/main">
+  <p:cSld>
+    <p:spTree>
+      <p:nvGrpSpPr>
+        <p:cNvPr id="1" name=""/>
+        <p:cNvGrpSpPr/>
+        <p:nvPr/>
+      </p:nvGrpSpPr>
+      <p:grpSpPr>
+        <a:xfrm>
+          <a:off x="0" y="0"/>
+          <a:ext cx="0" cy="0"/>
+          <a:chOff x="0" y="0"/>
+          <a:chExt cx="0" cy="0"/>
+        </a:xfrm>
+      </p:grpSpPr>
+      <p:sp>
+        <p:nvSpPr>
+          <p:cNvPr id="2" name="Slide Image Placeholder 1"/>
+          <p:cNvSpPr>
+            <a:spLocks noGrp="1" noRot="1" noChangeAspect="1"/>
+          </p:cNvSpPr>
+          <p:nvPr>
+            <p:ph type="sldImg"/>
+          </p:nvPr>
+        </p:nvSpPr>
+        <p:spPr/>
+      </p:sp>
+      <p:sp>
+        <p:nvSpPr>
+          <p:cNvPr id="3" name="Notes Placeholder 2"/>
+          <p:cNvSpPr>
+            <a:spLocks noGrp="1"/>
+          </p:cNvSpPr>
+          <p:nvPr>
+            <p:ph type="body" idx="1"/>
+          </p:nvPr>
+        </p:nvSpPr>
+        <p:spPr/>
+        <p:txBody>
+          <a:bodyPr/>
+          <a:lstStyle/>
+          <a:p>
+            <a:r>
+              <a:rPr lang="en-US" dirty="0" err="1" smtClean="0"/>
+              <a:t>Explicar</a:t>
+            </a:r>
+            <a:r>
+              <a:rPr lang="en-US" dirty="0" smtClean="0"/>
+              <a:t>:</a:t>
+            </a:r>
+          </a:p>
+          <a:p>
+            <a:pPr marL="171450" indent="-171450">
+              <a:buFontTx/>
+              <a:buChar char="-"/>
+            </a:pPr>
+            <a:r>
+              <a:rPr lang="en-US" baseline="0" dirty="0" err="1" smtClean="0"/>
+              <a:t>Cada</a:t>
+            </a:r>
+            <a:r>
+              <a:rPr lang="en-US" baseline="0" dirty="0" smtClean="0"/>
+              <a:t> </a:t>
+            </a:r>
+            <a:r>
+              <a:rPr lang="en-US" baseline="0" dirty="0" err="1" smtClean="0"/>
+              <a:t>operador</a:t>
+            </a:r>
+            <a:endParaRPr lang="en-US" baseline="0" dirty="0" smtClean="0"/>
+          </a:p>
+          <a:p>
+            <a:pPr marL="171450" indent="-171450">
+              <a:buFontTx/>
+              <a:buChar char="-"/>
+            </a:pPr>
+            <a:r>
+              <a:rPr lang="en-US" baseline="0" dirty="0" smtClean="0"/>
+              <a:t>Que a </a:t>
+            </a:r>
+            <a:r>
+              <a:rPr lang="en-US" baseline="0" dirty="0" err="1" smtClean="0"/>
+              <a:t>escolha</a:t>
+            </a:r>
+            <a:r>
+              <a:rPr lang="en-US" baseline="0" dirty="0" smtClean="0"/>
+              <a:t> é random e que </a:t>
+            </a:r>
+            <a:r>
+              <a:rPr lang="en-US" baseline="0" dirty="0" err="1" smtClean="0"/>
+              <a:t>foi</a:t>
+            </a:r>
+            <a:r>
+              <a:rPr lang="en-US" baseline="0" dirty="0" smtClean="0"/>
+              <a:t> </a:t>
+            </a:r>
+            <a:r>
+              <a:rPr lang="en-US" baseline="0" dirty="0" err="1" smtClean="0"/>
+              <a:t>implementado</a:t>
+            </a:r>
+            <a:r>
+              <a:rPr lang="en-US" baseline="0" dirty="0" smtClean="0"/>
+              <a:t> outro </a:t>
+            </a:r>
+            <a:r>
+              <a:rPr lang="en-US" baseline="0" dirty="0" err="1" smtClean="0"/>
+              <a:t>guiado</a:t>
+            </a:r>
+            <a:r>
+              <a:rPr lang="en-US" baseline="0" dirty="0" smtClean="0"/>
+              <a:t> mas que </a:t>
+            </a:r>
+            <a:r>
+              <a:rPr lang="en-US" baseline="0" dirty="0" err="1" smtClean="0"/>
+              <a:t>normalmente</a:t>
+            </a:r>
+            <a:r>
+              <a:rPr lang="en-US" baseline="0" dirty="0" smtClean="0"/>
+              <a:t> tem </a:t>
+            </a:r>
+            <a:r>
+              <a:rPr lang="en-US" baseline="0" dirty="0" err="1" smtClean="0"/>
+              <a:t>piores</a:t>
+            </a:r>
+            <a:r>
+              <a:rPr lang="en-US" baseline="0" dirty="0" smtClean="0"/>
+              <a:t> </a:t>
+            </a:r>
+            <a:r>
+              <a:rPr lang="en-US" baseline="0" dirty="0" err="1" smtClean="0"/>
+              <a:t>resultados</a:t>
+            </a:r>
+            <a:endParaRPr lang="en-US" dirty="0"/>
+          </a:p>
+        </p:txBody>
+      </p:sp>
+      <p:sp>
+        <p:nvSpPr>
+          <p:cNvPr id="4" name="Slide Number Placeholder 3"/>
+          <p:cNvSpPr>
+            <a:spLocks noGrp="1"/>
+          </p:cNvSpPr>
+          <p:nvPr>
+            <p:ph type="sldNum" sz="quarter" idx="10"/>
+          </p:nvPr>
+        </p:nvSpPr>
+        <p:spPr/>
+        <p:txBody>
+          <a:bodyPr/>
+          <a:lstStyle/>
+          <a:p>
+            <a:fld id="{CA0BDD92-BDD1-41DE-BD7E-1F5A3B95E66B}" type="slidenum">
+              <a:rPr lang="en-US" smtClean="0"/>
+              <a:t>20</a:t>
+            </a:fld>
+            <a:endParaRPr lang="en-US"/>
+          </a:p>
+        </p:txBody>
+      </p:sp>
+    </p:spTree>
+    <p:extLst>
+      <p:ext uri="{BB962C8B-B14F-4D97-AF65-F5344CB8AC3E}">
+        <p14:creationId xmlns:p14="http://schemas.microsoft.com/office/powerpoint/2010/main" val="3505416125"/>
+      </p:ext>
+    </p:extLst>
+  </p:cSld>
+  <p:clrMapOvr>
+    <a:masterClrMapping/>
+  </p:clrMapOvr>
+</p:notes>
+</file>
+
 <file path=ppt/notesSlides/notesSlide2.xml><?xml version="1.0" encoding="utf-8"?>
 <p:notes xmlns:a="http://schemas.openxmlformats.org/drawingml/2006/main" xmlns:r="http://schemas.openxmlformats.org/officeDocument/2006/relationships" xmlns:p="http://schemas.openxmlformats.org/presentationml/2006/main">
   <p:cSld>
@@ -6685,6 +8247,1777 @@
     <p:extLst>
       <p:ext uri="{BB962C8B-B14F-4D97-AF65-F5344CB8AC3E}">
         <p14:creationId xmlns:p14="http://schemas.microsoft.com/office/powerpoint/2010/main" val="3121058235"/>
+      </p:ext>
+    </p:extLst>
+  </p:cSld>
+  <p:clrMapOvr>
+    <a:masterClrMapping/>
+  </p:clrMapOvr>
+</p:notes>
+</file>
+
+<file path=ppt/notesSlides/notesSlide20.xml><?xml version="1.0" encoding="utf-8"?>
+<p:notes xmlns:a="http://schemas.openxmlformats.org/drawingml/2006/main" xmlns:r="http://schemas.openxmlformats.org/officeDocument/2006/relationships" xmlns:p="http://schemas.openxmlformats.org/presentationml/2006/main">
+  <p:cSld>
+    <p:spTree>
+      <p:nvGrpSpPr>
+        <p:cNvPr id="1" name=""/>
+        <p:cNvGrpSpPr/>
+        <p:nvPr/>
+      </p:nvGrpSpPr>
+      <p:grpSpPr>
+        <a:xfrm>
+          <a:off x="0" y="0"/>
+          <a:ext cx="0" cy="0"/>
+          <a:chOff x="0" y="0"/>
+          <a:chExt cx="0" cy="0"/>
+        </a:xfrm>
+      </p:grpSpPr>
+      <p:sp>
+        <p:nvSpPr>
+          <p:cNvPr id="2" name="Slide Image Placeholder 1"/>
+          <p:cNvSpPr>
+            <a:spLocks noGrp="1" noRot="1" noChangeAspect="1"/>
+          </p:cNvSpPr>
+          <p:nvPr>
+            <p:ph type="sldImg"/>
+          </p:nvPr>
+        </p:nvSpPr>
+        <p:spPr/>
+      </p:sp>
+      <p:sp>
+        <p:nvSpPr>
+          <p:cNvPr id="3" name="Notes Placeholder 2"/>
+          <p:cNvSpPr>
+            <a:spLocks noGrp="1"/>
+          </p:cNvSpPr>
+          <p:nvPr>
+            <p:ph type="body" idx="1"/>
+          </p:nvPr>
+        </p:nvSpPr>
+        <p:spPr/>
+        <p:txBody>
+          <a:bodyPr/>
+          <a:lstStyle/>
+          <a:p>
+            <a:endParaRPr lang="en-US" dirty="0"/>
+          </a:p>
+        </p:txBody>
+      </p:sp>
+      <p:sp>
+        <p:nvSpPr>
+          <p:cNvPr id="4" name="Slide Number Placeholder 3"/>
+          <p:cNvSpPr>
+            <a:spLocks noGrp="1"/>
+          </p:cNvSpPr>
+          <p:nvPr>
+            <p:ph type="sldNum" sz="quarter" idx="10"/>
+          </p:nvPr>
+        </p:nvSpPr>
+        <p:spPr/>
+        <p:txBody>
+          <a:bodyPr/>
+          <a:lstStyle/>
+          <a:p>
+            <a:fld id="{CA0BDD92-BDD1-41DE-BD7E-1F5A3B95E66B}" type="slidenum">
+              <a:rPr lang="en-US" smtClean="0"/>
+              <a:t>21</a:t>
+            </a:fld>
+            <a:endParaRPr lang="en-US"/>
+          </a:p>
+        </p:txBody>
+      </p:sp>
+    </p:spTree>
+    <p:extLst>
+      <p:ext uri="{BB962C8B-B14F-4D97-AF65-F5344CB8AC3E}">
+        <p14:creationId xmlns:p14="http://schemas.microsoft.com/office/powerpoint/2010/main" val="250908068"/>
+      </p:ext>
+    </p:extLst>
+  </p:cSld>
+  <p:clrMapOvr>
+    <a:masterClrMapping/>
+  </p:clrMapOvr>
+</p:notes>
+</file>
+
+<file path=ppt/notesSlides/notesSlide21.xml><?xml version="1.0" encoding="utf-8"?>
+<p:notes xmlns:a="http://schemas.openxmlformats.org/drawingml/2006/main" xmlns:r="http://schemas.openxmlformats.org/officeDocument/2006/relationships" xmlns:p="http://schemas.openxmlformats.org/presentationml/2006/main">
+  <p:cSld>
+    <p:spTree>
+      <p:nvGrpSpPr>
+        <p:cNvPr id="1" name=""/>
+        <p:cNvGrpSpPr/>
+        <p:nvPr/>
+      </p:nvGrpSpPr>
+      <p:grpSpPr>
+        <a:xfrm>
+          <a:off x="0" y="0"/>
+          <a:ext cx="0" cy="0"/>
+          <a:chOff x="0" y="0"/>
+          <a:chExt cx="0" cy="0"/>
+        </a:xfrm>
+      </p:grpSpPr>
+      <p:sp>
+        <p:nvSpPr>
+          <p:cNvPr id="2" name="Slide Image Placeholder 1"/>
+          <p:cNvSpPr>
+            <a:spLocks noGrp="1" noRot="1" noChangeAspect="1"/>
+          </p:cNvSpPr>
+          <p:nvPr>
+            <p:ph type="sldImg"/>
+          </p:nvPr>
+        </p:nvSpPr>
+        <p:spPr/>
+      </p:sp>
+      <p:sp>
+        <p:nvSpPr>
+          <p:cNvPr id="3" name="Notes Placeholder 2"/>
+          <p:cNvSpPr>
+            <a:spLocks noGrp="1"/>
+          </p:cNvSpPr>
+          <p:nvPr>
+            <p:ph type="body" idx="1"/>
+          </p:nvPr>
+        </p:nvSpPr>
+        <p:spPr/>
+        <p:txBody>
+          <a:bodyPr/>
+          <a:lstStyle/>
+          <a:p>
+            <a:r>
+              <a:rPr lang="en-US" dirty="0" err="1" smtClean="0"/>
+              <a:t>Explicar</a:t>
+            </a:r>
+            <a:r>
+              <a:rPr lang="en-US" baseline="0" dirty="0" smtClean="0"/>
+              <a:t> que </a:t>
+            </a:r>
+            <a:r>
+              <a:rPr lang="en-US" baseline="0" dirty="0" err="1" smtClean="0"/>
+              <a:t>foi</a:t>
+            </a:r>
+            <a:r>
+              <a:rPr lang="en-US" baseline="0" dirty="0" smtClean="0"/>
+              <a:t> </a:t>
+            </a:r>
+            <a:r>
+              <a:rPr lang="en-US" baseline="0" dirty="0" err="1" smtClean="0"/>
+              <a:t>possível</a:t>
+            </a:r>
+            <a:r>
+              <a:rPr lang="en-US" baseline="0" dirty="0" smtClean="0"/>
+              <a:t> </a:t>
+            </a:r>
+            <a:r>
+              <a:rPr lang="en-US" baseline="0" dirty="0" err="1" smtClean="0"/>
+              <a:t>em</a:t>
+            </a:r>
+            <a:r>
+              <a:rPr lang="en-US" baseline="0" dirty="0" smtClean="0"/>
+              <a:t> </a:t>
+            </a:r>
+            <a:r>
+              <a:rPr lang="en-US" baseline="0" dirty="0" err="1" smtClean="0"/>
+              <a:t>alguns</a:t>
+            </a:r>
+            <a:r>
+              <a:rPr lang="en-US" baseline="0" dirty="0" smtClean="0"/>
+              <a:t> datasets </a:t>
+            </a:r>
+            <a:r>
+              <a:rPr lang="en-US" baseline="0" dirty="0" err="1" smtClean="0"/>
+              <a:t>obter</a:t>
+            </a:r>
+            <a:r>
+              <a:rPr lang="en-US" baseline="0" dirty="0" smtClean="0"/>
+              <a:t> </a:t>
+            </a:r>
+            <a:r>
+              <a:rPr lang="en-US" baseline="0" dirty="0" err="1" smtClean="0"/>
+              <a:t>resultados</a:t>
+            </a:r>
+            <a:r>
+              <a:rPr lang="en-US" baseline="0" dirty="0" smtClean="0"/>
+              <a:t> que </a:t>
+            </a:r>
+            <a:r>
+              <a:rPr lang="en-US" baseline="0" dirty="0" err="1" smtClean="0"/>
+              <a:t>são</a:t>
+            </a:r>
+            <a:r>
+              <a:rPr lang="en-US" baseline="0" dirty="0" smtClean="0"/>
+              <a:t> </a:t>
+            </a:r>
+            <a:r>
+              <a:rPr lang="en-US" baseline="0" dirty="0" err="1" smtClean="0"/>
+              <a:t>comparaveis</a:t>
+            </a:r>
+            <a:r>
+              <a:rPr lang="en-US" baseline="0" dirty="0" smtClean="0"/>
+              <a:t> </a:t>
+            </a:r>
+            <a:r>
+              <a:rPr lang="en-US" baseline="0" dirty="0" err="1" smtClean="0"/>
+              <a:t>aos</a:t>
+            </a:r>
+            <a:r>
+              <a:rPr lang="en-US" baseline="0" dirty="0" smtClean="0"/>
+              <a:t> 5 </a:t>
+            </a:r>
+            <a:r>
+              <a:rPr lang="en-US" baseline="0" dirty="0" err="1" smtClean="0"/>
+              <a:t>vencedores</a:t>
+            </a:r>
+            <a:r>
+              <a:rPr lang="en-US" baseline="0" dirty="0" smtClean="0"/>
+              <a:t> (</a:t>
+            </a:r>
+            <a:r>
+              <a:rPr lang="en-US" baseline="0" dirty="0" err="1" smtClean="0"/>
+              <a:t>alguns</a:t>
+            </a:r>
+            <a:r>
+              <a:rPr lang="en-US" baseline="0" dirty="0" smtClean="0"/>
+              <a:t> </a:t>
+            </a:r>
+            <a:r>
+              <a:rPr lang="en-US" baseline="0" dirty="0" err="1" smtClean="0"/>
+              <a:t>conseguem</a:t>
+            </a:r>
+            <a:r>
+              <a:rPr lang="en-US" baseline="0" dirty="0" smtClean="0"/>
+              <a:t> </a:t>
+            </a:r>
+            <a:r>
+              <a:rPr lang="en-US" baseline="0" dirty="0" err="1" smtClean="0"/>
+              <a:t>chegar</a:t>
+            </a:r>
+            <a:r>
+              <a:rPr lang="en-US" baseline="0" dirty="0" smtClean="0"/>
+              <a:t> a 5º, 4º e 3º </a:t>
+            </a:r>
+            <a:r>
+              <a:rPr lang="en-US" baseline="0" dirty="0" err="1" smtClean="0"/>
+              <a:t>lugar</a:t>
+            </a:r>
+            <a:r>
+              <a:rPr lang="en-US" baseline="0" dirty="0" smtClean="0"/>
+              <a:t>)</a:t>
+            </a:r>
+            <a:endParaRPr lang="en-US" dirty="0"/>
+          </a:p>
+        </p:txBody>
+      </p:sp>
+      <p:sp>
+        <p:nvSpPr>
+          <p:cNvPr id="4" name="Slide Number Placeholder 3"/>
+          <p:cNvSpPr>
+            <a:spLocks noGrp="1"/>
+          </p:cNvSpPr>
+          <p:nvPr>
+            <p:ph type="sldNum" sz="quarter" idx="10"/>
+          </p:nvPr>
+        </p:nvSpPr>
+        <p:spPr/>
+        <p:txBody>
+          <a:bodyPr/>
+          <a:lstStyle/>
+          <a:p>
+            <a:fld id="{CA0BDD92-BDD1-41DE-BD7E-1F5A3B95E66B}" type="slidenum">
+              <a:rPr lang="en-US" smtClean="0"/>
+              <a:t>22</a:t>
+            </a:fld>
+            <a:endParaRPr lang="en-US"/>
+          </a:p>
+        </p:txBody>
+      </p:sp>
+    </p:spTree>
+    <p:extLst>
+      <p:ext uri="{BB962C8B-B14F-4D97-AF65-F5344CB8AC3E}">
+        <p14:creationId xmlns:p14="http://schemas.microsoft.com/office/powerpoint/2010/main" val="1181056928"/>
+      </p:ext>
+    </p:extLst>
+  </p:cSld>
+  <p:clrMapOvr>
+    <a:masterClrMapping/>
+  </p:clrMapOvr>
+</p:notes>
+</file>
+
+<file path=ppt/notesSlides/notesSlide22.xml><?xml version="1.0" encoding="utf-8"?>
+<p:notes xmlns:a="http://schemas.openxmlformats.org/drawingml/2006/main" xmlns:r="http://schemas.openxmlformats.org/officeDocument/2006/relationships" xmlns:p="http://schemas.openxmlformats.org/presentationml/2006/main">
+  <p:cSld>
+    <p:spTree>
+      <p:nvGrpSpPr>
+        <p:cNvPr id="1" name=""/>
+        <p:cNvGrpSpPr/>
+        <p:nvPr/>
+      </p:nvGrpSpPr>
+      <p:grpSpPr>
+        <a:xfrm>
+          <a:off x="0" y="0"/>
+          <a:ext cx="0" cy="0"/>
+          <a:chOff x="0" y="0"/>
+          <a:chExt cx="0" cy="0"/>
+        </a:xfrm>
+      </p:grpSpPr>
+      <p:sp>
+        <p:nvSpPr>
+          <p:cNvPr id="2" name="Slide Image Placeholder 1"/>
+          <p:cNvSpPr>
+            <a:spLocks noGrp="1" noRot="1" noChangeAspect="1"/>
+          </p:cNvSpPr>
+          <p:nvPr>
+            <p:ph type="sldImg"/>
+          </p:nvPr>
+        </p:nvSpPr>
+        <p:spPr/>
+      </p:sp>
+      <p:sp>
+        <p:nvSpPr>
+          <p:cNvPr id="3" name="Notes Placeholder 2"/>
+          <p:cNvSpPr>
+            <a:spLocks noGrp="1"/>
+          </p:cNvSpPr>
+          <p:nvPr>
+            <p:ph type="body" idx="1"/>
+          </p:nvPr>
+        </p:nvSpPr>
+        <p:spPr/>
+        <p:txBody>
+          <a:bodyPr/>
+          <a:lstStyle/>
+          <a:p>
+            <a:r>
+              <a:rPr lang="en-US" dirty="0" err="1" smtClean="0"/>
+              <a:t>Explicar</a:t>
+            </a:r>
+            <a:r>
+              <a:rPr lang="en-US" baseline="0" dirty="0" smtClean="0"/>
+              <a:t> o que é </a:t>
+            </a:r>
+            <a:r>
+              <a:rPr lang="en-US" baseline="0" dirty="0" err="1" smtClean="0"/>
+              <a:t>suposto</a:t>
+            </a:r>
+            <a:r>
+              <a:rPr lang="en-US" baseline="0" dirty="0" smtClean="0"/>
+              <a:t> </a:t>
+            </a:r>
+            <a:r>
+              <a:rPr lang="en-US" baseline="0" dirty="0" err="1" smtClean="0"/>
+              <a:t>melhorar</a:t>
+            </a:r>
+            <a:r>
+              <a:rPr lang="en-US" baseline="0" dirty="0" smtClean="0"/>
+              <a:t>, e que </a:t>
+            </a:r>
+            <a:r>
+              <a:rPr lang="en-US" baseline="0" dirty="0" err="1" smtClean="0"/>
+              <a:t>isto</a:t>
+            </a:r>
+            <a:r>
+              <a:rPr lang="en-US" baseline="0" dirty="0" smtClean="0"/>
+              <a:t> </a:t>
+            </a:r>
+            <a:r>
+              <a:rPr lang="en-US" baseline="0" dirty="0" err="1" smtClean="0"/>
+              <a:t>está</a:t>
+            </a:r>
+            <a:r>
+              <a:rPr lang="en-US" baseline="0" dirty="0" smtClean="0"/>
+              <a:t> de </a:t>
+            </a:r>
+            <a:r>
+              <a:rPr lang="en-US" baseline="0" dirty="0" err="1" smtClean="0"/>
+              <a:t>momento</a:t>
+            </a:r>
+            <a:r>
+              <a:rPr lang="en-US" baseline="0" dirty="0" smtClean="0"/>
+              <a:t> </a:t>
+            </a:r>
+            <a:r>
+              <a:rPr lang="en-US" baseline="0" dirty="0" err="1" smtClean="0"/>
+              <a:t>em</a:t>
+            </a:r>
+            <a:r>
+              <a:rPr lang="en-US" baseline="0" dirty="0" smtClean="0"/>
+              <a:t> </a:t>
+            </a:r>
+            <a:r>
+              <a:rPr lang="en-US" baseline="0" dirty="0" err="1" smtClean="0"/>
+              <a:t>desenvolvimento</a:t>
+            </a:r>
+            <a:r>
+              <a:rPr lang="en-US" baseline="0" dirty="0" smtClean="0"/>
+              <a:t>. </a:t>
+            </a:r>
+          </a:p>
+          <a:p>
+            <a:r>
+              <a:rPr lang="en-US" baseline="0" dirty="0" err="1" smtClean="0"/>
+              <a:t>Melhorias</a:t>
+            </a:r>
+            <a:r>
+              <a:rPr lang="en-US" baseline="0" dirty="0" smtClean="0"/>
+              <a:t> </a:t>
+            </a:r>
+            <a:r>
+              <a:rPr lang="en-US" baseline="0" dirty="0" err="1" smtClean="0"/>
+              <a:t>já</a:t>
+            </a:r>
+            <a:r>
+              <a:rPr lang="en-US" baseline="0" dirty="0" smtClean="0"/>
+              <a:t> </a:t>
+            </a:r>
+            <a:r>
+              <a:rPr lang="en-US" baseline="0" dirty="0" err="1" smtClean="0"/>
+              <a:t>foram</a:t>
+            </a:r>
+            <a:r>
+              <a:rPr lang="en-US" baseline="0" dirty="0" smtClean="0"/>
+              <a:t> </a:t>
+            </a:r>
+            <a:r>
+              <a:rPr lang="en-US" baseline="0" dirty="0" err="1" smtClean="0"/>
+              <a:t>feitas</a:t>
+            </a:r>
+            <a:r>
+              <a:rPr lang="en-US" baseline="0" dirty="0" smtClean="0"/>
+              <a:t> </a:t>
+            </a:r>
+            <a:r>
+              <a:rPr lang="en-US" baseline="0" dirty="0" err="1" smtClean="0"/>
+              <a:t>desde</a:t>
+            </a:r>
+            <a:r>
+              <a:rPr lang="en-US" baseline="0" dirty="0" smtClean="0"/>
+              <a:t> que </a:t>
+            </a:r>
+            <a:r>
+              <a:rPr lang="en-US" baseline="0" dirty="0" err="1" smtClean="0"/>
+              <a:t>estes</a:t>
+            </a:r>
+            <a:r>
+              <a:rPr lang="en-US" baseline="0" dirty="0" smtClean="0"/>
+              <a:t> testes </a:t>
+            </a:r>
+            <a:r>
+              <a:rPr lang="en-US" baseline="0" dirty="0" err="1" smtClean="0"/>
+              <a:t>foram</a:t>
+            </a:r>
+            <a:r>
+              <a:rPr lang="en-US" baseline="0" dirty="0" smtClean="0"/>
+              <a:t> </a:t>
+            </a:r>
+            <a:r>
+              <a:rPr lang="en-US" baseline="0" dirty="0" err="1" smtClean="0"/>
+              <a:t>efectuados</a:t>
+            </a:r>
+            <a:r>
+              <a:rPr lang="en-US" baseline="0" dirty="0" smtClean="0"/>
+              <a:t> e </a:t>
+            </a:r>
+            <a:r>
+              <a:rPr lang="en-US" baseline="0" dirty="0" err="1" smtClean="0"/>
+              <a:t>já</a:t>
+            </a:r>
+            <a:r>
+              <a:rPr lang="en-US" baseline="0" dirty="0" smtClean="0"/>
+              <a:t> se </a:t>
+            </a:r>
+            <a:r>
+              <a:rPr lang="en-US" baseline="0" dirty="0" err="1" smtClean="0"/>
+              <a:t>verificaram</a:t>
+            </a:r>
+            <a:r>
+              <a:rPr lang="en-US" baseline="0" dirty="0" smtClean="0"/>
+              <a:t> </a:t>
+            </a:r>
+            <a:r>
+              <a:rPr lang="en-US" baseline="0" dirty="0" err="1" smtClean="0"/>
+              <a:t>melhorias</a:t>
+            </a:r>
+            <a:r>
+              <a:rPr lang="en-US" baseline="0" dirty="0" smtClean="0"/>
+              <a:t> </a:t>
+            </a:r>
+            <a:r>
+              <a:rPr lang="en-US" baseline="0" dirty="0" err="1" smtClean="0"/>
+              <a:t>significativas</a:t>
+            </a:r>
+            <a:r>
+              <a:rPr lang="en-US" baseline="0" dirty="0" smtClean="0"/>
+              <a:t>. </a:t>
+            </a:r>
+          </a:p>
+          <a:p>
+            <a:r>
+              <a:rPr lang="en-US" baseline="0" dirty="0" smtClean="0"/>
+              <a:t>Mas o </a:t>
+            </a:r>
+            <a:r>
+              <a:rPr lang="en-US" baseline="0" dirty="0" err="1" smtClean="0"/>
+              <a:t>melhoramento</a:t>
+            </a:r>
+            <a:r>
+              <a:rPr lang="en-US" baseline="0" dirty="0" smtClean="0"/>
+              <a:t> </a:t>
+            </a:r>
+            <a:r>
+              <a:rPr lang="en-US" baseline="0" dirty="0" err="1" smtClean="0"/>
+              <a:t>não</a:t>
+            </a:r>
+            <a:r>
+              <a:rPr lang="en-US" baseline="0" dirty="0" smtClean="0"/>
+              <a:t> </a:t>
+            </a:r>
+            <a:r>
+              <a:rPr lang="en-US" baseline="0" dirty="0" err="1" smtClean="0"/>
+              <a:t>está</a:t>
+            </a:r>
+            <a:r>
+              <a:rPr lang="en-US" baseline="0" dirty="0" smtClean="0"/>
+              <a:t> </a:t>
+            </a:r>
+            <a:r>
+              <a:rPr lang="en-US" baseline="0" dirty="0" err="1" smtClean="0"/>
+              <a:t>ainda</a:t>
+            </a:r>
+            <a:r>
+              <a:rPr lang="en-US" baseline="0" dirty="0" smtClean="0"/>
+              <a:t> </a:t>
+            </a:r>
+            <a:r>
+              <a:rPr lang="en-US" baseline="0" dirty="0" err="1" smtClean="0"/>
+              <a:t>todo</a:t>
+            </a:r>
+            <a:r>
+              <a:rPr lang="en-US" baseline="0" dirty="0" smtClean="0"/>
+              <a:t> </a:t>
+            </a:r>
+            <a:r>
+              <a:rPr lang="en-US" baseline="0" dirty="0" err="1" smtClean="0"/>
+              <a:t>implementado</a:t>
+            </a:r>
+            <a:r>
+              <a:rPr lang="en-US" baseline="0" dirty="0" smtClean="0"/>
+              <a:t>, e </a:t>
+            </a:r>
+            <a:r>
+              <a:rPr lang="en-US" baseline="0" dirty="0" err="1" smtClean="0"/>
+              <a:t>quando</a:t>
+            </a:r>
+            <a:r>
+              <a:rPr lang="en-US" baseline="0" dirty="0" smtClean="0"/>
+              <a:t> </a:t>
+            </a:r>
+            <a:r>
+              <a:rPr lang="en-US" baseline="0" dirty="0" err="1" smtClean="0"/>
+              <a:t>estiver</a:t>
+            </a:r>
+            <a:r>
+              <a:rPr lang="en-US" baseline="0" dirty="0" smtClean="0"/>
+              <a:t>, </a:t>
+            </a:r>
+            <a:r>
+              <a:rPr lang="en-US" baseline="0" dirty="0" err="1" smtClean="0"/>
+              <a:t>os</a:t>
+            </a:r>
+            <a:r>
+              <a:rPr lang="en-US" baseline="0" dirty="0" smtClean="0"/>
+              <a:t> </a:t>
+            </a:r>
+            <a:r>
+              <a:rPr lang="en-US" baseline="0" dirty="0" err="1" smtClean="0"/>
+              <a:t>resultados</a:t>
+            </a:r>
+            <a:r>
+              <a:rPr lang="en-US" baseline="0" dirty="0" smtClean="0"/>
+              <a:t> </a:t>
+            </a:r>
+            <a:r>
+              <a:rPr lang="en-US" baseline="0" dirty="0" err="1" smtClean="0"/>
+              <a:t>vão</a:t>
+            </a:r>
+            <a:r>
+              <a:rPr lang="en-US" baseline="0" dirty="0" smtClean="0"/>
+              <a:t> </a:t>
+            </a:r>
+            <a:r>
+              <a:rPr lang="en-US" baseline="0" dirty="0" err="1" smtClean="0"/>
+              <a:t>sofrer</a:t>
+            </a:r>
+            <a:r>
+              <a:rPr lang="en-US" baseline="0" dirty="0" smtClean="0"/>
+              <a:t> </a:t>
+            </a:r>
+            <a:r>
+              <a:rPr lang="en-US" baseline="0" dirty="0" err="1" smtClean="0"/>
+              <a:t>melhorias</a:t>
+            </a:r>
+            <a:r>
+              <a:rPr lang="en-US" baseline="0" dirty="0" smtClean="0"/>
+              <a:t> </a:t>
+            </a:r>
+            <a:r>
+              <a:rPr lang="en-US" baseline="0" dirty="0" err="1" smtClean="0"/>
+              <a:t>ainda</a:t>
+            </a:r>
+            <a:r>
+              <a:rPr lang="en-US" baseline="0" dirty="0" smtClean="0"/>
+              <a:t> </a:t>
+            </a:r>
+            <a:r>
+              <a:rPr lang="en-US" baseline="0" dirty="0" err="1" smtClean="0"/>
+              <a:t>mais</a:t>
+            </a:r>
+            <a:r>
+              <a:rPr lang="en-US" baseline="0" dirty="0" smtClean="0"/>
+              <a:t> </a:t>
+            </a:r>
+            <a:r>
+              <a:rPr lang="en-US" baseline="0" dirty="0" err="1" smtClean="0"/>
+              <a:t>significativas</a:t>
+            </a:r>
+            <a:r>
+              <a:rPr lang="en-US" baseline="0" dirty="0" smtClean="0"/>
+              <a:t>!</a:t>
+            </a:r>
+          </a:p>
+          <a:p>
+            <a:endParaRPr lang="en-US" baseline="0" dirty="0" smtClean="0"/>
+          </a:p>
+          <a:p>
+            <a:r>
+              <a:rPr lang="en-US" baseline="0" dirty="0" err="1" smtClean="0"/>
+              <a:t>Explicar</a:t>
+            </a:r>
+            <a:r>
+              <a:rPr lang="en-US" baseline="0" dirty="0" smtClean="0"/>
+              <a:t> </a:t>
+            </a:r>
+            <a:r>
+              <a:rPr lang="en-US" baseline="0" dirty="0" err="1" smtClean="0"/>
+              <a:t>também</a:t>
+            </a:r>
+            <a:r>
+              <a:rPr lang="en-US" baseline="0" dirty="0" smtClean="0"/>
+              <a:t> que um genetic algorithm é um population based meta-heuristic, etc.</a:t>
+            </a:r>
+            <a:endParaRPr lang="en-US" dirty="0"/>
+          </a:p>
+        </p:txBody>
+      </p:sp>
+      <p:sp>
+        <p:nvSpPr>
+          <p:cNvPr id="4" name="Slide Number Placeholder 3"/>
+          <p:cNvSpPr>
+            <a:spLocks noGrp="1"/>
+          </p:cNvSpPr>
+          <p:nvPr>
+            <p:ph type="sldNum" sz="quarter" idx="10"/>
+          </p:nvPr>
+        </p:nvSpPr>
+        <p:spPr/>
+        <p:txBody>
+          <a:bodyPr/>
+          <a:lstStyle/>
+          <a:p>
+            <a:fld id="{CA0BDD92-BDD1-41DE-BD7E-1F5A3B95E66B}" type="slidenum">
+              <a:rPr lang="en-US" smtClean="0"/>
+              <a:t>25</a:t>
+            </a:fld>
+            <a:endParaRPr lang="en-US"/>
+          </a:p>
+        </p:txBody>
+      </p:sp>
+    </p:spTree>
+    <p:extLst>
+      <p:ext uri="{BB962C8B-B14F-4D97-AF65-F5344CB8AC3E}">
+        <p14:creationId xmlns:p14="http://schemas.microsoft.com/office/powerpoint/2010/main" val="3770782407"/>
+      </p:ext>
+    </p:extLst>
+  </p:cSld>
+  <p:clrMapOvr>
+    <a:masterClrMapping/>
+  </p:clrMapOvr>
+</p:notes>
+</file>
+
+<file path=ppt/notesSlides/notesSlide3.xml><?xml version="1.0" encoding="utf-8"?>
+<p:notes xmlns:a="http://schemas.openxmlformats.org/drawingml/2006/main" xmlns:r="http://schemas.openxmlformats.org/officeDocument/2006/relationships" xmlns:p="http://schemas.openxmlformats.org/presentationml/2006/main">
+  <p:cSld>
+    <p:spTree>
+      <p:nvGrpSpPr>
+        <p:cNvPr id="1" name=""/>
+        <p:cNvGrpSpPr/>
+        <p:nvPr/>
+      </p:nvGrpSpPr>
+      <p:grpSpPr>
+        <a:xfrm>
+          <a:off x="0" y="0"/>
+          <a:ext cx="0" cy="0"/>
+          <a:chOff x="0" y="0"/>
+          <a:chExt cx="0" cy="0"/>
+        </a:xfrm>
+      </p:grpSpPr>
+      <p:sp>
+        <p:nvSpPr>
+          <p:cNvPr id="2" name="Slide Image Placeholder 1"/>
+          <p:cNvSpPr>
+            <a:spLocks noGrp="1" noRot="1" noChangeAspect="1"/>
+          </p:cNvSpPr>
+          <p:nvPr>
+            <p:ph type="sldImg"/>
+          </p:nvPr>
+        </p:nvSpPr>
+        <p:spPr/>
+      </p:sp>
+      <p:sp>
+        <p:nvSpPr>
+          <p:cNvPr id="3" name="Notes Placeholder 2"/>
+          <p:cNvSpPr>
+            <a:spLocks noGrp="1"/>
+          </p:cNvSpPr>
+          <p:nvPr>
+            <p:ph type="body" idx="1"/>
+          </p:nvPr>
+        </p:nvSpPr>
+        <p:spPr/>
+        <p:txBody>
+          <a:bodyPr/>
+          <a:lstStyle/>
+          <a:p>
+            <a:r>
+              <a:rPr lang="en-US" dirty="0" err="1" smtClean="0"/>
+              <a:t>Explicar</a:t>
+            </a:r>
+            <a:r>
+              <a:rPr lang="en-US" dirty="0" smtClean="0"/>
+              <a:t>:</a:t>
+            </a:r>
+          </a:p>
+          <a:p>
+            <a:pPr marL="171450" indent="-171450">
+              <a:buFontTx/>
+              <a:buChar char="-"/>
+            </a:pPr>
+            <a:r>
+              <a:rPr lang="en-US" dirty="0" smtClean="0"/>
+              <a:t>ITC2007</a:t>
+            </a:r>
+          </a:p>
+          <a:p>
+            <a:pPr marL="171450" indent="-171450">
+              <a:buFontTx/>
+              <a:buChar char="-"/>
+            </a:pPr>
+            <a:r>
+              <a:rPr lang="en-US" dirty="0" err="1" smtClean="0"/>
+              <a:t>Gerador</a:t>
+            </a:r>
+            <a:r>
+              <a:rPr lang="en-US" baseline="0" dirty="0" smtClean="0"/>
+              <a:t> </a:t>
+            </a:r>
+            <a:r>
+              <a:rPr lang="en-US" baseline="0" dirty="0" err="1" smtClean="0"/>
+              <a:t>implementado</a:t>
+            </a:r>
+            <a:r>
+              <a:rPr lang="en-US" baseline="0" dirty="0" smtClean="0"/>
+              <a:t> (</a:t>
+            </a:r>
+            <a:r>
+              <a:rPr lang="en-US" baseline="0" dirty="0" err="1" smtClean="0"/>
+              <a:t>resumo</a:t>
+            </a:r>
+            <a:r>
+              <a:rPr lang="en-US" baseline="0" dirty="0" smtClean="0"/>
+              <a:t>)</a:t>
+            </a:r>
+            <a:endParaRPr lang="en-US" dirty="0" smtClean="0"/>
+          </a:p>
+          <a:p>
+            <a:pPr marL="171450" indent="-171450">
+              <a:buFontTx/>
+              <a:buChar char="-"/>
+            </a:pPr>
+            <a:r>
+              <a:rPr lang="en-US" dirty="0" smtClean="0"/>
+              <a:t>Validator</a:t>
+            </a:r>
+          </a:p>
+          <a:p>
+            <a:pPr marL="171450" indent="-171450">
+              <a:buFontTx/>
+              <a:buChar char="-"/>
+            </a:pPr>
+            <a:r>
+              <a:rPr lang="en-US" dirty="0" smtClean="0"/>
+              <a:t>Examination</a:t>
+            </a:r>
+            <a:r>
+              <a:rPr lang="en-US" baseline="0" dirty="0" smtClean="0"/>
+              <a:t> Timetable é </a:t>
+            </a:r>
+            <a:r>
+              <a:rPr lang="en-US" baseline="0" dirty="0" err="1" smtClean="0"/>
+              <a:t>explicado</a:t>
+            </a:r>
+            <a:r>
+              <a:rPr lang="en-US" baseline="0" dirty="0" smtClean="0"/>
+              <a:t> no slide </a:t>
+            </a:r>
+            <a:r>
+              <a:rPr lang="en-US" baseline="0" dirty="0" err="1" smtClean="0"/>
+              <a:t>seguinte</a:t>
+            </a:r>
+            <a:endParaRPr lang="en-US" baseline="0" dirty="0" smtClean="0"/>
+          </a:p>
+          <a:p>
+            <a:pPr marL="171450" indent="-171450">
+              <a:buFontTx/>
+              <a:buChar char="-"/>
+            </a:pPr>
+            <a:r>
+              <a:rPr lang="en-US" baseline="0" dirty="0" smtClean="0"/>
+              <a:t>GUI é </a:t>
+            </a:r>
+            <a:r>
+              <a:rPr lang="en-US" baseline="0" dirty="0" err="1" smtClean="0"/>
+              <a:t>opcional</a:t>
+            </a:r>
+            <a:endParaRPr lang="en-US" dirty="0"/>
+          </a:p>
+        </p:txBody>
+      </p:sp>
+      <p:sp>
+        <p:nvSpPr>
+          <p:cNvPr id="4" name="Slide Number Placeholder 3"/>
+          <p:cNvSpPr>
+            <a:spLocks noGrp="1"/>
+          </p:cNvSpPr>
+          <p:nvPr>
+            <p:ph type="sldNum" sz="quarter" idx="10"/>
+          </p:nvPr>
+        </p:nvSpPr>
+        <p:spPr/>
+        <p:txBody>
+          <a:bodyPr/>
+          <a:lstStyle/>
+          <a:p>
+            <a:fld id="{CA0BDD92-BDD1-41DE-BD7E-1F5A3B95E66B}" type="slidenum">
+              <a:rPr lang="en-US" smtClean="0"/>
+              <a:t>3</a:t>
+            </a:fld>
+            <a:endParaRPr lang="en-US"/>
+          </a:p>
+        </p:txBody>
+      </p:sp>
+    </p:spTree>
+    <p:extLst>
+      <p:ext uri="{BB962C8B-B14F-4D97-AF65-F5344CB8AC3E}">
+        <p14:creationId xmlns:p14="http://schemas.microsoft.com/office/powerpoint/2010/main" val="2917908921"/>
+      </p:ext>
+    </p:extLst>
+  </p:cSld>
+  <p:clrMapOvr>
+    <a:masterClrMapping/>
+  </p:clrMapOvr>
+</p:notes>
+</file>
+
+<file path=ppt/notesSlides/notesSlide4.xml><?xml version="1.0" encoding="utf-8"?>
+<p:notes xmlns:a="http://schemas.openxmlformats.org/drawingml/2006/main" xmlns:r="http://schemas.openxmlformats.org/officeDocument/2006/relationships" xmlns:p="http://schemas.openxmlformats.org/presentationml/2006/main">
+  <p:cSld>
+    <p:spTree>
+      <p:nvGrpSpPr>
+        <p:cNvPr id="1" name=""/>
+        <p:cNvGrpSpPr/>
+        <p:nvPr/>
+      </p:nvGrpSpPr>
+      <p:grpSpPr>
+        <a:xfrm>
+          <a:off x="0" y="0"/>
+          <a:ext cx="0" cy="0"/>
+          <a:chOff x="0" y="0"/>
+          <a:chExt cx="0" cy="0"/>
+        </a:xfrm>
+      </p:grpSpPr>
+      <p:sp>
+        <p:nvSpPr>
+          <p:cNvPr id="2" name="Slide Image Placeholder 1"/>
+          <p:cNvSpPr>
+            <a:spLocks noGrp="1" noRot="1" noChangeAspect="1"/>
+          </p:cNvSpPr>
+          <p:nvPr>
+            <p:ph type="sldImg"/>
+          </p:nvPr>
+        </p:nvSpPr>
+        <p:spPr/>
+      </p:sp>
+      <p:sp>
+        <p:nvSpPr>
+          <p:cNvPr id="3" name="Notes Placeholder 2"/>
+          <p:cNvSpPr>
+            <a:spLocks noGrp="1"/>
+          </p:cNvSpPr>
+          <p:nvPr>
+            <p:ph type="body" idx="1"/>
+          </p:nvPr>
+        </p:nvSpPr>
+        <p:spPr/>
+        <p:txBody>
+          <a:bodyPr/>
+          <a:lstStyle/>
+          <a:p>
+            <a:r>
+              <a:rPr lang="en-US" dirty="0" err="1" smtClean="0"/>
+              <a:t>Explicar</a:t>
+            </a:r>
+            <a:r>
+              <a:rPr lang="en-US" dirty="0" smtClean="0"/>
+              <a:t>:</a:t>
+            </a:r>
+            <a:r>
+              <a:rPr lang="en-US" baseline="0" dirty="0" smtClean="0"/>
+              <a:t> </a:t>
+            </a:r>
+          </a:p>
+          <a:p>
+            <a:pPr marL="171450" indent="-171450">
+              <a:buFontTx/>
+              <a:buChar char="-"/>
+            </a:pPr>
+            <a:r>
+              <a:rPr lang="en-US" baseline="0" dirty="0" err="1" smtClean="0"/>
+              <a:t>Os</a:t>
+            </a:r>
+            <a:r>
+              <a:rPr lang="en-US" baseline="0" dirty="0" smtClean="0"/>
+              <a:t> 3 </a:t>
+            </a:r>
+            <a:r>
+              <a:rPr lang="en-US" baseline="0" dirty="0" err="1" smtClean="0"/>
+              <a:t>tipos</a:t>
+            </a:r>
+            <a:r>
+              <a:rPr lang="en-US" baseline="0" dirty="0" smtClean="0"/>
+              <a:t> de </a:t>
+            </a:r>
+            <a:r>
+              <a:rPr lang="en-US" baseline="0" dirty="0" err="1" smtClean="0"/>
+              <a:t>problemas</a:t>
+            </a:r>
+            <a:endParaRPr lang="en-US" baseline="0" dirty="0" smtClean="0"/>
+          </a:p>
+          <a:p>
+            <a:pPr marL="171450" indent="-171450">
+              <a:buFontTx/>
+              <a:buChar char="-"/>
+            </a:pPr>
+            <a:r>
+              <a:rPr lang="en-US" baseline="0" dirty="0" err="1" smtClean="0"/>
+              <a:t>Os</a:t>
+            </a:r>
+            <a:r>
+              <a:rPr lang="en-US" baseline="0" dirty="0" smtClean="0"/>
+              <a:t> </a:t>
+            </a:r>
+            <a:r>
+              <a:rPr lang="en-US" baseline="0" dirty="0" err="1" smtClean="0"/>
+              <a:t>dois</a:t>
+            </a:r>
+            <a:r>
+              <a:rPr lang="en-US" baseline="0" dirty="0" smtClean="0"/>
+              <a:t> </a:t>
+            </a:r>
+            <a:r>
+              <a:rPr lang="en-US" baseline="0" dirty="0" err="1" smtClean="0"/>
+              <a:t>tipos</a:t>
+            </a:r>
+            <a:r>
+              <a:rPr lang="en-US" baseline="0" dirty="0" smtClean="0"/>
+              <a:t> de constraints</a:t>
+            </a:r>
+            <a:endParaRPr lang="en-US" dirty="0"/>
+          </a:p>
+        </p:txBody>
+      </p:sp>
+      <p:sp>
+        <p:nvSpPr>
+          <p:cNvPr id="4" name="Slide Number Placeholder 3"/>
+          <p:cNvSpPr>
+            <a:spLocks noGrp="1"/>
+          </p:cNvSpPr>
+          <p:nvPr>
+            <p:ph type="sldNum" sz="quarter" idx="10"/>
+          </p:nvPr>
+        </p:nvSpPr>
+        <p:spPr/>
+        <p:txBody>
+          <a:bodyPr/>
+          <a:lstStyle/>
+          <a:p>
+            <a:fld id="{CA0BDD92-BDD1-41DE-BD7E-1F5A3B95E66B}" type="slidenum">
+              <a:rPr lang="en-US" smtClean="0"/>
+              <a:t>4</a:t>
+            </a:fld>
+            <a:endParaRPr lang="en-US"/>
+          </a:p>
+        </p:txBody>
+      </p:sp>
+    </p:spTree>
+    <p:extLst>
+      <p:ext uri="{BB962C8B-B14F-4D97-AF65-F5344CB8AC3E}">
+        <p14:creationId xmlns:p14="http://schemas.microsoft.com/office/powerpoint/2010/main" val="775005001"/>
+      </p:ext>
+    </p:extLst>
+  </p:cSld>
+  <p:clrMapOvr>
+    <a:masterClrMapping/>
+  </p:clrMapOvr>
+</p:notes>
+</file>
+
+<file path=ppt/notesSlides/notesSlide5.xml><?xml version="1.0" encoding="utf-8"?>
+<p:notes xmlns:a="http://schemas.openxmlformats.org/drawingml/2006/main" xmlns:r="http://schemas.openxmlformats.org/officeDocument/2006/relationships" xmlns:p="http://schemas.openxmlformats.org/presentationml/2006/main">
+  <p:cSld>
+    <p:spTree>
+      <p:nvGrpSpPr>
+        <p:cNvPr id="1" name=""/>
+        <p:cNvGrpSpPr/>
+        <p:nvPr/>
+      </p:nvGrpSpPr>
+      <p:grpSpPr>
+        <a:xfrm>
+          <a:off x="0" y="0"/>
+          <a:ext cx="0" cy="0"/>
+          <a:chOff x="0" y="0"/>
+          <a:chExt cx="0" cy="0"/>
+        </a:xfrm>
+      </p:grpSpPr>
+      <p:sp>
+        <p:nvSpPr>
+          <p:cNvPr id="2" name="Slide Image Placeholder 1"/>
+          <p:cNvSpPr>
+            <a:spLocks noGrp="1" noRot="1" noChangeAspect="1"/>
+          </p:cNvSpPr>
+          <p:nvPr>
+            <p:ph type="sldImg"/>
+          </p:nvPr>
+        </p:nvSpPr>
+        <p:spPr/>
+      </p:sp>
+      <p:sp>
+        <p:nvSpPr>
+          <p:cNvPr id="3" name="Notes Placeholder 2"/>
+          <p:cNvSpPr>
+            <a:spLocks noGrp="1"/>
+          </p:cNvSpPr>
+          <p:nvPr>
+            <p:ph type="body" idx="1"/>
+          </p:nvPr>
+        </p:nvSpPr>
+        <p:spPr/>
+        <p:txBody>
+          <a:bodyPr/>
+          <a:lstStyle/>
+          <a:p>
+            <a:r>
+              <a:rPr lang="en-US" dirty="0" err="1" smtClean="0"/>
+              <a:t>Explicar</a:t>
+            </a:r>
+            <a:r>
+              <a:rPr lang="en-US" dirty="0" smtClean="0"/>
+              <a:t>:</a:t>
+            </a:r>
+          </a:p>
+          <a:p>
+            <a:pPr marL="171450" indent="-171450">
+              <a:buFontTx/>
+              <a:buChar char="-"/>
+            </a:pPr>
+            <a:r>
+              <a:rPr lang="en-US" dirty="0" err="1" smtClean="0"/>
+              <a:t>Os</a:t>
+            </a:r>
+            <a:r>
+              <a:rPr lang="en-US" dirty="0" smtClean="0"/>
+              <a:t> </a:t>
+            </a:r>
+            <a:r>
+              <a:rPr lang="en-US" dirty="0" err="1" smtClean="0"/>
+              <a:t>dois</a:t>
+            </a:r>
+            <a:r>
+              <a:rPr lang="en-US" dirty="0" smtClean="0"/>
+              <a:t> </a:t>
+            </a:r>
+            <a:r>
+              <a:rPr lang="en-US" dirty="0" err="1" smtClean="0"/>
+              <a:t>tipos</a:t>
+            </a:r>
+            <a:r>
+              <a:rPr lang="en-US" dirty="0" smtClean="0"/>
+              <a:t> de </a:t>
+            </a:r>
+            <a:r>
+              <a:rPr lang="en-US" dirty="0" err="1" smtClean="0"/>
+              <a:t>formulações</a:t>
+            </a:r>
+            <a:endParaRPr lang="en-US" dirty="0" smtClean="0"/>
+          </a:p>
+          <a:p>
+            <a:pPr marL="171450" indent="-171450">
+              <a:buFontTx/>
+              <a:buChar char="-"/>
+            </a:pPr>
+            <a:r>
+              <a:rPr lang="en-US" dirty="0" smtClean="0"/>
+              <a:t>A </a:t>
+            </a:r>
+            <a:r>
+              <a:rPr lang="en-US" dirty="0" err="1" smtClean="0"/>
+              <a:t>hipotese</a:t>
+            </a:r>
+            <a:r>
+              <a:rPr lang="en-US" baseline="0" dirty="0" smtClean="0"/>
+              <a:t> de </a:t>
+            </a:r>
+            <a:r>
+              <a:rPr lang="en-US" baseline="0" dirty="0" err="1" smtClean="0"/>
+              <a:t>fazer</a:t>
+            </a:r>
+            <a:r>
+              <a:rPr lang="en-US" baseline="0" dirty="0" smtClean="0"/>
+              <a:t> </a:t>
+            </a:r>
+            <a:r>
+              <a:rPr lang="en-US" baseline="0" dirty="0" err="1" smtClean="0"/>
+              <a:t>hibridação</a:t>
+            </a:r>
+            <a:r>
+              <a:rPr lang="en-US" baseline="0" dirty="0" smtClean="0"/>
+              <a:t> e que é o </a:t>
+            </a:r>
+            <a:r>
+              <a:rPr lang="en-US" baseline="0" dirty="0" err="1" smtClean="0"/>
+              <a:t>caso</a:t>
+            </a:r>
+            <a:r>
+              <a:rPr lang="en-US" baseline="0" dirty="0" smtClean="0"/>
+              <a:t> </a:t>
+            </a:r>
+            <a:r>
+              <a:rPr lang="en-US" baseline="0" dirty="0" err="1" smtClean="0"/>
+              <a:t>desta</a:t>
+            </a:r>
+            <a:r>
+              <a:rPr lang="en-US" baseline="0" dirty="0" smtClean="0"/>
+              <a:t> </a:t>
+            </a:r>
+            <a:r>
+              <a:rPr lang="en-US" baseline="0" dirty="0" err="1" smtClean="0"/>
+              <a:t>mesma</a:t>
+            </a:r>
+            <a:r>
+              <a:rPr lang="en-US" baseline="0" dirty="0" smtClean="0"/>
+              <a:t> approach</a:t>
+            </a:r>
+          </a:p>
+          <a:p>
+            <a:pPr marL="171450" indent="-171450">
+              <a:buFontTx/>
+              <a:buChar char="-"/>
+            </a:pPr>
+            <a:r>
+              <a:rPr lang="en-US" baseline="0" dirty="0" err="1" smtClean="0"/>
+              <a:t>Todos</a:t>
+            </a:r>
+            <a:r>
+              <a:rPr lang="en-US" baseline="0" dirty="0" smtClean="0"/>
+              <a:t> </a:t>
+            </a:r>
+            <a:r>
+              <a:rPr lang="en-US" baseline="0" dirty="0" err="1" smtClean="0"/>
+              <a:t>os</a:t>
+            </a:r>
+            <a:r>
+              <a:rPr lang="en-US" baseline="0" dirty="0" smtClean="0"/>
+              <a:t> </a:t>
+            </a:r>
+            <a:r>
+              <a:rPr lang="en-US" baseline="0" dirty="0" err="1" smtClean="0"/>
+              <a:t>tipos</a:t>
+            </a:r>
+            <a:r>
+              <a:rPr lang="en-US" baseline="0" dirty="0" smtClean="0"/>
+              <a:t> de </a:t>
+            </a:r>
+            <a:r>
+              <a:rPr lang="en-US" baseline="0" dirty="0" err="1" smtClean="0"/>
+              <a:t>soluções</a:t>
+            </a:r>
+            <a:endParaRPr lang="en-US" dirty="0"/>
+          </a:p>
+        </p:txBody>
+      </p:sp>
+      <p:sp>
+        <p:nvSpPr>
+          <p:cNvPr id="4" name="Slide Number Placeholder 3"/>
+          <p:cNvSpPr>
+            <a:spLocks noGrp="1"/>
+          </p:cNvSpPr>
+          <p:nvPr>
+            <p:ph type="sldNum" sz="quarter" idx="10"/>
+          </p:nvPr>
+        </p:nvSpPr>
+        <p:spPr/>
+        <p:txBody>
+          <a:bodyPr/>
+          <a:lstStyle/>
+          <a:p>
+            <a:fld id="{CA0BDD92-BDD1-41DE-BD7E-1F5A3B95E66B}" type="slidenum">
+              <a:rPr lang="en-US" smtClean="0"/>
+              <a:t>5</a:t>
+            </a:fld>
+            <a:endParaRPr lang="en-US"/>
+          </a:p>
+        </p:txBody>
+      </p:sp>
+    </p:spTree>
+    <p:extLst>
+      <p:ext uri="{BB962C8B-B14F-4D97-AF65-F5344CB8AC3E}">
+        <p14:creationId xmlns:p14="http://schemas.microsoft.com/office/powerpoint/2010/main" val="1449350156"/>
+      </p:ext>
+    </p:extLst>
+  </p:cSld>
+  <p:clrMapOvr>
+    <a:masterClrMapping/>
+  </p:clrMapOvr>
+</p:notes>
+</file>
+
+<file path=ppt/notesSlides/notesSlide6.xml><?xml version="1.0" encoding="utf-8"?>
+<p:notes xmlns:a="http://schemas.openxmlformats.org/drawingml/2006/main" xmlns:r="http://schemas.openxmlformats.org/officeDocument/2006/relationships" xmlns:p="http://schemas.openxmlformats.org/presentationml/2006/main">
+  <p:cSld>
+    <p:spTree>
+      <p:nvGrpSpPr>
+        <p:cNvPr id="1" name=""/>
+        <p:cNvGrpSpPr/>
+        <p:nvPr/>
+      </p:nvGrpSpPr>
+      <p:grpSpPr>
+        <a:xfrm>
+          <a:off x="0" y="0"/>
+          <a:ext cx="0" cy="0"/>
+          <a:chOff x="0" y="0"/>
+          <a:chExt cx="0" cy="0"/>
+        </a:xfrm>
+      </p:grpSpPr>
+      <p:sp>
+        <p:nvSpPr>
+          <p:cNvPr id="2" name="Slide Image Placeholder 1"/>
+          <p:cNvSpPr>
+            <a:spLocks noGrp="1" noRot="1" noChangeAspect="1"/>
+          </p:cNvSpPr>
+          <p:nvPr>
+            <p:ph type="sldImg"/>
+          </p:nvPr>
+        </p:nvSpPr>
+        <p:spPr/>
+      </p:sp>
+      <p:sp>
+        <p:nvSpPr>
+          <p:cNvPr id="3" name="Notes Placeholder 2"/>
+          <p:cNvSpPr>
+            <a:spLocks noGrp="1"/>
+          </p:cNvSpPr>
+          <p:nvPr>
+            <p:ph type="body" idx="1"/>
+          </p:nvPr>
+        </p:nvSpPr>
+        <p:spPr/>
+        <p:txBody>
+          <a:bodyPr/>
+          <a:lstStyle/>
+          <a:p>
+            <a:r>
+              <a:rPr lang="en-US" dirty="0" err="1" smtClean="0"/>
+              <a:t>Explicar</a:t>
+            </a:r>
+            <a:r>
+              <a:rPr lang="en-US" dirty="0" smtClean="0"/>
+              <a:t>: </a:t>
+            </a:r>
+          </a:p>
+          <a:p>
+            <a:pPr marL="171450" indent="-171450">
+              <a:buFontTx/>
+              <a:buChar char="-"/>
+            </a:pPr>
+            <a:r>
+              <a:rPr lang="en-US" dirty="0" smtClean="0"/>
+              <a:t>O </a:t>
+            </a:r>
+            <a:r>
+              <a:rPr lang="en-US" dirty="0" err="1" smtClean="0"/>
+              <a:t>desenho</a:t>
+            </a:r>
+            <a:endParaRPr lang="en-US" dirty="0" smtClean="0"/>
+          </a:p>
+          <a:p>
+            <a:pPr marL="171450" indent="-171450">
+              <a:buFontTx/>
+              <a:buChar char="-"/>
+            </a:pPr>
+            <a:r>
+              <a:rPr lang="en-US" dirty="0" smtClean="0"/>
+              <a:t>O facto de GCH</a:t>
+            </a:r>
+            <a:r>
+              <a:rPr lang="en-US" baseline="0" dirty="0" smtClean="0"/>
+              <a:t> </a:t>
+            </a:r>
+            <a:r>
+              <a:rPr lang="en-US" baseline="0" dirty="0" err="1" smtClean="0"/>
+              <a:t>pertencer</a:t>
+            </a:r>
+            <a:r>
+              <a:rPr lang="en-US" baseline="0" dirty="0" smtClean="0"/>
+              <a:t> a Problem-Specific Heuristics</a:t>
+            </a:r>
+            <a:endParaRPr lang="en-US" dirty="0"/>
+          </a:p>
+        </p:txBody>
+      </p:sp>
+      <p:sp>
+        <p:nvSpPr>
+          <p:cNvPr id="4" name="Slide Number Placeholder 3"/>
+          <p:cNvSpPr>
+            <a:spLocks noGrp="1"/>
+          </p:cNvSpPr>
+          <p:nvPr>
+            <p:ph type="sldNum" sz="quarter" idx="10"/>
+          </p:nvPr>
+        </p:nvSpPr>
+        <p:spPr/>
+        <p:txBody>
+          <a:bodyPr/>
+          <a:lstStyle/>
+          <a:p>
+            <a:fld id="{CA0BDD92-BDD1-41DE-BD7E-1F5A3B95E66B}" type="slidenum">
+              <a:rPr lang="en-US" smtClean="0"/>
+              <a:t>6</a:t>
+            </a:fld>
+            <a:endParaRPr lang="en-US"/>
+          </a:p>
+        </p:txBody>
+      </p:sp>
+    </p:spTree>
+    <p:extLst>
+      <p:ext uri="{BB962C8B-B14F-4D97-AF65-F5344CB8AC3E}">
+        <p14:creationId xmlns:p14="http://schemas.microsoft.com/office/powerpoint/2010/main" val="1432315485"/>
+      </p:ext>
+    </p:extLst>
+  </p:cSld>
+  <p:clrMapOvr>
+    <a:masterClrMapping/>
+  </p:clrMapOvr>
+</p:notes>
+</file>
+
+<file path=ppt/notesSlides/notesSlide7.xml><?xml version="1.0" encoding="utf-8"?>
+<p:notes xmlns:a="http://schemas.openxmlformats.org/drawingml/2006/main" xmlns:r="http://schemas.openxmlformats.org/officeDocument/2006/relationships" xmlns:p="http://schemas.openxmlformats.org/presentationml/2006/main">
+  <p:cSld>
+    <p:spTree>
+      <p:nvGrpSpPr>
+        <p:cNvPr id="1" name=""/>
+        <p:cNvGrpSpPr/>
+        <p:nvPr/>
+      </p:nvGrpSpPr>
+      <p:grpSpPr>
+        <a:xfrm>
+          <a:off x="0" y="0"/>
+          <a:ext cx="0" cy="0"/>
+          <a:chOff x="0" y="0"/>
+          <a:chExt cx="0" cy="0"/>
+        </a:xfrm>
+      </p:grpSpPr>
+      <p:sp>
+        <p:nvSpPr>
+          <p:cNvPr id="2" name="Slide Image Placeholder 1"/>
+          <p:cNvSpPr>
+            <a:spLocks noGrp="1" noRot="1" noChangeAspect="1"/>
+          </p:cNvSpPr>
+          <p:nvPr>
+            <p:ph type="sldImg"/>
+          </p:nvPr>
+        </p:nvSpPr>
+        <p:spPr/>
+      </p:sp>
+      <p:sp>
+        <p:nvSpPr>
+          <p:cNvPr id="3" name="Notes Placeholder 2"/>
+          <p:cNvSpPr>
+            <a:spLocks noGrp="1"/>
+          </p:cNvSpPr>
+          <p:nvPr>
+            <p:ph type="body" idx="1"/>
+          </p:nvPr>
+        </p:nvSpPr>
+        <p:spPr/>
+        <p:txBody>
+          <a:bodyPr/>
+          <a:lstStyle/>
+          <a:p>
+            <a:r>
+              <a:rPr lang="en-US" dirty="0" err="1" smtClean="0"/>
+              <a:t>Explicar</a:t>
+            </a:r>
+            <a:r>
+              <a:rPr lang="en-US" dirty="0" smtClean="0"/>
+              <a:t> </a:t>
+            </a:r>
+            <a:r>
+              <a:rPr lang="en-US" dirty="0" err="1" smtClean="0"/>
+              <a:t>este</a:t>
+            </a:r>
+            <a:r>
+              <a:rPr lang="en-US" dirty="0" smtClean="0"/>
+              <a:t> </a:t>
+            </a:r>
+            <a:r>
+              <a:rPr lang="en-US" dirty="0" err="1" smtClean="0"/>
+              <a:t>tipo</a:t>
+            </a:r>
+            <a:r>
+              <a:rPr lang="en-US" dirty="0" smtClean="0"/>
+              <a:t> de </a:t>
+            </a:r>
+            <a:r>
+              <a:rPr lang="en-US" dirty="0" err="1" smtClean="0"/>
+              <a:t>algoritmo</a:t>
+            </a:r>
+            <a:endParaRPr lang="en-US" dirty="0"/>
+          </a:p>
+        </p:txBody>
+      </p:sp>
+      <p:sp>
+        <p:nvSpPr>
+          <p:cNvPr id="4" name="Slide Number Placeholder 3"/>
+          <p:cNvSpPr>
+            <a:spLocks noGrp="1"/>
+          </p:cNvSpPr>
+          <p:nvPr>
+            <p:ph type="sldNum" sz="quarter" idx="10"/>
+          </p:nvPr>
+        </p:nvSpPr>
+        <p:spPr/>
+        <p:txBody>
+          <a:bodyPr/>
+          <a:lstStyle/>
+          <a:p>
+            <a:fld id="{CA0BDD92-BDD1-41DE-BD7E-1F5A3B95E66B}" type="slidenum">
+              <a:rPr lang="en-US" smtClean="0"/>
+              <a:t>7</a:t>
+            </a:fld>
+            <a:endParaRPr lang="en-US"/>
+          </a:p>
+        </p:txBody>
+      </p:sp>
+    </p:spTree>
+    <p:extLst>
+      <p:ext uri="{BB962C8B-B14F-4D97-AF65-F5344CB8AC3E}">
+        <p14:creationId xmlns:p14="http://schemas.microsoft.com/office/powerpoint/2010/main" val="1744662233"/>
+      </p:ext>
+    </p:extLst>
+  </p:cSld>
+  <p:clrMapOvr>
+    <a:masterClrMapping/>
+  </p:clrMapOvr>
+</p:notes>
+</file>
+
+<file path=ppt/notesSlides/notesSlide8.xml><?xml version="1.0" encoding="utf-8"?>
+<p:notes xmlns:a="http://schemas.openxmlformats.org/drawingml/2006/main" xmlns:r="http://schemas.openxmlformats.org/officeDocument/2006/relationships" xmlns:p="http://schemas.openxmlformats.org/presentationml/2006/main">
+  <p:cSld>
+    <p:spTree>
+      <p:nvGrpSpPr>
+        <p:cNvPr id="1" name=""/>
+        <p:cNvGrpSpPr/>
+        <p:nvPr/>
+      </p:nvGrpSpPr>
+      <p:grpSpPr>
+        <a:xfrm>
+          <a:off x="0" y="0"/>
+          <a:ext cx="0" cy="0"/>
+          <a:chOff x="0" y="0"/>
+          <a:chExt cx="0" cy="0"/>
+        </a:xfrm>
+      </p:grpSpPr>
+      <p:sp>
+        <p:nvSpPr>
+          <p:cNvPr id="2" name="Slide Image Placeholder 1"/>
+          <p:cNvSpPr>
+            <a:spLocks noGrp="1" noRot="1" noChangeAspect="1"/>
+          </p:cNvSpPr>
+          <p:nvPr>
+            <p:ph type="sldImg"/>
+          </p:nvPr>
+        </p:nvSpPr>
+        <p:spPr/>
+      </p:sp>
+      <p:sp>
+        <p:nvSpPr>
+          <p:cNvPr id="3" name="Notes Placeholder 2"/>
+          <p:cNvSpPr>
+            <a:spLocks noGrp="1"/>
+          </p:cNvSpPr>
+          <p:nvPr>
+            <p:ph type="body" idx="1"/>
+          </p:nvPr>
+        </p:nvSpPr>
+        <p:spPr/>
+        <p:txBody>
+          <a:bodyPr/>
+          <a:lstStyle/>
+          <a:p>
+            <a:r>
+              <a:rPr lang="en-US" dirty="0" err="1" smtClean="0"/>
+              <a:t>Explicar</a:t>
+            </a:r>
+            <a:r>
+              <a:rPr lang="en-US" dirty="0" smtClean="0"/>
+              <a:t>:</a:t>
+            </a:r>
+          </a:p>
+          <a:p>
+            <a:pPr marL="171450" indent="-171450">
+              <a:buFontTx/>
+              <a:buChar char="-"/>
+            </a:pPr>
+            <a:r>
+              <a:rPr lang="en-US" baseline="0" dirty="0" smtClean="0"/>
+              <a:t>O </a:t>
+            </a:r>
+            <a:r>
+              <a:rPr lang="en-US" baseline="0" dirty="0" err="1" smtClean="0"/>
+              <a:t>algoritmo</a:t>
+            </a:r>
+            <a:endParaRPr lang="en-US" baseline="0" dirty="0" smtClean="0"/>
+          </a:p>
+          <a:p>
+            <a:pPr marL="171450" indent="-171450">
+              <a:buFontTx/>
+              <a:buChar char="-"/>
+            </a:pPr>
+            <a:r>
+              <a:rPr lang="en-US" baseline="0" dirty="0" smtClean="0"/>
+              <a:t>Que é um problem-specific heuristic (</a:t>
+            </a:r>
+            <a:r>
+              <a:rPr lang="en-US" baseline="0" dirty="0" err="1" smtClean="0"/>
+              <a:t>como</a:t>
+            </a:r>
+            <a:r>
+              <a:rPr lang="en-US" baseline="0" dirty="0" smtClean="0"/>
+              <a:t> </a:t>
+            </a:r>
+            <a:r>
+              <a:rPr lang="en-US" baseline="0" dirty="0" err="1" smtClean="0"/>
+              <a:t>dito</a:t>
+            </a:r>
+            <a:r>
+              <a:rPr lang="en-US" baseline="0" dirty="0" smtClean="0"/>
+              <a:t> </a:t>
+            </a:r>
+            <a:r>
+              <a:rPr lang="en-US" baseline="0" dirty="0" err="1" smtClean="0"/>
+              <a:t>na</a:t>
+            </a:r>
+            <a:r>
+              <a:rPr lang="en-US" baseline="0" dirty="0" smtClean="0"/>
+              <a:t> </a:t>
+            </a:r>
+            <a:r>
+              <a:rPr lang="en-US" baseline="0" dirty="0" err="1" smtClean="0"/>
+              <a:t>imagem</a:t>
+            </a:r>
+            <a:r>
+              <a:rPr lang="en-US" baseline="0" dirty="0" smtClean="0"/>
+              <a:t>)</a:t>
+            </a:r>
+            <a:endParaRPr lang="en-US" dirty="0"/>
+          </a:p>
+        </p:txBody>
+      </p:sp>
+      <p:sp>
+        <p:nvSpPr>
+          <p:cNvPr id="4" name="Slide Number Placeholder 3"/>
+          <p:cNvSpPr>
+            <a:spLocks noGrp="1"/>
+          </p:cNvSpPr>
+          <p:nvPr>
+            <p:ph type="sldNum" sz="quarter" idx="10"/>
+          </p:nvPr>
+        </p:nvSpPr>
+        <p:spPr/>
+        <p:txBody>
+          <a:bodyPr/>
+          <a:lstStyle/>
+          <a:p>
+            <a:fld id="{CA0BDD92-BDD1-41DE-BD7E-1F5A3B95E66B}" type="slidenum">
+              <a:rPr lang="en-US" smtClean="0"/>
+              <a:t>8</a:t>
+            </a:fld>
+            <a:endParaRPr lang="en-US"/>
+          </a:p>
+        </p:txBody>
+      </p:sp>
+    </p:spTree>
+    <p:extLst>
+      <p:ext uri="{BB962C8B-B14F-4D97-AF65-F5344CB8AC3E}">
+        <p14:creationId xmlns:p14="http://schemas.microsoft.com/office/powerpoint/2010/main" val="1822345988"/>
+      </p:ext>
+    </p:extLst>
+  </p:cSld>
+  <p:clrMapOvr>
+    <a:masterClrMapping/>
+  </p:clrMapOvr>
+</p:notes>
+</file>
+
+<file path=ppt/notesSlides/notesSlide9.xml><?xml version="1.0" encoding="utf-8"?>
+<p:notes xmlns:a="http://schemas.openxmlformats.org/drawingml/2006/main" xmlns:r="http://schemas.openxmlformats.org/officeDocument/2006/relationships" xmlns:p="http://schemas.openxmlformats.org/presentationml/2006/main">
+  <p:cSld>
+    <p:spTree>
+      <p:nvGrpSpPr>
+        <p:cNvPr id="1" name=""/>
+        <p:cNvGrpSpPr/>
+        <p:nvPr/>
+      </p:nvGrpSpPr>
+      <p:grpSpPr>
+        <a:xfrm>
+          <a:off x="0" y="0"/>
+          <a:ext cx="0" cy="0"/>
+          <a:chOff x="0" y="0"/>
+          <a:chExt cx="0" cy="0"/>
+        </a:xfrm>
+      </p:grpSpPr>
+      <p:sp>
+        <p:nvSpPr>
+          <p:cNvPr id="2" name="Slide Image Placeholder 1"/>
+          <p:cNvSpPr>
+            <a:spLocks noGrp="1" noRot="1" noChangeAspect="1"/>
+          </p:cNvSpPr>
+          <p:nvPr>
+            <p:ph type="sldImg"/>
+          </p:nvPr>
+        </p:nvSpPr>
+        <p:spPr/>
+      </p:sp>
+      <p:sp>
+        <p:nvSpPr>
+          <p:cNvPr id="3" name="Notes Placeholder 2"/>
+          <p:cNvSpPr>
+            <a:spLocks noGrp="1"/>
+          </p:cNvSpPr>
+          <p:nvPr>
+            <p:ph type="body" idx="1"/>
+          </p:nvPr>
+        </p:nvSpPr>
+        <p:spPr/>
+        <p:txBody>
+          <a:bodyPr/>
+          <a:lstStyle/>
+          <a:p>
+            <a:r>
+              <a:rPr lang="en-US" dirty="0" err="1" smtClean="0"/>
+              <a:t>Explicar</a:t>
+            </a:r>
+            <a:r>
+              <a:rPr lang="en-US" dirty="0" smtClean="0"/>
+              <a:t>:</a:t>
+            </a:r>
+          </a:p>
+          <a:p>
+            <a:pPr marL="171450" indent="-171450">
+              <a:buFontTx/>
+              <a:buChar char="-"/>
+            </a:pPr>
+            <a:r>
+              <a:rPr lang="en-US" baseline="0" dirty="0" smtClean="0"/>
+              <a:t>Este </a:t>
+            </a:r>
+            <a:r>
+              <a:rPr lang="en-US" baseline="0" dirty="0" err="1" smtClean="0"/>
+              <a:t>tipo</a:t>
+            </a:r>
+            <a:r>
+              <a:rPr lang="en-US" baseline="0" dirty="0" smtClean="0"/>
+              <a:t> de heuristic</a:t>
+            </a:r>
+          </a:p>
+          <a:p>
+            <a:pPr marL="171450" indent="-171450">
+              <a:buFontTx/>
+              <a:buChar char="-"/>
+            </a:pPr>
+            <a:r>
+              <a:rPr lang="en-US" baseline="0" dirty="0" err="1" smtClean="0"/>
+              <a:t>Os</a:t>
+            </a:r>
+            <a:r>
+              <a:rPr lang="en-US" baseline="0" dirty="0" smtClean="0"/>
+              <a:t> </a:t>
+            </a:r>
+            <a:r>
+              <a:rPr lang="en-US" baseline="0" dirty="0" err="1" smtClean="0"/>
+              <a:t>seus</a:t>
+            </a:r>
+            <a:r>
+              <a:rPr lang="en-US" baseline="0" dirty="0" smtClean="0"/>
+              <a:t> </a:t>
+            </a:r>
+            <a:r>
+              <a:rPr lang="en-US" baseline="0" dirty="0" err="1" smtClean="0"/>
+              <a:t>subtipos</a:t>
+            </a:r>
+            <a:endParaRPr lang="en-US" dirty="0" smtClean="0"/>
+          </a:p>
+        </p:txBody>
+      </p:sp>
+      <p:sp>
+        <p:nvSpPr>
+          <p:cNvPr id="4" name="Slide Number Placeholder 3"/>
+          <p:cNvSpPr>
+            <a:spLocks noGrp="1"/>
+          </p:cNvSpPr>
+          <p:nvPr>
+            <p:ph type="sldNum" sz="quarter" idx="10"/>
+          </p:nvPr>
+        </p:nvSpPr>
+        <p:spPr/>
+        <p:txBody>
+          <a:bodyPr/>
+          <a:lstStyle/>
+          <a:p>
+            <a:fld id="{CA0BDD92-BDD1-41DE-BD7E-1F5A3B95E66B}" type="slidenum">
+              <a:rPr lang="en-US" smtClean="0"/>
+              <a:t>9</a:t>
+            </a:fld>
+            <a:endParaRPr lang="en-US"/>
+          </a:p>
+        </p:txBody>
+      </p:sp>
+    </p:spTree>
+    <p:extLst>
+      <p:ext uri="{BB962C8B-B14F-4D97-AF65-F5344CB8AC3E}">
+        <p14:creationId xmlns:p14="http://schemas.microsoft.com/office/powerpoint/2010/main" val="2479555939"/>
       </p:ext>
     </p:extLst>
   </p:cSld>
@@ -6920,7 +10253,7 @@
           <a:p>
             <a:fld id="{DEC0C222-1897-4DCE-AD4E-1C2D23F222B2}" type="datetime1">
               <a:rPr lang="en-US" smtClean="0"/>
-              <a:t>17-Jul-15</a:t>
+              <a:t>21-Jul-15</a:t>
             </a:fld>
             <a:endParaRPr lang="en-US" dirty="0"/>
           </a:p>
@@ -7123,7 +10456,7 @@
           <a:p>
             <a:fld id="{83B33049-48DA-48C7-905F-AFA84CCF358A}" type="datetime1">
               <a:rPr lang="en-US" smtClean="0"/>
-              <a:t>17-Jul-15</a:t>
+              <a:t>21-Jul-15</a:t>
             </a:fld>
             <a:endParaRPr lang="en-US" dirty="0"/>
           </a:p>
@@ -7374,7 +10707,7 @@
           <a:p>
             <a:fld id="{DFA83854-2080-4526-8728-B16635428175}" type="datetime1">
               <a:rPr lang="en-US" smtClean="0"/>
-              <a:t>17-Jul-15</a:t>
+              <a:t>21-Jul-15</a:t>
             </a:fld>
             <a:endParaRPr lang="en-US" dirty="0"/>
           </a:p>
@@ -7539,7 +10872,7 @@
           <a:p>
             <a:fld id="{A4A5A1A0-1AF9-4436-9543-0DB5EAF61DDB}" type="datetime1">
               <a:rPr lang="en-US" smtClean="0"/>
-              <a:t>17-Jul-15</a:t>
+              <a:t>21-Jul-15</a:t>
             </a:fld>
             <a:endParaRPr lang="en-US" dirty="0"/>
           </a:p>
@@ -7877,7 +11210,7 @@
           <a:p>
             <a:fld id="{F1E36FFC-B415-40E6-BC3F-20E5229F7B68}" type="datetime1">
               <a:rPr lang="en-US" smtClean="0"/>
-              <a:t>17-Jul-15</a:t>
+              <a:t>21-Jul-15</a:t>
             </a:fld>
             <a:endParaRPr lang="en-US" dirty="0"/>
           </a:p>
@@ -8147,7 +11480,7 @@
           <a:p>
             <a:fld id="{03C74DB2-5A2F-472B-9AC3-3BF4FCAC99CF}" type="datetime1">
               <a:rPr lang="en-US" smtClean="0"/>
-              <a:t>17-Jul-15</a:t>
+              <a:t>21-Jul-15</a:t>
             </a:fld>
             <a:endParaRPr lang="en-US" dirty="0"/>
           </a:p>
@@ -8521,7 +11854,7 @@
           <a:p>
             <a:fld id="{F8C5D5B0-65F2-499A-935A-357B7BD717E0}" type="datetime1">
               <a:rPr lang="en-US" smtClean="0"/>
-              <a:t>17-Jul-15</a:t>
+              <a:t>21-Jul-15</a:t>
             </a:fld>
             <a:endParaRPr lang="en-US" dirty="0"/>
           </a:p>
@@ -8634,7 +11967,7 @@
           <a:p>
             <a:fld id="{3AE2A76F-927E-4759-A393-009A14A08F3A}" type="datetime1">
               <a:rPr lang="en-US" smtClean="0"/>
-              <a:t>17-Jul-15</a:t>
+              <a:t>21-Jul-15</a:t>
             </a:fld>
             <a:endParaRPr lang="en-US" dirty="0"/>
           </a:p>
@@ -8800,7 +12133,7 @@
           <a:p>
             <a:fld id="{A18B15E5-7704-471B-81DC-E3AF275B315A}" type="datetime1">
               <a:rPr lang="en-US" smtClean="0"/>
-              <a:t>17-Jul-15</a:t>
+              <a:t>21-Jul-15</a:t>
             </a:fld>
             <a:endParaRPr lang="en-US" dirty="0"/>
           </a:p>
@@ -9150,7 +12483,7 @@
           <a:p>
             <a:fld id="{C2293B35-5E03-4B1C-9DCC-43CD3213BB26}" type="datetime1">
               <a:rPr lang="en-US" smtClean="0"/>
-              <a:t>17-Jul-15</a:t>
+              <a:t>21-Jul-15</a:t>
             </a:fld>
             <a:endParaRPr lang="en-US" dirty="0"/>
           </a:p>
@@ -9523,7 +12856,7 @@
           <a:p>
             <a:fld id="{57920374-59D4-478E-A1F1-6B0E4A240505}" type="datetime1">
               <a:rPr lang="en-US" smtClean="0"/>
-              <a:t>17-Jul-15</a:t>
+              <a:t>21-Jul-15</a:t>
             </a:fld>
             <a:endParaRPr lang="en-US" dirty="0"/>
           </a:p>
@@ -9805,7 +13138,7 @@
           <a:p>
             <a:fld id="{E8C0E2E8-83F9-43B1-8D6E-C17C1061DBD1}" type="datetime1">
               <a:rPr lang="en-US" smtClean="0"/>
-              <a:t>17-Jul-15</a:t>
+              <a:t>21-Jul-15</a:t>
             </a:fld>
             <a:endParaRPr lang="en-US" dirty="0"/>
           </a:p>
@@ -10394,63 +13727,119 @@
           <a:lstStyle/>
           <a:p>
             <a:r>
-              <a:rPr lang="pt-PT" dirty="0" smtClean="0"/>
-              <a:t>Instituto superior de engenharia de lisboa</a:t>
-            </a:r>
-          </a:p>
-          <a:p>
-            <a:r>
-              <a:rPr lang="en-US" dirty="0" smtClean="0"/>
-              <a:t>Computing engineering</a:t>
-            </a:r>
-          </a:p>
-          <a:p>
-            <a:r>
-              <a:rPr lang="en-US" dirty="0" smtClean="0"/>
-              <a:t>Student: 	Miguel </a:t>
-            </a:r>
-            <a:r>
-              <a:rPr lang="en-US" dirty="0" err="1" smtClean="0"/>
-              <a:t>Nunes</a:t>
-            </a:r>
-            <a:endParaRPr lang="en-US" dirty="0" smtClean="0"/>
-          </a:p>
-          <a:p>
-            <a:r>
-              <a:rPr lang="en-US" dirty="0" smtClean="0"/>
+              <a:rPr lang="pt-PT" dirty="0" smtClean="0">
+                <a:solidFill>
+                  <a:schemeClr val="tx1"/>
+                </a:solidFill>
+              </a:rPr>
+              <a:t>Instituto superior de engenharia de </a:t>
+            </a:r>
+            <a:r>
+              <a:rPr lang="pt-PT" dirty="0" smtClean="0">
+                <a:solidFill>
+                  <a:schemeClr val="tx1"/>
+                </a:solidFill>
+              </a:rPr>
+              <a:t>lisboa</a:t>
+            </a:r>
+          </a:p>
+          <a:p>
+            <a:r>
+              <a:rPr lang="en-US" dirty="0">
+                <a:solidFill>
+                  <a:schemeClr val="tx1"/>
+                </a:solidFill>
+              </a:rPr>
+              <a:t>Computer Science and Computer Engineering</a:t>
+            </a:r>
+            <a:endParaRPr lang="pt-PT" dirty="0" smtClean="0">
+              <a:solidFill>
+                <a:schemeClr val="tx1"/>
+              </a:solidFill>
+            </a:endParaRPr>
+          </a:p>
+          <a:p>
+            <a:r>
+              <a:rPr lang="en-US" dirty="0" smtClean="0">
+                <a:solidFill>
+                  <a:schemeClr val="tx1"/>
+                </a:solidFill>
+              </a:rPr>
+              <a:t>Student: 	Miguel Nunes</a:t>
+            </a:r>
+          </a:p>
+          <a:p>
+            <a:r>
+              <a:rPr lang="en-US" dirty="0" smtClean="0">
+                <a:solidFill>
+                  <a:schemeClr val="tx1"/>
+                </a:solidFill>
+              </a:rPr>
               <a:t>Supervisors: 	</a:t>
             </a:r>
             <a:r>
-              <a:rPr lang="en-US" dirty="0" err="1" smtClean="0"/>
+              <a:rPr lang="en-US" dirty="0" err="1" smtClean="0">
+                <a:solidFill>
+                  <a:schemeClr val="tx1"/>
+                </a:solidFill>
+              </a:rPr>
               <a:t>Artur</a:t>
             </a:r>
             <a:r>
-              <a:rPr lang="en-US" dirty="0" smtClean="0"/>
+              <a:rPr lang="en-US" dirty="0" smtClean="0">
+                <a:solidFill>
+                  <a:schemeClr val="tx1"/>
+                </a:solidFill>
+              </a:rPr>
               <a:t> Ferreira</a:t>
             </a:r>
           </a:p>
           <a:p>
             <a:r>
-              <a:rPr lang="en-US" dirty="0"/>
+              <a:rPr lang="en-US" dirty="0">
+                <a:solidFill>
+                  <a:schemeClr val="tx1"/>
+                </a:solidFill>
+              </a:rPr>
               <a:t>	</a:t>
             </a:r>
             <a:r>
-              <a:rPr lang="en-US" dirty="0" smtClean="0"/>
+              <a:rPr lang="en-US" dirty="0" smtClean="0">
+                <a:solidFill>
+                  <a:schemeClr val="tx1"/>
+                </a:solidFill>
+              </a:rPr>
               <a:t>	</a:t>
             </a:r>
             <a:r>
-              <a:rPr lang="en-US" dirty="0" err="1" smtClean="0"/>
+              <a:rPr lang="en-US" dirty="0" err="1" smtClean="0">
+                <a:solidFill>
+                  <a:schemeClr val="tx1"/>
+                </a:solidFill>
+              </a:rPr>
               <a:t>Nuno</a:t>
             </a:r>
             <a:r>
-              <a:rPr lang="en-US" dirty="0" smtClean="0"/>
+              <a:rPr lang="en-US" dirty="0" smtClean="0">
+                <a:solidFill>
+                  <a:schemeClr val="tx1"/>
+                </a:solidFill>
+              </a:rPr>
               <a:t> </a:t>
             </a:r>
             <a:r>
-              <a:rPr lang="en-US" dirty="0" err="1" smtClean="0"/>
+              <a:rPr lang="en-US" dirty="0" err="1" smtClean="0">
+                <a:solidFill>
+                  <a:schemeClr val="tx1"/>
+                </a:solidFill>
+              </a:rPr>
               <a:t>Leite</a:t>
             </a:r>
-            <a:endParaRPr lang="en-US" dirty="0"/>
+            <a:endParaRPr lang="en-US" dirty="0">
+              <a:solidFill>
+                <a:schemeClr val="tx1"/>
+              </a:solidFill>
+            </a:endParaRPr>
           </a:p>
         </p:txBody>
       </p:sp>
@@ -10508,7 +13897,11 @@
           <a:p>
             <a:r>
               <a:rPr lang="en-US" dirty="0" smtClean="0"/>
-              <a:t>ITC 2007 Examination timetabling problem</a:t>
+              <a:t>ITC 2007 Examination timetabling </a:t>
+            </a:r>
+            <a:r>
+              <a:rPr lang="en-US" dirty="0" smtClean="0"/>
+              <a:t>problem (1/3)</a:t>
             </a:r>
             <a:endParaRPr lang="en-US" dirty="0"/>
           </a:p>
@@ -10534,7 +13927,7 @@
               <a:buChar char="•"/>
             </a:pPr>
             <a:r>
-              <a:rPr lang="en-US" dirty="0" smtClean="0"/>
+              <a:rPr lang="en-US" sz="2400" dirty="0" smtClean="0"/>
               <a:t> 12 different datasets</a:t>
             </a:r>
           </a:p>
@@ -10544,27 +13937,27 @@
               <a:buChar char="•"/>
             </a:pPr>
             <a:r>
-              <a:rPr lang="en-US" dirty="0"/>
+              <a:rPr lang="en-US" sz="2400" dirty="0"/>
               <a:t> </a:t>
             </a:r>
             <a:r>
-              <a:rPr lang="en-US" dirty="0" smtClean="0"/>
+              <a:rPr lang="en-US" sz="2400" dirty="0" smtClean="0"/>
               <a:t>Ranking depends on the </a:t>
             </a:r>
             <a:r>
-              <a:rPr lang="en-US" i="1" dirty="0" smtClean="0"/>
+              <a:rPr lang="en-US" sz="2400" i="1" dirty="0" smtClean="0"/>
               <a:t>distance to feasibility</a:t>
             </a:r>
             <a:r>
-              <a:rPr lang="en-US" dirty="0" smtClean="0"/>
+              <a:rPr lang="en-US" sz="2400" dirty="0" smtClean="0"/>
               <a:t> and </a:t>
             </a:r>
             <a:r>
-              <a:rPr lang="en-US" i="1" dirty="0" smtClean="0"/>
+              <a:rPr lang="en-US" sz="2400" i="1" dirty="0" smtClean="0"/>
               <a:t>fitness </a:t>
             </a:r>
             <a:r>
-              <a:rPr lang="en-US" dirty="0" smtClean="0"/>
+              <a:rPr lang="en-US" sz="2400" dirty="0" smtClean="0"/>
               <a:t>values</a:t>
             </a:r>
           </a:p>
@@ -10574,14 +13967,13 @@
               <a:buChar char="•"/>
             </a:pPr>
             <a:r>
-              <a:rPr lang="en-US" dirty="0"/>
+              <a:rPr lang="en-US" sz="2400" dirty="0"/>
               <a:t> </a:t>
             </a:r>
             <a:r>
-              <a:rPr lang="en-US" dirty="0" smtClean="0"/>
+              <a:rPr lang="en-US" sz="2400" dirty="0" smtClean="0"/>
               <a:t>The benchmarking program limited this project’s execution time to 225 seconds</a:t>
             </a:r>
-            <a:endParaRPr lang="en-US" dirty="0" smtClean="0"/>
           </a:p>
           <a:p>
             <a:pPr>
@@ -10589,7 +13981,7 @@
               <a:buChar char="•"/>
             </a:pPr>
             <a:r>
-              <a:rPr lang="en-US" dirty="0" smtClean="0"/>
+              <a:rPr lang="en-US" sz="2400" dirty="0" smtClean="0"/>
               <a:t> The hard constraints are the following:</a:t>
             </a:r>
           </a:p>
@@ -10599,7 +13991,7 @@
               <a:buChar char="•"/>
             </a:pPr>
             <a:r>
-              <a:rPr lang="en-US" dirty="0" smtClean="0"/>
+              <a:rPr lang="en-US" sz="2400" dirty="0" smtClean="0"/>
               <a:t>No student must be in more than 1 exam at the same time</a:t>
             </a:r>
           </a:p>
@@ -10609,7 +14001,7 @@
               <a:buChar char="•"/>
             </a:pPr>
             <a:r>
-              <a:rPr lang="en-US" dirty="0" smtClean="0"/>
+              <a:rPr lang="en-US" sz="2400" dirty="0" smtClean="0"/>
               <a:t>Room’s capacity must not be exceeded</a:t>
             </a:r>
           </a:p>
@@ -10619,23 +14011,23 @@
               <a:buChar char="•"/>
             </a:pPr>
             <a:r>
-              <a:rPr lang="en-US" dirty="0" smtClean="0"/>
+              <a:rPr lang="en-US" sz="2400" dirty="0" smtClean="0"/>
               <a:t>Exam’s </a:t>
             </a:r>
             <a:r>
-              <a:rPr lang="en-US" dirty="0"/>
+              <a:rPr lang="en-US" sz="2400" dirty="0"/>
               <a:t>length must not surpass the </a:t>
             </a:r>
             <a:r>
-              <a:rPr lang="en-US" dirty="0" smtClean="0"/>
+              <a:rPr lang="en-US" sz="2400" dirty="0" smtClean="0"/>
               <a:t>assigned </a:t>
             </a:r>
             <a:r>
-              <a:rPr lang="en-US" dirty="0"/>
+              <a:rPr lang="en-US" sz="2400" dirty="0"/>
               <a:t>time </a:t>
             </a:r>
             <a:r>
-              <a:rPr lang="en-US" dirty="0" smtClean="0"/>
+              <a:rPr lang="en-US" sz="2400" dirty="0" smtClean="0"/>
               <a:t>slot’s length</a:t>
             </a:r>
           </a:p>
@@ -10645,15 +14037,15 @@
               <a:buChar char="•"/>
             </a:pPr>
             <a:r>
-              <a:rPr lang="en-US" dirty="0" smtClean="0"/>
+              <a:rPr lang="en-US" sz="2400" dirty="0" smtClean="0"/>
               <a:t>Exams hard </a:t>
             </a:r>
             <a:r>
-              <a:rPr lang="en-US" dirty="0"/>
+              <a:rPr lang="en-US" sz="2400" dirty="0"/>
               <a:t>constraints must be </a:t>
             </a:r>
             <a:r>
-              <a:rPr lang="en-US" dirty="0" smtClean="0"/>
+              <a:rPr lang="en-US" sz="2400" dirty="0" smtClean="0"/>
               <a:t>followed (e.g., 1 AFTER 2)</a:t>
             </a:r>
           </a:p>
@@ -10663,24 +14055,8 @@
               <a:buChar char="•"/>
             </a:pPr>
             <a:r>
-              <a:rPr lang="en-US" dirty="0" smtClean="0"/>
-              <a:t>Rooms hard </a:t>
-            </a:r>
-            <a:r>
-              <a:rPr lang="en-US" dirty="0"/>
-              <a:t>constraints must be </a:t>
-            </a:r>
-            <a:r>
-              <a:rPr lang="en-US" dirty="0" smtClean="0"/>
-              <a:t>followed (e.g., </a:t>
-            </a:r>
-            <a:r>
-              <a:rPr lang="en-US" dirty="0"/>
-              <a:t>1 </a:t>
-            </a:r>
-            <a:r>
-              <a:rPr lang="en-US" dirty="0" smtClean="0"/>
-              <a:t>ROOM_EXCLUSIVE)</a:t>
+              <a:rPr lang="en-US" sz="2400" dirty="0"/>
+              <a:t>Rooms hard constraints must be followed (e.g., 1 ROOM_EXCLUSIVE)</a:t>
             </a:r>
           </a:p>
         </p:txBody>
@@ -10762,7 +14138,19 @@
           <a:p>
             <a:r>
               <a:rPr lang="en-US" dirty="0"/>
-              <a:t>ITC 2007 Examination timetabling problem</a:t>
+              <a:t>ITC 2007 Examination timetabling </a:t>
+            </a:r>
+            <a:r>
+              <a:rPr lang="en-US" dirty="0"/>
+              <a:t>problem </a:t>
+            </a:r>
+            <a:r>
+              <a:rPr lang="en-US" dirty="0" smtClean="0"/>
+              <a:t>(2/3</a:t>
+            </a:r>
+            <a:r>
+              <a:rPr lang="en-US" dirty="0"/>
+              <a:t>)</a:t>
             </a:r>
             <a:endParaRPr lang="pt-PT" dirty="0"/>
           </a:p>
@@ -10779,7 +14167,7 @@
           </p:nvPr>
         </p:nvPicPr>
         <p:blipFill>
-          <a:blip r:embed="rId2">
+          <a:blip r:embed="rId3">
             <a:extLst>
               <a:ext uri="{28A0092B-C50C-407E-A947-70E740481C1C}">
                 <a14:useLocalDpi xmlns:a14="http://schemas.microsoft.com/office/drawing/2010/main" val="0"/>
@@ -10874,7 +14262,19 @@
           <a:p>
             <a:r>
               <a:rPr lang="en-US" dirty="0"/>
-              <a:t>ITC 2007 Examination timetabling problem</a:t>
+              <a:t>ITC 2007 Examination timetabling </a:t>
+            </a:r>
+            <a:r>
+              <a:rPr lang="en-US" dirty="0"/>
+              <a:t>problem </a:t>
+            </a:r>
+            <a:r>
+              <a:rPr lang="en-US" dirty="0" smtClean="0"/>
+              <a:t>(3/3</a:t>
+            </a:r>
+            <a:r>
+              <a:rPr lang="en-US" dirty="0"/>
+              <a:t>)</a:t>
             </a:r>
             <a:endParaRPr lang="pt-PT" dirty="0"/>
           </a:p>
@@ -10900,11 +14300,11 @@
               <a:buChar char="•"/>
             </a:pPr>
             <a:r>
-              <a:rPr lang="en-US" dirty="0" smtClean="0"/>
+              <a:rPr lang="en-US" sz="2800" dirty="0" smtClean="0"/>
               <a:t> The soft constraints </a:t>
             </a:r>
             <a:r>
-              <a:rPr lang="en-US" dirty="0"/>
+              <a:rPr lang="en-US" sz="2800" dirty="0"/>
               <a:t>are the following:</a:t>
             </a:r>
           </a:p>
@@ -10914,17 +14314,18 @@
               <a:buChar char="•"/>
             </a:pPr>
             <a:r>
-              <a:rPr lang="en-US" dirty="0" smtClean="0"/>
+              <a:rPr lang="en-US" sz="2800" dirty="0" smtClean="0"/>
               <a:t>Two </a:t>
             </a:r>
             <a:r>
-              <a:rPr lang="en-US" dirty="0"/>
+              <a:rPr lang="en-US" sz="2800" dirty="0"/>
               <a:t>exams in a </a:t>
             </a:r>
             <a:r>
-              <a:rPr lang="en-US" dirty="0" smtClean="0"/>
-              <a:t>row/day</a:t>
-            </a:r>
+              <a:rPr lang="en-US" sz="2800" dirty="0" smtClean="0"/>
+              <a:t>row or in a day</a:t>
+            </a:r>
+            <a:endParaRPr lang="en-US" sz="2800" dirty="0" smtClean="0"/>
           </a:p>
           <a:p>
             <a:pPr lvl="1">
@@ -10932,10 +14333,10 @@
               <a:buChar char="•"/>
             </a:pPr>
             <a:r>
-              <a:rPr lang="en-US" dirty="0" smtClean="0"/>
+              <a:rPr lang="en-US" sz="2800" dirty="0" smtClean="0"/>
               <a:t>Period spread</a:t>
             </a:r>
-            <a:endParaRPr lang="en-US" dirty="0"/>
+            <a:endParaRPr lang="en-US" sz="2800" dirty="0"/>
           </a:p>
           <a:p>
             <a:pPr lvl="1">
@@ -10943,10 +14344,10 @@
               <a:buChar char="•"/>
             </a:pPr>
             <a:r>
-              <a:rPr lang="en-US" dirty="0" smtClean="0"/>
+              <a:rPr lang="en-US" sz="2800" dirty="0" smtClean="0"/>
               <a:t>Mixed durations</a:t>
             </a:r>
-            <a:endParaRPr lang="en-US" dirty="0"/>
+            <a:endParaRPr lang="en-US" sz="2800" dirty="0"/>
           </a:p>
           <a:p>
             <a:pPr lvl="1">
@@ -10954,7 +14355,7 @@
               <a:buChar char="•"/>
             </a:pPr>
             <a:r>
-              <a:rPr lang="en-US" dirty="0" smtClean="0"/>
+              <a:rPr lang="en-US" sz="2800" dirty="0" smtClean="0"/>
               <a:t>Larger exams constraints</a:t>
             </a:r>
           </a:p>
@@ -10964,10 +14365,10 @@
               <a:buChar char="•"/>
             </a:pPr>
             <a:r>
-              <a:rPr lang="en-US" dirty="0" smtClean="0"/>
+              <a:rPr lang="en-US" sz="2800" dirty="0" smtClean="0"/>
               <a:t>Room penalty</a:t>
             </a:r>
-            <a:endParaRPr lang="pt-PT" dirty="0" smtClean="0"/>
+            <a:endParaRPr lang="pt-PT" sz="2800" dirty="0" smtClean="0"/>
           </a:p>
           <a:p>
             <a:pPr lvl="1">
@@ -10975,7 +14376,7 @@
               <a:buChar char="•"/>
             </a:pPr>
             <a:r>
-              <a:rPr lang="en-US" dirty="0" smtClean="0"/>
+              <a:rPr lang="en-US" sz="2800" dirty="0" smtClean="0"/>
               <a:t>Period penalty</a:t>
             </a:r>
           </a:p>
@@ -11060,25 +14461,54 @@
           <a:lstStyle/>
           <a:p>
             <a:r>
-              <a:rPr lang="en-US" dirty="0"/>
-              <a:t>System </a:t>
-            </a:r>
-            <a:r>
-              <a:rPr lang="en-US" dirty="0" smtClean="0"/>
-              <a:t>architecture</a:t>
-            </a:r>
-            <a:endParaRPr lang="pt-PT" dirty="0"/>
+              <a:rPr lang="en-US" dirty="0" smtClean="0">
+                <a:solidFill>
+                  <a:srgbClr val="404040"/>
+                </a:solidFill>
+              </a:rPr>
+              <a:t>Proposed Solution</a:t>
+            </a:r>
+            <a:endParaRPr lang="en-US" dirty="0">
+              <a:solidFill>
+                <a:srgbClr val="404040"/>
+              </a:solidFill>
+            </a:endParaRPr>
           </a:p>
         </p:txBody>
       </p:sp>
-      <p:sp>
-        <p:nvSpPr>
-          <p:cNvPr id="3" name="Content Placeholder 2"/>
+      <p:graphicFrame>
+        <p:nvGraphicFramePr>
+          <p:cNvPr id="28" name="Content Placeholder 27"/>
+          <p:cNvGraphicFramePr>
+            <a:graphicFrameLocks noGrp="1"/>
+          </p:cNvGraphicFramePr>
+          <p:nvPr>
+            <p:ph idx="1"/>
+            <p:extLst>
+              <p:ext uri="{D42A27DB-BD31-4B8C-83A1-F6EECF244321}">
+                <p14:modId xmlns:p14="http://schemas.microsoft.com/office/powerpoint/2010/main" val="878141644"/>
+              </p:ext>
+            </p:extLst>
+          </p:nvPr>
+        </p:nvGraphicFramePr>
+        <p:xfrm>
+          <a:off x="1096963" y="1846263"/>
+          <a:ext cx="10058400" cy="4022725"/>
+        </p:xfrm>
+        <a:graphic>
+          <a:graphicData uri="http://schemas.openxmlformats.org/drawingml/2006/diagram">
+            <dgm:relIds xmlns:dgm="http://schemas.openxmlformats.org/drawingml/2006/diagram" xmlns:r="http://schemas.openxmlformats.org/officeDocument/2006/relationships" r:dm="rId2" r:lo="rId3" r:qs="rId4" r:cs="rId5"/>
+          </a:graphicData>
+        </a:graphic>
+      </p:graphicFrame>
+      <p:sp>
+        <p:nvSpPr>
+          <p:cNvPr id="4" name="Slide Number Placeholder 3"/>
           <p:cNvSpPr>
             <a:spLocks noGrp="1"/>
           </p:cNvSpPr>
           <p:nvPr>
-            <p:ph idx="1"/>
+            <p:ph type="sldNum" sz="quarter" idx="12"/>
           </p:nvPr>
         </p:nvSpPr>
         <p:spPr/>
@@ -11086,6 +14516,99 @@
           <a:bodyPr/>
           <a:lstStyle/>
           <a:p>
+            <a:fld id="{4CE482DC-2269-4F26-9D2A-7E44B1A4CD85}" type="slidenum">
+              <a:rPr lang="en-US" smtClean="0"/>
+              <a:t>13</a:t>
+            </a:fld>
+            <a:endParaRPr lang="en-US" dirty="0"/>
+          </a:p>
+        </p:txBody>
+      </p:sp>
+    </p:spTree>
+    <p:extLst>
+      <p:ext uri="{BB962C8B-B14F-4D97-AF65-F5344CB8AC3E}">
+        <p14:creationId xmlns:p14="http://schemas.microsoft.com/office/powerpoint/2010/main" val="4107752152"/>
+      </p:ext>
+    </p:extLst>
+  </p:cSld>
+  <p:clrMapOvr>
+    <a:masterClrMapping/>
+  </p:clrMapOvr>
+  <p:timing>
+    <p:tnLst>
+      <p:par>
+        <p:cTn id="1" dur="indefinite" restart="never" nodeType="tmRoot"/>
+      </p:par>
+    </p:tnLst>
+  </p:timing>
+</p:sld>
+</file>
+
+<file path=ppt/slides/slide14.xml><?xml version="1.0" encoding="utf-8"?>
+<p:sld xmlns:a="http://schemas.openxmlformats.org/drawingml/2006/main" xmlns:r="http://schemas.openxmlformats.org/officeDocument/2006/relationships" xmlns:p="http://schemas.openxmlformats.org/presentationml/2006/main">
+  <p:cSld>
+    <p:spTree>
+      <p:nvGrpSpPr>
+        <p:cNvPr id="1" name=""/>
+        <p:cNvGrpSpPr/>
+        <p:nvPr/>
+      </p:nvGrpSpPr>
+      <p:grpSpPr>
+        <a:xfrm>
+          <a:off x="0" y="0"/>
+          <a:ext cx="0" cy="0"/>
+          <a:chOff x="0" y="0"/>
+          <a:chExt cx="0" cy="0"/>
+        </a:xfrm>
+      </p:grpSpPr>
+      <p:sp>
+        <p:nvSpPr>
+          <p:cNvPr id="2" name="Title 1"/>
+          <p:cNvSpPr>
+            <a:spLocks noGrp="1"/>
+          </p:cNvSpPr>
+          <p:nvPr>
+            <p:ph type="title"/>
+          </p:nvPr>
+        </p:nvSpPr>
+        <p:spPr/>
+        <p:txBody>
+          <a:bodyPr/>
+          <a:lstStyle/>
+          <a:p>
+            <a:r>
+              <a:rPr lang="en-US" dirty="0" smtClean="0">
+                <a:solidFill>
+                  <a:srgbClr val="404040"/>
+                </a:solidFill>
+              </a:rPr>
+              <a:t>Proposed Architecture</a:t>
+            </a:r>
+            <a:endParaRPr lang="pt-PT" dirty="0">
+              <a:solidFill>
+                <a:srgbClr val="404040"/>
+              </a:solidFill>
+            </a:endParaRPr>
+          </a:p>
+        </p:txBody>
+      </p:sp>
+      <p:sp>
+        <p:nvSpPr>
+          <p:cNvPr id="3" name="Content Placeholder 2"/>
+          <p:cNvSpPr>
+            <a:spLocks noGrp="1"/>
+          </p:cNvSpPr>
+          <p:nvPr>
+            <p:ph idx="1"/>
+          </p:nvPr>
+        </p:nvSpPr>
+        <p:spPr/>
+        <p:txBody>
+          <a:bodyPr>
+            <a:normAutofit fontScale="92500" lnSpcReduction="20000"/>
+          </a:bodyPr>
+          <a:lstStyle/>
+          <a:p>
             <a:pPr>
               <a:buFont typeface="Arial" panose="020B0604020202020204" pitchFamily="34" charset="0"/>
               <a:buChar char="•"/>
@@ -11181,12 +14704,8 @@
               <a:buChar char="•"/>
             </a:pPr>
             <a:r>
-              <a:rPr lang="en-US" dirty="0"/>
-              <a:t> Tools </a:t>
-            </a:r>
-            <a:r>
               <a:rPr lang="en-US" dirty="0" smtClean="0"/>
-              <a:t>Layer</a:t>
+              <a:t> Heuristics Layer</a:t>
             </a:r>
           </a:p>
           <a:p>
@@ -11196,11 +14715,7 @@
             </a:pPr>
             <a:r>
               <a:rPr lang="en-US" dirty="0" smtClean="0"/>
-              <a:t>Tools </a:t>
-            </a:r>
-            <a:r>
-              <a:rPr lang="en-US" dirty="0"/>
-              <a:t>used by the Heuristics Layer and lower layers</a:t>
+              <a:t>Provides access to the implemented heuristics</a:t>
             </a:r>
             <a:endParaRPr lang="en-US" dirty="0" smtClean="0"/>
           </a:p>
@@ -11210,6 +14725,35 @@
               <a:buChar char="•"/>
             </a:pPr>
             <a:r>
+              <a:rPr lang="en-US" dirty="0"/>
+              <a:t> Tools </a:t>
+            </a:r>
+            <a:r>
+              <a:rPr lang="en-US" dirty="0" smtClean="0"/>
+              <a:t>Layer</a:t>
+            </a:r>
+          </a:p>
+          <a:p>
+            <a:pPr lvl="1">
+              <a:buFont typeface="Arial" panose="020B0604020202020204" pitchFamily="34" charset="0"/>
+              <a:buChar char="•"/>
+            </a:pPr>
+            <a:r>
+              <a:rPr lang="en-US" dirty="0" smtClean="0"/>
+              <a:t>Tools </a:t>
+            </a:r>
+            <a:r>
+              <a:rPr lang="en-US" dirty="0"/>
+              <a:t>used by the Heuristics Layer and lower layers</a:t>
+            </a:r>
+            <a:endParaRPr lang="en-US" dirty="0" smtClean="0"/>
+          </a:p>
+          <a:p>
+            <a:pPr>
+              <a:buFont typeface="Arial" panose="020B0604020202020204" pitchFamily="34" charset="0"/>
+              <a:buChar char="•"/>
+            </a:pPr>
+            <a:r>
               <a:rPr lang="en-US" dirty="0" smtClean="0"/>
               <a:t> Presentation Layer</a:t>
             </a:r>
@@ -11233,7 +14777,7 @@
           <a:p>
             <a:fld id="{4CE482DC-2269-4F26-9D2A-7E44B1A4CD85}" type="slidenum">
               <a:rPr lang="en-US" smtClean="0"/>
-              <a:t>13</a:t>
+              <a:t>14</a:t>
             </a:fld>
             <a:endParaRPr lang="en-US" dirty="0"/>
           </a:p>
@@ -11248,7 +14792,7 @@
           <p:nvPr/>
         </p:nvPicPr>
         <p:blipFill>
-          <a:blip r:embed="rId2">
+          <a:blip r:embed="rId3">
             <a:extLst>
               <a:ext uri="{28A0092B-C50C-407E-A947-70E740481C1C}">
                 <a14:useLocalDpi xmlns:a14="http://schemas.microsoft.com/office/drawing/2010/main" val="0"/>
@@ -11289,107 +14833,6 @@
 </p:sld>
 </file>
 
-<file path=ppt/slides/slide14.xml><?xml version="1.0" encoding="utf-8"?>
-<p:sld xmlns:a="http://schemas.openxmlformats.org/drawingml/2006/main" xmlns:r="http://schemas.openxmlformats.org/officeDocument/2006/relationships" xmlns:p="http://schemas.openxmlformats.org/presentationml/2006/main">
-  <p:cSld>
-    <p:spTree>
-      <p:nvGrpSpPr>
-        <p:cNvPr id="1" name=""/>
-        <p:cNvGrpSpPr/>
-        <p:nvPr/>
-      </p:nvGrpSpPr>
-      <p:grpSpPr>
-        <a:xfrm>
-          <a:off x="0" y="0"/>
-          <a:ext cx="0" cy="0"/>
-          <a:chOff x="0" y="0"/>
-          <a:chExt cx="0" cy="0"/>
-        </a:xfrm>
-      </p:grpSpPr>
-      <p:sp>
-        <p:nvSpPr>
-          <p:cNvPr id="2" name="Title 1"/>
-          <p:cNvSpPr>
-            <a:spLocks noGrp="1"/>
-          </p:cNvSpPr>
-          <p:nvPr>
-            <p:ph type="title"/>
-          </p:nvPr>
-        </p:nvSpPr>
-        <p:spPr/>
-        <p:txBody>
-          <a:bodyPr/>
-          <a:lstStyle/>
-          <a:p>
-            <a:r>
-              <a:rPr lang="en-US" dirty="0" smtClean="0"/>
-              <a:t>System phases</a:t>
-            </a:r>
-            <a:endParaRPr lang="en-US" dirty="0"/>
-          </a:p>
-        </p:txBody>
-      </p:sp>
-      <p:graphicFrame>
-        <p:nvGraphicFramePr>
-          <p:cNvPr id="28" name="Content Placeholder 27"/>
-          <p:cNvGraphicFramePr>
-            <a:graphicFrameLocks noGrp="1"/>
-          </p:cNvGraphicFramePr>
-          <p:nvPr>
-            <p:ph idx="1"/>
-            <p:extLst>
-              <p:ext uri="{D42A27DB-BD31-4B8C-83A1-F6EECF244321}">
-                <p14:modId xmlns:p14="http://schemas.microsoft.com/office/powerpoint/2010/main" val="878141644"/>
-              </p:ext>
-            </p:extLst>
-          </p:nvPr>
-        </p:nvGraphicFramePr>
-        <p:xfrm>
-          <a:off x="1096963" y="1846263"/>
-          <a:ext cx="10058400" cy="4022725"/>
-        </p:xfrm>
-        <a:graphic>
-          <a:graphicData uri="http://schemas.openxmlformats.org/drawingml/2006/diagram">
-            <dgm:relIds xmlns:dgm="http://schemas.openxmlformats.org/drawingml/2006/diagram" xmlns:r="http://schemas.openxmlformats.org/officeDocument/2006/relationships" r:dm="rId2" r:lo="rId3" r:qs="rId4" r:cs="rId5"/>
-          </a:graphicData>
-        </a:graphic>
-      </p:graphicFrame>
-      <p:sp>
-        <p:nvSpPr>
-          <p:cNvPr id="4" name="Slide Number Placeholder 3"/>
-          <p:cNvSpPr>
-            <a:spLocks noGrp="1"/>
-          </p:cNvSpPr>
-          <p:nvPr>
-            <p:ph type="sldNum" sz="quarter" idx="12"/>
-          </p:nvPr>
-        </p:nvSpPr>
-        <p:spPr/>
-        <p:txBody>
-          <a:bodyPr/>
-          <a:lstStyle/>
-          <a:p>
-            <a:fld id="{4CE482DC-2269-4F26-9D2A-7E44B1A4CD85}" type="slidenum">
-              <a:rPr lang="en-US" smtClean="0"/>
-              <a:t>14</a:t>
-            </a:fld>
-            <a:endParaRPr lang="en-US" dirty="0"/>
-          </a:p>
-        </p:txBody>
-      </p:sp>
-    </p:spTree>
-    <p:extLst>
-      <p:ext uri="{BB962C8B-B14F-4D97-AF65-F5344CB8AC3E}">
-        <p14:creationId xmlns:p14="http://schemas.microsoft.com/office/powerpoint/2010/main" val="4107752152"/>
-      </p:ext>
-    </p:extLst>
-  </p:cSld>
-  <p:clrMapOvr>
-    <a:masterClrMapping/>
-  </p:clrMapOvr>
-</p:sld>
-</file>
-
 <file path=ppt/slides/slide15.xml><?xml version="1.0" encoding="utf-8"?>
 <p:sld xmlns:a="http://schemas.openxmlformats.org/drawingml/2006/main" xmlns:r="http://schemas.openxmlformats.org/officeDocument/2006/relationships" xmlns:p="http://schemas.openxmlformats.org/presentationml/2006/main">
   <p:cSld>
@@ -11442,7 +14885,9 @@
         </p:nvSpPr>
         <p:spPr/>
         <p:txBody>
-          <a:bodyPr/>
+          <a:bodyPr>
+            <a:normAutofit/>
+          </a:bodyPr>
           <a:lstStyle/>
           <a:p>
             <a:pPr>
@@ -11450,15 +14895,15 @@
               <a:buChar char="•"/>
             </a:pPr>
             <a:r>
-              <a:rPr lang="en-US" dirty="0" smtClean="0"/>
+              <a:rPr lang="en-US" sz="2400" dirty="0" smtClean="0"/>
               <a:t> </a:t>
             </a:r>
             <a:r>
-              <a:rPr lang="en-US" dirty="0"/>
+              <a:rPr lang="en-US" sz="2400" dirty="0"/>
               <a:t>First phase on the project </a:t>
             </a:r>
             <a:r>
-              <a:rPr lang="en-US" dirty="0" smtClean="0"/>
+              <a:rPr lang="en-US" sz="2400" dirty="0" smtClean="0"/>
               <a:t>execution</a:t>
             </a:r>
           </a:p>
@@ -11468,12 +14913,8 @@
               <a:buChar char="•"/>
             </a:pPr>
             <a:r>
-              <a:rPr lang="en-US" smtClean="0"/>
-              <a:t> Loads </a:t>
-            </a:r>
-            <a:r>
-              <a:rPr lang="en-US" dirty="0" smtClean="0"/>
-              <a:t>all the information from the dataset</a:t>
+              <a:rPr lang="en-US" sz="2400" dirty="0" smtClean="0"/>
+              <a:t> Loads all the information from the dataset</a:t>
             </a:r>
           </a:p>
           <a:p>
@@ -11482,11 +14923,11 @@
               <a:buChar char="•"/>
             </a:pPr>
             <a:r>
-              <a:rPr lang="en-US" dirty="0"/>
+              <a:rPr lang="en-US" sz="2400" dirty="0"/>
               <a:t> </a:t>
             </a:r>
             <a:r>
-              <a:rPr lang="en-US" dirty="0" smtClean="0"/>
+              <a:rPr lang="en-US" sz="2400" dirty="0" smtClean="0"/>
               <a:t>Creates and populates the conflict matrix</a:t>
             </a:r>
           </a:p>
@@ -11496,11 +14937,11 @@
               <a:buChar char="•"/>
             </a:pPr>
             <a:r>
-              <a:rPr lang="en-US" dirty="0"/>
+              <a:rPr lang="en-US" sz="2400" dirty="0"/>
               <a:t> </a:t>
             </a:r>
             <a:r>
-              <a:rPr lang="en-US" dirty="0" smtClean="0"/>
+              <a:rPr lang="en-US" sz="2400" dirty="0" smtClean="0"/>
               <a:t>Each dataset contains all the information required to create a solution:</a:t>
             </a:r>
           </a:p>
@@ -11510,18 +14951,18 @@
               <a:buChar char="•"/>
             </a:pPr>
             <a:r>
-              <a:rPr lang="en-US" dirty="0" smtClean="0"/>
+              <a:rPr lang="en-US" sz="2400" dirty="0" smtClean="0"/>
               <a:t>Examinations and students</a:t>
             </a:r>
             <a:r>
-              <a:rPr lang="en-US" dirty="0"/>
+              <a:rPr lang="en-US" sz="2400" dirty="0"/>
               <a:t>’ </a:t>
             </a:r>
             <a:r>
-              <a:rPr lang="en-US" dirty="0" err="1" smtClean="0"/>
+              <a:rPr lang="en-US" sz="2400" dirty="0" err="1" smtClean="0"/>
               <a:t>attendings</a:t>
             </a:r>
-            <a:endParaRPr lang="en-US" dirty="0" smtClean="0"/>
+            <a:endParaRPr lang="en-US" sz="2400" dirty="0" smtClean="0"/>
           </a:p>
           <a:p>
             <a:pPr lvl="1">
@@ -11529,7 +14970,7 @@
               <a:buChar char="•"/>
             </a:pPr>
             <a:r>
-              <a:rPr lang="en-US" dirty="0" smtClean="0"/>
+              <a:rPr lang="en-US" sz="2400" dirty="0" smtClean="0"/>
               <a:t>Rooms, their capacities and penalties</a:t>
             </a:r>
           </a:p>
@@ -11539,7 +14980,7 @@
               <a:buChar char="•"/>
             </a:pPr>
             <a:r>
-              <a:rPr lang="en-US" dirty="0" smtClean="0"/>
+              <a:rPr lang="en-US" sz="2400" dirty="0" smtClean="0"/>
               <a:t>Periods and their penalties</a:t>
             </a:r>
           </a:p>
@@ -11549,7 +14990,7 @@
               <a:buChar char="•"/>
             </a:pPr>
             <a:r>
-              <a:rPr lang="en-US" dirty="0" smtClean="0"/>
+              <a:rPr lang="en-US" sz="2400" dirty="0" smtClean="0"/>
               <a:t>Period and room hard constraints (optional)</a:t>
             </a:r>
           </a:p>
@@ -11559,7 +15000,7 @@
               <a:buChar char="•"/>
             </a:pPr>
             <a:r>
-              <a:rPr lang="en-US" dirty="0" smtClean="0"/>
+              <a:rPr lang="en-US" sz="2400" dirty="0" smtClean="0"/>
               <a:t>Soft constraints</a:t>
             </a:r>
           </a:p>
@@ -11671,24 +15112,21 @@
             </a:pPr>
             <a:r>
               <a:rPr lang="en-US" dirty="0" smtClean="0"/>
-              <a:t> </a:t>
+              <a:t> Largest </a:t>
             </a:r>
             <a:r>
               <a:rPr lang="en-US" dirty="0"/>
-              <a:t> The </a:t>
+              <a:t>Degree </a:t>
             </a:r>
             <a:r>
               <a:rPr lang="en-US" dirty="0" smtClean="0"/>
-              <a:t>method used is the </a:t>
-            </a:r>
-            <a:r>
-              <a:rPr lang="en-US" dirty="0"/>
-              <a:t>Largest Degree </a:t>
+              <a:t>Ordering </a:t>
             </a:r>
             <a:r>
               <a:rPr lang="en-US" dirty="0" smtClean="0"/>
-              <a:t>Ordering method</a:t>
-            </a:r>
+              <a:t>method is used</a:t>
+            </a:r>
+            <a:endParaRPr lang="en-US" dirty="0" smtClean="0"/>
           </a:p>
           <a:p>
             <a:pPr>
@@ -11697,11 +15135,15 @@
             </a:pPr>
             <a:r>
               <a:rPr lang="en-US" dirty="0" smtClean="0"/>
-              <a:t> The </a:t>
+              <a:t> </a:t>
+            </a:r>
+            <a:r>
+              <a:rPr lang="en-US" dirty="0" smtClean="0"/>
+              <a:t>Generates </a:t>
             </a:r>
             <a:r>
               <a:rPr lang="en-US" dirty="0"/>
-              <a:t>heuristic used to generate a feasible </a:t>
+              <a:t>a feasible </a:t>
             </a:r>
             <a:r>
               <a:rPr lang="en-US" dirty="0" smtClean="0"/>
@@ -11715,7 +15157,11 @@
             </a:pPr>
             <a:r>
               <a:rPr lang="en-US" dirty="0" smtClean="0"/>
-              <a:t> The implementation was divided in four phases:</a:t>
+              <a:t> Implementation </a:t>
+            </a:r>
+            <a:r>
+              <a:rPr lang="en-US" dirty="0" smtClean="0"/>
+              <a:t>was divided in four phases:</a:t>
             </a:r>
           </a:p>
           <a:p>
@@ -12008,7 +15454,7 @@
         </p:xfrm>
         <a:graphic>
           <a:graphicData uri="http://schemas.openxmlformats.org/drawingml/2006/diagram">
-            <dgm:relIds xmlns:dgm="http://schemas.openxmlformats.org/drawingml/2006/diagram" xmlns:r="http://schemas.openxmlformats.org/officeDocument/2006/relationships" r:dm="rId2" r:lo="rId3" r:qs="rId4" r:cs="rId5"/>
+            <dgm:relIds xmlns:dgm="http://schemas.openxmlformats.org/drawingml/2006/diagram" xmlns:r="http://schemas.openxmlformats.org/officeDocument/2006/relationships" r:dm="rId3" r:lo="rId4" r:qs="rId5" r:cs="rId6"/>
           </a:graphicData>
         </a:graphic>
       </p:graphicFrame>
@@ -12784,7 +16230,15 @@
           <a:p>
             <a:r>
               <a:rPr lang="en-US" dirty="0" smtClean="0"/>
-              <a:t>Simulated Annealing</a:t>
+              <a:t>Simulated </a:t>
+            </a:r>
+            <a:r>
+              <a:rPr lang="en-US" dirty="0"/>
+              <a:t>Annealing </a:t>
+            </a:r>
+            <a:r>
+              <a:rPr lang="en-US" dirty="0" smtClean="0"/>
+              <a:t>(1/2)</a:t>
             </a:r>
             <a:endParaRPr lang="en-US" dirty="0"/>
           </a:p>
@@ -12802,7 +16256,9 @@
         </p:nvSpPr>
         <p:spPr/>
         <p:txBody>
-          <a:bodyPr/>
+          <a:bodyPr>
+            <a:normAutofit/>
+          </a:bodyPr>
           <a:lstStyle/>
           <a:p>
             <a:pPr>
@@ -12821,17 +16277,8 @@
             </a:pPr>
             <a:r>
               <a:rPr lang="en-US" dirty="0" smtClean="0"/>
-              <a:t> </a:t>
-            </a:r>
-            <a:r>
-              <a:rPr lang="en-US" dirty="0" smtClean="0"/>
-              <a:t>Neighbor </a:t>
-            </a:r>
-            <a:r>
-              <a:rPr lang="en-US" dirty="0" smtClean="0"/>
-              <a:t>solutions’ acceptance criterion: </a:t>
-            </a:r>
-            <a:endParaRPr lang="en-US" dirty="0" smtClean="0"/>
+              <a:t> Neighbor solutions’ acceptance criterion: </a:t>
+            </a:r>
           </a:p>
           <a:p>
             <a:pPr>
@@ -12840,11 +16287,7 @@
             </a:pPr>
             <a:r>
               <a:rPr lang="en-US" dirty="0" smtClean="0"/>
-              <a:t> E</a:t>
-            </a:r>
-            <a:r>
-              <a:rPr lang="en-US" dirty="0" smtClean="0"/>
-              <a:t>xponential </a:t>
+              <a:t> Exponential </a:t>
             </a:r>
             <a:r>
               <a:rPr lang="en-US" dirty="0"/>
@@ -12875,14 +16318,9 @@
               <a:buChar char="•"/>
             </a:pPr>
             <a:r>
-              <a:rPr lang="en-US" dirty="0" smtClean="0"/>
-              <a:t>Maximum </a:t>
-            </a:r>
-            <a:r>
-              <a:rPr lang="en-US" dirty="0" smtClean="0"/>
-              <a:t>temperature</a:t>
-            </a:r>
-            <a:endParaRPr lang="en-US" dirty="0" smtClean="0"/>
+              <a:rPr lang="en-US" sz="2000" dirty="0" smtClean="0"/>
+              <a:t>Maximum temperature</a:t>
+            </a:r>
           </a:p>
           <a:p>
             <a:pPr lvl="1">
@@ -12890,14 +16328,9 @@
               <a:buChar char="•"/>
             </a:pPr>
             <a:r>
-              <a:rPr lang="en-US" dirty="0" smtClean="0"/>
-              <a:t>Minimum </a:t>
-            </a:r>
-            <a:r>
-              <a:rPr lang="en-US" dirty="0" smtClean="0"/>
-              <a:t>temperature</a:t>
-            </a:r>
-            <a:endParaRPr lang="en-US" dirty="0" smtClean="0"/>
+              <a:rPr lang="en-US" sz="2000" dirty="0" smtClean="0"/>
+              <a:t>Minimum temperature</a:t>
+            </a:r>
           </a:p>
           <a:p>
             <a:pPr lvl="1">
@@ -12905,14 +16338,9 @@
               <a:buChar char="•"/>
             </a:pPr>
             <a:r>
-              <a:rPr lang="en-US" dirty="0" smtClean="0"/>
-              <a:t>Number of iterations per temperature </a:t>
-            </a:r>
-            <a:r>
-              <a:rPr lang="en-US" dirty="0" smtClean="0"/>
-              <a:t>value</a:t>
-            </a:r>
-            <a:endParaRPr lang="en-US" dirty="0" smtClean="0"/>
+              <a:rPr lang="en-US" sz="2000" dirty="0" smtClean="0"/>
+              <a:t>Number of iterations per temperature value</a:t>
+            </a:r>
           </a:p>
           <a:p>
             <a:pPr lvl="1">
@@ -12920,14 +16348,10 @@
               <a:buChar char="•"/>
             </a:pPr>
             <a:r>
-              <a:rPr lang="en-US" dirty="0" smtClean="0"/>
-              <a:t>Temperature decreasing </a:t>
-            </a:r>
-            <a:r>
-              <a:rPr lang="en-US" dirty="0" smtClean="0"/>
-              <a:t>rate</a:t>
-            </a:r>
-            <a:endParaRPr lang="pt-PT" dirty="0"/>
+              <a:rPr lang="en-US" sz="2000" dirty="0" smtClean="0"/>
+              <a:t>Temperature decreasing rate</a:t>
+            </a:r>
+            <a:endParaRPr lang="pt-PT" sz="2000" dirty="0"/>
           </a:p>
         </p:txBody>
       </p:sp>
@@ -12940,7 +16364,7 @@
           <p:nvPr/>
         </p:nvPicPr>
         <p:blipFill>
-          <a:blip r:embed="rId2">
+          <a:blip r:embed="rId3">
             <a:extLst>
               <a:ext uri="{28A0092B-C50C-407E-A947-70E740481C1C}">
                 <a14:useLocalDpi xmlns:a14="http://schemas.microsoft.com/office/drawing/2010/main" val="0"/>
@@ -12970,7 +16394,7 @@
           <p:nvPr/>
         </p:nvPicPr>
         <p:blipFill>
-          <a:blip r:embed="rId3">
+          <a:blip r:embed="rId4">
             <a:extLst>
               <a:ext uri="{28A0092B-C50C-407E-A947-70E740481C1C}">
                 <a14:useLocalDpi xmlns:a14="http://schemas.microsoft.com/office/drawing/2010/main" val="0"/>
@@ -13023,7 +16447,7 @@
           <p:nvPr/>
         </p:nvPicPr>
         <p:blipFill>
-          <a:blip r:embed="rId4">
+          <a:blip r:embed="rId5">
             <a:extLst>
               <a:ext uri="{28A0092B-C50C-407E-A947-70E740481C1C}">
                 <a14:useLocalDpi xmlns:a14="http://schemas.microsoft.com/office/drawing/2010/main" val="0"/>
@@ -13036,7 +16460,7 @@
         </p:blipFill>
         <p:spPr>
           <a:xfrm>
-            <a:off x="5802629" y="3429868"/>
+            <a:off x="6084730" y="3566059"/>
             <a:ext cx="5942375" cy="2540074"/>
           </a:xfrm>
           <a:prstGeom prst="rect">
@@ -13098,8 +16522,17 @@
           <a:p>
             <a:r>
               <a:rPr lang="en-US" dirty="0"/>
-              <a:t>Simulated Annealing</a:t>
-            </a:r>
+              <a:t>Simulated </a:t>
+            </a:r>
+            <a:r>
+              <a:rPr lang="en-US" dirty="0"/>
+              <a:t>Annealing </a:t>
+            </a:r>
+            <a:r>
+              <a:rPr lang="en-US" dirty="0" smtClean="0"/>
+              <a:t>(2/2)</a:t>
+            </a:r>
+            <a:endParaRPr lang="en-US" dirty="0"/>
           </a:p>
         </p:txBody>
       </p:sp>
@@ -13119,53 +16552,53 @@
           <a:lstStyle/>
           <a:p>
             <a:r>
-              <a:rPr lang="en-US" dirty="0" smtClean="0"/>
+              <a:rPr lang="en-US" sz="2800" dirty="0" smtClean="0"/>
               <a:t>Parameters : </a:t>
             </a:r>
             <a:r>
-              <a:rPr lang="en-US" dirty="0" err="1" smtClean="0"/>
+              <a:rPr lang="en-US" sz="2800" dirty="0" err="1" smtClean="0"/>
               <a:t>TMax</a:t>
             </a:r>
             <a:r>
-              <a:rPr lang="en-US" dirty="0" smtClean="0"/>
+              <a:rPr lang="en-US" sz="2800" dirty="0" smtClean="0"/>
               <a:t> </a:t>
             </a:r>
             <a:r>
-              <a:rPr lang="en-US" dirty="0"/>
+              <a:rPr lang="en-US" sz="2800" dirty="0"/>
               <a:t>= 45, </a:t>
             </a:r>
             <a:r>
-              <a:rPr lang="en-US" dirty="0" err="1"/>
+              <a:rPr lang="en-US" sz="2800" dirty="0" err="1"/>
               <a:t>TMin</a:t>
             </a:r>
             <a:r>
-              <a:rPr lang="en-US" dirty="0"/>
+              <a:rPr lang="en-US" sz="2800" dirty="0"/>
               <a:t> = </a:t>
             </a:r>
             <a:r>
-              <a:rPr lang="en-US" i="1" dirty="0" smtClean="0"/>
+              <a:rPr lang="en-US" sz="2800" i="1" dirty="0" smtClean="0"/>
               <a:t>e</a:t>
             </a:r>
             <a:r>
-              <a:rPr lang="en-US" baseline="30000" dirty="0" smtClean="0"/>
+              <a:rPr lang="en-US" sz="2800" baseline="30000" dirty="0" smtClean="0"/>
               <a:t>−18</a:t>
             </a:r>
             <a:r>
-              <a:rPr lang="en-US" dirty="0" smtClean="0"/>
+              <a:rPr lang="en-US" sz="2800" dirty="0" smtClean="0"/>
               <a:t>, loops </a:t>
             </a:r>
             <a:r>
-              <a:rPr lang="en-US" dirty="0"/>
+              <a:rPr lang="en-US" sz="2800" dirty="0"/>
               <a:t>= 5 and rate = </a:t>
             </a:r>
             <a:r>
-              <a:rPr lang="en-US" dirty="0" smtClean="0"/>
+              <a:rPr lang="en-US" sz="2800" dirty="0" smtClean="0"/>
               <a:t>0.01</a:t>
             </a:r>
           </a:p>
           <a:p>
             <a:r>
-              <a:rPr lang="en-US" dirty="0" smtClean="0"/>
+              <a:rPr lang="en-US" sz="2800" dirty="0" smtClean="0"/>
               <a:t>Results:</a:t>
             </a:r>
           </a:p>
@@ -13206,7 +16639,7 @@
           <p:nvPr/>
         </p:nvPicPr>
         <p:blipFill>
-          <a:blip r:embed="rId2">
+          <a:blip r:embed="rId3">
             <a:extLst>
               <a:ext uri="{28A0092B-C50C-407E-A947-70E740481C1C}">
                 <a14:useLocalDpi xmlns:a14="http://schemas.microsoft.com/office/drawing/2010/main" val="0"/>
@@ -13299,7 +16732,9 @@
         </p:nvSpPr>
         <p:spPr/>
         <p:txBody>
-          <a:bodyPr/>
+          <a:bodyPr>
+            <a:normAutofit/>
+          </a:bodyPr>
           <a:lstStyle/>
           <a:p>
             <a:pPr>
@@ -13307,18 +16742,9 @@
               <a:buChar char="•"/>
             </a:pPr>
             <a:r>
-              <a:rPr lang="en-US" dirty="0" smtClean="0"/>
-              <a:t> Uses </a:t>
-            </a:r>
-            <a:r>
-              <a:rPr lang="en-US" dirty="0" smtClean="0"/>
-              <a:t>the same neighbor operators as the </a:t>
-            </a:r>
-            <a:r>
-              <a:rPr lang="en-US" dirty="0" smtClean="0"/>
-              <a:t>SA</a:t>
-            </a:r>
-            <a:endParaRPr lang="en-US" dirty="0" smtClean="0"/>
+              <a:rPr lang="en-US" sz="2800" dirty="0" smtClean="0"/>
+              <a:t> Uses the same neighbor operators as the SA</a:t>
+            </a:r>
           </a:p>
           <a:p>
             <a:pPr>
@@ -13326,18 +16752,13 @@
               <a:buChar char="•"/>
             </a:pPr>
             <a:r>
-              <a:rPr lang="en-US" dirty="0"/>
+              <a:rPr lang="en-US" sz="2800" dirty="0"/>
               <a:t> </a:t>
             </a:r>
             <a:r>
-              <a:rPr lang="en-US" dirty="0" smtClean="0"/>
-              <a:t>Only accepts better </a:t>
-            </a:r>
-            <a:r>
-              <a:rPr lang="en-US" dirty="0" smtClean="0"/>
-              <a:t>solutions</a:t>
-            </a:r>
-            <a:endParaRPr lang="en-US" dirty="0" smtClean="0"/>
+              <a:rPr lang="en-US" sz="2800" dirty="0" smtClean="0"/>
+              <a:t>Only accepts better solutions</a:t>
+            </a:r>
           </a:p>
           <a:p>
             <a:pPr>
@@ -13345,18 +16766,13 @@
               <a:buChar char="•"/>
             </a:pPr>
             <a:r>
-              <a:rPr lang="en-US" dirty="0"/>
+              <a:rPr lang="en-US" sz="2800" dirty="0"/>
               <a:t> </a:t>
             </a:r>
             <a:r>
-              <a:rPr lang="en-US" dirty="0" smtClean="0"/>
-              <a:t>It is </a:t>
-            </a:r>
-            <a:r>
-              <a:rPr lang="en-US" dirty="0" smtClean="0"/>
-              <a:t>time-monitored</a:t>
-            </a:r>
-            <a:endParaRPr lang="en-US" dirty="0" smtClean="0"/>
+              <a:rPr lang="en-US" sz="2800" dirty="0" smtClean="0"/>
+              <a:t>It is time-monitored</a:t>
+            </a:r>
           </a:p>
           <a:p>
             <a:pPr>
@@ -13364,18 +16780,13 @@
               <a:buChar char="•"/>
             </a:pPr>
             <a:r>
-              <a:rPr lang="en-US" dirty="0"/>
+              <a:rPr lang="en-US" sz="2800" dirty="0"/>
               <a:t> </a:t>
             </a:r>
             <a:r>
-              <a:rPr lang="en-US" dirty="0" smtClean="0"/>
-              <a:t>Used to guarantee that the project is finished within the given time </a:t>
-            </a:r>
-            <a:r>
-              <a:rPr lang="en-US" dirty="0" smtClean="0"/>
-              <a:t>limit</a:t>
-            </a:r>
-            <a:endParaRPr lang="en-US" dirty="0" smtClean="0"/>
+              <a:rPr lang="en-US" sz="2800" dirty="0" smtClean="0"/>
+              <a:t>Used to guarantee that the project is finished within the given time limit</a:t>
+            </a:r>
           </a:p>
         </p:txBody>
       </p:sp>
@@ -13455,10 +16866,18 @@
           <a:lstStyle/>
           <a:p>
             <a:r>
-              <a:rPr lang="en-US" dirty="0" smtClean="0"/>
-              <a:t>Index</a:t>
-            </a:r>
-            <a:endParaRPr lang="en-US" dirty="0"/>
+              <a:rPr lang="en-US" dirty="0" smtClean="0">
+                <a:solidFill>
+                  <a:schemeClr val="tx1"/>
+                </a:solidFill>
+              </a:rPr>
+              <a:t>Summary</a:t>
+            </a:r>
+            <a:endParaRPr lang="en-US" dirty="0">
+              <a:solidFill>
+                <a:schemeClr val="tx1"/>
+              </a:solidFill>
+            </a:endParaRPr>
           </a:p>
         </p:txBody>
       </p:sp>
@@ -13484,8 +16903,12 @@
               <a:buChar char="•"/>
             </a:pPr>
             <a:r>
-              <a:rPr lang="en-US" dirty="0" smtClean="0"/>
-              <a:t> Introduction Timetabling problem</a:t>
+              <a:rPr lang="en-US" sz="2800" dirty="0" smtClean="0">
+                <a:solidFill>
+                  <a:schemeClr val="tx1"/>
+                </a:solidFill>
+              </a:rPr>
+              <a:t> The Timetabling Problem</a:t>
             </a:r>
           </a:p>
           <a:p>
@@ -13494,8 +16917,12 @@
               <a:buChar char="•"/>
             </a:pPr>
             <a:r>
-              <a:rPr lang="en-US" dirty="0" smtClean="0"/>
-              <a:t> Types of approaches</a:t>
+              <a:rPr lang="en-US" sz="2800" dirty="0" smtClean="0">
+                <a:solidFill>
+                  <a:schemeClr val="tx1"/>
+                </a:solidFill>
+              </a:rPr>
+              <a:t> Existing Approaches</a:t>
             </a:r>
           </a:p>
           <a:p>
@@ -13504,12 +16931,20 @@
               <a:buChar char="•"/>
             </a:pPr>
             <a:r>
-              <a:rPr lang="en-US" dirty="0"/>
+              <a:rPr lang="en-US" sz="2800" dirty="0">
+                <a:solidFill>
+                  <a:schemeClr val="tx1"/>
+                </a:solidFill>
+              </a:rPr>
               <a:t> </a:t>
             </a:r>
             <a:r>
-              <a:rPr lang="en-US" dirty="0" smtClean="0"/>
-              <a:t>ITC2007 Examination timetabling problem</a:t>
+              <a:rPr lang="en-US" sz="2800" dirty="0" smtClean="0">
+                <a:solidFill>
+                  <a:schemeClr val="tx1"/>
+                </a:solidFill>
+              </a:rPr>
+              <a:t>ITC2007 Examination Timetabling Problem</a:t>
             </a:r>
           </a:p>
           <a:p>
@@ -13518,8 +16953,12 @@
               <a:buChar char="•"/>
             </a:pPr>
             <a:r>
-              <a:rPr lang="en-US" dirty="0" smtClean="0"/>
-              <a:t> System architecture</a:t>
+              <a:rPr lang="en-US" sz="2800" dirty="0" smtClean="0">
+                <a:solidFill>
+                  <a:schemeClr val="tx1"/>
+                </a:solidFill>
+              </a:rPr>
+              <a:t> System Architecture</a:t>
             </a:r>
           </a:p>
           <a:p>
@@ -13528,8 +16967,12 @@
               <a:buChar char="•"/>
             </a:pPr>
             <a:r>
-              <a:rPr lang="en-US" dirty="0" smtClean="0"/>
-              <a:t> Loader e solution initialization </a:t>
+              <a:rPr lang="en-US" sz="2800" dirty="0" smtClean="0">
+                <a:solidFill>
+                  <a:schemeClr val="tx1"/>
+                </a:solidFill>
+              </a:rPr>
+              <a:t> Loader and Solution Initialization </a:t>
             </a:r>
           </a:p>
           <a:p>
@@ -13538,12 +16981,20 @@
               <a:buChar char="•"/>
             </a:pPr>
             <a:r>
-              <a:rPr lang="en-US" dirty="0"/>
+              <a:rPr lang="en-US" sz="2800" dirty="0">
+                <a:solidFill>
+                  <a:schemeClr val="tx1"/>
+                </a:solidFill>
+              </a:rPr>
               <a:t> </a:t>
             </a:r>
             <a:r>
-              <a:rPr lang="en-US" dirty="0" smtClean="0"/>
-              <a:t>Proposed approach: Local Search</a:t>
+              <a:rPr lang="en-US" sz="2800" dirty="0" smtClean="0">
+                <a:solidFill>
+                  <a:schemeClr val="tx1"/>
+                </a:solidFill>
+              </a:rPr>
+              <a:t>Proposed Approach: Local Search</a:t>
             </a:r>
           </a:p>
           <a:p>
@@ -13552,8 +17003,12 @@
               <a:buChar char="•"/>
             </a:pPr>
             <a:r>
-              <a:rPr lang="en-US" dirty="0" smtClean="0"/>
-              <a:t> Results</a:t>
+              <a:rPr lang="en-US" sz="2800" dirty="0" smtClean="0">
+                <a:solidFill>
+                  <a:schemeClr val="tx1"/>
+                </a:solidFill>
+              </a:rPr>
+              <a:t> Experimental Results</a:t>
             </a:r>
           </a:p>
           <a:p>
@@ -13561,14 +17016,22 @@
               <a:buFont typeface="Arial" panose="020B0604020202020204" pitchFamily="34" charset="0"/>
               <a:buChar char="•"/>
             </a:pPr>
-            <a:endParaRPr lang="en-US" dirty="0" smtClean="0"/>
+            <a:endParaRPr lang="en-US" dirty="0" smtClean="0">
+              <a:solidFill>
+                <a:schemeClr val="tx1"/>
+              </a:solidFill>
+            </a:endParaRPr>
           </a:p>
           <a:p>
             <a:pPr lvl="1">
               <a:buFont typeface="Arial" panose="020B0604020202020204" pitchFamily="34" charset="0"/>
               <a:buChar char="•"/>
             </a:pPr>
-            <a:endParaRPr lang="en-US" dirty="0" smtClean="0"/>
+            <a:endParaRPr lang="en-US" dirty="0" smtClean="0">
+              <a:solidFill>
+                <a:schemeClr val="tx1"/>
+              </a:solidFill>
+            </a:endParaRPr>
           </a:p>
         </p:txBody>
       </p:sp>
@@ -13667,7 +17130,9 @@
         </p:nvSpPr>
         <p:spPr/>
         <p:txBody>
-          <a:bodyPr/>
+          <a:bodyPr>
+            <a:normAutofit/>
+          </a:bodyPr>
           <a:lstStyle/>
           <a:p>
             <a:pPr>
@@ -13675,7 +17140,7 @@
               <a:buChar char="•"/>
             </a:pPr>
             <a:r>
-              <a:rPr lang="en-US" dirty="0" smtClean="0"/>
+              <a:rPr lang="en-US" sz="2800" dirty="0" smtClean="0"/>
               <a:t> The neighborhood operators are randomly chosen to be used:</a:t>
             </a:r>
           </a:p>
@@ -13685,7 +17150,7 @@
               <a:buChar char="•"/>
             </a:pPr>
             <a:r>
-              <a:rPr lang="en-US" dirty="0" smtClean="0"/>
+              <a:rPr lang="en-US" sz="2800" dirty="0" smtClean="0"/>
               <a:t>Room Change;</a:t>
             </a:r>
           </a:p>
@@ -13695,7 +17160,7 @@
               <a:buChar char="•"/>
             </a:pPr>
             <a:r>
-              <a:rPr lang="en-US" dirty="0" smtClean="0"/>
+              <a:rPr lang="en-US" sz="2800" dirty="0" smtClean="0"/>
               <a:t>Period Change;</a:t>
             </a:r>
           </a:p>
@@ -13705,7 +17170,7 @@
               <a:buChar char="•"/>
             </a:pPr>
             <a:r>
-              <a:rPr lang="en-US" dirty="0" smtClean="0"/>
+              <a:rPr lang="en-US" sz="2800" dirty="0" smtClean="0"/>
               <a:t>Period &amp; Room Change;</a:t>
             </a:r>
           </a:p>
@@ -13715,7 +17180,7 @@
               <a:buChar char="•"/>
             </a:pPr>
             <a:r>
-              <a:rPr lang="en-US" dirty="0" smtClean="0"/>
+              <a:rPr lang="en-US" sz="2800" dirty="0" smtClean="0"/>
               <a:t>Room Swap;</a:t>
             </a:r>
           </a:p>
@@ -13725,7 +17190,7 @@
               <a:buChar char="•"/>
             </a:pPr>
             <a:r>
-              <a:rPr lang="en-US" dirty="0" smtClean="0"/>
+              <a:rPr lang="en-US" sz="2800" dirty="0" smtClean="0"/>
               <a:t>Period Swap;</a:t>
             </a:r>
           </a:p>
@@ -13735,10 +17200,10 @@
               <a:buChar char="•"/>
             </a:pPr>
             <a:r>
-              <a:rPr lang="en-US" dirty="0" smtClean="0"/>
+              <a:rPr lang="en-US" sz="2800" dirty="0" smtClean="0"/>
               <a:t>Period &amp; Room Swap.</a:t>
             </a:r>
-            <a:endParaRPr lang="en-US" dirty="0"/>
+            <a:endParaRPr lang="en-US" sz="2800" dirty="0"/>
           </a:p>
         </p:txBody>
       </p:sp>
@@ -13819,7 +17284,11 @@
           <a:p>
             <a:r>
               <a:rPr lang="en-US" dirty="0" smtClean="0"/>
-              <a:t>Experimental Results</a:t>
+              <a:t>Experimental </a:t>
+            </a:r>
+            <a:r>
+              <a:rPr lang="en-US" dirty="0" smtClean="0"/>
+              <a:t>Results (1/2)</a:t>
             </a:r>
             <a:endParaRPr lang="en-US" dirty="0"/>
           </a:p>
@@ -13837,7 +17306,9 @@
         </p:nvSpPr>
         <p:spPr/>
         <p:txBody>
-          <a:bodyPr/>
+          <a:bodyPr>
+            <a:normAutofit/>
+          </a:bodyPr>
           <a:lstStyle/>
           <a:p>
             <a:pPr>
@@ -13845,14 +17316,9 @@
               <a:buChar char="•"/>
             </a:pPr>
             <a:r>
-              <a:rPr lang="en-US" dirty="0" smtClean="0"/>
-              <a:t> The results were obtained by averaging the 10 runs for each </a:t>
-            </a:r>
-            <a:r>
-              <a:rPr lang="en-US" dirty="0" smtClean="0"/>
-              <a:t>dataset</a:t>
-            </a:r>
-            <a:endParaRPr lang="en-US" dirty="0" smtClean="0"/>
+              <a:rPr lang="en-US" sz="2800" dirty="0" smtClean="0"/>
+              <a:t> The results were obtained by averaging the 10 runs for each dataset</a:t>
+            </a:r>
           </a:p>
           <a:p>
             <a:pPr>
@@ -13860,11 +17326,11 @@
               <a:buChar char="•"/>
             </a:pPr>
             <a:r>
-              <a:rPr lang="en-US" dirty="0"/>
+              <a:rPr lang="en-US" sz="2800" dirty="0"/>
               <a:t> The parameters used to run the SA </a:t>
             </a:r>
             <a:r>
-              <a:rPr lang="en-US" dirty="0" smtClean="0"/>
+              <a:rPr lang="en-US" sz="2800" dirty="0" smtClean="0"/>
               <a:t>were:</a:t>
             </a:r>
           </a:p>
@@ -13874,19 +17340,19 @@
               <a:buChar char="•"/>
             </a:pPr>
             <a:r>
-              <a:rPr lang="en-US" dirty="0" err="1" smtClean="0"/>
+              <a:rPr lang="en-US" sz="2800" dirty="0" err="1" smtClean="0"/>
               <a:t>TMax</a:t>
             </a:r>
             <a:r>
-              <a:rPr lang="en-US" dirty="0" smtClean="0"/>
+              <a:rPr lang="en-US" sz="2800" dirty="0" smtClean="0"/>
               <a:t> </a:t>
             </a:r>
             <a:r>
-              <a:rPr lang="en-US" dirty="0"/>
+              <a:rPr lang="en-US" sz="2800" dirty="0"/>
               <a:t>= </a:t>
             </a:r>
             <a:r>
-              <a:rPr lang="en-US" dirty="0" smtClean="0"/>
+              <a:rPr lang="en-US" sz="2800" dirty="0" smtClean="0"/>
               <a:t>0.01</a:t>
             </a:r>
           </a:p>
@@ -13896,27 +17362,27 @@
               <a:buChar char="•"/>
             </a:pPr>
             <a:r>
-              <a:rPr lang="en-US" dirty="0" err="1" smtClean="0"/>
+              <a:rPr lang="en-US" sz="2800" dirty="0" err="1" smtClean="0"/>
               <a:t>TMin</a:t>
             </a:r>
             <a:r>
-              <a:rPr lang="en-US" dirty="0" smtClean="0"/>
+              <a:rPr lang="en-US" sz="2800" dirty="0" smtClean="0"/>
               <a:t> </a:t>
             </a:r>
             <a:r>
-              <a:rPr lang="en-US" dirty="0"/>
+              <a:rPr lang="en-US" sz="2800" dirty="0"/>
               <a:t>= </a:t>
             </a:r>
             <a:r>
-              <a:rPr lang="en-US" dirty="0" smtClean="0"/>
+              <a:rPr lang="en-US" sz="2800" dirty="0" smtClean="0"/>
               <a:t>1</a:t>
             </a:r>
             <a:r>
-              <a:rPr lang="en-US" i="1" dirty="0" smtClean="0"/>
+              <a:rPr lang="en-US" sz="2800" i="1" dirty="0" smtClean="0"/>
               <a:t>e</a:t>
             </a:r>
             <a:r>
-              <a:rPr lang="en-US" baseline="30000" dirty="0" smtClean="0"/>
+              <a:rPr lang="en-US" sz="2800" baseline="30000" dirty="0" smtClean="0"/>
               <a:t>-18</a:t>
             </a:r>
           </a:p>
@@ -13926,15 +17392,15 @@
               <a:buChar char="•"/>
             </a:pPr>
             <a:r>
-              <a:rPr lang="en-US" dirty="0" smtClean="0"/>
+              <a:rPr lang="en-US" sz="2800" dirty="0" smtClean="0"/>
               <a:t>reps </a:t>
             </a:r>
             <a:r>
-              <a:rPr lang="en-US" dirty="0"/>
+              <a:rPr lang="en-US" sz="2800" dirty="0"/>
               <a:t>= </a:t>
             </a:r>
             <a:r>
-              <a:rPr lang="en-US" dirty="0" smtClean="0"/>
+              <a:rPr lang="en-US" sz="2800" dirty="0" smtClean="0"/>
               <a:t>5</a:t>
             </a:r>
           </a:p>
@@ -13944,18 +17410,18 @@
               <a:buChar char="•"/>
             </a:pPr>
             <a:r>
-              <a:rPr lang="en-US" dirty="0" smtClean="0"/>
+              <a:rPr lang="en-US" sz="2800" dirty="0" smtClean="0"/>
               <a:t>rate </a:t>
             </a:r>
             <a:r>
-              <a:rPr lang="en-US" dirty="0"/>
+              <a:rPr lang="en-US" sz="2800" dirty="0"/>
               <a:t>= </a:t>
             </a:r>
             <a:r>
-              <a:rPr lang="en-US" dirty="0" smtClean="0"/>
+              <a:rPr lang="en-US" sz="2800" dirty="0" smtClean="0"/>
               <a:t>0.001</a:t>
             </a:r>
-            <a:endParaRPr lang="en-US" dirty="0"/>
+            <a:endParaRPr lang="en-US" sz="2800" dirty="0"/>
           </a:p>
         </p:txBody>
       </p:sp>
@@ -14036,8 +17502,21 @@
           <a:p>
             <a:r>
               <a:rPr lang="en-US" dirty="0"/>
-              <a:t>Experimental Results</a:t>
-            </a:r>
+              <a:t>Experimental </a:t>
+            </a:r>
+            <a:r>
+              <a:rPr lang="en-US" dirty="0"/>
+              <a:t>Results </a:t>
+            </a:r>
+            <a:r>
+              <a:rPr lang="en-US" dirty="0" smtClean="0"/>
+              <a:t>(2/2</a:t>
+            </a:r>
+            <a:r>
+              <a:rPr lang="en-US" dirty="0"/>
+              <a:t>)</a:t>
+            </a:r>
+            <a:endParaRPr lang="en-US" dirty="0"/>
           </a:p>
         </p:txBody>
       </p:sp>
@@ -14052,7 +17531,7 @@
           </p:nvPr>
         </p:nvPicPr>
         <p:blipFill>
-          <a:blip r:embed="rId2">
+          <a:blip r:embed="rId3">
             <a:extLst>
               <a:ext uri="{28A0092B-C50C-407E-A947-70E740481C1C}">
                 <a14:useLocalDpi xmlns:a14="http://schemas.microsoft.com/office/drawing/2010/main" val="0"/>
@@ -14145,10 +17624,9 @@
           <a:bodyPr/>
           <a:lstStyle/>
           <a:p>
-            <a:pPr algn="ctr"/>
             <a:r>
               <a:rPr lang="en-US" dirty="0" smtClean="0"/>
-              <a:t>The End</a:t>
+              <a:t>Resume</a:t>
             </a:r>
             <a:endParaRPr lang="en-US" dirty="0"/>
           </a:p>
@@ -14162,6 +17640,76 @@
           </p:cNvSpPr>
           <p:nvPr>
             <p:ph idx="1"/>
+          </p:nvPr>
+        </p:nvSpPr>
+        <p:spPr/>
+        <p:txBody>
+          <a:bodyPr>
+            <a:normAutofit/>
+          </a:bodyPr>
+          <a:lstStyle/>
+          <a:p>
+            <a:pPr>
+              <a:buFont typeface="Arial" panose="020B0604020202020204" pitchFamily="34" charset="0"/>
+              <a:buChar char="•"/>
+            </a:pPr>
+            <a:r>
+              <a:rPr lang="en-US" sz="2800" dirty="0" smtClean="0"/>
+              <a:t> A program was developed to generate timetables following ITC2007 rules, using heuristics</a:t>
+            </a:r>
+          </a:p>
+          <a:p>
+            <a:pPr lvl="1">
+              <a:buFont typeface="Arial" panose="020B0604020202020204" pitchFamily="34" charset="0"/>
+              <a:buChar char="•"/>
+            </a:pPr>
+            <a:r>
+              <a:rPr lang="en-US" sz="2600" dirty="0" smtClean="0"/>
+              <a:t> Graph Coloring heuristic was developed to obtained a feasible solution</a:t>
+            </a:r>
+          </a:p>
+          <a:p>
+            <a:pPr lvl="1">
+              <a:buFont typeface="Arial" panose="020B0604020202020204" pitchFamily="34" charset="0"/>
+              <a:buChar char="•"/>
+            </a:pPr>
+            <a:r>
+              <a:rPr lang="en-US" sz="2600" dirty="0" smtClean="0"/>
+              <a:t> Simulated Annealing and Hill Climbing meta-heuristics were </a:t>
+            </a:r>
+            <a:r>
+              <a:rPr lang="en-US" sz="2600" dirty="0"/>
+              <a:t>developed </a:t>
+            </a:r>
+            <a:r>
+              <a:rPr lang="en-US" sz="2600" dirty="0" smtClean="0"/>
+              <a:t>to improve the initial feasible solution</a:t>
+            </a:r>
+          </a:p>
+          <a:p>
+            <a:pPr lvl="1">
+              <a:buFont typeface="Arial" panose="020B0604020202020204" pitchFamily="34" charset="0"/>
+              <a:buChar char="•"/>
+            </a:pPr>
+            <a:endParaRPr lang="en-US" sz="2600" dirty="0"/>
+          </a:p>
+          <a:p>
+            <a:pPr>
+              <a:buFont typeface="Arial" panose="020B0604020202020204" pitchFamily="34" charset="0"/>
+              <a:buChar char="•"/>
+            </a:pPr>
+            <a:endParaRPr lang="en-US" sz="2800" dirty="0"/>
+          </a:p>
+        </p:txBody>
+      </p:sp>
+      <p:sp>
+        <p:nvSpPr>
+          <p:cNvPr id="4" name="Slide Number Placeholder 3"/>
+          <p:cNvSpPr>
+            <a:spLocks noGrp="1"/>
+          </p:cNvSpPr>
+          <p:nvPr>
+            <p:ph type="sldNum" sz="quarter" idx="12"/>
           </p:nvPr>
         </p:nvSpPr>
         <p:spPr/>
@@ -14169,46 +17717,59 @@
           <a:bodyPr/>
           <a:lstStyle/>
           <a:p>
-            <a:pPr algn="ctr"/>
-            <a:endParaRPr lang="en-US" dirty="0" smtClean="0"/>
-          </a:p>
-          <a:p>
-            <a:pPr algn="ctr"/>
+            <a:fld id="{4CE482DC-2269-4F26-9D2A-7E44B1A4CD85}" type="slidenum">
+              <a:rPr lang="en-US" smtClean="0"/>
+              <a:t>23</a:t>
+            </a:fld>
             <a:endParaRPr lang="en-US" dirty="0"/>
           </a:p>
-          <a:p>
-            <a:pPr algn="ctr"/>
-            <a:r>
-              <a:rPr lang="en-US" dirty="0" smtClean="0"/>
-              <a:t>I hope you enjoyed it</a:t>
-            </a:r>
-            <a:r>
-              <a:rPr lang="en-US" dirty="0" smtClean="0"/>
-              <a:t>!</a:t>
-            </a:r>
-          </a:p>
-          <a:p>
-            <a:pPr algn="ctr"/>
-            <a:endParaRPr lang="en-US" dirty="0"/>
-          </a:p>
-          <a:p>
-            <a:pPr algn="ctr"/>
-            <a:r>
-              <a:rPr lang="en-US" dirty="0" smtClean="0"/>
-              <a:t>Any questions?</a:t>
-            </a:r>
-            <a:endParaRPr lang="en-US" dirty="0"/>
-          </a:p>
         </p:txBody>
       </p:sp>
-      <p:sp>
-        <p:nvSpPr>
-          <p:cNvPr id="4" name="Slide Number Placeholder 3"/>
+    </p:spTree>
+    <p:extLst>
+      <p:ext uri="{BB962C8B-B14F-4D97-AF65-F5344CB8AC3E}">
+        <p14:creationId xmlns:p14="http://schemas.microsoft.com/office/powerpoint/2010/main" val="2898168243"/>
+      </p:ext>
+    </p:extLst>
+  </p:cSld>
+  <p:clrMapOvr>
+    <a:masterClrMapping/>
+  </p:clrMapOvr>
+  <p:timing>
+    <p:tnLst>
+      <p:par>
+        <p:cTn id="1" dur="indefinite" restart="never" nodeType="tmRoot"/>
+      </p:par>
+    </p:tnLst>
+  </p:timing>
+</p:sld>
+</file>
+
+<file path=ppt/slides/slide24.xml><?xml version="1.0" encoding="utf-8"?>
+<p:sld xmlns:a="http://schemas.openxmlformats.org/drawingml/2006/main" xmlns:r="http://schemas.openxmlformats.org/officeDocument/2006/relationships" xmlns:p="http://schemas.openxmlformats.org/presentationml/2006/main">
+  <p:cSld>
+    <p:spTree>
+      <p:nvGrpSpPr>
+        <p:cNvPr id="1" name=""/>
+        <p:cNvGrpSpPr/>
+        <p:nvPr/>
+      </p:nvGrpSpPr>
+      <p:grpSpPr>
+        <a:xfrm>
+          <a:off x="0" y="0"/>
+          <a:ext cx="0" cy="0"/>
+          <a:chOff x="0" y="0"/>
+          <a:chExt cx="0" cy="0"/>
+        </a:xfrm>
+      </p:grpSpPr>
+      <p:sp>
+        <p:nvSpPr>
+          <p:cNvPr id="2" name="Title 1"/>
           <p:cNvSpPr>
             <a:spLocks noGrp="1"/>
           </p:cNvSpPr>
           <p:nvPr>
-            <p:ph type="sldNum" sz="quarter" idx="12"/>
+            <p:ph type="title"/>
           </p:nvPr>
         </p:nvSpPr>
         <p:spPr/>
@@ -14216,9 +17777,361 @@
           <a:bodyPr/>
           <a:lstStyle/>
           <a:p>
+            <a:r>
+              <a:rPr lang="en-US" dirty="0" smtClean="0"/>
+              <a:t>Implementation Tools</a:t>
+            </a:r>
+            <a:endParaRPr lang="en-US" dirty="0"/>
+          </a:p>
+        </p:txBody>
+      </p:sp>
+      <p:sp>
+        <p:nvSpPr>
+          <p:cNvPr id="3" name="Content Placeholder 2"/>
+          <p:cNvSpPr>
+            <a:spLocks noGrp="1"/>
+          </p:cNvSpPr>
+          <p:nvPr>
+            <p:ph idx="1"/>
+          </p:nvPr>
+        </p:nvSpPr>
+        <p:spPr/>
+        <p:txBody>
+          <a:bodyPr/>
+          <a:lstStyle/>
+          <a:p>
+            <a:pPr>
+              <a:buFont typeface="Arial" panose="020B0604020202020204" pitchFamily="34" charset="0"/>
+              <a:buChar char="•"/>
+            </a:pPr>
+            <a:r>
+              <a:rPr lang="en-US" sz="2800" dirty="0" smtClean="0"/>
+              <a:t> Developed using ASP.NET (C#)</a:t>
+            </a:r>
+          </a:p>
+          <a:p>
+            <a:pPr>
+              <a:buFont typeface="Arial" panose="020B0604020202020204" pitchFamily="34" charset="0"/>
+              <a:buChar char="•"/>
+            </a:pPr>
+            <a:r>
+              <a:rPr lang="en-US" sz="2800" dirty="0" smtClean="0"/>
+              <a:t> Visual Studio 2013 was used as the development tool with the help of the </a:t>
+            </a:r>
+            <a:r>
+              <a:rPr lang="en-US" sz="2800" dirty="0" err="1" smtClean="0"/>
+              <a:t>Resharper</a:t>
+            </a:r>
+            <a:r>
+              <a:rPr lang="en-US" sz="2800" dirty="0" smtClean="0"/>
+              <a:t> extension</a:t>
+            </a:r>
+          </a:p>
+        </p:txBody>
+      </p:sp>
+      <p:sp>
+        <p:nvSpPr>
+          <p:cNvPr id="4" name="Slide Number Placeholder 3"/>
+          <p:cNvSpPr>
+            <a:spLocks noGrp="1"/>
+          </p:cNvSpPr>
+          <p:nvPr>
+            <p:ph type="sldNum" sz="quarter" idx="12"/>
+          </p:nvPr>
+        </p:nvSpPr>
+        <p:spPr/>
+        <p:txBody>
+          <a:bodyPr/>
+          <a:lstStyle/>
+          <a:p>
             <a:fld id="{4CE482DC-2269-4F26-9D2A-7E44B1A4CD85}" type="slidenum">
               <a:rPr lang="en-US" smtClean="0"/>
-              <a:t>23</a:t>
+              <a:t>24</a:t>
+            </a:fld>
+            <a:endParaRPr lang="en-US" dirty="0"/>
+          </a:p>
+        </p:txBody>
+      </p:sp>
+    </p:spTree>
+    <p:extLst>
+      <p:ext uri="{BB962C8B-B14F-4D97-AF65-F5344CB8AC3E}">
+        <p14:creationId xmlns:p14="http://schemas.microsoft.com/office/powerpoint/2010/main" val="3624811191"/>
+      </p:ext>
+    </p:extLst>
+  </p:cSld>
+  <p:clrMapOvr>
+    <a:masterClrMapping/>
+  </p:clrMapOvr>
+  <p:timing>
+    <p:tnLst>
+      <p:par>
+        <p:cTn id="1" dur="indefinite" restart="never" nodeType="tmRoot"/>
+      </p:par>
+    </p:tnLst>
+  </p:timing>
+</p:sld>
+</file>
+
+<file path=ppt/slides/slide25.xml><?xml version="1.0" encoding="utf-8"?>
+<p:sld xmlns:a="http://schemas.openxmlformats.org/drawingml/2006/main" xmlns:r="http://schemas.openxmlformats.org/officeDocument/2006/relationships" xmlns:p="http://schemas.openxmlformats.org/presentationml/2006/main">
+  <p:cSld>
+    <p:spTree>
+      <p:nvGrpSpPr>
+        <p:cNvPr id="1" name=""/>
+        <p:cNvGrpSpPr/>
+        <p:nvPr/>
+      </p:nvGrpSpPr>
+      <p:grpSpPr>
+        <a:xfrm>
+          <a:off x="0" y="0"/>
+          <a:ext cx="0" cy="0"/>
+          <a:chOff x="0" y="0"/>
+          <a:chExt cx="0" cy="0"/>
+        </a:xfrm>
+      </p:grpSpPr>
+      <p:sp>
+        <p:nvSpPr>
+          <p:cNvPr id="2" name="Title 1"/>
+          <p:cNvSpPr>
+            <a:spLocks noGrp="1"/>
+          </p:cNvSpPr>
+          <p:nvPr>
+            <p:ph type="title"/>
+          </p:nvPr>
+        </p:nvSpPr>
+        <p:spPr/>
+        <p:txBody>
+          <a:bodyPr/>
+          <a:lstStyle/>
+          <a:p>
+            <a:r>
+              <a:rPr lang="en-US" dirty="0" smtClean="0"/>
+              <a:t>Future work</a:t>
+            </a:r>
+            <a:endParaRPr lang="en-US" dirty="0"/>
+          </a:p>
+        </p:txBody>
+      </p:sp>
+      <p:sp>
+        <p:nvSpPr>
+          <p:cNvPr id="3" name="Content Placeholder 2"/>
+          <p:cNvSpPr>
+            <a:spLocks noGrp="1"/>
+          </p:cNvSpPr>
+          <p:nvPr>
+            <p:ph idx="1"/>
+          </p:nvPr>
+        </p:nvSpPr>
+        <p:spPr/>
+        <p:txBody>
+          <a:bodyPr>
+            <a:normAutofit/>
+          </a:bodyPr>
+          <a:lstStyle/>
+          <a:p>
+            <a:pPr>
+              <a:buFont typeface="Arial" panose="020B0604020202020204" pitchFamily="34" charset="0"/>
+              <a:buChar char="•"/>
+            </a:pPr>
+            <a:r>
+              <a:rPr lang="en-US" sz="2800" dirty="0" smtClean="0"/>
+              <a:t> Project’s progress is at 75%</a:t>
+            </a:r>
+          </a:p>
+          <a:p>
+            <a:pPr>
+              <a:buFont typeface="Arial" panose="020B0604020202020204" pitchFamily="34" charset="0"/>
+              <a:buChar char="•"/>
+            </a:pPr>
+            <a:r>
+              <a:rPr lang="en-US" sz="2800" dirty="0"/>
+              <a:t> </a:t>
+            </a:r>
+            <a:r>
+              <a:rPr lang="en-US" sz="2800" dirty="0" smtClean="0"/>
+              <a:t>The rest will be implemented for the final phase</a:t>
+            </a:r>
+          </a:p>
+          <a:p>
+            <a:pPr lvl="1">
+              <a:buFont typeface="Arial" panose="020B0604020202020204" pitchFamily="34" charset="0"/>
+              <a:buChar char="•"/>
+            </a:pPr>
+            <a:r>
+              <a:rPr lang="en-US" sz="2600" dirty="0" smtClean="0"/>
+              <a:t>Performance improvement of the implemented features</a:t>
+            </a:r>
+          </a:p>
+          <a:p>
+            <a:pPr lvl="1">
+              <a:buFont typeface="Arial" panose="020B0604020202020204" pitchFamily="34" charset="0"/>
+              <a:buChar char="•"/>
+            </a:pPr>
+            <a:r>
+              <a:rPr lang="en-US" sz="2600" dirty="0" smtClean="0"/>
+              <a:t>Implementation of a new approach using a Genetic Algorithm</a:t>
+            </a:r>
+          </a:p>
+          <a:p>
+            <a:pPr lvl="1">
+              <a:buFont typeface="Arial" panose="020B0604020202020204" pitchFamily="34" charset="0"/>
+              <a:buChar char="•"/>
+            </a:pPr>
+            <a:r>
+              <a:rPr lang="en-US" sz="2600" dirty="0" smtClean="0"/>
+              <a:t>Results comparison with the five winners and the previous implemented approach</a:t>
+            </a:r>
+            <a:endParaRPr lang="en-US" sz="2600" dirty="0"/>
+          </a:p>
+        </p:txBody>
+      </p:sp>
+      <p:sp>
+        <p:nvSpPr>
+          <p:cNvPr id="4" name="Slide Number Placeholder 3"/>
+          <p:cNvSpPr>
+            <a:spLocks noGrp="1"/>
+          </p:cNvSpPr>
+          <p:nvPr>
+            <p:ph type="sldNum" sz="quarter" idx="12"/>
+          </p:nvPr>
+        </p:nvSpPr>
+        <p:spPr/>
+        <p:txBody>
+          <a:bodyPr/>
+          <a:lstStyle/>
+          <a:p>
+            <a:fld id="{4CE482DC-2269-4F26-9D2A-7E44B1A4CD85}" type="slidenum">
+              <a:rPr lang="en-US" smtClean="0"/>
+              <a:t>25</a:t>
+            </a:fld>
+            <a:endParaRPr lang="en-US" dirty="0"/>
+          </a:p>
+        </p:txBody>
+      </p:sp>
+    </p:spTree>
+    <p:extLst>
+      <p:ext uri="{BB962C8B-B14F-4D97-AF65-F5344CB8AC3E}">
+        <p14:creationId xmlns:p14="http://schemas.microsoft.com/office/powerpoint/2010/main" val="1386184146"/>
+      </p:ext>
+    </p:extLst>
+  </p:cSld>
+  <p:clrMapOvr>
+    <a:masterClrMapping/>
+  </p:clrMapOvr>
+  <p:timing>
+    <p:tnLst>
+      <p:par>
+        <p:cTn id="1" dur="indefinite" restart="never" nodeType="tmRoot"/>
+      </p:par>
+    </p:tnLst>
+  </p:timing>
+</p:sld>
+</file>
+
+<file path=ppt/slides/slide26.xml><?xml version="1.0" encoding="utf-8"?>
+<p:sld xmlns:a="http://schemas.openxmlformats.org/drawingml/2006/main" xmlns:r="http://schemas.openxmlformats.org/officeDocument/2006/relationships" xmlns:p="http://schemas.openxmlformats.org/presentationml/2006/main">
+  <p:cSld>
+    <p:spTree>
+      <p:nvGrpSpPr>
+        <p:cNvPr id="1" name=""/>
+        <p:cNvGrpSpPr/>
+        <p:nvPr/>
+      </p:nvGrpSpPr>
+      <p:grpSpPr>
+        <a:xfrm>
+          <a:off x="0" y="0"/>
+          <a:ext cx="0" cy="0"/>
+          <a:chOff x="0" y="0"/>
+          <a:chExt cx="0" cy="0"/>
+        </a:xfrm>
+      </p:grpSpPr>
+      <p:sp>
+        <p:nvSpPr>
+          <p:cNvPr id="2" name="Title 1"/>
+          <p:cNvSpPr>
+            <a:spLocks noGrp="1"/>
+          </p:cNvSpPr>
+          <p:nvPr>
+            <p:ph type="title"/>
+          </p:nvPr>
+        </p:nvSpPr>
+        <p:spPr/>
+        <p:txBody>
+          <a:bodyPr/>
+          <a:lstStyle/>
+          <a:p>
+            <a:pPr algn="ctr"/>
+            <a:r>
+              <a:rPr lang="en-US" dirty="0" smtClean="0"/>
+              <a:t>The End</a:t>
+            </a:r>
+            <a:endParaRPr lang="en-US" dirty="0"/>
+          </a:p>
+        </p:txBody>
+      </p:sp>
+      <p:sp>
+        <p:nvSpPr>
+          <p:cNvPr id="3" name="Content Placeholder 2"/>
+          <p:cNvSpPr>
+            <a:spLocks noGrp="1"/>
+          </p:cNvSpPr>
+          <p:nvPr>
+            <p:ph idx="1"/>
+          </p:nvPr>
+        </p:nvSpPr>
+        <p:spPr/>
+        <p:txBody>
+          <a:bodyPr>
+            <a:normAutofit/>
+          </a:bodyPr>
+          <a:lstStyle/>
+          <a:p>
+            <a:pPr algn="ctr"/>
+            <a:endParaRPr lang="en-US" sz="2800" dirty="0" smtClean="0"/>
+          </a:p>
+          <a:p>
+            <a:pPr algn="ctr"/>
+            <a:endParaRPr lang="en-US" sz="2800" dirty="0"/>
+          </a:p>
+          <a:p>
+            <a:pPr algn="ctr"/>
+            <a:r>
+              <a:rPr lang="en-US" sz="2800" dirty="0" smtClean="0"/>
+              <a:t>I hope you enjoyed it!</a:t>
+            </a:r>
+          </a:p>
+          <a:p>
+            <a:pPr algn="ctr"/>
+            <a:endParaRPr lang="en-US" sz="2800" dirty="0"/>
+          </a:p>
+          <a:p>
+            <a:pPr algn="ctr"/>
+            <a:r>
+              <a:rPr lang="en-US" sz="2800" dirty="0" smtClean="0"/>
+              <a:t>Any questions?</a:t>
+            </a:r>
+            <a:endParaRPr lang="en-US" sz="2800" dirty="0"/>
+          </a:p>
+        </p:txBody>
+      </p:sp>
+      <p:sp>
+        <p:nvSpPr>
+          <p:cNvPr id="4" name="Slide Number Placeholder 3"/>
+          <p:cNvSpPr>
+            <a:spLocks noGrp="1"/>
+          </p:cNvSpPr>
+          <p:nvPr>
+            <p:ph type="sldNum" sz="quarter" idx="12"/>
+          </p:nvPr>
+        </p:nvSpPr>
+        <p:spPr/>
+        <p:txBody>
+          <a:bodyPr/>
+          <a:lstStyle/>
+          <a:p>
+            <a:fld id="{4CE482DC-2269-4F26-9D2A-7E44B1A4CD85}" type="slidenum">
+              <a:rPr lang="en-US" smtClean="0"/>
+              <a:t>26</a:t>
             </a:fld>
             <a:endParaRPr lang="en-US" dirty="0"/>
           </a:p>
@@ -14277,17 +18190,18 @@
           <a:lstStyle/>
           <a:p>
             <a:r>
-              <a:rPr lang="en-US" dirty="0"/>
-              <a:t>Educational</a:t>
-            </a:r>
-            <a:r>
-              <a:rPr lang="pt-PT" dirty="0"/>
-              <a:t> </a:t>
-            </a:r>
-            <a:r>
-              <a:rPr lang="en-US" dirty="0"/>
-              <a:t>Timetabling problems</a:t>
-            </a:r>
+              <a:rPr lang="en-US" dirty="0" smtClean="0">
+                <a:solidFill>
+                  <a:schemeClr val="tx1"/>
+                </a:solidFill>
+              </a:rPr>
+              <a:t>Goals of this project</a:t>
+            </a:r>
+            <a:endParaRPr lang="en-US" dirty="0">
+              <a:solidFill>
+                <a:schemeClr val="tx1"/>
+              </a:solidFill>
+            </a:endParaRPr>
           </a:p>
         </p:txBody>
       </p:sp>
@@ -14303,7 +18217,9 @@
         </p:nvSpPr>
         <p:spPr/>
         <p:txBody>
-          <a:bodyPr/>
+          <a:bodyPr>
+            <a:normAutofit/>
+          </a:bodyPr>
           <a:lstStyle/>
           <a:p>
             <a:pPr>
@@ -14312,7 +18228,19 @@
             </a:pPr>
             <a:r>
               <a:rPr lang="en-US" sz="2400" dirty="0" smtClean="0"/>
-              <a:t> Examination Timetabling</a:t>
+              <a:t> </a:t>
+            </a:r>
+            <a:r>
+              <a:rPr lang="en-US" sz="2800" dirty="0" smtClean="0"/>
+              <a:t>Generation </a:t>
+            </a:r>
+            <a:r>
+              <a:rPr lang="en-US" sz="2800" dirty="0"/>
+              <a:t>of timetables according to the ITC 2007 (International Timetable Competition) - examination timetabling </a:t>
+            </a:r>
+            <a:r>
+              <a:rPr lang="en-US" sz="2800" dirty="0" smtClean="0"/>
+              <a:t>track</a:t>
             </a:r>
           </a:p>
           <a:p>
@@ -14321,8 +18249,16 @@
               <a:buChar char="•"/>
             </a:pPr>
             <a:r>
-              <a:rPr lang="en-US" sz="2400" dirty="0" smtClean="0"/>
-              <a:t> Course Timetabling</a:t>
+              <a:rPr lang="en-US" sz="2800" dirty="0" smtClean="0"/>
+              <a:t> Timetable </a:t>
+            </a:r>
+            <a:r>
+              <a:rPr lang="en-US" sz="2800" dirty="0" smtClean="0">
+                <a:solidFill>
+                  <a:srgbClr val="404040"/>
+                </a:solidFill>
+              </a:rPr>
+              <a:t>Validator</a:t>
             </a:r>
           </a:p>
           <a:p>
@@ -14331,20 +18267,18 @@
               <a:buChar char="•"/>
             </a:pPr>
             <a:r>
-              <a:rPr lang="en-US" sz="2400" dirty="0" smtClean="0"/>
-              <a:t> School Timetabling</a:t>
-            </a:r>
-            <a:endParaRPr lang="en-US" dirty="0"/>
-          </a:p>
-          <a:p>
-            <a:pPr>
-              <a:buFont typeface="Arial" panose="020B0604020202020204" pitchFamily="34" charset="0"/>
-              <a:buChar char="•"/>
-            </a:pPr>
-            <a:r>
-              <a:rPr lang="en-US" sz="2400" dirty="0" smtClean="0"/>
-              <a:t> Applied constraints can be hard or soft</a:t>
-            </a:r>
+              <a:rPr lang="en-US" sz="2800" dirty="0" smtClean="0"/>
+              <a:t> Graphical </a:t>
+            </a:r>
+            <a:r>
+              <a:rPr lang="en-US" sz="2800" dirty="0"/>
+              <a:t>User </a:t>
+            </a:r>
+            <a:r>
+              <a:rPr lang="en-US" sz="2800" dirty="0" smtClean="0"/>
+              <a:t>Interface</a:t>
+            </a:r>
+            <a:endParaRPr lang="en-US" sz="2800" dirty="0"/>
           </a:p>
         </p:txBody>
       </p:sp>
@@ -14374,7 +18308,7 @@
     </p:spTree>
     <p:extLst>
       <p:ext uri="{BB962C8B-B14F-4D97-AF65-F5344CB8AC3E}">
-        <p14:creationId xmlns:p14="http://schemas.microsoft.com/office/powerpoint/2010/main" val="1585950118"/>
+        <p14:creationId xmlns:p14="http://schemas.microsoft.com/office/powerpoint/2010/main" val="324228692"/>
       </p:ext>
     </p:extLst>
   </p:cSld>
@@ -14424,9 +18358,50 @@
           <a:lstStyle/>
           <a:p>
             <a:r>
-              <a:rPr lang="en-US" dirty="0"/>
-              <a:t>Objectives</a:t>
-            </a:r>
+              <a:rPr lang="en-US" dirty="0" smtClean="0">
+                <a:solidFill>
+                  <a:schemeClr val="tx1"/>
+                </a:solidFill>
+              </a:rPr>
+              <a:t>The</a:t>
+            </a:r>
+            <a:r>
+              <a:rPr lang="pt-PT" dirty="0" smtClean="0">
+                <a:solidFill>
+                  <a:schemeClr val="tx1"/>
+                </a:solidFill>
+              </a:rPr>
+              <a:t> </a:t>
+            </a:r>
+            <a:r>
+              <a:rPr lang="en-US" dirty="0">
+                <a:solidFill>
+                  <a:schemeClr val="tx1"/>
+                </a:solidFill>
+              </a:rPr>
+              <a:t>Timetabling </a:t>
+            </a:r>
+            <a:r>
+              <a:rPr lang="en-US" dirty="0" smtClean="0">
+                <a:solidFill>
+                  <a:schemeClr val="tx1"/>
+                </a:solidFill>
+              </a:rPr>
+              <a:t>Problem (</a:t>
+            </a:r>
+            <a:r>
+              <a:rPr lang="en-US" dirty="0" smtClean="0">
+                <a:solidFill>
+                  <a:schemeClr val="tx1"/>
+                </a:solidFill>
+              </a:rPr>
+              <a:t>1/2)</a:t>
+            </a:r>
+            <a:endParaRPr lang="en-US" dirty="0">
+              <a:solidFill>
+                <a:schemeClr val="tx1"/>
+              </a:solidFill>
+            </a:endParaRPr>
           </a:p>
         </p:txBody>
       </p:sp>
@@ -14442,9 +18417,7 @@
         </p:nvSpPr>
         <p:spPr/>
         <p:txBody>
-          <a:bodyPr>
-            <a:normAutofit/>
-          </a:bodyPr>
+          <a:bodyPr/>
           <a:lstStyle/>
           <a:p>
             <a:pPr>
@@ -14452,12 +18425,12 @@
               <a:buChar char="•"/>
             </a:pPr>
             <a:r>
-              <a:rPr lang="en-US" sz="2400" dirty="0"/>
-              <a:t> Generation of timetables according to the ITC 2007 (International Timetable Competition) - examination timetabling </a:t>
-            </a:r>
-            <a:r>
               <a:rPr lang="en-US" sz="2400" dirty="0" smtClean="0"/>
-              <a:t>track</a:t>
+              <a:t> </a:t>
+            </a:r>
+            <a:r>
+              <a:rPr lang="en-US" sz="2800" dirty="0" smtClean="0"/>
+              <a:t>Examination Timetabling</a:t>
             </a:r>
           </a:p>
           <a:p>
@@ -14466,8 +18439,8 @@
               <a:buChar char="•"/>
             </a:pPr>
             <a:r>
-              <a:rPr lang="en-US" sz="2400" dirty="0" smtClean="0"/>
-              <a:t> Timetable validator</a:t>
+              <a:rPr lang="en-US" sz="2800" dirty="0" smtClean="0"/>
+              <a:t> Course Timetabling</a:t>
             </a:r>
           </a:p>
           <a:p>
@@ -14476,18 +18449,45 @@
               <a:buChar char="•"/>
             </a:pPr>
             <a:r>
-              <a:rPr lang="en-US" sz="2400" dirty="0" smtClean="0"/>
-              <a:t> Graphical </a:t>
-            </a:r>
-            <a:r>
-              <a:rPr lang="en-US" sz="2400" dirty="0"/>
-              <a:t>User </a:t>
-            </a:r>
-            <a:r>
-              <a:rPr lang="en-US" sz="2400" dirty="0" smtClean="0"/>
-              <a:t>Interface</a:t>
+              <a:rPr lang="en-US" sz="2800" dirty="0" smtClean="0"/>
+              <a:t> School Timetabling</a:t>
             </a:r>
             <a:endParaRPr lang="en-US" sz="2400" dirty="0"/>
+          </a:p>
+          <a:p>
+            <a:pPr>
+              <a:buFont typeface="Arial" panose="020B0604020202020204" pitchFamily="34" charset="0"/>
+              <a:buChar char="•"/>
+            </a:pPr>
+            <a:r>
+              <a:rPr lang="en-US" sz="2800" dirty="0" smtClean="0">
+                <a:solidFill>
+                  <a:schemeClr val="tx1"/>
+                </a:solidFill>
+              </a:rPr>
+              <a:t> </a:t>
+            </a:r>
+            <a:r>
+              <a:rPr lang="en-US" sz="2800" dirty="0" smtClean="0">
+                <a:solidFill>
+                  <a:srgbClr val="404040"/>
+                </a:solidFill>
+              </a:rPr>
+              <a:t>Problem constraints can be hard or </a:t>
+            </a:r>
+            <a:r>
+              <a:rPr lang="en-US" sz="2800" dirty="0" smtClean="0">
+                <a:solidFill>
+                  <a:srgbClr val="404040"/>
+                </a:solidFill>
+              </a:rPr>
+              <a:t>soft</a:t>
+            </a:r>
+            <a:endParaRPr lang="en-US" sz="2400" dirty="0" smtClean="0">
+              <a:solidFill>
+                <a:srgbClr val="404040"/>
+              </a:solidFill>
+            </a:endParaRPr>
           </a:p>
         </p:txBody>
       </p:sp>
@@ -14517,7 +18517,7 @@
     </p:spTree>
     <p:extLst>
       <p:ext uri="{BB962C8B-B14F-4D97-AF65-F5344CB8AC3E}">
-        <p14:creationId xmlns:p14="http://schemas.microsoft.com/office/powerpoint/2010/main" val="324228692"/>
+        <p14:creationId xmlns:p14="http://schemas.microsoft.com/office/powerpoint/2010/main" val="1585950118"/>
       </p:ext>
     </p:extLst>
   </p:cSld>
@@ -14567,10 +18567,50 @@
           <a:lstStyle/>
           <a:p>
             <a:r>
-              <a:rPr lang="en-US" dirty="0" smtClean="0"/>
-              <a:t>Timetabling problem</a:t>
-            </a:r>
-            <a:endParaRPr lang="en-US" dirty="0"/>
+              <a:rPr lang="en-US" dirty="0">
+                <a:solidFill>
+                  <a:schemeClr val="tx1"/>
+                </a:solidFill>
+              </a:rPr>
+              <a:t>The</a:t>
+            </a:r>
+            <a:r>
+              <a:rPr lang="pt-PT" dirty="0">
+                <a:solidFill>
+                  <a:schemeClr val="tx1"/>
+                </a:solidFill>
+              </a:rPr>
+              <a:t> </a:t>
+            </a:r>
+            <a:r>
+              <a:rPr lang="en-US" dirty="0">
+                <a:solidFill>
+                  <a:schemeClr val="tx1"/>
+                </a:solidFill>
+              </a:rPr>
+              <a:t>Timetabling Problem </a:t>
+            </a:r>
+            <a:r>
+              <a:rPr lang="en-US" dirty="0" smtClean="0">
+                <a:solidFill>
+                  <a:schemeClr val="tx1"/>
+                </a:solidFill>
+              </a:rPr>
+              <a:t>(</a:t>
+            </a:r>
+            <a:r>
+              <a:rPr lang="en-US" dirty="0" smtClean="0">
+                <a:solidFill>
+                  <a:schemeClr val="tx1"/>
+                </a:solidFill>
+              </a:rPr>
+              <a:t>2/2)</a:t>
+            </a:r>
+            <a:endParaRPr lang="en-US" dirty="0">
+              <a:solidFill>
+                <a:schemeClr val="tx1"/>
+              </a:solidFill>
+            </a:endParaRPr>
           </a:p>
         </p:txBody>
       </p:sp>
@@ -14587,16 +18627,16 @@
         <p:spPr/>
         <p:txBody>
           <a:bodyPr>
-            <a:normAutofit/>
+            <a:noAutofit/>
           </a:bodyPr>
           <a:lstStyle/>
           <a:p>
             <a:r>
-              <a:rPr lang="en-US" dirty="0"/>
+              <a:rPr lang="en-US" sz="2800" dirty="0"/>
               <a:t>Two possible </a:t>
             </a:r>
             <a:r>
-              <a:rPr lang="en-US" dirty="0" smtClean="0"/>
+              <a:rPr lang="en-US" sz="2800" dirty="0" smtClean="0"/>
               <a:t>formulations:</a:t>
             </a:r>
           </a:p>
@@ -14606,7 +18646,7 @@
               <a:buChar char="•"/>
             </a:pPr>
             <a:r>
-              <a:rPr lang="en-US" dirty="0" smtClean="0"/>
+              <a:rPr lang="en-US" sz="2800" dirty="0" smtClean="0"/>
               <a:t> Search problem</a:t>
             </a:r>
           </a:p>
@@ -14616,7 +18656,7 @@
               <a:buChar char="•"/>
             </a:pPr>
             <a:r>
-              <a:rPr lang="en-US" dirty="0" smtClean="0"/>
+              <a:rPr lang="en-US" sz="2800" dirty="0" smtClean="0"/>
               <a:t> Optimization problem</a:t>
             </a:r>
           </a:p>
@@ -14624,22 +18664,22 @@
             <a:pPr marL="0" indent="0">
               <a:buNone/>
             </a:pPr>
-            <a:endParaRPr lang="en-US" dirty="0" smtClean="0"/>
+            <a:endParaRPr lang="en-US" sz="2800" dirty="0" smtClean="0"/>
           </a:p>
           <a:p>
             <a:pPr marL="0" indent="0">
               <a:buNone/>
             </a:pPr>
             <a:r>
-              <a:rPr lang="en-US" dirty="0" smtClean="0"/>
+              <a:rPr lang="en-US" sz="2800" dirty="0" smtClean="0"/>
               <a:t>Possible </a:t>
             </a:r>
             <a:r>
-              <a:rPr lang="en-US" dirty="0"/>
+              <a:rPr lang="en-US" sz="2800" dirty="0"/>
               <a:t>t</a:t>
             </a:r>
             <a:r>
-              <a:rPr lang="en-US" dirty="0" smtClean="0"/>
+              <a:rPr lang="en-US" sz="2800" dirty="0" smtClean="0"/>
               <a:t>ypes of solutions:</a:t>
             </a:r>
           </a:p>
@@ -14649,7 +18689,7 @@
               <a:buChar char="•"/>
             </a:pPr>
             <a:r>
-              <a:rPr lang="en-US" dirty="0" smtClean="0"/>
+              <a:rPr lang="en-US" sz="2800" dirty="0" smtClean="0"/>
               <a:t> Feasible</a:t>
             </a:r>
           </a:p>
@@ -14659,7 +18699,7 @@
               <a:buChar char="•"/>
             </a:pPr>
             <a:r>
-              <a:rPr lang="en-US" dirty="0" smtClean="0"/>
+              <a:rPr lang="en-US" sz="2800" dirty="0" smtClean="0"/>
               <a:t> Non feasible</a:t>
             </a:r>
           </a:p>
@@ -14669,7 +18709,7 @@
               <a:buChar char="•"/>
             </a:pPr>
             <a:r>
-              <a:rPr lang="en-US" dirty="0" smtClean="0"/>
+              <a:rPr lang="en-US" sz="2800" dirty="0" smtClean="0"/>
               <a:t> Optimal</a:t>
             </a:r>
           </a:p>
@@ -14679,12 +18719,12 @@
               <a:buChar char="•"/>
             </a:pPr>
             <a:r>
-              <a:rPr lang="en-US" dirty="0" smtClean="0"/>
+              <a:rPr lang="en-US" sz="2800" dirty="0" smtClean="0"/>
               <a:t> Sub-optimal</a:t>
             </a:r>
           </a:p>
           <a:p>
-            <a:endParaRPr lang="pt-PT" dirty="0"/>
+            <a:endParaRPr lang="pt-PT" sz="2800" dirty="0"/>
           </a:p>
         </p:txBody>
       </p:sp>
@@ -14764,18 +18804,34 @@
           <a:lstStyle/>
           <a:p>
             <a:r>
-              <a:rPr lang="en-US" dirty="0" smtClean="0"/>
-              <a:t>Some types </a:t>
-            </a:r>
-            <a:r>
-              <a:rPr lang="en-US" dirty="0"/>
-              <a:t>of </a:t>
-            </a:r>
-            <a:r>
-              <a:rPr lang="en-US" dirty="0" smtClean="0"/>
-              <a:t>approaches</a:t>
-            </a:r>
-            <a:endParaRPr lang="pt-PT" dirty="0"/>
+              <a:rPr lang="en-US" dirty="0" smtClean="0">
+                <a:solidFill>
+                  <a:schemeClr val="tx1"/>
+                </a:solidFill>
+              </a:rPr>
+              <a:t>Existing </a:t>
+            </a:r>
+            <a:r>
+              <a:rPr lang="en-US" dirty="0">
+                <a:solidFill>
+                  <a:schemeClr val="tx1"/>
+                </a:solidFill>
+              </a:rPr>
+              <a:t>A</a:t>
+            </a:r>
+            <a:r>
+              <a:rPr lang="en-US" dirty="0" smtClean="0">
+                <a:solidFill>
+                  <a:schemeClr val="tx1"/>
+                </a:solidFill>
+              </a:rPr>
+              <a:t>pproaches</a:t>
+            </a:r>
+            <a:endParaRPr lang="pt-PT" dirty="0">
+              <a:solidFill>
+                <a:schemeClr val="tx1"/>
+              </a:solidFill>
+            </a:endParaRPr>
           </a:p>
         </p:txBody>
       </p:sp>
@@ -14791,7 +18847,9 @@
         </p:nvSpPr>
         <p:spPr/>
         <p:txBody>
-          <a:bodyPr/>
+          <a:bodyPr>
+            <a:normAutofit/>
+          </a:bodyPr>
           <a:lstStyle/>
           <a:p>
             <a:pPr>
@@ -14799,7 +18857,7 @@
               <a:buChar char="•"/>
             </a:pPr>
             <a:r>
-              <a:rPr lang="en-US" dirty="0" smtClean="0"/>
+              <a:rPr lang="en-US" sz="2400" dirty="0" smtClean="0"/>
               <a:t> Exact algorithms</a:t>
             </a:r>
           </a:p>
@@ -14809,7 +18867,7 @@
               <a:buChar char="•"/>
             </a:pPr>
             <a:r>
-              <a:rPr lang="en-US" dirty="0" smtClean="0"/>
+              <a:rPr lang="en-US" sz="2400" dirty="0" smtClean="0"/>
               <a:t> Graph Coloring Based techniques</a:t>
             </a:r>
           </a:p>
@@ -14819,11 +18877,11 @@
               <a:buChar char="•"/>
             </a:pPr>
             <a:r>
-              <a:rPr lang="en-US" dirty="0"/>
+              <a:rPr lang="en-US" sz="2400" dirty="0"/>
               <a:t> </a:t>
             </a:r>
             <a:r>
-              <a:rPr lang="en-US" dirty="0" smtClean="0"/>
+              <a:rPr lang="en-US" sz="2400" dirty="0" smtClean="0"/>
               <a:t>Single-solution based meta-heuristics</a:t>
             </a:r>
           </a:p>
@@ -14833,10 +18891,10 @@
               <a:buChar char="•"/>
             </a:pPr>
             <a:r>
-              <a:rPr lang="en-US" dirty="0" smtClean="0"/>
+              <a:rPr lang="en-US" sz="2400" dirty="0" smtClean="0"/>
               <a:t> Population based meta-heuristics</a:t>
             </a:r>
-            <a:endParaRPr lang="en-US" dirty="0"/>
+            <a:endParaRPr lang="en-US" sz="2400" dirty="0"/>
           </a:p>
         </p:txBody>
       </p:sp>
@@ -14863,6 +18921,36 @@
           </a:p>
         </p:txBody>
       </p:sp>
+      <p:pic>
+        <p:nvPicPr>
+          <p:cNvPr id="6" name="Picture 5"/>
+          <p:cNvPicPr>
+            <a:picLocks noChangeAspect="1"/>
+          </p:cNvPicPr>
+          <p:nvPr/>
+        </p:nvPicPr>
+        <p:blipFill>
+          <a:blip r:embed="rId3">
+            <a:extLst>
+              <a:ext uri="{28A0092B-C50C-407E-A947-70E740481C1C}">
+                <a14:useLocalDpi xmlns:a14="http://schemas.microsoft.com/office/drawing/2010/main" val="0"/>
+              </a:ext>
+            </a:extLst>
+          </a:blip>
+          <a:stretch>
+            <a:fillRect/>
+          </a:stretch>
+        </p:blipFill>
+        <p:spPr>
+          <a:xfrm>
+            <a:off x="5894961" y="1939425"/>
+            <a:ext cx="6274358" cy="4052312"/>
+          </a:xfrm>
+          <a:prstGeom prst="rect">
+            <a:avLst/>
+          </a:prstGeom>
+        </p:spPr>
+      </p:pic>
     </p:spTree>
     <p:extLst>
       <p:ext uri="{BB962C8B-B14F-4D97-AF65-F5344CB8AC3E}">
@@ -14943,7 +19031,7 @@
               <a:buChar char="•"/>
             </a:pPr>
             <a:r>
-              <a:rPr lang="en-US" dirty="0" smtClean="0"/>
+              <a:rPr lang="en-US" sz="2800" dirty="0" smtClean="0"/>
               <a:t> Search the whole space of solutions</a:t>
             </a:r>
           </a:p>
@@ -14953,11 +19041,11 @@
               <a:buChar char="•"/>
             </a:pPr>
             <a:r>
-              <a:rPr lang="en-US" dirty="0"/>
+              <a:rPr lang="en-US" sz="2800" dirty="0"/>
               <a:t> </a:t>
             </a:r>
             <a:r>
-              <a:rPr lang="en-US" dirty="0" smtClean="0"/>
+              <a:rPr lang="en-US" sz="2800" dirty="0" smtClean="0"/>
               <a:t>It is guaranteed that an optimal solution is found</a:t>
             </a:r>
           </a:p>
@@ -14967,11 +19055,11 @@
               <a:buChar char="•"/>
             </a:pPr>
             <a:r>
-              <a:rPr lang="en-US" dirty="0"/>
+              <a:rPr lang="en-US" sz="2800" dirty="0"/>
               <a:t> </a:t>
             </a:r>
             <a:r>
-              <a:rPr lang="en-US" dirty="0" smtClean="0"/>
+              <a:rPr lang="en-US" sz="2800" dirty="0" smtClean="0"/>
               <a:t>Inappropriate for large sized problem instances</a:t>
             </a:r>
           </a:p>
@@ -14981,11 +19069,11 @@
               <a:buChar char="•"/>
             </a:pPr>
             <a:r>
-              <a:rPr lang="en-US" dirty="0"/>
+              <a:rPr lang="en-US" sz="2800" dirty="0"/>
               <a:t> </a:t>
             </a:r>
             <a:r>
-              <a:rPr lang="en-US" dirty="0" smtClean="0"/>
+              <a:rPr lang="en-US" sz="2800" dirty="0" smtClean="0"/>
               <a:t>Algorithms</a:t>
             </a:r>
           </a:p>
@@ -14995,7 +19083,7 @@
               <a:buChar char="•"/>
             </a:pPr>
             <a:r>
-              <a:rPr lang="en-US" dirty="0" smtClean="0"/>
+              <a:rPr lang="en-US" sz="2800" dirty="0" smtClean="0"/>
               <a:t>Branch-and-Bound</a:t>
             </a:r>
           </a:p>
@@ -15005,10 +19093,10 @@
               <a:buChar char="•"/>
             </a:pPr>
             <a:r>
-              <a:rPr lang="en-US" dirty="0" smtClean="0"/>
+              <a:rPr lang="en-US" sz="2800" dirty="0" smtClean="0"/>
               <a:t>Constraint-Programming</a:t>
             </a:r>
-            <a:endParaRPr lang="en-US" dirty="0"/>
+            <a:endParaRPr lang="en-US" sz="2800" dirty="0"/>
           </a:p>
         </p:txBody>
       </p:sp>
@@ -15107,7 +19195,9 @@
         </p:nvSpPr>
         <p:spPr/>
         <p:txBody>
-          <a:bodyPr/>
+          <a:bodyPr>
+            <a:normAutofit/>
+          </a:bodyPr>
           <a:lstStyle/>
           <a:p>
             <a:pPr>
@@ -15115,24 +19205,16 @@
               <a:buChar char="•"/>
             </a:pPr>
             <a:r>
+              <a:rPr lang="en-US" dirty="0"/>
+              <a:t> </a:t>
+            </a:r>
+            <a:r>
               <a:rPr lang="en-US" dirty="0" smtClean="0"/>
-              <a:t> Assign the minimum set of </a:t>
-            </a:r>
-            <a:r>
-              <a:rPr lang="en-US" dirty="0"/>
-              <a:t>colors to an element type of </a:t>
+              <a:t>Problem-specific heuristic</a:t>
             </a:r>
             <a:r>
               <a:rPr lang="en-US" dirty="0" smtClean="0"/>
-              <a:t>the </a:t>
-            </a:r>
-            <a:r>
-              <a:rPr lang="en-US" dirty="0"/>
-              <a:t>graph </a:t>
-            </a:r>
-            <a:r>
-              <a:rPr lang="en-US" dirty="0" smtClean="0"/>
-              <a:t>following certain constraints</a:t>
+              <a:t> </a:t>
             </a:r>
           </a:p>
           <a:p>
@@ -15142,6 +19224,36 @@
             </a:pPr>
             <a:r>
               <a:rPr lang="en-US" dirty="0" smtClean="0"/>
+              <a:t> Assign </a:t>
+            </a:r>
+            <a:r>
+              <a:rPr lang="en-US" dirty="0" smtClean="0"/>
+              <a:t>the minimum set of </a:t>
+            </a:r>
+            <a:r>
+              <a:rPr lang="en-US" dirty="0"/>
+              <a:t>colors to an element type of </a:t>
+            </a:r>
+            <a:r>
+              <a:rPr lang="en-US" dirty="0" smtClean="0"/>
+              <a:t>the </a:t>
+            </a:r>
+            <a:r>
+              <a:rPr lang="en-US" dirty="0"/>
+              <a:t>graph </a:t>
+            </a:r>
+            <a:r>
+              <a:rPr lang="en-US" dirty="0" smtClean="0"/>
+              <a:t>following certain constraints</a:t>
+            </a:r>
+          </a:p>
+          <a:p>
+            <a:pPr>
+              <a:buFont typeface="Arial" panose="020B0604020202020204" pitchFamily="34" charset="0"/>
+              <a:buChar char="•"/>
+            </a:pPr>
+            <a:r>
+              <a:rPr lang="en-US" dirty="0" smtClean="0"/>
               <a:t> Examples of Graph Coloring problems:</a:t>
             </a:r>
           </a:p>
@@ -15151,7 +19263,7 @@
               <a:buChar char="•"/>
             </a:pPr>
             <a:r>
-              <a:rPr lang="en-US" dirty="0" smtClean="0"/>
+              <a:rPr lang="en-US" sz="2000" dirty="0" smtClean="0"/>
               <a:t>Vertex Coloring</a:t>
             </a:r>
           </a:p>
@@ -15161,10 +19273,10 @@
               <a:buChar char="•"/>
             </a:pPr>
             <a:r>
-              <a:rPr lang="en-US" dirty="0" smtClean="0"/>
+              <a:rPr lang="en-US" sz="2000" dirty="0" smtClean="0"/>
               <a:t>Edge Coloring</a:t>
             </a:r>
-            <a:endParaRPr lang="en-US" dirty="0"/>
+            <a:endParaRPr lang="en-US" sz="2000" dirty="0"/>
           </a:p>
           <a:p>
             <a:pPr>
@@ -15214,7 +19326,7 @@
           <p:nvPr/>
         </p:nvPicPr>
         <p:blipFill>
-          <a:blip r:embed="rId2">
+          <a:blip r:embed="rId3">
             <a:extLst>
               <a:ext uri="{28A0092B-C50C-407E-A947-70E740481C1C}">
                 <a14:useLocalDpi xmlns:a14="http://schemas.microsoft.com/office/drawing/2010/main" val="0"/>
@@ -15227,7 +19339,7 @@
         </p:blipFill>
         <p:spPr>
           <a:xfrm>
-            <a:off x="4454842" y="3857414"/>
+            <a:off x="4848252" y="4261455"/>
             <a:ext cx="3343275" cy="1946625"/>
           </a:xfrm>
           <a:prstGeom prst="rect">
@@ -15312,7 +19424,9 @@
           </a:xfrm>
         </p:spPr>
         <p:txBody>
-          <a:bodyPr/>
+          <a:bodyPr>
+            <a:normAutofit/>
+          </a:bodyPr>
           <a:lstStyle/>
           <a:p>
             <a:pPr>
@@ -15320,7 +19434,7 @@
               <a:buChar char="•"/>
             </a:pPr>
             <a:r>
-              <a:rPr lang="en-US" dirty="0" smtClean="0"/>
+              <a:rPr lang="en-US" sz="2800" dirty="0" smtClean="0"/>
               <a:t> Provide solutions for optimization problems</a:t>
             </a:r>
           </a:p>
@@ -15330,11 +19444,11 @@
               <a:buChar char="•"/>
             </a:pPr>
             <a:r>
-              <a:rPr lang="en-US" dirty="0"/>
+              <a:rPr lang="en-US" sz="2800" dirty="0"/>
               <a:t> </a:t>
             </a:r>
             <a:r>
-              <a:rPr lang="en-US" dirty="0" smtClean="0"/>
+              <a:rPr lang="en-US" sz="2800" dirty="0" smtClean="0"/>
               <a:t>Used in timetabling problems to optimize feasible solutions provided by heuristics</a:t>
             </a:r>
           </a:p>
@@ -15344,11 +19458,11 @@
               <a:buChar char="•"/>
             </a:pPr>
             <a:r>
-              <a:rPr lang="en-US" dirty="0"/>
+              <a:rPr lang="en-US" sz="2800" dirty="0"/>
               <a:t> </a:t>
             </a:r>
             <a:r>
-              <a:rPr lang="en-US" dirty="0" smtClean="0"/>
+              <a:rPr lang="en-US" sz="2800" dirty="0" smtClean="0"/>
               <a:t>Sub-types:</a:t>
             </a:r>
           </a:p>
@@ -15358,7 +19472,7 @@
               <a:buChar char="•"/>
             </a:pPr>
             <a:r>
-              <a:rPr lang="en-US" dirty="0" smtClean="0"/>
+              <a:rPr lang="en-US" sz="2800" dirty="0" smtClean="0"/>
               <a:t>Single-solution meta-heuristics</a:t>
             </a:r>
           </a:p>
@@ -15368,10 +19482,10 @@
               <a:buChar char="•"/>
             </a:pPr>
             <a:r>
-              <a:rPr lang="en-US" dirty="0" smtClean="0"/>
+              <a:rPr lang="en-US" sz="2800" dirty="0" smtClean="0"/>
               <a:t>Population-based meta-heuristics</a:t>
             </a:r>
-            <a:endParaRPr lang="en-US" dirty="0"/>
+            <a:endParaRPr lang="en-US" sz="2800" dirty="0"/>
           </a:p>
         </p:txBody>
       </p:sp>

--- a/doc/Apresentação Oral/Examination Timetabling Automation using Hybrid Meta-heuristics.pptx
+++ b/doc/Apresentação Oral/Examination Timetabling Automation using Hybrid Meta-heuristics.pptx
@@ -154,7 +154,7 @@
 <file path=ppt/commentAuthors.xml><?xml version="1.0" encoding="utf-8"?>
 <p:cmAuthorLst xmlns:a="http://schemas.openxmlformats.org/drawingml/2006/main" xmlns:r="http://schemas.openxmlformats.org/officeDocument/2006/relationships" xmlns:p="http://schemas.openxmlformats.org/presentationml/2006/main">
   <p:cmAuthor id="0" name="Nuno" initials="N" lastIdx="37" clrIdx="0"/>
-  <p:cmAuthor id="1" name="Mike" initials="M" lastIdx="7" clrIdx="1">
+  <p:cmAuthor id="1" name="Mike" initials="M" lastIdx="8" clrIdx="1">
     <p:extLst/>
   </p:cmAuthor>
   <p:cmAuthor id="2" name="Artur" initials="A" lastIdx="3" clrIdx="2"/>
@@ -1890,6 +1890,52 @@
         </a:p>
       </dgm:t>
     </dgm:pt>
+    <dgm:pt modelId="{17A8A248-E1DA-469F-A154-CBAC5D9778AB}">
+      <dgm:prSet phldrT="[Text]"/>
+      <dgm:spPr>
+        <a:solidFill>
+          <a:srgbClr val="F0847C"/>
+        </a:solidFill>
+        <a:ln>
+          <a:solidFill>
+            <a:srgbClr val="C00000"/>
+          </a:solidFill>
+        </a:ln>
+      </dgm:spPr>
+      <dgm:t>
+        <a:bodyPr/>
+        <a:lstStyle/>
+        <a:p>
+          <a:r>
+            <a:rPr lang="en-US" dirty="0" smtClean="0"/>
+            <a:t>ITC 2007 Data</a:t>
+          </a:r>
+          <a:endParaRPr lang="en-US" dirty="0"/>
+        </a:p>
+      </dgm:t>
+    </dgm:pt>
+    <dgm:pt modelId="{E3C8D432-9B80-4370-B9AA-3C64CD61764F}" type="parTrans" cxnId="{174D0F16-8657-483C-B58D-FDDCDD6C622B}">
+      <dgm:prSet/>
+      <dgm:spPr/>
+      <dgm:t>
+        <a:bodyPr/>
+        <a:lstStyle/>
+        <a:p>
+          <a:endParaRPr lang="en-US"/>
+        </a:p>
+      </dgm:t>
+    </dgm:pt>
+    <dgm:pt modelId="{4422F951-8E6C-4158-98BC-9114CDD18487}" type="sibTrans" cxnId="{174D0F16-8657-483C-B58D-FDDCDD6C622B}">
+      <dgm:prSet/>
+      <dgm:spPr/>
+      <dgm:t>
+        <a:bodyPr/>
+        <a:lstStyle/>
+        <a:p>
+          <a:endParaRPr lang="en-US"/>
+        </a:p>
+      </dgm:t>
+    </dgm:pt>
     <dgm:pt modelId="{52A5986A-80EF-452F-B163-4F651F6E920E}" type="pres">
       <dgm:prSet presAssocID="{BA80B3D6-D686-4335-B8FE-A5B174A91D1F}" presName="Name0" presStyleCnt="0">
         <dgm:presLayoutVars>
@@ -1899,8 +1945,45 @@
       </dgm:prSet>
       <dgm:spPr/>
     </dgm:pt>
+    <dgm:pt modelId="{0F705934-E6D1-499E-BDAA-C0A62992660D}" type="pres">
+      <dgm:prSet presAssocID="{17A8A248-E1DA-469F-A154-CBAC5D9778AB}" presName="node" presStyleLbl="node1" presStyleIdx="0" presStyleCnt="5">
+        <dgm:presLayoutVars>
+          <dgm:bulletEnabled val="1"/>
+        </dgm:presLayoutVars>
+      </dgm:prSet>
+      <dgm:spPr/>
+      <dgm:t>
+        <a:bodyPr/>
+        <a:lstStyle/>
+        <a:p>
+          <a:endParaRPr lang="en-US"/>
+        </a:p>
+      </dgm:t>
+    </dgm:pt>
+    <dgm:pt modelId="{FDB0FADC-49BB-4433-94F6-73BAE60CC01B}" type="pres">
+      <dgm:prSet presAssocID="{4422F951-8E6C-4158-98BC-9114CDD18487}" presName="sibTrans" presStyleLbl="sibTrans2D1" presStyleIdx="0" presStyleCnt="4"/>
+      <dgm:spPr/>
+      <dgm:t>
+        <a:bodyPr/>
+        <a:lstStyle/>
+        <a:p>
+          <a:endParaRPr lang="en-US"/>
+        </a:p>
+      </dgm:t>
+    </dgm:pt>
+    <dgm:pt modelId="{C70AAC22-CD4D-442E-9F76-A785E86CF564}" type="pres">
+      <dgm:prSet presAssocID="{4422F951-8E6C-4158-98BC-9114CDD18487}" presName="connectorText" presStyleLbl="sibTrans2D1" presStyleIdx="0" presStyleCnt="4"/>
+      <dgm:spPr/>
+      <dgm:t>
+        <a:bodyPr/>
+        <a:lstStyle/>
+        <a:p>
+          <a:endParaRPr lang="en-US"/>
+        </a:p>
+      </dgm:t>
+    </dgm:pt>
     <dgm:pt modelId="{1042CD11-4028-40C7-A3E4-3853786713BD}" type="pres">
-      <dgm:prSet presAssocID="{D4EC1965-5E66-4F6A-B14C-48B89CF88F34}" presName="node" presStyleLbl="node1" presStyleIdx="0" presStyleCnt="4">
+      <dgm:prSet presAssocID="{D4EC1965-5E66-4F6A-B14C-48B89CF88F34}" presName="node" presStyleLbl="node1" presStyleIdx="1" presStyleCnt="5">
         <dgm:presLayoutVars>
           <dgm:bulletEnabled val="1"/>
         </dgm:presLayoutVars>
@@ -1915,7 +1998,7 @@
       </dgm:t>
     </dgm:pt>
     <dgm:pt modelId="{84B384BA-4992-4177-9E54-19EAA20BCC7A}" type="pres">
-      <dgm:prSet presAssocID="{502ADAB4-0FBC-4569-99CE-21E1D5F6BC66}" presName="sibTrans" presStyleLbl="sibTrans2D1" presStyleIdx="0" presStyleCnt="3"/>
+      <dgm:prSet presAssocID="{502ADAB4-0FBC-4569-99CE-21E1D5F6BC66}" presName="sibTrans" presStyleLbl="sibTrans2D1" presStyleIdx="1" presStyleCnt="4"/>
       <dgm:spPr/>
       <dgm:t>
         <a:bodyPr/>
@@ -1926,7 +2009,7 @@
       </dgm:t>
     </dgm:pt>
     <dgm:pt modelId="{45E28F72-793C-4B73-B565-78D783AB4F0D}" type="pres">
-      <dgm:prSet presAssocID="{502ADAB4-0FBC-4569-99CE-21E1D5F6BC66}" presName="connectorText" presStyleLbl="sibTrans2D1" presStyleIdx="0" presStyleCnt="3"/>
+      <dgm:prSet presAssocID="{502ADAB4-0FBC-4569-99CE-21E1D5F6BC66}" presName="connectorText" presStyleLbl="sibTrans2D1" presStyleIdx="1" presStyleCnt="4"/>
       <dgm:spPr/>
       <dgm:t>
         <a:bodyPr/>
@@ -1937,7 +2020,7 @@
       </dgm:t>
     </dgm:pt>
     <dgm:pt modelId="{A9B93654-13EA-4C3C-8C58-01B6F39C7E93}" type="pres">
-      <dgm:prSet presAssocID="{424BD534-A5CD-4DA1-970B-96BC2B36FFFA}" presName="node" presStyleLbl="node1" presStyleIdx="1" presStyleCnt="4">
+      <dgm:prSet presAssocID="{424BD534-A5CD-4DA1-970B-96BC2B36FFFA}" presName="node" presStyleLbl="node1" presStyleIdx="2" presStyleCnt="5">
         <dgm:presLayoutVars>
           <dgm:bulletEnabled val="1"/>
         </dgm:presLayoutVars>
@@ -1952,7 +2035,7 @@
       </dgm:t>
     </dgm:pt>
     <dgm:pt modelId="{42370FF3-AFA1-404E-A02D-36439289E42F}" type="pres">
-      <dgm:prSet presAssocID="{2F6FD728-9EA6-4228-BAD0-00E42898BAEE}" presName="sibTrans" presStyleLbl="sibTrans2D1" presStyleIdx="1" presStyleCnt="3"/>
+      <dgm:prSet presAssocID="{2F6FD728-9EA6-4228-BAD0-00E42898BAEE}" presName="sibTrans" presStyleLbl="sibTrans2D1" presStyleIdx="2" presStyleCnt="4"/>
       <dgm:spPr/>
       <dgm:t>
         <a:bodyPr/>
@@ -1963,7 +2046,7 @@
       </dgm:t>
     </dgm:pt>
     <dgm:pt modelId="{09FB49E3-3A32-426F-90D7-C2DEEECBAE8A}" type="pres">
-      <dgm:prSet presAssocID="{2F6FD728-9EA6-4228-BAD0-00E42898BAEE}" presName="connectorText" presStyleLbl="sibTrans2D1" presStyleIdx="1" presStyleCnt="3"/>
+      <dgm:prSet presAssocID="{2F6FD728-9EA6-4228-BAD0-00E42898BAEE}" presName="connectorText" presStyleLbl="sibTrans2D1" presStyleIdx="2" presStyleCnt="4"/>
       <dgm:spPr/>
       <dgm:t>
         <a:bodyPr/>
@@ -1974,7 +2057,7 @@
       </dgm:t>
     </dgm:pt>
     <dgm:pt modelId="{B6D3413A-C5B6-47F8-B1A9-65F1039F4D3B}" type="pres">
-      <dgm:prSet presAssocID="{98B9D415-3575-41DA-8A1E-7D3F389EAAB4}" presName="node" presStyleLbl="node1" presStyleIdx="2" presStyleCnt="4">
+      <dgm:prSet presAssocID="{98B9D415-3575-41DA-8A1E-7D3F389EAAB4}" presName="node" presStyleLbl="node1" presStyleIdx="3" presStyleCnt="5">
         <dgm:presLayoutVars>
           <dgm:bulletEnabled val="1"/>
         </dgm:presLayoutVars>
@@ -1989,7 +2072,7 @@
       </dgm:t>
     </dgm:pt>
     <dgm:pt modelId="{F0252C6C-08EF-48C6-89C0-0C3E67BADC55}" type="pres">
-      <dgm:prSet presAssocID="{903E13AB-7FF9-4EF1-9CC8-42D43D9E5AF2}" presName="sibTrans" presStyleLbl="sibTrans2D1" presStyleIdx="2" presStyleCnt="3"/>
+      <dgm:prSet presAssocID="{903E13AB-7FF9-4EF1-9CC8-42D43D9E5AF2}" presName="sibTrans" presStyleLbl="sibTrans2D1" presStyleIdx="3" presStyleCnt="4"/>
       <dgm:spPr/>
       <dgm:t>
         <a:bodyPr/>
@@ -2000,7 +2083,7 @@
       </dgm:t>
     </dgm:pt>
     <dgm:pt modelId="{005977C5-7746-4332-AB63-5565C2615FED}" type="pres">
-      <dgm:prSet presAssocID="{903E13AB-7FF9-4EF1-9CC8-42D43D9E5AF2}" presName="connectorText" presStyleLbl="sibTrans2D1" presStyleIdx="2" presStyleCnt="3"/>
+      <dgm:prSet presAssocID="{903E13AB-7FF9-4EF1-9CC8-42D43D9E5AF2}" presName="connectorText" presStyleLbl="sibTrans2D1" presStyleIdx="3" presStyleCnt="4"/>
       <dgm:spPr/>
       <dgm:t>
         <a:bodyPr/>
@@ -2011,7 +2094,7 @@
       </dgm:t>
     </dgm:pt>
     <dgm:pt modelId="{81668A18-A5C4-481F-924E-91CBE598CF90}" type="pres">
-      <dgm:prSet presAssocID="{6E46E610-6AA3-4C4E-8A85-6DC6A62E248B}" presName="node" presStyleLbl="node1" presStyleIdx="3" presStyleCnt="4">
+      <dgm:prSet presAssocID="{6E46E610-6AA3-4C4E-8A85-6DC6A62E248B}" presName="node" presStyleLbl="node1" presStyleIdx="4" presStyleCnt="5">
         <dgm:presLayoutVars>
           <dgm:bulletEnabled val="1"/>
         </dgm:presLayoutVars>
@@ -2030,28 +2113,35 @@
     <dgm:cxn modelId="{FA6DC9F7-4E20-4318-B597-6512B64C5E5B}" type="presOf" srcId="{903E13AB-7FF9-4EF1-9CC8-42D43D9E5AF2}" destId="{F0252C6C-08EF-48C6-89C0-0C3E67BADC55}" srcOrd="0" destOrd="0" presId="urn:microsoft.com/office/officeart/2005/8/layout/process1"/>
     <dgm:cxn modelId="{29F03320-2E4F-4DBF-856B-0777D4F75DE2}" type="presOf" srcId="{6E46E610-6AA3-4C4E-8A85-6DC6A62E248B}" destId="{81668A18-A5C4-481F-924E-91CBE598CF90}" srcOrd="0" destOrd="0" presId="urn:microsoft.com/office/officeart/2005/8/layout/process1"/>
     <dgm:cxn modelId="{C3A8A718-F2B3-455B-B68C-D33C0FB85442}" type="presOf" srcId="{D4EC1965-5E66-4F6A-B14C-48B89CF88F34}" destId="{1042CD11-4028-40C7-A3E4-3853786713BD}" srcOrd="0" destOrd="0" presId="urn:microsoft.com/office/officeart/2005/8/layout/process1"/>
-    <dgm:cxn modelId="{10A6AFFB-136F-4B46-B488-3FCEC86DF52E}" srcId="{BA80B3D6-D686-4335-B8FE-A5B174A91D1F}" destId="{98B9D415-3575-41DA-8A1E-7D3F389EAAB4}" srcOrd="2" destOrd="0" parTransId="{4BB043C2-7E2E-4EC1-9BF5-3822561939B1}" sibTransId="{903E13AB-7FF9-4EF1-9CC8-42D43D9E5AF2}"/>
+    <dgm:cxn modelId="{10A6AFFB-136F-4B46-B488-3FCEC86DF52E}" srcId="{BA80B3D6-D686-4335-B8FE-A5B174A91D1F}" destId="{98B9D415-3575-41DA-8A1E-7D3F389EAAB4}" srcOrd="3" destOrd="0" parTransId="{4BB043C2-7E2E-4EC1-9BF5-3822561939B1}" sibTransId="{903E13AB-7FF9-4EF1-9CC8-42D43D9E5AF2}"/>
     <dgm:cxn modelId="{72341014-660C-4F4B-99DB-6D5B90535813}" type="presOf" srcId="{BA80B3D6-D686-4335-B8FE-A5B174A91D1F}" destId="{52A5986A-80EF-452F-B163-4F651F6E920E}" srcOrd="0" destOrd="0" presId="urn:microsoft.com/office/officeart/2005/8/layout/process1"/>
-    <dgm:cxn modelId="{63979777-6806-43D9-999F-7A795E3AE3BF}" srcId="{BA80B3D6-D686-4335-B8FE-A5B174A91D1F}" destId="{424BD534-A5CD-4DA1-970B-96BC2B36FFFA}" srcOrd="1" destOrd="0" parTransId="{A6527A33-AD89-4577-8B3C-398FC08D70E9}" sibTransId="{2F6FD728-9EA6-4228-BAD0-00E42898BAEE}"/>
+    <dgm:cxn modelId="{63979777-6806-43D9-999F-7A795E3AE3BF}" srcId="{BA80B3D6-D686-4335-B8FE-A5B174A91D1F}" destId="{424BD534-A5CD-4DA1-970B-96BC2B36FFFA}" srcOrd="2" destOrd="0" parTransId="{A6527A33-AD89-4577-8B3C-398FC08D70E9}" sibTransId="{2F6FD728-9EA6-4228-BAD0-00E42898BAEE}"/>
     <dgm:cxn modelId="{00F76F21-1BB6-441A-9A4C-96D7CFDF66A5}" type="presOf" srcId="{424BD534-A5CD-4DA1-970B-96BC2B36FFFA}" destId="{A9B93654-13EA-4C3C-8C58-01B6F39C7E93}" srcOrd="0" destOrd="0" presId="urn:microsoft.com/office/officeart/2005/8/layout/process1"/>
+    <dgm:cxn modelId="{3E50A592-F061-4FB1-B1E4-BBD4D7ADC618}" type="presOf" srcId="{4422F951-8E6C-4158-98BC-9114CDD18487}" destId="{FDB0FADC-49BB-4433-94F6-73BAE60CC01B}" srcOrd="0" destOrd="0" presId="urn:microsoft.com/office/officeart/2005/8/layout/process1"/>
     <dgm:cxn modelId="{7CE9BA74-E81D-4825-9A76-DC360EF86D98}" type="presOf" srcId="{502ADAB4-0FBC-4569-99CE-21E1D5F6BC66}" destId="{45E28F72-793C-4B73-B565-78D783AB4F0D}" srcOrd="1" destOrd="0" presId="urn:microsoft.com/office/officeart/2005/8/layout/process1"/>
+    <dgm:cxn modelId="{174D0F16-8657-483C-B58D-FDDCDD6C622B}" srcId="{BA80B3D6-D686-4335-B8FE-A5B174A91D1F}" destId="{17A8A248-E1DA-469F-A154-CBAC5D9778AB}" srcOrd="0" destOrd="0" parTransId="{E3C8D432-9B80-4370-B9AA-3C64CD61764F}" sibTransId="{4422F951-8E6C-4158-98BC-9114CDD18487}"/>
     <dgm:cxn modelId="{7453717B-ED60-4C31-9DDE-E1D9BE26A6F7}" type="presOf" srcId="{2F6FD728-9EA6-4228-BAD0-00E42898BAEE}" destId="{42370FF3-AFA1-404E-A02D-36439289E42F}" srcOrd="0" destOrd="0" presId="urn:microsoft.com/office/officeart/2005/8/layout/process1"/>
-    <dgm:cxn modelId="{F1DC2A5A-DC5A-417A-B6A0-A85C2DF10750}" srcId="{BA80B3D6-D686-4335-B8FE-A5B174A91D1F}" destId="{D4EC1965-5E66-4F6A-B14C-48B89CF88F34}" srcOrd="0" destOrd="0" parTransId="{FCD1FA7D-D905-468E-99B9-C7BD076FAC31}" sibTransId="{502ADAB4-0FBC-4569-99CE-21E1D5F6BC66}"/>
+    <dgm:cxn modelId="{49F23FF8-B975-4118-8BFC-976E5D1F81BB}" type="presOf" srcId="{17A8A248-E1DA-469F-A154-CBAC5D9778AB}" destId="{0F705934-E6D1-499E-BDAA-C0A62992660D}" srcOrd="0" destOrd="0" presId="urn:microsoft.com/office/officeart/2005/8/layout/process1"/>
     <dgm:cxn modelId="{5D908D8B-B700-4D78-B51E-986905D3CBF2}" type="presOf" srcId="{502ADAB4-0FBC-4569-99CE-21E1D5F6BC66}" destId="{84B384BA-4992-4177-9E54-19EAA20BCC7A}" srcOrd="0" destOrd="0" presId="urn:microsoft.com/office/officeart/2005/8/layout/process1"/>
+    <dgm:cxn modelId="{F1DC2A5A-DC5A-417A-B6A0-A85C2DF10750}" srcId="{BA80B3D6-D686-4335-B8FE-A5B174A91D1F}" destId="{D4EC1965-5E66-4F6A-B14C-48B89CF88F34}" srcOrd="1" destOrd="0" parTransId="{FCD1FA7D-D905-468E-99B9-C7BD076FAC31}" sibTransId="{502ADAB4-0FBC-4569-99CE-21E1D5F6BC66}"/>
     <dgm:cxn modelId="{4F443778-1E82-4F0D-9FF1-3BE92935AE9E}" type="presOf" srcId="{903E13AB-7FF9-4EF1-9CC8-42D43D9E5AF2}" destId="{005977C5-7746-4332-AB63-5565C2615FED}" srcOrd="1" destOrd="0" presId="urn:microsoft.com/office/officeart/2005/8/layout/process1"/>
-    <dgm:cxn modelId="{E8D939EE-BE19-4749-A012-A8BD5CBA70A3}" srcId="{BA80B3D6-D686-4335-B8FE-A5B174A91D1F}" destId="{6E46E610-6AA3-4C4E-8A85-6DC6A62E248B}" srcOrd="3" destOrd="0" parTransId="{823508B4-53E0-436F-8C0C-01AAB20F1F8B}" sibTransId="{58A25139-4C19-4DEF-BB4A-2C7D0C560D1E}"/>
+    <dgm:cxn modelId="{F9230486-757A-4ED0-A75A-C99318CC3162}" type="presOf" srcId="{4422F951-8E6C-4158-98BC-9114CDD18487}" destId="{C70AAC22-CD4D-442E-9F76-A785E86CF564}" srcOrd="1" destOrd="0" presId="urn:microsoft.com/office/officeart/2005/8/layout/process1"/>
+    <dgm:cxn modelId="{E8D939EE-BE19-4749-A012-A8BD5CBA70A3}" srcId="{BA80B3D6-D686-4335-B8FE-A5B174A91D1F}" destId="{6E46E610-6AA3-4C4E-8A85-6DC6A62E248B}" srcOrd="4" destOrd="0" parTransId="{823508B4-53E0-436F-8C0C-01AAB20F1F8B}" sibTransId="{58A25139-4C19-4DEF-BB4A-2C7D0C560D1E}"/>
     <dgm:cxn modelId="{C7DF86BE-B58A-49FE-862D-5188C1FA3E7E}" type="presOf" srcId="{2F6FD728-9EA6-4228-BAD0-00E42898BAEE}" destId="{09FB49E3-3A32-426F-90D7-C2DEEECBAE8A}" srcOrd="1" destOrd="0" presId="urn:microsoft.com/office/officeart/2005/8/layout/process1"/>
     <dgm:cxn modelId="{3A624728-957B-485C-814A-C77AECCCFB85}" type="presOf" srcId="{98B9D415-3575-41DA-8A1E-7D3F389EAAB4}" destId="{B6D3413A-C5B6-47F8-B1A9-65F1039F4D3B}" srcOrd="0" destOrd="0" presId="urn:microsoft.com/office/officeart/2005/8/layout/process1"/>
-    <dgm:cxn modelId="{C2AEF85E-E848-4B0A-9978-D41998F2BED0}" type="presParOf" srcId="{52A5986A-80EF-452F-B163-4F651F6E920E}" destId="{1042CD11-4028-40C7-A3E4-3853786713BD}" srcOrd="0" destOrd="0" presId="urn:microsoft.com/office/officeart/2005/8/layout/process1"/>
-    <dgm:cxn modelId="{137D71B9-D08A-4937-A3F2-15F870A10F9E}" type="presParOf" srcId="{52A5986A-80EF-452F-B163-4F651F6E920E}" destId="{84B384BA-4992-4177-9E54-19EAA20BCC7A}" srcOrd="1" destOrd="0" presId="urn:microsoft.com/office/officeart/2005/8/layout/process1"/>
+    <dgm:cxn modelId="{577C1C7F-F258-4186-9402-EF17005AEA17}" type="presParOf" srcId="{52A5986A-80EF-452F-B163-4F651F6E920E}" destId="{0F705934-E6D1-499E-BDAA-C0A62992660D}" srcOrd="0" destOrd="0" presId="urn:microsoft.com/office/officeart/2005/8/layout/process1"/>
+    <dgm:cxn modelId="{BF7983CF-4D1F-4136-B25F-4F091829DDA4}" type="presParOf" srcId="{52A5986A-80EF-452F-B163-4F651F6E920E}" destId="{FDB0FADC-49BB-4433-94F6-73BAE60CC01B}" srcOrd="1" destOrd="0" presId="urn:microsoft.com/office/officeart/2005/8/layout/process1"/>
+    <dgm:cxn modelId="{B9EF3739-3B11-4734-9F89-CD739C0FD902}" type="presParOf" srcId="{FDB0FADC-49BB-4433-94F6-73BAE60CC01B}" destId="{C70AAC22-CD4D-442E-9F76-A785E86CF564}" srcOrd="0" destOrd="0" presId="urn:microsoft.com/office/officeart/2005/8/layout/process1"/>
+    <dgm:cxn modelId="{C2AEF85E-E848-4B0A-9978-D41998F2BED0}" type="presParOf" srcId="{52A5986A-80EF-452F-B163-4F651F6E920E}" destId="{1042CD11-4028-40C7-A3E4-3853786713BD}" srcOrd="2" destOrd="0" presId="urn:microsoft.com/office/officeart/2005/8/layout/process1"/>
+    <dgm:cxn modelId="{137D71B9-D08A-4937-A3F2-15F870A10F9E}" type="presParOf" srcId="{52A5986A-80EF-452F-B163-4F651F6E920E}" destId="{84B384BA-4992-4177-9E54-19EAA20BCC7A}" srcOrd="3" destOrd="0" presId="urn:microsoft.com/office/officeart/2005/8/layout/process1"/>
     <dgm:cxn modelId="{83B4D52C-140E-4A8A-AC86-C1AF47FD476F}" type="presParOf" srcId="{84B384BA-4992-4177-9E54-19EAA20BCC7A}" destId="{45E28F72-793C-4B73-B565-78D783AB4F0D}" srcOrd="0" destOrd="0" presId="urn:microsoft.com/office/officeart/2005/8/layout/process1"/>
-    <dgm:cxn modelId="{F23E420E-2349-421F-A746-3EBA5600A2BC}" type="presParOf" srcId="{52A5986A-80EF-452F-B163-4F651F6E920E}" destId="{A9B93654-13EA-4C3C-8C58-01B6F39C7E93}" srcOrd="2" destOrd="0" presId="urn:microsoft.com/office/officeart/2005/8/layout/process1"/>
-    <dgm:cxn modelId="{E46762DB-2D4A-4422-9580-BDE8A07F45C3}" type="presParOf" srcId="{52A5986A-80EF-452F-B163-4F651F6E920E}" destId="{42370FF3-AFA1-404E-A02D-36439289E42F}" srcOrd="3" destOrd="0" presId="urn:microsoft.com/office/officeart/2005/8/layout/process1"/>
+    <dgm:cxn modelId="{F23E420E-2349-421F-A746-3EBA5600A2BC}" type="presParOf" srcId="{52A5986A-80EF-452F-B163-4F651F6E920E}" destId="{A9B93654-13EA-4C3C-8C58-01B6F39C7E93}" srcOrd="4" destOrd="0" presId="urn:microsoft.com/office/officeart/2005/8/layout/process1"/>
+    <dgm:cxn modelId="{E46762DB-2D4A-4422-9580-BDE8A07F45C3}" type="presParOf" srcId="{52A5986A-80EF-452F-B163-4F651F6E920E}" destId="{42370FF3-AFA1-404E-A02D-36439289E42F}" srcOrd="5" destOrd="0" presId="urn:microsoft.com/office/officeart/2005/8/layout/process1"/>
     <dgm:cxn modelId="{FB95DFAB-79F4-481B-ABC8-3D6B1867AF7F}" type="presParOf" srcId="{42370FF3-AFA1-404E-A02D-36439289E42F}" destId="{09FB49E3-3A32-426F-90D7-C2DEEECBAE8A}" srcOrd="0" destOrd="0" presId="urn:microsoft.com/office/officeart/2005/8/layout/process1"/>
-    <dgm:cxn modelId="{7823014D-7590-42E8-9B86-009D3156CDF2}" type="presParOf" srcId="{52A5986A-80EF-452F-B163-4F651F6E920E}" destId="{B6D3413A-C5B6-47F8-B1A9-65F1039F4D3B}" srcOrd="4" destOrd="0" presId="urn:microsoft.com/office/officeart/2005/8/layout/process1"/>
-    <dgm:cxn modelId="{4F562406-3DC5-4CA6-B692-96683ED73BA8}" type="presParOf" srcId="{52A5986A-80EF-452F-B163-4F651F6E920E}" destId="{F0252C6C-08EF-48C6-89C0-0C3E67BADC55}" srcOrd="5" destOrd="0" presId="urn:microsoft.com/office/officeart/2005/8/layout/process1"/>
+    <dgm:cxn modelId="{7823014D-7590-42E8-9B86-009D3156CDF2}" type="presParOf" srcId="{52A5986A-80EF-452F-B163-4F651F6E920E}" destId="{B6D3413A-C5B6-47F8-B1A9-65F1039F4D3B}" srcOrd="6" destOrd="0" presId="urn:microsoft.com/office/officeart/2005/8/layout/process1"/>
+    <dgm:cxn modelId="{4F562406-3DC5-4CA6-B692-96683ED73BA8}" type="presParOf" srcId="{52A5986A-80EF-452F-B163-4F651F6E920E}" destId="{F0252C6C-08EF-48C6-89C0-0C3E67BADC55}" srcOrd="7" destOrd="0" presId="urn:microsoft.com/office/officeart/2005/8/layout/process1"/>
     <dgm:cxn modelId="{AC55E683-B884-4FE4-B0AE-0147D944D847}" type="presParOf" srcId="{F0252C6C-08EF-48C6-89C0-0C3E67BADC55}" destId="{005977C5-7746-4332-AB63-5565C2615FED}" srcOrd="0" destOrd="0" presId="urn:microsoft.com/office/officeart/2005/8/layout/process1"/>
-    <dgm:cxn modelId="{6892B5EF-5333-4EFD-AECD-D232558C8BA9}" type="presParOf" srcId="{52A5986A-80EF-452F-B163-4F651F6E920E}" destId="{81668A18-A5C4-481F-924E-91CBE598CF90}" srcOrd="6" destOrd="0" presId="urn:microsoft.com/office/officeart/2005/8/layout/process1"/>
+    <dgm:cxn modelId="{6892B5EF-5333-4EFD-AECD-D232558C8BA9}" type="presParOf" srcId="{52A5986A-80EF-452F-B163-4F651F6E920E}" destId="{81668A18-A5C4-481F-924E-91CBE598CF90}" srcOrd="8" destOrd="0" presId="urn:microsoft.com/office/officeart/2005/8/layout/process1"/>
   </dgm:cxnLst>
   <dgm:bg/>
   <dgm:whole/>
@@ -2078,17 +2168,17 @@
       </dgm:t>
     </dgm:pt>
     <dgm:pt modelId="{4FCECD55-57B3-4B79-B73C-C2902CA9B079}">
-      <dgm:prSet phldrT="[Text]"/>
+      <dgm:prSet phldrT="[Text]" custT="1"/>
       <dgm:spPr/>
       <dgm:t>
         <a:bodyPr/>
         <a:lstStyle/>
         <a:p>
           <a:r>
-            <a:rPr lang="en-US" dirty="0" smtClean="0"/>
+            <a:rPr lang="en-US" sz="1200" dirty="0" smtClean="0"/>
             <a:t>18:04:2005</a:t>
           </a:r>
-          <a:endParaRPr lang="en-US" dirty="0"/>
+          <a:endParaRPr lang="en-US" sz="1200" dirty="0"/>
         </a:p>
       </dgm:t>
     </dgm:pt>
@@ -2099,7 +2189,7 @@
         <a:bodyPr/>
         <a:lstStyle/>
         <a:p>
-          <a:endParaRPr lang="en-US"/>
+          <a:endParaRPr lang="en-US" sz="1200"/>
         </a:p>
       </dgm:t>
     </dgm:pt>
@@ -2110,22 +2200,22 @@
         <a:bodyPr/>
         <a:lstStyle/>
         <a:p>
-          <a:endParaRPr lang="en-US"/>
+          <a:endParaRPr lang="en-US" sz="1200"/>
         </a:p>
       </dgm:t>
     </dgm:pt>
     <dgm:pt modelId="{43182086-0DD6-446E-87F9-4F4BDF43DEF8}">
-      <dgm:prSet phldrT="[Text]"/>
+      <dgm:prSet phldrT="[Text]" custT="1"/>
       <dgm:spPr/>
       <dgm:t>
         <a:bodyPr/>
         <a:lstStyle/>
         <a:p>
           <a:r>
-            <a:rPr lang="en-US" dirty="0" smtClean="0"/>
+            <a:rPr lang="en-US" sz="1200" dirty="0" smtClean="0"/>
             <a:t>E: 107	R: 2</a:t>
           </a:r>
-          <a:endParaRPr lang="en-US" dirty="0"/>
+          <a:endParaRPr lang="en-US" sz="1200" dirty="0"/>
         </a:p>
       </dgm:t>
     </dgm:pt>
@@ -2136,7 +2226,7 @@
         <a:bodyPr/>
         <a:lstStyle/>
         <a:p>
-          <a:endParaRPr lang="en-US"/>
+          <a:endParaRPr lang="en-US" sz="1200"/>
         </a:p>
       </dgm:t>
     </dgm:pt>
@@ -2147,22 +2237,22 @@
         <a:bodyPr/>
         <a:lstStyle/>
         <a:p>
-          <a:endParaRPr lang="en-US"/>
+          <a:endParaRPr lang="en-US" sz="1200"/>
         </a:p>
       </dgm:t>
     </dgm:pt>
     <dgm:pt modelId="{80BC2265-EAF2-4782-9CC2-714A34DC915E}">
-      <dgm:prSet phldrT="[Text]"/>
+      <dgm:prSet phldrT="[Text]" custT="1"/>
       <dgm:spPr/>
       <dgm:t>
         <a:bodyPr/>
         <a:lstStyle/>
         <a:p>
           <a:r>
-            <a:rPr lang="en-US" dirty="0" smtClean="0"/>
+            <a:rPr lang="en-US" sz="1200" dirty="0" smtClean="0"/>
             <a:t>E: 202	R: 1</a:t>
           </a:r>
-          <a:endParaRPr lang="en-US" dirty="0"/>
+          <a:endParaRPr lang="en-US" sz="1200" dirty="0"/>
         </a:p>
       </dgm:t>
     </dgm:pt>
@@ -2173,7 +2263,7 @@
         <a:bodyPr/>
         <a:lstStyle/>
         <a:p>
-          <a:endParaRPr lang="en-US"/>
+          <a:endParaRPr lang="en-US" sz="1200"/>
         </a:p>
       </dgm:t>
     </dgm:pt>
@@ -2184,22 +2274,22 @@
         <a:bodyPr/>
         <a:lstStyle/>
         <a:p>
-          <a:endParaRPr lang="en-US"/>
+          <a:endParaRPr lang="en-US" sz="1200"/>
         </a:p>
       </dgm:t>
     </dgm:pt>
     <dgm:pt modelId="{6F193B4F-EADB-4E90-A84B-4FC900E7BF8E}">
-      <dgm:prSet phldrT="[Text]"/>
+      <dgm:prSet phldrT="[Text]" custT="1"/>
       <dgm:spPr/>
       <dgm:t>
         <a:bodyPr/>
         <a:lstStyle/>
         <a:p>
           <a:r>
-            <a:rPr lang="en-US" dirty="0" smtClean="0"/>
+            <a:rPr lang="en-US" sz="1200" dirty="0" smtClean="0"/>
             <a:t>19:04:2005</a:t>
           </a:r>
-          <a:endParaRPr lang="en-US" dirty="0"/>
+          <a:endParaRPr lang="en-US" sz="1200" dirty="0"/>
         </a:p>
       </dgm:t>
     </dgm:pt>
@@ -2210,7 +2300,7 @@
         <a:bodyPr/>
         <a:lstStyle/>
         <a:p>
-          <a:endParaRPr lang="en-US"/>
+          <a:endParaRPr lang="en-US" sz="1200"/>
         </a:p>
       </dgm:t>
     </dgm:pt>
@@ -2221,22 +2311,22 @@
         <a:bodyPr/>
         <a:lstStyle/>
         <a:p>
-          <a:endParaRPr lang="en-US"/>
+          <a:endParaRPr lang="en-US" sz="1200"/>
         </a:p>
       </dgm:t>
     </dgm:pt>
     <dgm:pt modelId="{998F2C35-CF79-4255-B261-198899FD385B}">
-      <dgm:prSet phldrT="[Text]"/>
+      <dgm:prSet phldrT="[Text]" custT="1"/>
       <dgm:spPr/>
       <dgm:t>
         <a:bodyPr/>
         <a:lstStyle/>
         <a:p>
           <a:r>
-            <a:rPr lang="en-US" dirty="0" smtClean="0"/>
+            <a:rPr lang="en-US" sz="1200" dirty="0" smtClean="0"/>
             <a:t>E: 2	R: 5</a:t>
           </a:r>
-          <a:endParaRPr lang="en-US" dirty="0"/>
+          <a:endParaRPr lang="en-US" sz="1200" dirty="0"/>
         </a:p>
       </dgm:t>
     </dgm:pt>
@@ -2247,7 +2337,7 @@
         <a:bodyPr/>
         <a:lstStyle/>
         <a:p>
-          <a:endParaRPr lang="en-US"/>
+          <a:endParaRPr lang="en-US" sz="1200"/>
         </a:p>
       </dgm:t>
     </dgm:pt>
@@ -2258,22 +2348,22 @@
         <a:bodyPr/>
         <a:lstStyle/>
         <a:p>
-          <a:endParaRPr lang="en-US"/>
+          <a:endParaRPr lang="en-US" sz="1200"/>
         </a:p>
       </dgm:t>
     </dgm:pt>
     <dgm:pt modelId="{75278659-B33A-45EB-AE48-82A6D0B8CB81}">
-      <dgm:prSet phldrT="[Text]"/>
+      <dgm:prSet phldrT="[Text]" custT="1"/>
       <dgm:spPr/>
       <dgm:t>
         <a:bodyPr/>
         <a:lstStyle/>
         <a:p>
           <a:r>
-            <a:rPr lang="en-US" dirty="0" smtClean="0"/>
+            <a:rPr lang="en-US" sz="1200" dirty="0" smtClean="0"/>
             <a:t>20:04:2005</a:t>
           </a:r>
-          <a:endParaRPr lang="en-US" dirty="0"/>
+          <a:endParaRPr lang="en-US" sz="1200" dirty="0"/>
         </a:p>
       </dgm:t>
     </dgm:pt>
@@ -2284,7 +2374,7 @@
         <a:bodyPr/>
         <a:lstStyle/>
         <a:p>
-          <a:endParaRPr lang="en-US"/>
+          <a:endParaRPr lang="en-US" sz="1200"/>
         </a:p>
       </dgm:t>
     </dgm:pt>
@@ -2295,22 +2385,22 @@
         <a:bodyPr/>
         <a:lstStyle/>
         <a:p>
-          <a:endParaRPr lang="en-US"/>
+          <a:endParaRPr lang="en-US" sz="1200"/>
         </a:p>
       </dgm:t>
     </dgm:pt>
     <dgm:pt modelId="{7E567480-BB19-4546-A7E4-7D7F27AE84F4}">
-      <dgm:prSet phldrT="[Text]"/>
+      <dgm:prSet phldrT="[Text]" custT="1"/>
       <dgm:spPr/>
       <dgm:t>
         <a:bodyPr/>
         <a:lstStyle/>
         <a:p>
           <a:r>
-            <a:rPr lang="en-US" dirty="0" smtClean="0"/>
+            <a:rPr lang="en-US" sz="1200" dirty="0" smtClean="0"/>
             <a:t>E: 112	R: 6</a:t>
           </a:r>
-          <a:endParaRPr lang="en-US" dirty="0"/>
+          <a:endParaRPr lang="en-US" sz="1200" dirty="0"/>
         </a:p>
       </dgm:t>
     </dgm:pt>
@@ -2321,7 +2411,7 @@
         <a:bodyPr/>
         <a:lstStyle/>
         <a:p>
-          <a:endParaRPr lang="en-US"/>
+          <a:endParaRPr lang="en-US" sz="1200"/>
         </a:p>
       </dgm:t>
     </dgm:pt>
@@ -2332,22 +2422,22 @@
         <a:bodyPr/>
         <a:lstStyle/>
         <a:p>
-          <a:endParaRPr lang="en-US"/>
+          <a:endParaRPr lang="en-US" sz="1200"/>
         </a:p>
       </dgm:t>
     </dgm:pt>
     <dgm:pt modelId="{D17303E5-B4A3-4D13-BA5B-8268F733863E}">
-      <dgm:prSet phldrT="[Text]"/>
+      <dgm:prSet phldrT="[Text]" custT="1"/>
       <dgm:spPr/>
       <dgm:t>
         <a:bodyPr/>
         <a:lstStyle/>
         <a:p>
           <a:r>
-            <a:rPr lang="en-US" dirty="0" smtClean="0"/>
+            <a:rPr lang="en-US" sz="1200" dirty="0" smtClean="0"/>
             <a:t>E: 254	R: 1</a:t>
           </a:r>
-          <a:endParaRPr lang="en-US" dirty="0"/>
+          <a:endParaRPr lang="en-US" sz="1200" dirty="0"/>
         </a:p>
       </dgm:t>
     </dgm:pt>
@@ -2358,7 +2448,7 @@
         <a:bodyPr/>
         <a:lstStyle/>
         <a:p>
-          <a:endParaRPr lang="en-US"/>
+          <a:endParaRPr lang="en-US" sz="1200"/>
         </a:p>
       </dgm:t>
     </dgm:pt>
@@ -2369,7 +2459,7 @@
         <a:bodyPr/>
         <a:lstStyle/>
         <a:p>
-          <a:endParaRPr lang="en-US"/>
+          <a:endParaRPr lang="en-US" sz="1200"/>
         </a:p>
       </dgm:t>
     </dgm:pt>
@@ -2555,589 +2645,6 @@
       <dsp:cNvGrpSpPr/>
     </dsp:nvGrpSpPr>
     <dsp:grpSpPr/>
-    <dsp:sp modelId="{1042CD11-4028-40C7-A3E4-3853786713BD}">
-      <dsp:nvSpPr>
-        <dsp:cNvPr id="0" name=""/>
-        <dsp:cNvSpPr/>
-      </dsp:nvSpPr>
-      <dsp:spPr>
-        <a:xfrm>
-          <a:off x="4420" y="1431580"/>
-          <a:ext cx="1932607" cy="1159564"/>
-        </a:xfrm>
-        <a:prstGeom prst="roundRect">
-          <a:avLst>
-            <a:gd name="adj" fmla="val 10000"/>
-          </a:avLst>
-        </a:prstGeom>
-        <a:solidFill>
-          <a:schemeClr val="accent1">
-            <a:hueOff val="0"/>
-            <a:satOff val="0"/>
-            <a:lumOff val="0"/>
-            <a:alphaOff val="0"/>
-          </a:schemeClr>
-        </a:solidFill>
-        <a:ln>
-          <a:noFill/>
-        </a:ln>
-        <a:effectLst>
-          <a:outerShdw blurRad="38100" dist="25400" dir="2700000" algn="br" rotWithShape="0">
-            <a:srgbClr val="000000">
-              <a:alpha val="60000"/>
-            </a:srgbClr>
-          </a:outerShdw>
-        </a:effectLst>
-        <a:sp3d prstMaterial="plastic">
-          <a:bevelT w="50800" h="50800"/>
-          <a:bevelB w="50800" h="50800"/>
-        </a:sp3d>
-      </dsp:spPr>
-      <dsp:style>
-        <a:lnRef idx="0">
-          <a:scrgbClr r="0" g="0" b="0"/>
-        </a:lnRef>
-        <a:fillRef idx="1">
-          <a:scrgbClr r="0" g="0" b="0"/>
-        </a:fillRef>
-        <a:effectRef idx="2">
-          <a:scrgbClr r="0" g="0" b="0"/>
-        </a:effectRef>
-        <a:fontRef idx="minor">
-          <a:schemeClr val="lt1"/>
-        </a:fontRef>
-      </dsp:style>
-      <dsp:txBody>
-        <a:bodyPr spcFirstLastPara="0" vert="horz" wrap="square" lIns="99060" tIns="99060" rIns="99060" bIns="99060" numCol="1" spcCol="1270" anchor="ctr" anchorCtr="0">
-          <a:noAutofit/>
-        </a:bodyPr>
-        <a:lstStyle/>
-        <a:p>
-          <a:pPr lvl="0" algn="ctr" defTabSz="1155700">
-            <a:lnSpc>
-              <a:spcPct val="90000"/>
-            </a:lnSpc>
-            <a:spcBef>
-              <a:spcPct val="0"/>
-            </a:spcBef>
-            <a:spcAft>
-              <a:spcPct val="35000"/>
-            </a:spcAft>
-          </a:pPr>
-          <a:r>
-            <a:rPr lang="en-US" sz="2600" kern="1200" dirty="0" smtClean="0"/>
-            <a:t>Graph Coloring</a:t>
-          </a:r>
-          <a:endParaRPr lang="en-US" sz="2600" kern="1200" dirty="0"/>
-        </a:p>
-      </dsp:txBody>
-      <dsp:txXfrm>
-        <a:off x="38382" y="1465542"/>
-        <a:ext cx="1864683" cy="1091640"/>
-      </dsp:txXfrm>
-    </dsp:sp>
-    <dsp:sp modelId="{84B384BA-4992-4177-9E54-19EAA20BCC7A}">
-      <dsp:nvSpPr>
-        <dsp:cNvPr id="0" name=""/>
-        <dsp:cNvSpPr/>
-      </dsp:nvSpPr>
-      <dsp:spPr>
-        <a:xfrm>
-          <a:off x="2130288" y="1771719"/>
-          <a:ext cx="409712" cy="479286"/>
-        </a:xfrm>
-        <a:prstGeom prst="rightArrow">
-          <a:avLst>
-            <a:gd name="adj1" fmla="val 60000"/>
-            <a:gd name="adj2" fmla="val 50000"/>
-          </a:avLst>
-        </a:prstGeom>
-        <a:solidFill>
-          <a:schemeClr val="accent1">
-            <a:tint val="60000"/>
-            <a:hueOff val="0"/>
-            <a:satOff val="0"/>
-            <a:lumOff val="0"/>
-            <a:alphaOff val="0"/>
-          </a:schemeClr>
-        </a:solidFill>
-        <a:ln w="12700" cap="flat" cmpd="sng" algn="ctr">
-          <a:solidFill>
-            <a:schemeClr val="accent1">
-              <a:tint val="60000"/>
-              <a:hueOff val="0"/>
-              <a:satOff val="0"/>
-              <a:lumOff val="0"/>
-              <a:alphaOff val="0"/>
-            </a:schemeClr>
-          </a:solidFill>
-          <a:prstDash val="solid"/>
-        </a:ln>
-        <a:effectLst>
-          <a:outerShdw blurRad="38100" dist="25400" dir="2700000" algn="br" rotWithShape="0">
-            <a:srgbClr val="000000">
-              <a:alpha val="60000"/>
-            </a:srgbClr>
-          </a:outerShdw>
-        </a:effectLst>
-        <a:sp3d z="-25400" prstMaterial="plastic">
-          <a:bevelT w="25400" h="25400"/>
-          <a:bevelB w="25400" h="25400"/>
-        </a:sp3d>
-      </dsp:spPr>
-      <dsp:style>
-        <a:lnRef idx="1">
-          <a:scrgbClr r="0" g="0" b="0"/>
-        </a:lnRef>
-        <a:fillRef idx="1">
-          <a:scrgbClr r="0" g="0" b="0"/>
-        </a:fillRef>
-        <a:effectRef idx="2">
-          <a:scrgbClr r="0" g="0" b="0"/>
-        </a:effectRef>
-        <a:fontRef idx="minor">
-          <a:schemeClr val="lt1"/>
-        </a:fontRef>
-      </dsp:style>
-      <dsp:txBody>
-        <a:bodyPr spcFirstLastPara="0" vert="horz" wrap="square" lIns="0" tIns="0" rIns="0" bIns="0" numCol="1" spcCol="1270" anchor="ctr" anchorCtr="0">
-          <a:noAutofit/>
-        </a:bodyPr>
-        <a:lstStyle/>
-        <a:p>
-          <a:pPr lvl="0" algn="ctr" defTabSz="889000">
-            <a:lnSpc>
-              <a:spcPct val="90000"/>
-            </a:lnSpc>
-            <a:spcBef>
-              <a:spcPct val="0"/>
-            </a:spcBef>
-            <a:spcAft>
-              <a:spcPct val="35000"/>
-            </a:spcAft>
-          </a:pPr>
-          <a:endParaRPr lang="en-US" sz="2000" kern="1200"/>
-        </a:p>
-      </dsp:txBody>
-      <dsp:txXfrm>
-        <a:off x="2130288" y="1867576"/>
-        <a:ext cx="286798" cy="287572"/>
-      </dsp:txXfrm>
-    </dsp:sp>
-    <dsp:sp modelId="{A9B93654-13EA-4C3C-8C58-01B6F39C7E93}">
-      <dsp:nvSpPr>
-        <dsp:cNvPr id="0" name=""/>
-        <dsp:cNvSpPr/>
-      </dsp:nvSpPr>
-      <dsp:spPr>
-        <a:xfrm>
-          <a:off x="2710070" y="1431580"/>
-          <a:ext cx="1932607" cy="1159564"/>
-        </a:xfrm>
-        <a:prstGeom prst="roundRect">
-          <a:avLst>
-            <a:gd name="adj" fmla="val 10000"/>
-          </a:avLst>
-        </a:prstGeom>
-        <a:solidFill>
-          <a:schemeClr val="accent1">
-            <a:hueOff val="0"/>
-            <a:satOff val="0"/>
-            <a:lumOff val="0"/>
-            <a:alphaOff val="0"/>
-          </a:schemeClr>
-        </a:solidFill>
-        <a:ln>
-          <a:noFill/>
-        </a:ln>
-        <a:effectLst>
-          <a:outerShdw blurRad="38100" dist="25400" dir="2700000" algn="br" rotWithShape="0">
-            <a:srgbClr val="000000">
-              <a:alpha val="60000"/>
-            </a:srgbClr>
-          </a:outerShdw>
-        </a:effectLst>
-        <a:sp3d prstMaterial="plastic">
-          <a:bevelT w="50800" h="50800"/>
-          <a:bevelB w="50800" h="50800"/>
-        </a:sp3d>
-      </dsp:spPr>
-      <dsp:style>
-        <a:lnRef idx="0">
-          <a:scrgbClr r="0" g="0" b="0"/>
-        </a:lnRef>
-        <a:fillRef idx="1">
-          <a:scrgbClr r="0" g="0" b="0"/>
-        </a:fillRef>
-        <a:effectRef idx="2">
-          <a:scrgbClr r="0" g="0" b="0"/>
-        </a:effectRef>
-        <a:fontRef idx="minor">
-          <a:schemeClr val="lt1"/>
-        </a:fontRef>
-      </dsp:style>
-      <dsp:txBody>
-        <a:bodyPr spcFirstLastPara="0" vert="horz" wrap="square" lIns="99060" tIns="99060" rIns="99060" bIns="99060" numCol="1" spcCol="1270" anchor="ctr" anchorCtr="0">
-          <a:noAutofit/>
-        </a:bodyPr>
-        <a:lstStyle/>
-        <a:p>
-          <a:pPr lvl="0" algn="ctr" defTabSz="1155700">
-            <a:lnSpc>
-              <a:spcPct val="90000"/>
-            </a:lnSpc>
-            <a:spcBef>
-              <a:spcPct val="0"/>
-            </a:spcBef>
-            <a:spcAft>
-              <a:spcPct val="35000"/>
-            </a:spcAft>
-          </a:pPr>
-          <a:r>
-            <a:rPr lang="en-US" sz="2600" kern="1200" dirty="0" smtClean="0"/>
-            <a:t>Simulated Annealing</a:t>
-          </a:r>
-          <a:endParaRPr lang="en-US" sz="2600" kern="1200" dirty="0"/>
-        </a:p>
-      </dsp:txBody>
-      <dsp:txXfrm>
-        <a:off x="2744032" y="1465542"/>
-        <a:ext cx="1864683" cy="1091640"/>
-      </dsp:txXfrm>
-    </dsp:sp>
-    <dsp:sp modelId="{42370FF3-AFA1-404E-A02D-36439289E42F}">
-      <dsp:nvSpPr>
-        <dsp:cNvPr id="0" name=""/>
-        <dsp:cNvSpPr/>
-      </dsp:nvSpPr>
-      <dsp:spPr>
-        <a:xfrm>
-          <a:off x="4835939" y="1771719"/>
-          <a:ext cx="409712" cy="479286"/>
-        </a:xfrm>
-        <a:prstGeom prst="rightArrow">
-          <a:avLst>
-            <a:gd name="adj1" fmla="val 60000"/>
-            <a:gd name="adj2" fmla="val 50000"/>
-          </a:avLst>
-        </a:prstGeom>
-        <a:solidFill>
-          <a:schemeClr val="accent1">
-            <a:tint val="60000"/>
-            <a:hueOff val="0"/>
-            <a:satOff val="0"/>
-            <a:lumOff val="0"/>
-            <a:alphaOff val="0"/>
-          </a:schemeClr>
-        </a:solidFill>
-        <a:ln w="12700" cap="flat" cmpd="sng" algn="ctr">
-          <a:solidFill>
-            <a:schemeClr val="accent1">
-              <a:tint val="60000"/>
-              <a:hueOff val="0"/>
-              <a:satOff val="0"/>
-              <a:lumOff val="0"/>
-              <a:alphaOff val="0"/>
-            </a:schemeClr>
-          </a:solidFill>
-          <a:prstDash val="solid"/>
-        </a:ln>
-        <a:effectLst>
-          <a:outerShdw blurRad="38100" dist="25400" dir="2700000" algn="br" rotWithShape="0">
-            <a:srgbClr val="000000">
-              <a:alpha val="60000"/>
-            </a:srgbClr>
-          </a:outerShdw>
-        </a:effectLst>
-        <a:sp3d z="-25400" prstMaterial="plastic">
-          <a:bevelT w="25400" h="25400"/>
-          <a:bevelB w="25400" h="25400"/>
-        </a:sp3d>
-      </dsp:spPr>
-      <dsp:style>
-        <a:lnRef idx="1">
-          <a:scrgbClr r="0" g="0" b="0"/>
-        </a:lnRef>
-        <a:fillRef idx="1">
-          <a:scrgbClr r="0" g="0" b="0"/>
-        </a:fillRef>
-        <a:effectRef idx="2">
-          <a:scrgbClr r="0" g="0" b="0"/>
-        </a:effectRef>
-        <a:fontRef idx="minor">
-          <a:schemeClr val="lt1"/>
-        </a:fontRef>
-      </dsp:style>
-      <dsp:txBody>
-        <a:bodyPr spcFirstLastPara="0" vert="horz" wrap="square" lIns="0" tIns="0" rIns="0" bIns="0" numCol="1" spcCol="1270" anchor="ctr" anchorCtr="0">
-          <a:noAutofit/>
-        </a:bodyPr>
-        <a:lstStyle/>
-        <a:p>
-          <a:pPr lvl="0" algn="ctr" defTabSz="889000">
-            <a:lnSpc>
-              <a:spcPct val="90000"/>
-            </a:lnSpc>
-            <a:spcBef>
-              <a:spcPct val="0"/>
-            </a:spcBef>
-            <a:spcAft>
-              <a:spcPct val="35000"/>
-            </a:spcAft>
-          </a:pPr>
-          <a:endParaRPr lang="en-US" sz="2000" kern="1200"/>
-        </a:p>
-      </dsp:txBody>
-      <dsp:txXfrm>
-        <a:off x="4835939" y="1867576"/>
-        <a:ext cx="286798" cy="287572"/>
-      </dsp:txXfrm>
-    </dsp:sp>
-    <dsp:sp modelId="{B6D3413A-C5B6-47F8-B1A9-65F1039F4D3B}">
-      <dsp:nvSpPr>
-        <dsp:cNvPr id="0" name=""/>
-        <dsp:cNvSpPr/>
-      </dsp:nvSpPr>
-      <dsp:spPr>
-        <a:xfrm>
-          <a:off x="5415721" y="1431580"/>
-          <a:ext cx="1932607" cy="1159564"/>
-        </a:xfrm>
-        <a:prstGeom prst="roundRect">
-          <a:avLst>
-            <a:gd name="adj" fmla="val 10000"/>
-          </a:avLst>
-        </a:prstGeom>
-        <a:solidFill>
-          <a:schemeClr val="accent1">
-            <a:hueOff val="0"/>
-            <a:satOff val="0"/>
-            <a:lumOff val="0"/>
-            <a:alphaOff val="0"/>
-          </a:schemeClr>
-        </a:solidFill>
-        <a:ln>
-          <a:noFill/>
-        </a:ln>
-        <a:effectLst>
-          <a:outerShdw blurRad="38100" dist="25400" dir="2700000" algn="br" rotWithShape="0">
-            <a:srgbClr val="000000">
-              <a:alpha val="60000"/>
-            </a:srgbClr>
-          </a:outerShdw>
-        </a:effectLst>
-        <a:sp3d prstMaterial="plastic">
-          <a:bevelT w="50800" h="50800"/>
-          <a:bevelB w="50800" h="50800"/>
-        </a:sp3d>
-      </dsp:spPr>
-      <dsp:style>
-        <a:lnRef idx="0">
-          <a:scrgbClr r="0" g="0" b="0"/>
-        </a:lnRef>
-        <a:fillRef idx="1">
-          <a:scrgbClr r="0" g="0" b="0"/>
-        </a:fillRef>
-        <a:effectRef idx="2">
-          <a:scrgbClr r="0" g="0" b="0"/>
-        </a:effectRef>
-        <a:fontRef idx="minor">
-          <a:schemeClr val="lt1"/>
-        </a:fontRef>
-      </dsp:style>
-      <dsp:txBody>
-        <a:bodyPr spcFirstLastPara="0" vert="horz" wrap="square" lIns="99060" tIns="99060" rIns="99060" bIns="99060" numCol="1" spcCol="1270" anchor="ctr" anchorCtr="0">
-          <a:noAutofit/>
-        </a:bodyPr>
-        <a:lstStyle/>
-        <a:p>
-          <a:pPr lvl="0" algn="ctr" defTabSz="1155700">
-            <a:lnSpc>
-              <a:spcPct val="90000"/>
-            </a:lnSpc>
-            <a:spcBef>
-              <a:spcPct val="0"/>
-            </a:spcBef>
-            <a:spcAft>
-              <a:spcPct val="35000"/>
-            </a:spcAft>
-          </a:pPr>
-          <a:r>
-            <a:rPr lang="en-US" sz="2600" kern="1200" dirty="0" smtClean="0"/>
-            <a:t>Hill Climbing</a:t>
-          </a:r>
-          <a:endParaRPr lang="en-US" sz="2600" kern="1200" dirty="0"/>
-        </a:p>
-      </dsp:txBody>
-      <dsp:txXfrm>
-        <a:off x="5449683" y="1465542"/>
-        <a:ext cx="1864683" cy="1091640"/>
-      </dsp:txXfrm>
-    </dsp:sp>
-    <dsp:sp modelId="{F0252C6C-08EF-48C6-89C0-0C3E67BADC55}">
-      <dsp:nvSpPr>
-        <dsp:cNvPr id="0" name=""/>
-        <dsp:cNvSpPr/>
-      </dsp:nvSpPr>
-      <dsp:spPr>
-        <a:xfrm>
-          <a:off x="7541589" y="1771719"/>
-          <a:ext cx="409712" cy="479286"/>
-        </a:xfrm>
-        <a:prstGeom prst="rightArrow">
-          <a:avLst>
-            <a:gd name="adj1" fmla="val 60000"/>
-            <a:gd name="adj2" fmla="val 50000"/>
-          </a:avLst>
-        </a:prstGeom>
-        <a:solidFill>
-          <a:schemeClr val="accent1">
-            <a:tint val="60000"/>
-            <a:hueOff val="0"/>
-            <a:satOff val="0"/>
-            <a:lumOff val="0"/>
-            <a:alphaOff val="0"/>
-          </a:schemeClr>
-        </a:solidFill>
-        <a:ln w="12700" cap="flat" cmpd="sng" algn="ctr">
-          <a:solidFill>
-            <a:schemeClr val="accent1">
-              <a:tint val="60000"/>
-              <a:hueOff val="0"/>
-              <a:satOff val="0"/>
-              <a:lumOff val="0"/>
-              <a:alphaOff val="0"/>
-            </a:schemeClr>
-          </a:solidFill>
-          <a:prstDash val="solid"/>
-        </a:ln>
-        <a:effectLst>
-          <a:outerShdw blurRad="38100" dist="25400" dir="2700000" algn="br" rotWithShape="0">
-            <a:srgbClr val="000000">
-              <a:alpha val="60000"/>
-            </a:srgbClr>
-          </a:outerShdw>
-        </a:effectLst>
-        <a:sp3d z="-25400" prstMaterial="plastic">
-          <a:bevelT w="25400" h="25400"/>
-          <a:bevelB w="25400" h="25400"/>
-        </a:sp3d>
-      </dsp:spPr>
-      <dsp:style>
-        <a:lnRef idx="1">
-          <a:scrgbClr r="0" g="0" b="0"/>
-        </a:lnRef>
-        <a:fillRef idx="1">
-          <a:scrgbClr r="0" g="0" b="0"/>
-        </a:fillRef>
-        <a:effectRef idx="2">
-          <a:scrgbClr r="0" g="0" b="0"/>
-        </a:effectRef>
-        <a:fontRef idx="minor">
-          <a:schemeClr val="lt1"/>
-        </a:fontRef>
-      </dsp:style>
-      <dsp:txBody>
-        <a:bodyPr spcFirstLastPara="0" vert="horz" wrap="square" lIns="0" tIns="0" rIns="0" bIns="0" numCol="1" spcCol="1270" anchor="ctr" anchorCtr="0">
-          <a:noAutofit/>
-        </a:bodyPr>
-        <a:lstStyle/>
-        <a:p>
-          <a:pPr lvl="0" algn="ctr" defTabSz="889000">
-            <a:lnSpc>
-              <a:spcPct val="90000"/>
-            </a:lnSpc>
-            <a:spcBef>
-              <a:spcPct val="0"/>
-            </a:spcBef>
-            <a:spcAft>
-              <a:spcPct val="35000"/>
-            </a:spcAft>
-          </a:pPr>
-          <a:endParaRPr lang="en-US" sz="2000" kern="1200"/>
-        </a:p>
-      </dsp:txBody>
-      <dsp:txXfrm>
-        <a:off x="7541589" y="1867576"/>
-        <a:ext cx="286798" cy="287572"/>
-      </dsp:txXfrm>
-    </dsp:sp>
-    <dsp:sp modelId="{81668A18-A5C4-481F-924E-91CBE598CF90}">
-      <dsp:nvSpPr>
-        <dsp:cNvPr id="0" name=""/>
-        <dsp:cNvSpPr/>
-      </dsp:nvSpPr>
-      <dsp:spPr>
-        <a:xfrm>
-          <a:off x="8121372" y="1431580"/>
-          <a:ext cx="1932607" cy="1159564"/>
-        </a:xfrm>
-        <a:prstGeom prst="roundRect">
-          <a:avLst>
-            <a:gd name="adj" fmla="val 10000"/>
-          </a:avLst>
-        </a:prstGeom>
-        <a:solidFill>
-          <a:schemeClr val="accent4"/>
-        </a:solidFill>
-        <a:ln>
-          <a:noFill/>
-        </a:ln>
-        <a:effectLst>
-          <a:outerShdw blurRad="38100" dist="25400" dir="2700000" algn="br" rotWithShape="0">
-            <a:srgbClr val="000000">
-              <a:alpha val="60000"/>
-            </a:srgbClr>
-          </a:outerShdw>
-        </a:effectLst>
-        <a:sp3d prstMaterial="plastic">
-          <a:bevelT w="50800" h="50800"/>
-          <a:bevelB w="50800" h="50800"/>
-        </a:sp3d>
-      </dsp:spPr>
-      <dsp:style>
-        <a:lnRef idx="0">
-          <a:scrgbClr r="0" g="0" b="0"/>
-        </a:lnRef>
-        <a:fillRef idx="1">
-          <a:scrgbClr r="0" g="0" b="0"/>
-        </a:fillRef>
-        <a:effectRef idx="2">
-          <a:scrgbClr r="0" g="0" b="0"/>
-        </a:effectRef>
-        <a:fontRef idx="minor">
-          <a:schemeClr val="lt1"/>
-        </a:fontRef>
-      </dsp:style>
-      <dsp:txBody>
-        <a:bodyPr spcFirstLastPara="0" vert="horz" wrap="square" lIns="99060" tIns="99060" rIns="99060" bIns="99060" numCol="1" spcCol="1270" anchor="ctr" anchorCtr="0">
-          <a:noAutofit/>
-        </a:bodyPr>
-        <a:lstStyle/>
-        <a:p>
-          <a:pPr lvl="0" algn="ctr" defTabSz="1155700">
-            <a:lnSpc>
-              <a:spcPct val="90000"/>
-            </a:lnSpc>
-            <a:spcBef>
-              <a:spcPct val="0"/>
-            </a:spcBef>
-            <a:spcAft>
-              <a:spcPct val="35000"/>
-            </a:spcAft>
-          </a:pPr>
-          <a:r>
-            <a:rPr lang="en-US" sz="2600" kern="1200" dirty="0" smtClean="0"/>
-            <a:t>Examination Timetable</a:t>
-          </a:r>
-          <a:endParaRPr lang="en-US" sz="2600" kern="1200" dirty="0"/>
-        </a:p>
-      </dsp:txBody>
-      <dsp:txXfrm>
-        <a:off x="8155334" y="1465542"/>
-        <a:ext cx="1864683" cy="1091640"/>
-      </dsp:txXfrm>
-    </dsp:sp>
   </dsp:spTree>
 </dsp:drawing>
 </file>
@@ -3150,515 +2657,6 @@
       <dsp:cNvGrpSpPr/>
     </dsp:nvGrpSpPr>
     <dsp:grpSpPr/>
-    <dsp:sp modelId="{00128358-36EF-46A2-B8D4-2BD6293B510C}">
-      <dsp:nvSpPr>
-        <dsp:cNvPr id="0" name=""/>
-        <dsp:cNvSpPr/>
-      </dsp:nvSpPr>
-      <dsp:spPr>
-        <a:xfrm>
-          <a:off x="815" y="117412"/>
-          <a:ext cx="795188" cy="288000"/>
-        </a:xfrm>
-        <a:prstGeom prst="rect">
-          <a:avLst/>
-        </a:prstGeom>
-        <a:solidFill>
-          <a:schemeClr val="accent1">
-            <a:hueOff val="0"/>
-            <a:satOff val="0"/>
-            <a:lumOff val="0"/>
-            <a:alphaOff val="0"/>
-          </a:schemeClr>
-        </a:solidFill>
-        <a:ln w="15875" cap="flat" cmpd="sng" algn="ctr">
-          <a:solidFill>
-            <a:schemeClr val="accent1">
-              <a:hueOff val="0"/>
-              <a:satOff val="0"/>
-              <a:lumOff val="0"/>
-              <a:alphaOff val="0"/>
-            </a:schemeClr>
-          </a:solidFill>
-          <a:prstDash val="solid"/>
-        </a:ln>
-        <a:effectLst/>
-      </dsp:spPr>
-      <dsp:style>
-        <a:lnRef idx="2">
-          <a:scrgbClr r="0" g="0" b="0"/>
-        </a:lnRef>
-        <a:fillRef idx="1">
-          <a:scrgbClr r="0" g="0" b="0"/>
-        </a:fillRef>
-        <a:effectRef idx="0">
-          <a:scrgbClr r="0" g="0" b="0"/>
-        </a:effectRef>
-        <a:fontRef idx="minor">
-          <a:schemeClr val="lt1"/>
-        </a:fontRef>
-      </dsp:style>
-      <dsp:txBody>
-        <a:bodyPr spcFirstLastPara="0" vert="horz" wrap="square" lIns="71120" tIns="40640" rIns="71120" bIns="40640" numCol="1" spcCol="1270" anchor="ctr" anchorCtr="0">
-          <a:noAutofit/>
-        </a:bodyPr>
-        <a:lstStyle/>
-        <a:p>
-          <a:pPr lvl="0" algn="ctr" defTabSz="444500">
-            <a:lnSpc>
-              <a:spcPct val="90000"/>
-            </a:lnSpc>
-            <a:spcBef>
-              <a:spcPct val="0"/>
-            </a:spcBef>
-            <a:spcAft>
-              <a:spcPct val="35000"/>
-            </a:spcAft>
-          </a:pPr>
-          <a:r>
-            <a:rPr lang="en-US" sz="1000" kern="1200" dirty="0" smtClean="0"/>
-            <a:t>18:04:2005</a:t>
-          </a:r>
-          <a:endParaRPr lang="en-US" sz="1000" kern="1200" dirty="0"/>
-        </a:p>
-      </dsp:txBody>
-      <dsp:txXfrm>
-        <a:off x="815" y="117412"/>
-        <a:ext cx="795188" cy="288000"/>
-      </dsp:txXfrm>
-    </dsp:sp>
-    <dsp:sp modelId="{3D13FB4D-500D-459B-858B-B3F5F17C82D1}">
-      <dsp:nvSpPr>
-        <dsp:cNvPr id="0" name=""/>
-        <dsp:cNvSpPr/>
-      </dsp:nvSpPr>
-      <dsp:spPr>
-        <a:xfrm>
-          <a:off x="815" y="405412"/>
-          <a:ext cx="795188" cy="439200"/>
-        </a:xfrm>
-        <a:prstGeom prst="rect">
-          <a:avLst/>
-        </a:prstGeom>
-        <a:solidFill>
-          <a:schemeClr val="accent1">
-            <a:alpha val="90000"/>
-            <a:tint val="40000"/>
-            <a:hueOff val="0"/>
-            <a:satOff val="0"/>
-            <a:lumOff val="0"/>
-            <a:alphaOff val="0"/>
-          </a:schemeClr>
-        </a:solidFill>
-        <a:ln w="15875" cap="flat" cmpd="sng" algn="ctr">
-          <a:solidFill>
-            <a:schemeClr val="accent1">
-              <a:alpha val="90000"/>
-              <a:tint val="40000"/>
-              <a:hueOff val="0"/>
-              <a:satOff val="0"/>
-              <a:lumOff val="0"/>
-              <a:alphaOff val="0"/>
-            </a:schemeClr>
-          </a:solidFill>
-          <a:prstDash val="solid"/>
-        </a:ln>
-        <a:effectLst/>
-      </dsp:spPr>
-      <dsp:style>
-        <a:lnRef idx="2">
-          <a:scrgbClr r="0" g="0" b="0"/>
-        </a:lnRef>
-        <a:fillRef idx="1">
-          <a:scrgbClr r="0" g="0" b="0"/>
-        </a:fillRef>
-        <a:effectRef idx="0">
-          <a:scrgbClr r="0" g="0" b="0"/>
-        </a:effectRef>
-        <a:fontRef idx="minor"/>
-      </dsp:style>
-      <dsp:txBody>
-        <a:bodyPr spcFirstLastPara="0" vert="horz" wrap="square" lIns="53340" tIns="53340" rIns="71120" bIns="80010" numCol="1" spcCol="1270" anchor="t" anchorCtr="0">
-          <a:noAutofit/>
-        </a:bodyPr>
-        <a:lstStyle/>
-        <a:p>
-          <a:pPr marL="57150" lvl="1" indent="-57150" algn="l" defTabSz="444500">
-            <a:lnSpc>
-              <a:spcPct val="90000"/>
-            </a:lnSpc>
-            <a:spcBef>
-              <a:spcPct val="0"/>
-            </a:spcBef>
-            <a:spcAft>
-              <a:spcPct val="15000"/>
-            </a:spcAft>
-            <a:buChar char="••"/>
-          </a:pPr>
-          <a:r>
-            <a:rPr lang="en-US" sz="1000" kern="1200" dirty="0" smtClean="0"/>
-            <a:t>E: 107	R: 2</a:t>
-          </a:r>
-          <a:endParaRPr lang="en-US" sz="1000" kern="1200" dirty="0"/>
-        </a:p>
-        <a:p>
-          <a:pPr marL="57150" lvl="1" indent="-57150" algn="l" defTabSz="444500">
-            <a:lnSpc>
-              <a:spcPct val="90000"/>
-            </a:lnSpc>
-            <a:spcBef>
-              <a:spcPct val="0"/>
-            </a:spcBef>
-            <a:spcAft>
-              <a:spcPct val="15000"/>
-            </a:spcAft>
-            <a:buChar char="••"/>
-          </a:pPr>
-          <a:r>
-            <a:rPr lang="en-US" sz="1000" kern="1200" dirty="0" smtClean="0"/>
-            <a:t>E: 202	R: 1</a:t>
-          </a:r>
-          <a:endParaRPr lang="en-US" sz="1000" kern="1200" dirty="0"/>
-        </a:p>
-      </dsp:txBody>
-      <dsp:txXfrm>
-        <a:off x="815" y="405412"/>
-        <a:ext cx="795188" cy="439200"/>
-      </dsp:txXfrm>
-    </dsp:sp>
-    <dsp:sp modelId="{6EB323F8-069A-4F16-B0D7-3F62ED9C1774}">
-      <dsp:nvSpPr>
-        <dsp:cNvPr id="0" name=""/>
-        <dsp:cNvSpPr/>
-      </dsp:nvSpPr>
-      <dsp:spPr>
-        <a:xfrm>
-          <a:off x="907331" y="117412"/>
-          <a:ext cx="795188" cy="288000"/>
-        </a:xfrm>
-        <a:prstGeom prst="rect">
-          <a:avLst/>
-        </a:prstGeom>
-        <a:solidFill>
-          <a:schemeClr val="accent1">
-            <a:hueOff val="0"/>
-            <a:satOff val="0"/>
-            <a:lumOff val="0"/>
-            <a:alphaOff val="0"/>
-          </a:schemeClr>
-        </a:solidFill>
-        <a:ln w="15875" cap="flat" cmpd="sng" algn="ctr">
-          <a:solidFill>
-            <a:schemeClr val="accent1">
-              <a:hueOff val="0"/>
-              <a:satOff val="0"/>
-              <a:lumOff val="0"/>
-              <a:alphaOff val="0"/>
-            </a:schemeClr>
-          </a:solidFill>
-          <a:prstDash val="solid"/>
-        </a:ln>
-        <a:effectLst/>
-      </dsp:spPr>
-      <dsp:style>
-        <a:lnRef idx="2">
-          <a:scrgbClr r="0" g="0" b="0"/>
-        </a:lnRef>
-        <a:fillRef idx="1">
-          <a:scrgbClr r="0" g="0" b="0"/>
-        </a:fillRef>
-        <a:effectRef idx="0">
-          <a:scrgbClr r="0" g="0" b="0"/>
-        </a:effectRef>
-        <a:fontRef idx="minor">
-          <a:schemeClr val="lt1"/>
-        </a:fontRef>
-      </dsp:style>
-      <dsp:txBody>
-        <a:bodyPr spcFirstLastPara="0" vert="horz" wrap="square" lIns="71120" tIns="40640" rIns="71120" bIns="40640" numCol="1" spcCol="1270" anchor="ctr" anchorCtr="0">
-          <a:noAutofit/>
-        </a:bodyPr>
-        <a:lstStyle/>
-        <a:p>
-          <a:pPr lvl="0" algn="ctr" defTabSz="444500">
-            <a:lnSpc>
-              <a:spcPct val="90000"/>
-            </a:lnSpc>
-            <a:spcBef>
-              <a:spcPct val="0"/>
-            </a:spcBef>
-            <a:spcAft>
-              <a:spcPct val="35000"/>
-            </a:spcAft>
-          </a:pPr>
-          <a:r>
-            <a:rPr lang="en-US" sz="1000" kern="1200" dirty="0" smtClean="0"/>
-            <a:t>19:04:2005</a:t>
-          </a:r>
-          <a:endParaRPr lang="en-US" sz="1000" kern="1200" dirty="0"/>
-        </a:p>
-      </dsp:txBody>
-      <dsp:txXfrm>
-        <a:off x="907331" y="117412"/>
-        <a:ext cx="795188" cy="288000"/>
-      </dsp:txXfrm>
-    </dsp:sp>
-    <dsp:sp modelId="{E6C2ED4F-3122-4690-8C3D-E9FBEA807E7C}">
-      <dsp:nvSpPr>
-        <dsp:cNvPr id="0" name=""/>
-        <dsp:cNvSpPr/>
-      </dsp:nvSpPr>
-      <dsp:spPr>
-        <a:xfrm>
-          <a:off x="907331" y="405412"/>
-          <a:ext cx="795188" cy="439200"/>
-        </a:xfrm>
-        <a:prstGeom prst="rect">
-          <a:avLst/>
-        </a:prstGeom>
-        <a:solidFill>
-          <a:schemeClr val="accent1">
-            <a:alpha val="90000"/>
-            <a:tint val="40000"/>
-            <a:hueOff val="0"/>
-            <a:satOff val="0"/>
-            <a:lumOff val="0"/>
-            <a:alphaOff val="0"/>
-          </a:schemeClr>
-        </a:solidFill>
-        <a:ln w="15875" cap="flat" cmpd="sng" algn="ctr">
-          <a:solidFill>
-            <a:schemeClr val="accent1">
-              <a:alpha val="90000"/>
-              <a:tint val="40000"/>
-              <a:hueOff val="0"/>
-              <a:satOff val="0"/>
-              <a:lumOff val="0"/>
-              <a:alphaOff val="0"/>
-            </a:schemeClr>
-          </a:solidFill>
-          <a:prstDash val="solid"/>
-        </a:ln>
-        <a:effectLst/>
-      </dsp:spPr>
-      <dsp:style>
-        <a:lnRef idx="2">
-          <a:scrgbClr r="0" g="0" b="0"/>
-        </a:lnRef>
-        <a:fillRef idx="1">
-          <a:scrgbClr r="0" g="0" b="0"/>
-        </a:fillRef>
-        <a:effectRef idx="0">
-          <a:scrgbClr r="0" g="0" b="0"/>
-        </a:effectRef>
-        <a:fontRef idx="minor"/>
-      </dsp:style>
-      <dsp:txBody>
-        <a:bodyPr spcFirstLastPara="0" vert="horz" wrap="square" lIns="53340" tIns="53340" rIns="71120" bIns="80010" numCol="1" spcCol="1270" anchor="t" anchorCtr="0">
-          <a:noAutofit/>
-        </a:bodyPr>
-        <a:lstStyle/>
-        <a:p>
-          <a:pPr marL="57150" lvl="1" indent="-57150" algn="l" defTabSz="444500">
-            <a:lnSpc>
-              <a:spcPct val="90000"/>
-            </a:lnSpc>
-            <a:spcBef>
-              <a:spcPct val="0"/>
-            </a:spcBef>
-            <a:spcAft>
-              <a:spcPct val="15000"/>
-            </a:spcAft>
-            <a:buChar char="••"/>
-          </a:pPr>
-          <a:r>
-            <a:rPr lang="en-US" sz="1000" kern="1200" dirty="0" smtClean="0"/>
-            <a:t>E: 2	R: 5</a:t>
-          </a:r>
-          <a:endParaRPr lang="en-US" sz="1000" kern="1200" dirty="0"/>
-        </a:p>
-      </dsp:txBody>
-      <dsp:txXfrm>
-        <a:off x="907331" y="405412"/>
-        <a:ext cx="795188" cy="439200"/>
-      </dsp:txXfrm>
-    </dsp:sp>
-    <dsp:sp modelId="{ED0C6729-1393-4353-B252-FF075B28E681}">
-      <dsp:nvSpPr>
-        <dsp:cNvPr id="0" name=""/>
-        <dsp:cNvSpPr/>
-      </dsp:nvSpPr>
-      <dsp:spPr>
-        <a:xfrm>
-          <a:off x="1813846" y="117412"/>
-          <a:ext cx="795188" cy="288000"/>
-        </a:xfrm>
-        <a:prstGeom prst="rect">
-          <a:avLst/>
-        </a:prstGeom>
-        <a:solidFill>
-          <a:schemeClr val="accent1">
-            <a:hueOff val="0"/>
-            <a:satOff val="0"/>
-            <a:lumOff val="0"/>
-            <a:alphaOff val="0"/>
-          </a:schemeClr>
-        </a:solidFill>
-        <a:ln w="15875" cap="flat" cmpd="sng" algn="ctr">
-          <a:solidFill>
-            <a:schemeClr val="accent1">
-              <a:hueOff val="0"/>
-              <a:satOff val="0"/>
-              <a:lumOff val="0"/>
-              <a:alphaOff val="0"/>
-            </a:schemeClr>
-          </a:solidFill>
-          <a:prstDash val="solid"/>
-        </a:ln>
-        <a:effectLst/>
-      </dsp:spPr>
-      <dsp:style>
-        <a:lnRef idx="2">
-          <a:scrgbClr r="0" g="0" b="0"/>
-        </a:lnRef>
-        <a:fillRef idx="1">
-          <a:scrgbClr r="0" g="0" b="0"/>
-        </a:fillRef>
-        <a:effectRef idx="0">
-          <a:scrgbClr r="0" g="0" b="0"/>
-        </a:effectRef>
-        <a:fontRef idx="minor">
-          <a:schemeClr val="lt1"/>
-        </a:fontRef>
-      </dsp:style>
-      <dsp:txBody>
-        <a:bodyPr spcFirstLastPara="0" vert="horz" wrap="square" lIns="71120" tIns="40640" rIns="71120" bIns="40640" numCol="1" spcCol="1270" anchor="ctr" anchorCtr="0">
-          <a:noAutofit/>
-        </a:bodyPr>
-        <a:lstStyle/>
-        <a:p>
-          <a:pPr lvl="0" algn="ctr" defTabSz="444500">
-            <a:lnSpc>
-              <a:spcPct val="90000"/>
-            </a:lnSpc>
-            <a:spcBef>
-              <a:spcPct val="0"/>
-            </a:spcBef>
-            <a:spcAft>
-              <a:spcPct val="35000"/>
-            </a:spcAft>
-          </a:pPr>
-          <a:r>
-            <a:rPr lang="en-US" sz="1000" kern="1200" dirty="0" smtClean="0"/>
-            <a:t>20:04:2005</a:t>
-          </a:r>
-          <a:endParaRPr lang="en-US" sz="1000" kern="1200" dirty="0"/>
-        </a:p>
-      </dsp:txBody>
-      <dsp:txXfrm>
-        <a:off x="1813846" y="117412"/>
-        <a:ext cx="795188" cy="288000"/>
-      </dsp:txXfrm>
-    </dsp:sp>
-    <dsp:sp modelId="{C2621C42-605E-40B9-B96E-0AEDD830E23B}">
-      <dsp:nvSpPr>
-        <dsp:cNvPr id="0" name=""/>
-        <dsp:cNvSpPr/>
-      </dsp:nvSpPr>
-      <dsp:spPr>
-        <a:xfrm>
-          <a:off x="1813846" y="405412"/>
-          <a:ext cx="795188" cy="439200"/>
-        </a:xfrm>
-        <a:prstGeom prst="rect">
-          <a:avLst/>
-        </a:prstGeom>
-        <a:solidFill>
-          <a:schemeClr val="accent1">
-            <a:alpha val="90000"/>
-            <a:tint val="40000"/>
-            <a:hueOff val="0"/>
-            <a:satOff val="0"/>
-            <a:lumOff val="0"/>
-            <a:alphaOff val="0"/>
-          </a:schemeClr>
-        </a:solidFill>
-        <a:ln w="15875" cap="flat" cmpd="sng" algn="ctr">
-          <a:solidFill>
-            <a:schemeClr val="accent1">
-              <a:alpha val="90000"/>
-              <a:tint val="40000"/>
-              <a:hueOff val="0"/>
-              <a:satOff val="0"/>
-              <a:lumOff val="0"/>
-              <a:alphaOff val="0"/>
-            </a:schemeClr>
-          </a:solidFill>
-          <a:prstDash val="solid"/>
-        </a:ln>
-        <a:effectLst/>
-      </dsp:spPr>
-      <dsp:style>
-        <a:lnRef idx="2">
-          <a:scrgbClr r="0" g="0" b="0"/>
-        </a:lnRef>
-        <a:fillRef idx="1">
-          <a:scrgbClr r="0" g="0" b="0"/>
-        </a:fillRef>
-        <a:effectRef idx="0">
-          <a:scrgbClr r="0" g="0" b="0"/>
-        </a:effectRef>
-        <a:fontRef idx="minor"/>
-      </dsp:style>
-      <dsp:txBody>
-        <a:bodyPr spcFirstLastPara="0" vert="horz" wrap="square" lIns="53340" tIns="53340" rIns="71120" bIns="80010" numCol="1" spcCol="1270" anchor="t" anchorCtr="0">
-          <a:noAutofit/>
-        </a:bodyPr>
-        <a:lstStyle/>
-        <a:p>
-          <a:pPr marL="57150" lvl="1" indent="-57150" algn="l" defTabSz="444500">
-            <a:lnSpc>
-              <a:spcPct val="90000"/>
-            </a:lnSpc>
-            <a:spcBef>
-              <a:spcPct val="0"/>
-            </a:spcBef>
-            <a:spcAft>
-              <a:spcPct val="15000"/>
-            </a:spcAft>
-            <a:buChar char="••"/>
-          </a:pPr>
-          <a:r>
-            <a:rPr lang="en-US" sz="1000" kern="1200" dirty="0" smtClean="0"/>
-            <a:t>E: 112	R: 6</a:t>
-          </a:r>
-          <a:endParaRPr lang="en-US" sz="1000" kern="1200" dirty="0"/>
-        </a:p>
-        <a:p>
-          <a:pPr marL="57150" lvl="1" indent="-57150" algn="l" defTabSz="444500">
-            <a:lnSpc>
-              <a:spcPct val="90000"/>
-            </a:lnSpc>
-            <a:spcBef>
-              <a:spcPct val="0"/>
-            </a:spcBef>
-            <a:spcAft>
-              <a:spcPct val="15000"/>
-            </a:spcAft>
-            <a:buChar char="••"/>
-          </a:pPr>
-          <a:r>
-            <a:rPr lang="en-US" sz="1000" kern="1200" dirty="0" smtClean="0"/>
-            <a:t>E: 254	R: 1</a:t>
-          </a:r>
-          <a:endParaRPr lang="en-US" sz="1000" kern="1200" dirty="0"/>
-        </a:p>
-      </dsp:txBody>
-      <dsp:txXfrm>
-        <a:off x="1813846" y="405412"/>
-        <a:ext cx="795188" cy="439200"/>
-      </dsp:txXfrm>
-    </dsp:sp>
   </dsp:spTree>
 </dsp:drawing>
 </file>
@@ -6284,7 +5282,7 @@
           <a:p>
             <a:fld id="{D6647FDC-F259-4A4D-B5F5-E5558F96794B}" type="datetimeFigureOut">
               <a:rPr lang="en-US" smtClean="0"/>
-              <a:t>21-Jul-15</a:t>
+              <a:t>22-Jul-15</a:t>
             </a:fld>
             <a:endParaRPr lang="en-US"/>
           </a:p>
@@ -10253,7 +9251,7 @@
           <a:p>
             <a:fld id="{DEC0C222-1897-4DCE-AD4E-1C2D23F222B2}" type="datetime1">
               <a:rPr lang="en-US" smtClean="0"/>
-              <a:t>21-Jul-15</a:t>
+              <a:t>22-Jul-15</a:t>
             </a:fld>
             <a:endParaRPr lang="en-US" dirty="0"/>
           </a:p>
@@ -10456,7 +9454,7 @@
           <a:p>
             <a:fld id="{83B33049-48DA-48C7-905F-AFA84CCF358A}" type="datetime1">
               <a:rPr lang="en-US" smtClean="0"/>
-              <a:t>21-Jul-15</a:t>
+              <a:t>22-Jul-15</a:t>
             </a:fld>
             <a:endParaRPr lang="en-US" dirty="0"/>
           </a:p>
@@ -10707,7 +9705,7 @@
           <a:p>
             <a:fld id="{DFA83854-2080-4526-8728-B16635428175}" type="datetime1">
               <a:rPr lang="en-US" smtClean="0"/>
-              <a:t>21-Jul-15</a:t>
+              <a:t>22-Jul-15</a:t>
             </a:fld>
             <a:endParaRPr lang="en-US" dirty="0"/>
           </a:p>
@@ -10872,7 +9870,7 @@
           <a:p>
             <a:fld id="{A4A5A1A0-1AF9-4436-9543-0DB5EAF61DDB}" type="datetime1">
               <a:rPr lang="en-US" smtClean="0"/>
-              <a:t>21-Jul-15</a:t>
+              <a:t>22-Jul-15</a:t>
             </a:fld>
             <a:endParaRPr lang="en-US" dirty="0"/>
           </a:p>
@@ -11210,7 +10208,7 @@
           <a:p>
             <a:fld id="{F1E36FFC-B415-40E6-BC3F-20E5229F7B68}" type="datetime1">
               <a:rPr lang="en-US" smtClean="0"/>
-              <a:t>21-Jul-15</a:t>
+              <a:t>22-Jul-15</a:t>
             </a:fld>
             <a:endParaRPr lang="en-US" dirty="0"/>
           </a:p>
@@ -11480,7 +10478,7 @@
           <a:p>
             <a:fld id="{03C74DB2-5A2F-472B-9AC3-3BF4FCAC99CF}" type="datetime1">
               <a:rPr lang="en-US" smtClean="0"/>
-              <a:t>21-Jul-15</a:t>
+              <a:t>22-Jul-15</a:t>
             </a:fld>
             <a:endParaRPr lang="en-US" dirty="0"/>
           </a:p>
@@ -11854,7 +10852,7 @@
           <a:p>
             <a:fld id="{F8C5D5B0-65F2-499A-935A-357B7BD717E0}" type="datetime1">
               <a:rPr lang="en-US" smtClean="0"/>
-              <a:t>21-Jul-15</a:t>
+              <a:t>22-Jul-15</a:t>
             </a:fld>
             <a:endParaRPr lang="en-US" dirty="0"/>
           </a:p>
@@ -11967,7 +10965,7 @@
           <a:p>
             <a:fld id="{3AE2A76F-927E-4759-A393-009A14A08F3A}" type="datetime1">
               <a:rPr lang="en-US" smtClean="0"/>
-              <a:t>21-Jul-15</a:t>
+              <a:t>22-Jul-15</a:t>
             </a:fld>
             <a:endParaRPr lang="en-US" dirty="0"/>
           </a:p>
@@ -12133,7 +11131,7 @@
           <a:p>
             <a:fld id="{A18B15E5-7704-471B-81DC-E3AF275B315A}" type="datetime1">
               <a:rPr lang="en-US" smtClean="0"/>
-              <a:t>21-Jul-15</a:t>
+              <a:t>22-Jul-15</a:t>
             </a:fld>
             <a:endParaRPr lang="en-US" dirty="0"/>
           </a:p>
@@ -12483,7 +11481,7 @@
           <a:p>
             <a:fld id="{C2293B35-5E03-4B1C-9DCC-43CD3213BB26}" type="datetime1">
               <a:rPr lang="en-US" smtClean="0"/>
-              <a:t>21-Jul-15</a:t>
+              <a:t>22-Jul-15</a:t>
             </a:fld>
             <a:endParaRPr lang="en-US" dirty="0"/>
           </a:p>
@@ -12856,7 +11854,7 @@
           <a:p>
             <a:fld id="{57920374-59D4-478E-A1F1-6B0E4A240505}" type="datetime1">
               <a:rPr lang="en-US" smtClean="0"/>
-              <a:t>21-Jul-15</a:t>
+              <a:t>22-Jul-15</a:t>
             </a:fld>
             <a:endParaRPr lang="en-US" dirty="0"/>
           </a:p>
@@ -13138,7 +12136,7 @@
           <a:p>
             <a:fld id="{E8C0E2E8-83F9-43B1-8D6E-C17C1061DBD1}" type="datetime1">
               <a:rPr lang="en-US" smtClean="0"/>
-              <a:t>21-Jul-15</a:t>
+              <a:t>22-Jul-15</a:t>
             </a:fld>
             <a:endParaRPr lang="en-US" dirty="0"/>
           </a:p>
@@ -13677,7 +12675,7 @@
         </p:spPr>
         <p:txBody>
           <a:bodyPr>
-            <a:normAutofit/>
+            <a:normAutofit fontScale="90000"/>
           </a:bodyPr>
           <a:lstStyle/>
           <a:p>
@@ -13699,6 +12697,10 @@
             <a:r>
               <a:rPr lang="en-US" sz="4800" i="1" dirty="0"/>
               <a:t>Mid term thesis presentation </a:t>
+            </a:r>
+            <a:r>
+              <a:rPr lang="en-US" sz="4800" i="1" dirty="0" smtClean="0"/>
+              <a:t>– 2014/2015</a:t>
             </a:r>
             <a:endParaRPr lang="en-US" sz="5400" i="1" dirty="0"/>
           </a:p>
@@ -13732,31 +12734,18 @@
                   <a:schemeClr val="tx1"/>
                 </a:solidFill>
               </a:rPr>
-              <a:t>Instituto superior de engenharia de </a:t>
-            </a:r>
+              <a:t>Instituto superior de engenharia de lisboa</a:t>
+            </a:r>
+          </a:p>
+          <a:p>
             <a:r>
               <a:rPr lang="pt-PT" dirty="0" smtClean="0">
                 <a:solidFill>
                   <a:schemeClr val="tx1"/>
                 </a:solidFill>
               </a:rPr>
-              <a:t>lisboa</a:t>
-            </a:r>
-          </a:p>
-          <a:p>
-            <a:r>
-              <a:rPr lang="en-US" dirty="0">
-                <a:solidFill>
-                  <a:schemeClr val="tx1"/>
-                </a:solidFill>
-              </a:rPr>
-              <a:t>Computer Science and Computer Engineering</a:t>
-            </a:r>
-            <a:endParaRPr lang="pt-PT" dirty="0" smtClean="0">
-              <a:solidFill>
-                <a:schemeClr val="tx1"/>
-              </a:solidFill>
-            </a:endParaRPr>
+              <a:t>Mestrado em engenharia informática e computadores</a:t>
+            </a:r>
           </a:p>
           <a:p>
             <a:r>
@@ -13791,7 +12780,7 @@
                   <a:schemeClr val="tx1"/>
                 </a:solidFill>
               </a:rPr>
-              <a:t> Ferreira</a:t>
+              <a:t> Ferreira						23/07</a:t>
             </a:r>
           </a:p>
           <a:p>
@@ -13897,11 +12886,7 @@
           <a:p>
             <a:r>
               <a:rPr lang="en-US" dirty="0" smtClean="0"/>
-              <a:t>ITC 2007 Examination timetabling </a:t>
-            </a:r>
-            <a:r>
-              <a:rPr lang="en-US" dirty="0" smtClean="0"/>
-              <a:t>problem (1/3)</a:t>
+              <a:t>ITC 2007 Examination timetabling problem (1/3)</a:t>
             </a:r>
             <a:endParaRPr lang="en-US" dirty="0"/>
           </a:p>
@@ -14138,11 +13123,7 @@
           <a:p>
             <a:r>
               <a:rPr lang="en-US" dirty="0"/>
-              <a:t>ITC 2007 Examination timetabling </a:t>
-            </a:r>
-            <a:r>
-              <a:rPr lang="en-US" dirty="0"/>
-              <a:t>problem </a:t>
+              <a:t>ITC 2007 Examination timetabling problem </a:t>
             </a:r>
             <a:r>
               <a:rPr lang="en-US" dirty="0" smtClean="0"/>
@@ -14262,11 +13243,7 @@
           <a:p>
             <a:r>
               <a:rPr lang="en-US" dirty="0"/>
-              <a:t>ITC 2007 Examination timetabling </a:t>
-            </a:r>
-            <a:r>
-              <a:rPr lang="en-US" dirty="0"/>
-              <a:t>problem </a:t>
+              <a:t>ITC 2007 Examination timetabling problem </a:t>
             </a:r>
             <a:r>
               <a:rPr lang="en-US" dirty="0" smtClean="0"/>
@@ -14325,7 +13302,6 @@
               <a:rPr lang="en-US" sz="2800" dirty="0" smtClean="0"/>
               <a:t>row or in a day</a:t>
             </a:r>
-            <a:endParaRPr lang="en-US" sz="2800" dirty="0" smtClean="0"/>
           </a:p>
           <a:p>
             <a:pPr lvl="1">
@@ -14486,7 +13462,7 @@
             <p:ph idx="1"/>
             <p:extLst>
               <p:ext uri="{D42A27DB-BD31-4B8C-83A1-F6EECF244321}">
-                <p14:modId xmlns:p14="http://schemas.microsoft.com/office/powerpoint/2010/main" val="878141644"/>
+                <p14:modId xmlns:p14="http://schemas.microsoft.com/office/powerpoint/2010/main" val="2921403826"/>
               </p:ext>
             </p:extLst>
           </p:nvPr>
@@ -14717,7 +13693,6 @@
               <a:rPr lang="en-US" dirty="0" smtClean="0"/>
               <a:t>Provides access to the implemented heuristics</a:t>
             </a:r>
-            <a:endParaRPr lang="en-US" dirty="0" smtClean="0"/>
           </a:p>
           <a:p>
             <a:pPr>
@@ -14805,8 +13780,8 @@
         </p:blipFill>
         <p:spPr>
           <a:xfrm>
-            <a:off x="7038975" y="1757720"/>
-            <a:ext cx="4581525" cy="4527682"/>
+            <a:off x="6576338" y="816295"/>
+            <a:ext cx="5534145" cy="5469107"/>
           </a:xfrm>
           <a:prstGeom prst="rect">
             <a:avLst/>
@@ -15120,13 +14095,8 @@
             </a:r>
             <a:r>
               <a:rPr lang="en-US" dirty="0" smtClean="0"/>
-              <a:t>Ordering </a:t>
-            </a:r>
-            <a:r>
-              <a:rPr lang="en-US" dirty="0" smtClean="0"/>
-              <a:t>method is used</a:t>
-            </a:r>
-            <a:endParaRPr lang="en-US" dirty="0" smtClean="0"/>
+              <a:t>Ordering method is used</a:t>
+            </a:r>
           </a:p>
           <a:p>
             <a:pPr>
@@ -15135,11 +14105,7 @@
             </a:pPr>
             <a:r>
               <a:rPr lang="en-US" dirty="0" smtClean="0"/>
-              <a:t> </a:t>
-            </a:r>
-            <a:r>
-              <a:rPr lang="en-US" dirty="0" smtClean="0"/>
-              <a:t>Generates </a:t>
+              <a:t> Generates </a:t>
             </a:r>
             <a:r>
               <a:rPr lang="en-US" dirty="0"/>
@@ -15157,11 +14123,7 @@
             </a:pPr>
             <a:r>
               <a:rPr lang="en-US" dirty="0" smtClean="0"/>
-              <a:t> Implementation </a:t>
-            </a:r>
-            <a:r>
-              <a:rPr lang="en-US" dirty="0" smtClean="0"/>
-              <a:t>was divided in four phases:</a:t>
+              <a:t> Implementation was divided in four phases:</a:t>
             </a:r>
           </a:p>
           <a:p>
@@ -15403,7 +14365,7 @@
           <a:p>
             <a:pPr algn="ctr"/>
             <a:r>
-              <a:rPr lang="en-US" sz="1000" dirty="0" smtClean="0">
+              <a:rPr lang="en-US" sz="1200" dirty="0" smtClean="0">
                 <a:ln w="0"/>
                 <a:solidFill>
                   <a:schemeClr val="tx1"/>
@@ -15419,7 +14381,7 @@
               </a:rPr>
               <a:t>230</a:t>
             </a:r>
-            <a:endParaRPr lang="en-US" sz="1000" dirty="0">
+            <a:endParaRPr lang="en-US" sz="1200" dirty="0">
               <a:ln w="0"/>
               <a:solidFill>
                 <a:schemeClr val="tx1"/>
@@ -15443,14 +14405,14 @@
           <p:nvPr>
             <p:extLst>
               <p:ext uri="{D42A27DB-BD31-4B8C-83A1-F6EECF244321}">
-                <p14:modId xmlns:p14="http://schemas.microsoft.com/office/powerpoint/2010/main" val="1847517140"/>
+                <p14:modId xmlns:p14="http://schemas.microsoft.com/office/powerpoint/2010/main" val="3637142080"/>
               </p:ext>
             </p:extLst>
           </p:nvPr>
         </p:nvGraphicFramePr>
         <p:xfrm>
-          <a:off x="9391649" y="5038725"/>
-          <a:ext cx="2609851" cy="962025"/>
+          <a:off x="8985504" y="4998721"/>
+          <a:ext cx="3084576" cy="1316736"/>
         </p:xfrm>
         <a:graphic>
           <a:graphicData uri="http://schemas.openxmlformats.org/drawingml/2006/diagram">
@@ -15461,14 +14423,12 @@
       <p:cxnSp>
         <p:nvCxnSpPr>
           <p:cNvPr id="31" name="Straight Arrow Connector 30"/>
-          <p:cNvCxnSpPr>
-            <a:stCxn id="5" idx="3"/>
-          </p:cNvCxnSpPr>
+          <p:cNvCxnSpPr/>
           <p:nvPr/>
         </p:nvCxnSpPr>
         <p:spPr>
           <a:xfrm flipV="1">
-            <a:off x="7865745" y="3944091"/>
+            <a:off x="7858125" y="3944091"/>
             <a:ext cx="257175" cy="1"/>
           </a:xfrm>
           <a:prstGeom prst="straightConnector1">
@@ -15501,7 +14461,7 @@
         </p:nvCxnSpPr>
         <p:spPr>
           <a:xfrm flipV="1">
-            <a:off x="7865744" y="4239433"/>
+            <a:off x="7858124" y="4239433"/>
             <a:ext cx="257175" cy="1"/>
           </a:xfrm>
           <a:prstGeom prst="straightConnector1">
@@ -15567,7 +14527,7 @@
         </p:nvCxnSpPr>
         <p:spPr>
           <a:xfrm flipV="1">
-            <a:off x="8603933" y="4830122"/>
+            <a:off x="8592503" y="4830122"/>
             <a:ext cx="257175" cy="1"/>
           </a:xfrm>
           <a:prstGeom prst="straightConnector1">
@@ -15603,12 +14563,12 @@
         </p:nvCxnSpPr>
         <p:spPr>
           <a:xfrm rot="16200000" flipH="1">
-            <a:off x="8934510" y="3276661"/>
-            <a:ext cx="1198124" cy="2326004"/>
+            <a:off x="8870121" y="3341050"/>
+            <a:ext cx="1158120" cy="2157222"/>
           </a:xfrm>
           <a:prstGeom prst="curvedConnector3">
             <a:avLst>
-              <a:gd name="adj1" fmla="val -19080"/>
+              <a:gd name="adj1" fmla="val -19739"/>
             </a:avLst>
           </a:prstGeom>
           <a:ln>
@@ -15675,7 +14635,7 @@
           <a:p>
             <a:pPr algn="ctr"/>
             <a:r>
-              <a:rPr lang="en-US" sz="1000" dirty="0" smtClean="0">
+              <a:rPr lang="en-US" sz="1200" dirty="0" smtClean="0">
                 <a:ln w="0"/>
                 <a:solidFill>
                   <a:schemeClr val="tx1"/>
@@ -15691,7 +14651,7 @@
               </a:rPr>
               <a:t>110</a:t>
             </a:r>
-            <a:endParaRPr lang="en-US" sz="1000" dirty="0">
+            <a:endParaRPr lang="en-US" sz="1200" dirty="0">
               <a:ln w="0"/>
               <a:solidFill>
                 <a:schemeClr val="tx1"/>
@@ -15753,7 +14713,7 @@
           <a:p>
             <a:pPr algn="ctr"/>
             <a:r>
-              <a:rPr lang="en-US" sz="1000" dirty="0" smtClean="0">
+              <a:rPr lang="en-US" sz="1200" dirty="0" smtClean="0">
                 <a:ln w="0"/>
                 <a:solidFill>
                   <a:schemeClr val="tx1"/>
@@ -15769,7 +14729,7 @@
               </a:rPr>
               <a:t>422</a:t>
             </a:r>
-            <a:endParaRPr lang="en-US" sz="1000" dirty="0">
+            <a:endParaRPr lang="en-US" sz="1200" dirty="0">
               <a:ln w="0"/>
               <a:solidFill>
                 <a:schemeClr val="tx1"/>
@@ -15831,7 +14791,7 @@
           <a:p>
             <a:pPr algn="ctr"/>
             <a:r>
-              <a:rPr lang="en-US" sz="1000" dirty="0" smtClean="0">
+              <a:rPr lang="en-US" sz="1200" dirty="0" smtClean="0">
                 <a:ln w="0"/>
                 <a:solidFill>
                   <a:schemeClr val="tx1"/>
@@ -15847,7 +14807,7 @@
               </a:rPr>
               <a:t>75</a:t>
             </a:r>
-            <a:endParaRPr lang="en-US" sz="1000" dirty="0">
+            <a:endParaRPr lang="en-US" sz="1200" dirty="0">
               <a:ln w="0"/>
               <a:solidFill>
                 <a:schemeClr val="tx1"/>
@@ -15909,7 +14869,7 @@
           <a:p>
             <a:pPr algn="ctr"/>
             <a:r>
-              <a:rPr lang="en-US" sz="1000" dirty="0" smtClean="0">
+              <a:rPr lang="en-US" sz="1200" dirty="0" smtClean="0">
                 <a:ln w="0"/>
                 <a:solidFill>
                   <a:schemeClr val="tx1"/>
@@ -15925,7 +14885,7 @@
               </a:rPr>
               <a:t>621</a:t>
             </a:r>
-            <a:endParaRPr lang="en-US" sz="1000" dirty="0">
+            <a:endParaRPr lang="en-US" sz="1200" dirty="0">
               <a:ln w="0"/>
               <a:solidFill>
                 <a:schemeClr val="tx1"/>
@@ -15950,7 +14910,7 @@
         </p:nvSpPr>
         <p:spPr>
           <a:xfrm>
-            <a:off x="7351393" y="4720582"/>
+            <a:off x="7370443" y="4726418"/>
             <a:ext cx="495300" cy="219075"/>
           </a:xfrm>
           <a:prstGeom prst="rect">
@@ -15987,7 +14947,7 @@
           <a:p>
             <a:pPr algn="ctr"/>
             <a:r>
-              <a:rPr lang="en-US" sz="1000" dirty="0" smtClean="0">
+              <a:rPr lang="en-US" sz="1200" dirty="0" smtClean="0">
                 <a:ln w="0"/>
                 <a:solidFill>
                   <a:schemeClr val="tx1"/>
@@ -16003,7 +14963,7 @@
               </a:rPr>
               <a:t>954</a:t>
             </a:r>
-            <a:endParaRPr lang="en-US" sz="1000" dirty="0">
+            <a:endParaRPr lang="en-US" sz="1200" dirty="0">
               <a:ln w="0"/>
               <a:solidFill>
                 <a:schemeClr val="tx1"/>
@@ -16065,7 +15025,7 @@
           <a:p>
             <a:pPr algn="ctr"/>
             <a:r>
-              <a:rPr lang="en-US" sz="1000" dirty="0" smtClean="0">
+              <a:rPr lang="en-US" sz="1200" dirty="0" smtClean="0">
                 <a:ln w="0"/>
                 <a:solidFill>
                   <a:schemeClr val="tx1"/>
@@ -16081,7 +15041,7 @@
               </a:rPr>
               <a:t>13</a:t>
             </a:r>
-            <a:endParaRPr lang="en-US" sz="1000" dirty="0">
+            <a:endParaRPr lang="en-US" sz="1200" dirty="0">
               <a:ln w="0"/>
               <a:solidFill>
                 <a:schemeClr val="tx1"/>
@@ -16143,7 +15103,7 @@
           <a:p>
             <a:pPr algn="ctr"/>
             <a:r>
-              <a:rPr lang="en-US" sz="1000" dirty="0" smtClean="0">
+              <a:rPr lang="en-US" sz="1200" dirty="0" smtClean="0">
                 <a:ln w="0"/>
                 <a:solidFill>
                   <a:schemeClr val="tx1"/>
@@ -16159,7 +15119,7 @@
               </a:rPr>
               <a:t>755</a:t>
             </a:r>
-            <a:endParaRPr lang="en-US" sz="1000" dirty="0">
+            <a:endParaRPr lang="en-US" sz="1200" dirty="0">
               <a:ln w="0"/>
               <a:solidFill>
                 <a:schemeClr val="tx1"/>
@@ -16522,11 +15482,7 @@
           <a:p>
             <a:r>
               <a:rPr lang="en-US" dirty="0"/>
-              <a:t>Simulated </a:t>
-            </a:r>
-            <a:r>
-              <a:rPr lang="en-US" dirty="0"/>
-              <a:t>Annealing </a:t>
+              <a:t>Simulated Annealing </a:t>
             </a:r>
             <a:r>
               <a:rPr lang="en-US" dirty="0" smtClean="0"/>
@@ -16653,7 +15609,7 @@
         <p:spPr>
           <a:xfrm>
             <a:off x="3605904" y="2379605"/>
-            <a:ext cx="4480821" cy="3489489"/>
+            <a:ext cx="4958976" cy="3861858"/>
           </a:xfrm>
           <a:prstGeom prst="rect">
             <a:avLst/>
@@ -16784,8 +15740,16 @@
               <a:t> </a:t>
             </a:r>
             <a:r>
+              <a:rPr lang="en-US" sz="2800" dirty="0" smtClean="0">
+                <a:solidFill>
+                  <a:srgbClr val="404040"/>
+                </a:solidFill>
+              </a:rPr>
+              <a:t>Guarantees that the computation </a:t>
+            </a:r>
+            <a:r>
               <a:rPr lang="en-US" sz="2800" dirty="0" smtClean="0"/>
-              <a:t>Used to guarantee that the project is finished within the given time limit</a:t>
+              <a:t>is finished within the given time limit</a:t>
             </a:r>
           </a:p>
         </p:txBody>
@@ -16894,7 +15858,7 @@
         <p:spPr/>
         <p:txBody>
           <a:bodyPr>
-            <a:normAutofit/>
+            <a:normAutofit fontScale="85000" lnSpcReduction="20000"/>
           </a:bodyPr>
           <a:lstStyle/>
           <a:p>
@@ -16905,7 +15869,7 @@
             <a:r>
               <a:rPr lang="en-US" sz="2800" dirty="0" smtClean="0">
                 <a:solidFill>
-                  <a:schemeClr val="tx1"/>
+                  <a:srgbClr val="404040"/>
                 </a:solidFill>
               </a:rPr>
               <a:t> The Timetabling Problem</a:t>
@@ -16919,7 +15883,7 @@
             <a:r>
               <a:rPr lang="en-US" sz="2800" dirty="0" smtClean="0">
                 <a:solidFill>
-                  <a:schemeClr val="tx1"/>
+                  <a:srgbClr val="404040"/>
                 </a:solidFill>
               </a:rPr>
               <a:t> Existing Approaches</a:t>
@@ -16933,7 +15897,7 @@
             <a:r>
               <a:rPr lang="en-US" sz="2800" dirty="0">
                 <a:solidFill>
-                  <a:schemeClr val="tx1"/>
+                  <a:srgbClr val="404040"/>
                 </a:solidFill>
               </a:rPr>
               <a:t> </a:t>
@@ -16941,7 +15905,7 @@
             <a:r>
               <a:rPr lang="en-US" sz="2800" dirty="0" smtClean="0">
                 <a:solidFill>
-                  <a:schemeClr val="tx1"/>
+                  <a:srgbClr val="404040"/>
                 </a:solidFill>
               </a:rPr>
               <a:t>ITC2007 Examination Timetabling Problem</a:t>
@@ -16955,7 +15919,7 @@
             <a:r>
               <a:rPr lang="en-US" sz="2800" dirty="0" smtClean="0">
                 <a:solidFill>
-                  <a:schemeClr val="tx1"/>
+                  <a:srgbClr val="404040"/>
                 </a:solidFill>
               </a:rPr>
               <a:t> System Architecture</a:t>
@@ -16969,7 +15933,7 @@
             <a:r>
               <a:rPr lang="en-US" sz="2800" dirty="0" smtClean="0">
                 <a:solidFill>
-                  <a:schemeClr val="tx1"/>
+                  <a:srgbClr val="404040"/>
                 </a:solidFill>
               </a:rPr>
               <a:t> Loader and Solution Initialization </a:t>
@@ -16983,7 +15947,7 @@
             <a:r>
               <a:rPr lang="en-US" sz="2800" dirty="0">
                 <a:solidFill>
-                  <a:schemeClr val="tx1"/>
+                  <a:srgbClr val="404040"/>
                 </a:solidFill>
               </a:rPr>
               <a:t> </a:t>
@@ -16991,7 +15955,7 @@
             <a:r>
               <a:rPr lang="en-US" sz="2800" dirty="0" smtClean="0">
                 <a:solidFill>
-                  <a:schemeClr val="tx1"/>
+                  <a:srgbClr val="404040"/>
                 </a:solidFill>
               </a:rPr>
               <a:t>Proposed Approach: Local Search</a:t>
@@ -17005,10 +15969,46 @@
             <a:r>
               <a:rPr lang="en-US" sz="2800" dirty="0" smtClean="0">
                 <a:solidFill>
-                  <a:schemeClr val="tx1"/>
+                  <a:srgbClr val="404040"/>
                 </a:solidFill>
               </a:rPr>
               <a:t> Experimental Results</a:t>
+            </a:r>
+          </a:p>
+          <a:p>
+            <a:pPr>
+              <a:buFont typeface="Arial" panose="020B0604020202020204" pitchFamily="34" charset="0"/>
+              <a:buChar char="•"/>
+            </a:pPr>
+            <a:r>
+              <a:rPr lang="en-US" sz="2800" dirty="0">
+                <a:solidFill>
+                  <a:srgbClr val="404040"/>
+                </a:solidFill>
+              </a:rPr>
+              <a:t> </a:t>
+            </a:r>
+            <a:r>
+              <a:rPr lang="en-US" sz="2800" dirty="0" smtClean="0">
+                <a:solidFill>
+                  <a:srgbClr val="404040"/>
+                </a:solidFill>
+              </a:rPr>
+              <a:t>Conclusions</a:t>
+            </a:r>
+          </a:p>
+          <a:p>
+            <a:pPr>
+              <a:buFont typeface="Arial" panose="020B0604020202020204" pitchFamily="34" charset="0"/>
+              <a:buChar char="•"/>
+            </a:pPr>
+            <a:r>
+              <a:rPr lang="en-US" sz="2800" dirty="0" smtClean="0">
+                <a:solidFill>
+                  <a:srgbClr val="404040"/>
+                </a:solidFill>
+              </a:rPr>
+              <a:t> Ongoing Work</a:t>
             </a:r>
           </a:p>
           <a:p>
@@ -17151,7 +16151,7 @@
             </a:pPr>
             <a:r>
               <a:rPr lang="en-US" sz="2800" dirty="0" smtClean="0"/>
-              <a:t>Room Change;</a:t>
+              <a:t>Room Change</a:t>
             </a:r>
           </a:p>
           <a:p>
@@ -17161,7 +16161,7 @@
             </a:pPr>
             <a:r>
               <a:rPr lang="en-US" sz="2800" dirty="0" smtClean="0"/>
-              <a:t>Period Change;</a:t>
+              <a:t>Period Change</a:t>
             </a:r>
           </a:p>
           <a:p>
@@ -17171,7 +16171,7 @@
             </a:pPr>
             <a:r>
               <a:rPr lang="en-US" sz="2800" dirty="0" smtClean="0"/>
-              <a:t>Period &amp; Room Change;</a:t>
+              <a:t>Period &amp; Room Change</a:t>
             </a:r>
           </a:p>
           <a:p>
@@ -17181,7 +16181,7 @@
             </a:pPr>
             <a:r>
               <a:rPr lang="en-US" sz="2800" dirty="0" smtClean="0"/>
-              <a:t>Room Swap;</a:t>
+              <a:t>Room Swap</a:t>
             </a:r>
           </a:p>
           <a:p>
@@ -17191,7 +16191,7 @@
             </a:pPr>
             <a:r>
               <a:rPr lang="en-US" sz="2800" dirty="0" smtClean="0"/>
-              <a:t>Period Swap;</a:t>
+              <a:t>Period Swap</a:t>
             </a:r>
           </a:p>
           <a:p>
@@ -17201,7 +16201,7 @@
             </a:pPr>
             <a:r>
               <a:rPr lang="en-US" sz="2800" dirty="0" smtClean="0"/>
-              <a:t>Period &amp; Room Swap.</a:t>
+              <a:t>Period &amp; Room Swap</a:t>
             </a:r>
             <a:endParaRPr lang="en-US" sz="2800" dirty="0"/>
           </a:p>
@@ -17284,11 +16284,7 @@
           <a:p>
             <a:r>
               <a:rPr lang="en-US" dirty="0" smtClean="0"/>
-              <a:t>Experimental </a:t>
-            </a:r>
-            <a:r>
-              <a:rPr lang="en-US" dirty="0" smtClean="0"/>
-              <a:t>Results (1/2)</a:t>
+              <a:t>Experimental Results (1/2)</a:t>
             </a:r>
             <a:endParaRPr lang="en-US" dirty="0"/>
           </a:p>
@@ -17317,7 +16313,15 @@
             </a:pPr>
             <a:r>
               <a:rPr lang="en-US" sz="2800" dirty="0" smtClean="0"/>
-              <a:t> The results were obtained by averaging the 10 runs for each dataset</a:t>
+              <a:t> The results were obtained by averaging </a:t>
+            </a:r>
+            <a:r>
+              <a:rPr lang="en-US" sz="2800" dirty="0" smtClean="0">
+                <a:solidFill>
+                  <a:srgbClr val="404040"/>
+                </a:solidFill>
+              </a:rPr>
+              <a:t>10 runs for each dataset</a:t>
             </a:r>
           </a:p>
           <a:p>
@@ -17326,12 +16330,20 @@
               <a:buChar char="•"/>
             </a:pPr>
             <a:r>
-              <a:rPr lang="en-US" sz="2800" dirty="0"/>
-              <a:t> The parameters used to run the SA </a:t>
-            </a:r>
-            <a:r>
-              <a:rPr lang="en-US" sz="2800" dirty="0" smtClean="0"/>
-              <a:t>were:</a:t>
+              <a:rPr lang="en-US" sz="2800" dirty="0">
+                <a:solidFill>
+                  <a:srgbClr val="404040"/>
+                </a:solidFill>
+              </a:rPr>
+              <a:t> The </a:t>
+            </a:r>
+            <a:r>
+              <a:rPr lang="en-US" sz="2800" dirty="0" smtClean="0">
+                <a:solidFill>
+                  <a:srgbClr val="404040"/>
+                </a:solidFill>
+              </a:rPr>
+              <a:t>SA parameters were:</a:t>
             </a:r>
           </a:p>
           <a:p>
@@ -17502,11 +16514,7 @@
           <a:p>
             <a:r>
               <a:rPr lang="en-US" dirty="0"/>
-              <a:t>Experimental </a:t>
-            </a:r>
-            <a:r>
-              <a:rPr lang="en-US" dirty="0"/>
-              <a:t>Results </a:t>
+              <a:t>Experimental Results </a:t>
             </a:r>
             <a:r>
               <a:rPr lang="en-US" dirty="0" smtClean="0"/>
@@ -17516,7 +16524,6 @@
               <a:rPr lang="en-US" dirty="0"/>
               <a:t>)</a:t>
             </a:r>
-            <a:endParaRPr lang="en-US" dirty="0"/>
           </a:p>
         </p:txBody>
       </p:sp>
@@ -17625,10 +16632,18 @@
           <a:lstStyle/>
           <a:p>
             <a:r>
-              <a:rPr lang="en-US" dirty="0" smtClean="0"/>
-              <a:t>Resume</a:t>
-            </a:r>
-            <a:endParaRPr lang="en-US" dirty="0"/>
+              <a:rPr lang="en-US" dirty="0" smtClean="0">
+                <a:solidFill>
+                  <a:srgbClr val="404040"/>
+                </a:solidFill>
+              </a:rPr>
+              <a:t>Conclusions</a:t>
+            </a:r>
+            <a:endParaRPr lang="en-US" dirty="0">
+              <a:solidFill>
+                <a:srgbClr val="404040"/>
+              </a:solidFill>
+            </a:endParaRPr>
           </a:p>
         </p:txBody>
       </p:sp>
@@ -17655,7 +16670,7 @@
             </a:pPr>
             <a:r>
               <a:rPr lang="en-US" sz="2800" dirty="0" smtClean="0"/>
-              <a:t> A program was developed to generate timetables following ITC2007 rules, using heuristics</a:t>
+              <a:t> A program was developed to generate timetables following ITC2007 rules, using heuristics:</a:t>
             </a:r>
           </a:p>
           <a:p>
@@ -17663,10 +16678,24 @@
               <a:buFont typeface="Arial" panose="020B0604020202020204" pitchFamily="34" charset="0"/>
               <a:buChar char="•"/>
             </a:pPr>
+            <a:endParaRPr lang="en-US" sz="2600" dirty="0" smtClean="0"/>
+          </a:p>
+          <a:p>
+            <a:pPr lvl="1">
+              <a:buFont typeface="Arial" panose="020B0604020202020204" pitchFamily="34" charset="0"/>
+              <a:buChar char="•"/>
+            </a:pPr>
             <a:r>
               <a:rPr lang="en-US" sz="2600" dirty="0" smtClean="0"/>
               <a:t> Graph Coloring heuristic was developed to obtained a feasible solution</a:t>
             </a:r>
+          </a:p>
+          <a:p>
+            <a:pPr lvl="1">
+              <a:buFont typeface="Arial" panose="020B0604020202020204" pitchFamily="34" charset="0"/>
+              <a:buChar char="•"/>
+            </a:pPr>
+            <a:endParaRPr lang="en-US" sz="2600" dirty="0" smtClean="0"/>
           </a:p>
           <a:p>
             <a:pPr lvl="1">
@@ -17778,10 +16807,18 @@
           <a:lstStyle/>
           <a:p>
             <a:r>
-              <a:rPr lang="en-US" dirty="0" smtClean="0"/>
-              <a:t>Implementation Tools</a:t>
-            </a:r>
-            <a:endParaRPr lang="en-US" dirty="0"/>
+              <a:rPr lang="en-US" dirty="0" smtClean="0">
+                <a:solidFill>
+                  <a:srgbClr val="404040"/>
+                </a:solidFill>
+              </a:rPr>
+              <a:t>Tools and Techniques</a:t>
+            </a:r>
+            <a:endParaRPr lang="en-US" dirty="0">
+              <a:solidFill>
+                <a:srgbClr val="404040"/>
+              </a:solidFill>
+            </a:endParaRPr>
           </a:p>
         </p:txBody>
       </p:sp>
@@ -17805,8 +16842,12 @@
               <a:buChar char="•"/>
             </a:pPr>
             <a:r>
-              <a:rPr lang="en-US" sz="2800" dirty="0" smtClean="0"/>
-              <a:t> Developed using ASP.NET (C#)</a:t>
+              <a:rPr lang="en-US" sz="2800" dirty="0" smtClean="0">
+                <a:solidFill>
+                  <a:srgbClr val="404040"/>
+                </a:solidFill>
+              </a:rPr>
+              <a:t> Developed using ASP.NET </a:t>
             </a:r>
           </a:p>
           <a:p>
@@ -17815,16 +16856,72 @@
               <a:buChar char="•"/>
             </a:pPr>
             <a:r>
-              <a:rPr lang="en-US" sz="2800" dirty="0" smtClean="0"/>
-              <a:t> Visual Studio 2013 was used as the development tool with the help of the </a:t>
-            </a:r>
-            <a:r>
-              <a:rPr lang="en-US" sz="2800" dirty="0" err="1" smtClean="0"/>
+              <a:rPr lang="en-US" sz="2800" dirty="0">
+                <a:solidFill>
+                  <a:srgbClr val="404040"/>
+                </a:solidFill>
+              </a:rPr>
+              <a:t> </a:t>
+            </a:r>
+            <a:r>
+              <a:rPr lang="en-US" sz="2800" dirty="0" smtClean="0">
+                <a:solidFill>
+                  <a:srgbClr val="404040"/>
+                </a:solidFill>
+              </a:rPr>
+              <a:t>C# Programming Language</a:t>
+            </a:r>
+          </a:p>
+          <a:p>
+            <a:pPr>
+              <a:buFont typeface="Arial" panose="020B0604020202020204" pitchFamily="34" charset="0"/>
+              <a:buChar char="•"/>
+            </a:pPr>
+            <a:r>
+              <a:rPr lang="en-US" sz="2800" dirty="0" smtClean="0">
+                <a:solidFill>
+                  <a:srgbClr val="404040"/>
+                </a:solidFill>
+              </a:rPr>
+              <a:t> Visual Studio 2013 was used as the development tool </a:t>
+            </a:r>
+          </a:p>
+          <a:p>
+            <a:pPr>
+              <a:buFont typeface="Arial" panose="020B0604020202020204" pitchFamily="34" charset="0"/>
+              <a:buChar char="•"/>
+            </a:pPr>
+            <a:r>
+              <a:rPr lang="en-US" sz="2800" dirty="0">
+                <a:solidFill>
+                  <a:srgbClr val="404040"/>
+                </a:solidFill>
+              </a:rPr>
+              <a:t> </a:t>
+            </a:r>
+            <a:r>
+              <a:rPr lang="en-US" sz="2800" dirty="0" smtClean="0">
+                <a:solidFill>
+                  <a:srgbClr val="404040"/>
+                </a:solidFill>
+              </a:rPr>
+              <a:t>The </a:t>
+            </a:r>
+            <a:r>
+              <a:rPr lang="en-US" sz="2800" dirty="0" err="1" smtClean="0">
+                <a:solidFill>
+                  <a:srgbClr val="404040"/>
+                </a:solidFill>
+              </a:rPr>
               <a:t>Resharper</a:t>
             </a:r>
             <a:r>
-              <a:rPr lang="en-US" sz="2800" dirty="0" smtClean="0"/>
-              <a:t> extension</a:t>
+              <a:rPr lang="en-US" sz="2800" dirty="0" smtClean="0">
+                <a:solidFill>
+                  <a:srgbClr val="404040"/>
+                </a:solidFill>
+              </a:rPr>
+              <a:t> extension was also used</a:t>
             </a:r>
           </a:p>
         </p:txBody>
@@ -17905,10 +17002,34 @@
           <a:lstStyle/>
           <a:p>
             <a:r>
-              <a:rPr lang="en-US" dirty="0" smtClean="0"/>
-              <a:t>Future work</a:t>
-            </a:r>
-            <a:endParaRPr lang="en-US" dirty="0"/>
+              <a:rPr lang="en-US" dirty="0" smtClean="0">
+                <a:solidFill>
+                  <a:srgbClr val="404040"/>
+                </a:solidFill>
+              </a:rPr>
+              <a:t>Ongoing </a:t>
+            </a:r>
+            <a:r>
+              <a:rPr lang="en-US" dirty="0">
+                <a:solidFill>
+                  <a:srgbClr val="404040"/>
+                </a:solidFill>
+              </a:rPr>
+              <a:t>W</a:t>
+            </a:r>
+            <a:r>
+              <a:rPr lang="en-US" dirty="0" smtClean="0">
+                <a:solidFill>
+                  <a:srgbClr val="404040"/>
+                </a:solidFill>
+              </a:rPr>
+              <a:t>ork</a:t>
+            </a:r>
+            <a:endParaRPr lang="en-US" dirty="0">
+              <a:solidFill>
+                <a:srgbClr val="404040"/>
+              </a:solidFill>
+            </a:endParaRPr>
           </a:p>
         </p:txBody>
       </p:sp>
@@ -17934,8 +17055,12 @@
               <a:buChar char="•"/>
             </a:pPr>
             <a:r>
-              <a:rPr lang="en-US" sz="2800" dirty="0" smtClean="0"/>
-              <a:t> Project’s progress is at 75%</a:t>
+              <a:rPr lang="en-US" sz="2800" dirty="0" smtClean="0">
+                <a:solidFill>
+                  <a:srgbClr val="404040"/>
+                </a:solidFill>
+              </a:rPr>
+              <a:t> Project’s progress is about 70%</a:t>
             </a:r>
           </a:p>
           <a:p>
@@ -17944,12 +17069,20 @@
               <a:buChar char="•"/>
             </a:pPr>
             <a:r>
-              <a:rPr lang="en-US" sz="2800" dirty="0"/>
+              <a:rPr lang="en-US" sz="2800" dirty="0">
+                <a:solidFill>
+                  <a:srgbClr val="404040"/>
+                </a:solidFill>
+              </a:rPr>
               <a:t> </a:t>
             </a:r>
             <a:r>
-              <a:rPr lang="en-US" sz="2800" dirty="0" smtClean="0"/>
-              <a:t>The rest will be implemented for the final phase</a:t>
+              <a:rPr lang="en-US" sz="2800" dirty="0" smtClean="0">
+                <a:solidFill>
+                  <a:srgbClr val="404040"/>
+                </a:solidFill>
+              </a:rPr>
+              <a:t>The remainder will be carried out for the final phase:</a:t>
             </a:r>
           </a:p>
           <a:p>
@@ -17958,8 +17091,12 @@
               <a:buChar char="•"/>
             </a:pPr>
             <a:r>
-              <a:rPr lang="en-US" sz="2600" dirty="0" smtClean="0"/>
-              <a:t>Performance improvement of the implemented features</a:t>
+              <a:rPr lang="en-US" sz="2600" dirty="0" smtClean="0">
+                <a:solidFill>
+                  <a:srgbClr val="404040"/>
+                </a:solidFill>
+              </a:rPr>
+              <a:t>Performance improvement of the existing features</a:t>
             </a:r>
           </a:p>
           <a:p>
@@ -17968,7 +17105,11 @@
               <a:buChar char="•"/>
             </a:pPr>
             <a:r>
-              <a:rPr lang="en-US" sz="2600" dirty="0" smtClean="0"/>
+              <a:rPr lang="en-US" sz="2600" dirty="0" smtClean="0">
+                <a:solidFill>
+                  <a:srgbClr val="404040"/>
+                </a:solidFill>
+              </a:rPr>
               <a:t>Implementation of a new approach using a Genetic Algorithm</a:t>
             </a:r>
           </a:p>
@@ -17978,10 +17119,32 @@
               <a:buChar char="•"/>
             </a:pPr>
             <a:r>
-              <a:rPr lang="en-US" sz="2600" dirty="0" smtClean="0"/>
-              <a:t>Results comparison with the five winners and the previous implemented approach</a:t>
-            </a:r>
-            <a:endParaRPr lang="en-US" sz="2600" dirty="0"/>
+              <a:rPr lang="en-US" sz="2600" dirty="0" smtClean="0">
+                <a:solidFill>
+                  <a:srgbClr val="404040"/>
+                </a:solidFill>
+              </a:rPr>
+              <a:t>Comparison against the five ITC2007 winners and with the previous approach</a:t>
+            </a:r>
+          </a:p>
+          <a:p>
+            <a:pPr lvl="1">
+              <a:buFont typeface="Arial" panose="020B0604020202020204" pitchFamily="34" charset="0"/>
+              <a:buChar char="•"/>
+            </a:pPr>
+            <a:r>
+              <a:rPr lang="en-US" sz="2600" dirty="0" smtClean="0">
+                <a:solidFill>
+                  <a:srgbClr val="404040"/>
+                </a:solidFill>
+              </a:rPr>
+              <a:t>Implementation of a GUI to demonstrate the final solution (optional)</a:t>
+            </a:r>
+            <a:endParaRPr lang="en-US" sz="2600" dirty="0">
+              <a:solidFill>
+                <a:srgbClr val="404040"/>
+              </a:solidFill>
+            </a:endParaRPr>
           </a:p>
         </p:txBody>
       </p:sp>
@@ -18097,7 +17260,27 @@
             <a:pPr algn="ctr"/>
             <a:r>
               <a:rPr lang="en-US" sz="2800" dirty="0" smtClean="0"/>
-              <a:t>I hope you enjoyed it!</a:t>
+              <a:t>I hope you </a:t>
+            </a:r>
+            <a:r>
+              <a:rPr lang="en-US" sz="2800" dirty="0" smtClean="0">
+                <a:solidFill>
+                  <a:srgbClr val="404040"/>
+                </a:solidFill>
+              </a:rPr>
+              <a:t>have</a:t>
+            </a:r>
+            <a:r>
+              <a:rPr lang="en-US" sz="2800" dirty="0" smtClean="0">
+                <a:solidFill>
+                  <a:srgbClr val="FF0000"/>
+                </a:solidFill>
+              </a:rPr>
+              <a:t> </a:t>
+            </a:r>
+            <a:r>
+              <a:rPr lang="en-US" sz="2800" dirty="0" smtClean="0"/>
+              <a:t>enjoyed it!</a:t>
             </a:r>
           </a:p>
           <a:p>
@@ -18387,15 +17570,7 @@
                   <a:schemeClr val="tx1"/>
                 </a:solidFill>
               </a:rPr>
-              <a:t>Problem (</a:t>
-            </a:r>
-            <a:r>
-              <a:rPr lang="en-US" dirty="0" smtClean="0">
-                <a:solidFill>
-                  <a:schemeClr val="tx1"/>
-                </a:solidFill>
-              </a:rPr>
-              <a:t>1/2)</a:t>
+              <a:t>Problem (1/2)</a:t>
             </a:r>
             <a:endParaRPr lang="en-US" dirty="0">
               <a:solidFill>
@@ -18473,21 +17648,36 @@
                   <a:srgbClr val="404040"/>
                 </a:solidFill>
               </a:rPr>
-              <a:t>Problem constraints can be hard or </a:t>
-            </a:r>
-            <a:r>
-              <a:rPr lang="en-US" sz="2800" dirty="0" smtClean="0">
+              <a:t>Problem constraints can be hard or soft:</a:t>
+            </a:r>
+          </a:p>
+          <a:p>
+            <a:pPr lvl="1">
+              <a:buFont typeface="Arial" panose="020B0604020202020204" pitchFamily="34" charset="0"/>
+              <a:buChar char="•"/>
+            </a:pPr>
+            <a:r>
+              <a:rPr lang="en-US" sz="2200" dirty="0" smtClean="0">
                 <a:solidFill>
                   <a:srgbClr val="404040"/>
                 </a:solidFill>
               </a:rPr>
-              <a:t>soft</a:t>
-            </a:r>
-            <a:endParaRPr lang="en-US" sz="2400" dirty="0" smtClean="0">
-              <a:solidFill>
-                <a:srgbClr val="404040"/>
-              </a:solidFill>
-            </a:endParaRPr>
+              <a:t>Hard constraints – set of rules which must be followed in order to obtain a feasible/valid solution</a:t>
+            </a:r>
+          </a:p>
+          <a:p>
+            <a:pPr lvl="1">
+              <a:buFont typeface="Arial" panose="020B0604020202020204" pitchFamily="34" charset="0"/>
+              <a:buChar char="•"/>
+            </a:pPr>
+            <a:r>
+              <a:rPr lang="en-US" sz="2200" dirty="0" smtClean="0">
+                <a:solidFill>
+                  <a:srgbClr val="404040"/>
+                </a:solidFill>
+              </a:rPr>
+              <a:t>Soft constraints – set of non mandatory rules that if not followed, it adds a penalty to the solution</a:t>
+            </a:r>
           </a:p>
         </p:txBody>
       </p:sp>
@@ -18596,15 +17786,7 @@
                   <a:schemeClr val="tx1"/>
                 </a:solidFill>
               </a:rPr>
-              <a:t>(</a:t>
-            </a:r>
-            <a:r>
-              <a:rPr lang="en-US" dirty="0" smtClean="0">
-                <a:solidFill>
-                  <a:schemeClr val="tx1"/>
-                </a:solidFill>
-              </a:rPr>
-              <a:t>2/2)</a:t>
+              <a:t>(2/2)</a:t>
             </a:r>
             <a:endParaRPr lang="en-US" dirty="0">
               <a:solidFill>
@@ -19210,11 +18392,7 @@
             </a:r>
             <a:r>
               <a:rPr lang="en-US" dirty="0" smtClean="0"/>
-              <a:t>Problem-specific heuristic</a:t>
-            </a:r>
-            <a:r>
-              <a:rPr lang="en-US" dirty="0" smtClean="0"/>
-              <a:t> </a:t>
+              <a:t>Problem-specific heuristic </a:t>
             </a:r>
           </a:p>
           <a:p>
@@ -19224,11 +18402,7 @@
             </a:pPr>
             <a:r>
               <a:rPr lang="en-US" dirty="0" smtClean="0"/>
-              <a:t> Assign </a:t>
-            </a:r>
-            <a:r>
-              <a:rPr lang="en-US" dirty="0" smtClean="0"/>
-              <a:t>the minimum set of </a:t>
+              <a:t> Assign the minimum set of </a:t>
             </a:r>
             <a:r>
               <a:rPr lang="en-US" dirty="0"/>
